--- a/Презентация диплома.pptx
+++ b/Презентация диплома.pptx
@@ -2,30 +2,34 @@
 <file path=ppt/presentation.xml><?xml version="1.0" encoding="utf-8"?>
 <p:presentation xmlns:a="http://schemas.openxmlformats.org/drawingml/2006/main" xmlns:r="http://schemas.openxmlformats.org/officeDocument/2006/relationships" xmlns:p="http://schemas.openxmlformats.org/presentationml/2006/main" saveSubsetFonts="1">
   <p:sldMasterIdLst>
-    <p:sldMasterId id="2147483757" r:id="rId1"/>
+    <p:sldMasterId id="2147483770" r:id="rId1"/>
   </p:sldMasterIdLst>
   <p:notesMasterIdLst>
-    <p:notesMasterId r:id="rId9"/>
+    <p:notesMasterId r:id="rId13"/>
   </p:notesMasterIdLst>
   <p:handoutMasterIdLst>
-    <p:handoutMasterId r:id="rId10"/>
+    <p:handoutMasterId r:id="rId14"/>
   </p:handoutMasterIdLst>
   <p:sldIdLst>
     <p:sldId id="256" r:id="rId2"/>
     <p:sldId id="270" r:id="rId3"/>
-    <p:sldId id="267" r:id="rId4"/>
-    <p:sldId id="280" r:id="rId5"/>
-    <p:sldId id="278" r:id="rId6"/>
-    <p:sldId id="281" r:id="rId7"/>
-    <p:sldId id="279" r:id="rId8"/>
+    <p:sldId id="280" r:id="rId4"/>
+    <p:sldId id="267" r:id="rId5"/>
+    <p:sldId id="282" r:id="rId6"/>
+    <p:sldId id="283" r:id="rId7"/>
+    <p:sldId id="284" r:id="rId8"/>
+    <p:sldId id="285" r:id="rId9"/>
+    <p:sldId id="278" r:id="rId10"/>
+    <p:sldId id="281" r:id="rId11"/>
+    <p:sldId id="279" r:id="rId12"/>
   </p:sldIdLst>
-  <p:sldSz cx="12192000" cy="6858000"/>
+  <p:sldSz cx="9144000" cy="6858000" type="screen4x3"/>
   <p:notesSz cx="6858000" cy="9144000"/>
   <p:defaultTextStyle>
     <a:defPPr>
-      <a:defRPr lang="ru-RU"/>
+      <a:defRPr lang="en-US"/>
     </a:defPPr>
-    <a:lvl1pPr marL="0" algn="l" defTabSz="914400" rtl="0" eaLnBrk="1" latinLnBrk="0" hangingPunct="1">
+    <a:lvl1pPr marL="0" algn="l" defTabSz="457200" rtl="0" eaLnBrk="1" latinLnBrk="0" hangingPunct="1">
       <a:defRPr sz="1800" kern="1200">
         <a:solidFill>
           <a:schemeClr val="tx1"/>
@@ -35,7 +39,7 @@
         <a:cs typeface="+mn-cs"/>
       </a:defRPr>
     </a:lvl1pPr>
-    <a:lvl2pPr marL="457200" algn="l" defTabSz="914400" rtl="0" eaLnBrk="1" latinLnBrk="0" hangingPunct="1">
+    <a:lvl2pPr marL="457200" algn="l" defTabSz="457200" rtl="0" eaLnBrk="1" latinLnBrk="0" hangingPunct="1">
       <a:defRPr sz="1800" kern="1200">
         <a:solidFill>
           <a:schemeClr val="tx1"/>
@@ -45,7 +49,7 @@
         <a:cs typeface="+mn-cs"/>
       </a:defRPr>
     </a:lvl2pPr>
-    <a:lvl3pPr marL="914400" algn="l" defTabSz="914400" rtl="0" eaLnBrk="1" latinLnBrk="0" hangingPunct="1">
+    <a:lvl3pPr marL="914400" algn="l" defTabSz="457200" rtl="0" eaLnBrk="1" latinLnBrk="0" hangingPunct="1">
       <a:defRPr sz="1800" kern="1200">
         <a:solidFill>
           <a:schemeClr val="tx1"/>
@@ -55,7 +59,7 @@
         <a:cs typeface="+mn-cs"/>
       </a:defRPr>
     </a:lvl3pPr>
-    <a:lvl4pPr marL="1371600" algn="l" defTabSz="914400" rtl="0" eaLnBrk="1" latinLnBrk="0" hangingPunct="1">
+    <a:lvl4pPr marL="1371600" algn="l" defTabSz="457200" rtl="0" eaLnBrk="1" latinLnBrk="0" hangingPunct="1">
       <a:defRPr sz="1800" kern="1200">
         <a:solidFill>
           <a:schemeClr val="tx1"/>
@@ -65,7 +69,7 @@
         <a:cs typeface="+mn-cs"/>
       </a:defRPr>
     </a:lvl4pPr>
-    <a:lvl5pPr marL="1828800" algn="l" defTabSz="914400" rtl="0" eaLnBrk="1" latinLnBrk="0" hangingPunct="1">
+    <a:lvl5pPr marL="1828800" algn="l" defTabSz="457200" rtl="0" eaLnBrk="1" latinLnBrk="0" hangingPunct="1">
       <a:defRPr sz="1800" kern="1200">
         <a:solidFill>
           <a:schemeClr val="tx1"/>
@@ -75,7 +79,7 @@
         <a:cs typeface="+mn-cs"/>
       </a:defRPr>
     </a:lvl5pPr>
-    <a:lvl6pPr marL="2286000" algn="l" defTabSz="914400" rtl="0" eaLnBrk="1" latinLnBrk="0" hangingPunct="1">
+    <a:lvl6pPr marL="2286000" algn="l" defTabSz="457200" rtl="0" eaLnBrk="1" latinLnBrk="0" hangingPunct="1">
       <a:defRPr sz="1800" kern="1200">
         <a:solidFill>
           <a:schemeClr val="tx1"/>
@@ -85,7 +89,7 @@
         <a:cs typeface="+mn-cs"/>
       </a:defRPr>
     </a:lvl6pPr>
-    <a:lvl7pPr marL="2743200" algn="l" defTabSz="914400" rtl="0" eaLnBrk="1" latinLnBrk="0" hangingPunct="1">
+    <a:lvl7pPr marL="2743200" algn="l" defTabSz="457200" rtl="0" eaLnBrk="1" latinLnBrk="0" hangingPunct="1">
       <a:defRPr sz="1800" kern="1200">
         <a:solidFill>
           <a:schemeClr val="tx1"/>
@@ -95,7 +99,7 @@
         <a:cs typeface="+mn-cs"/>
       </a:defRPr>
     </a:lvl7pPr>
-    <a:lvl8pPr marL="3200400" algn="l" defTabSz="914400" rtl="0" eaLnBrk="1" latinLnBrk="0" hangingPunct="1">
+    <a:lvl8pPr marL="3200400" algn="l" defTabSz="457200" rtl="0" eaLnBrk="1" latinLnBrk="0" hangingPunct="1">
       <a:defRPr sz="1800" kern="1200">
         <a:solidFill>
           <a:schemeClr val="tx1"/>
@@ -105,7 +109,7 @@
         <a:cs typeface="+mn-cs"/>
       </a:defRPr>
     </a:lvl8pPr>
-    <a:lvl9pPr marL="3657600" algn="l" defTabSz="914400" rtl="0" eaLnBrk="1" latinLnBrk="0" hangingPunct="1">
+    <a:lvl9pPr marL="3657600" algn="l" defTabSz="457200" rtl="0" eaLnBrk="1" latinLnBrk="0" hangingPunct="1">
       <a:defRPr sz="1800" kern="1200">
         <a:solidFill>
           <a:schemeClr val="tx1"/>
@@ -313,6 +317,7 @@
     </p:extLst>
   </p:cSld>
   <p:clrMap bg1="lt1" tx1="dk1" bg2="lt2" tx2="dk2" accent1="accent1" accent2="accent2" accent3="accent3" accent4="accent4" accent5="accent5" accent6="accent6" hlink="hlink" folHlink="folHlink"/>
+  <p:hf sldNum="0" hdr="0" ftr="0" dt="0"/>
 </p:handoutMaster>
 </file>
 
@@ -416,8 +421,8 @@
         </p:nvSpPr>
         <p:spPr>
           <a:xfrm>
-            <a:off x="685800" y="1143000"/>
-            <a:ext cx="5486400" cy="3086100"/>
+            <a:off x="1371600" y="1143000"/>
+            <a:ext cx="4114800" cy="3086100"/>
           </a:xfrm>
           <a:prstGeom prst="rect">
             <a:avLst/>
@@ -571,6 +576,7 @@
     </p:extLst>
   </p:cSld>
   <p:clrMap bg1="lt1" tx1="dk1" bg2="lt2" tx2="dk2" accent1="accent1" accent2="accent2" accent3="accent3" accent4="accent4" accent5="accent5" accent6="accent6" hlink="hlink" folHlink="folHlink"/>
+  <p:hf sldNum="0" hdr="0" ftr="0" dt="0"/>
   <p:notesStyle>
     <a:lvl1pPr marL="0" algn="l" defTabSz="914400" rtl="0" eaLnBrk="1" latinLnBrk="0" hangingPunct="1">
       <a:defRPr sz="1200" kern="1200">
@@ -685,7 +691,7 @@
       </p:grpSpPr>
       <p:sp>
         <p:nvSpPr>
-          <p:cNvPr id="2" name="Образ слайда 1"/>
+          <p:cNvPr id="2" name="Slide Image Placeholder 1"/>
           <p:cNvSpPr>
             <a:spLocks noGrp="1" noRot="1" noChangeAspect="1"/>
           </p:cNvSpPr>
@@ -693,54 +699,186 @@
             <p:ph type="sldImg"/>
           </p:nvPr>
         </p:nvSpPr>
+        <p:spPr>
+          <a:xfrm>
+            <a:off x="1371600" y="1143000"/>
+            <a:ext cx="4114800" cy="3086100"/>
+          </a:xfrm>
+        </p:spPr>
+      </p:sp>
+      <p:sp>
+        <p:nvSpPr>
+          <p:cNvPr id="3" name="Notes Placeholder 2"/>
+          <p:cNvSpPr>
+            <a:spLocks noGrp="1"/>
+          </p:cNvSpPr>
+          <p:nvPr>
+            <p:ph type="body" idx="1"/>
+          </p:nvPr>
+        </p:nvSpPr>
         <p:spPr/>
-      </p:sp>
-      <p:sp>
-        <p:nvSpPr>
-          <p:cNvPr id="3" name="Заметки 2"/>
-          <p:cNvSpPr>
-            <a:spLocks noGrp="1"/>
-          </p:cNvSpPr>
-          <p:nvPr>
-            <p:ph type="body" idx="1"/>
-          </p:nvPr>
-        </p:nvSpPr>
-        <p:spPr/>
         <p:txBody>
           <a:bodyPr/>
           <a:lstStyle/>
           <a:p>
-            <a:endParaRPr lang="ru-RU"/>
-          </a:p>
-        </p:txBody>
-      </p:sp>
-      <p:sp>
-        <p:nvSpPr>
-          <p:cNvPr id="4" name="Номер слайда 3"/>
-          <p:cNvSpPr>
-            <a:spLocks noGrp="1"/>
-          </p:cNvSpPr>
-          <p:nvPr>
-            <p:ph type="sldNum" sz="quarter" idx="5"/>
-          </p:nvPr>
-        </p:nvSpPr>
-        <p:spPr/>
-        <p:txBody>
-          <a:bodyPr/>
-          <a:lstStyle/>
-          <a:p>
-            <a:fld id="{5EE0F7E6-85F7-43D7-B4B9-9E6E05B54E80}" type="slidenum">
-              <a:rPr lang="ru-RU" smtClean="0"/>
-              <a:t>3</a:t>
-            </a:fld>
-            <a:endParaRPr lang="ru-RU"/>
+            <a:endParaRPr lang="en-RU"/>
           </a:p>
         </p:txBody>
       </p:sp>
     </p:spTree>
     <p:extLst>
       <p:ext uri="{BB962C8B-B14F-4D97-AF65-F5344CB8AC3E}">
-        <p14:creationId xmlns:p14="http://schemas.microsoft.com/office/powerpoint/2010/main" val="3161344895"/>
+        <p14:creationId xmlns:p14="http://schemas.microsoft.com/office/powerpoint/2010/main" val="232479698"/>
+      </p:ext>
+    </p:extLst>
+  </p:cSld>
+  <p:clrMapOvr>
+    <a:masterClrMapping/>
+  </p:clrMapOvr>
+</p:notes>
+</file>
+
+<file path=ppt/notesSlides/notesSlide10.xml><?xml version="1.0" encoding="utf-8"?>
+<p:notes xmlns:a="http://schemas.openxmlformats.org/drawingml/2006/main" xmlns:r="http://schemas.openxmlformats.org/officeDocument/2006/relationships" xmlns:p="http://schemas.openxmlformats.org/presentationml/2006/main">
+  <p:cSld>
+    <p:spTree>
+      <p:nvGrpSpPr>
+        <p:cNvPr id="1" name="">
+          <a:extLst>
+            <a:ext uri="{FF2B5EF4-FFF2-40B4-BE49-F238E27FC236}">
+              <a16:creationId xmlns:a16="http://schemas.microsoft.com/office/drawing/2014/main" id="{D1E39B31-728E-B2FF-C00B-019237CE74D8}"/>
+            </a:ext>
+          </a:extLst>
+        </p:cNvPr>
+        <p:cNvGrpSpPr/>
+        <p:nvPr/>
+      </p:nvGrpSpPr>
+      <p:grpSpPr>
+        <a:xfrm>
+          <a:off x="0" y="0"/>
+          <a:ext cx="0" cy="0"/>
+          <a:chOff x="0" y="0"/>
+          <a:chExt cx="0" cy="0"/>
+        </a:xfrm>
+      </p:grpSpPr>
+      <p:sp>
+        <p:nvSpPr>
+          <p:cNvPr id="2" name="Образ слайда 1">
+            <a:extLst>
+              <a:ext uri="{FF2B5EF4-FFF2-40B4-BE49-F238E27FC236}">
+                <a16:creationId xmlns:a16="http://schemas.microsoft.com/office/drawing/2014/main" id="{CFDFBBAD-F303-C016-9588-312AD5F87EAC}"/>
+              </a:ext>
+            </a:extLst>
+          </p:cNvPr>
+          <p:cNvSpPr>
+            <a:spLocks noGrp="1" noRot="1" noChangeAspect="1"/>
+          </p:cNvSpPr>
+          <p:nvPr>
+            <p:ph type="sldImg"/>
+          </p:nvPr>
+        </p:nvSpPr>
+        <p:spPr>
+          <a:xfrm>
+            <a:off x="1371600" y="1143000"/>
+            <a:ext cx="4114800" cy="3086100"/>
+          </a:xfrm>
+        </p:spPr>
+      </p:sp>
+      <p:sp>
+        <p:nvSpPr>
+          <p:cNvPr id="3" name="Заметки 2">
+            <a:extLst>
+              <a:ext uri="{FF2B5EF4-FFF2-40B4-BE49-F238E27FC236}">
+                <a16:creationId xmlns:a16="http://schemas.microsoft.com/office/drawing/2014/main" id="{C53DD653-9208-97BC-0D4E-D37D6232370E}"/>
+              </a:ext>
+            </a:extLst>
+          </p:cNvPr>
+          <p:cNvSpPr>
+            <a:spLocks noGrp="1"/>
+          </p:cNvSpPr>
+          <p:nvPr>
+            <p:ph type="body" idx="1"/>
+          </p:nvPr>
+        </p:nvSpPr>
+        <p:spPr/>
+        <p:txBody>
+          <a:bodyPr/>
+          <a:lstStyle/>
+          <a:p>
+            <a:endParaRPr lang="ru-RU"/>
+          </a:p>
+        </p:txBody>
+      </p:sp>
+    </p:spTree>
+    <p:extLst>
+      <p:ext uri="{BB962C8B-B14F-4D97-AF65-F5344CB8AC3E}">
+        <p14:creationId xmlns:p14="http://schemas.microsoft.com/office/powerpoint/2010/main" val="1704070256"/>
+      </p:ext>
+    </p:extLst>
+  </p:cSld>
+  <p:clrMapOvr>
+    <a:masterClrMapping/>
+  </p:clrMapOvr>
+</p:notes>
+</file>
+
+<file path=ppt/notesSlides/notesSlide11.xml><?xml version="1.0" encoding="utf-8"?>
+<p:notes xmlns:a="http://schemas.openxmlformats.org/drawingml/2006/main" xmlns:r="http://schemas.openxmlformats.org/officeDocument/2006/relationships" xmlns:p="http://schemas.openxmlformats.org/presentationml/2006/main">
+  <p:cSld>
+    <p:spTree>
+      <p:nvGrpSpPr>
+        <p:cNvPr id="1" name=""/>
+        <p:cNvGrpSpPr/>
+        <p:nvPr/>
+      </p:nvGrpSpPr>
+      <p:grpSpPr>
+        <a:xfrm>
+          <a:off x="0" y="0"/>
+          <a:ext cx="0" cy="0"/>
+          <a:chOff x="0" y="0"/>
+          <a:chExt cx="0" cy="0"/>
+        </a:xfrm>
+      </p:grpSpPr>
+      <p:sp>
+        <p:nvSpPr>
+          <p:cNvPr id="2" name="Slide Image Placeholder 1"/>
+          <p:cNvSpPr>
+            <a:spLocks noGrp="1" noRot="1" noChangeAspect="1"/>
+          </p:cNvSpPr>
+          <p:nvPr>
+            <p:ph type="sldImg"/>
+          </p:nvPr>
+        </p:nvSpPr>
+        <p:spPr>
+          <a:xfrm>
+            <a:off x="1371600" y="1143000"/>
+            <a:ext cx="4114800" cy="3086100"/>
+          </a:xfrm>
+        </p:spPr>
+      </p:sp>
+      <p:sp>
+        <p:nvSpPr>
+          <p:cNvPr id="3" name="Notes Placeholder 2"/>
+          <p:cNvSpPr>
+            <a:spLocks noGrp="1"/>
+          </p:cNvSpPr>
+          <p:nvPr>
+            <p:ph type="body" idx="1"/>
+          </p:nvPr>
+        </p:nvSpPr>
+        <p:spPr/>
+        <p:txBody>
+          <a:bodyPr/>
+          <a:lstStyle/>
+          <a:p>
+            <a:endParaRPr lang="en-RU"/>
+          </a:p>
+        </p:txBody>
+      </p:sp>
+    </p:spTree>
+    <p:extLst>
+      <p:ext uri="{BB962C8B-B14F-4D97-AF65-F5344CB8AC3E}">
+        <p14:creationId xmlns:p14="http://schemas.microsoft.com/office/powerpoint/2010/main" val="3362250525"/>
       </p:ext>
     </p:extLst>
   </p:cSld>
@@ -751,6 +889,72 @@
 </file>
 
 <file path=ppt/notesSlides/notesSlide2.xml><?xml version="1.0" encoding="utf-8"?>
+<p:notes xmlns:a="http://schemas.openxmlformats.org/drawingml/2006/main" xmlns:r="http://schemas.openxmlformats.org/officeDocument/2006/relationships" xmlns:p="http://schemas.openxmlformats.org/presentationml/2006/main">
+  <p:cSld>
+    <p:spTree>
+      <p:nvGrpSpPr>
+        <p:cNvPr id="1" name=""/>
+        <p:cNvGrpSpPr/>
+        <p:nvPr/>
+      </p:nvGrpSpPr>
+      <p:grpSpPr>
+        <a:xfrm>
+          <a:off x="0" y="0"/>
+          <a:ext cx="0" cy="0"/>
+          <a:chOff x="0" y="0"/>
+          <a:chExt cx="0" cy="0"/>
+        </a:xfrm>
+      </p:grpSpPr>
+      <p:sp>
+        <p:nvSpPr>
+          <p:cNvPr id="2" name="Slide Image Placeholder 1"/>
+          <p:cNvSpPr>
+            <a:spLocks noGrp="1" noRot="1" noChangeAspect="1"/>
+          </p:cNvSpPr>
+          <p:nvPr>
+            <p:ph type="sldImg"/>
+          </p:nvPr>
+        </p:nvSpPr>
+        <p:spPr>
+          <a:xfrm>
+            <a:off x="1371600" y="1143000"/>
+            <a:ext cx="4114800" cy="3086100"/>
+          </a:xfrm>
+        </p:spPr>
+      </p:sp>
+      <p:sp>
+        <p:nvSpPr>
+          <p:cNvPr id="3" name="Notes Placeholder 2"/>
+          <p:cNvSpPr>
+            <a:spLocks noGrp="1"/>
+          </p:cNvSpPr>
+          <p:nvPr>
+            <p:ph type="body" idx="1"/>
+          </p:nvPr>
+        </p:nvSpPr>
+        <p:spPr/>
+        <p:txBody>
+          <a:bodyPr/>
+          <a:lstStyle/>
+          <a:p>
+            <a:endParaRPr lang="en-RU"/>
+          </a:p>
+        </p:txBody>
+      </p:sp>
+    </p:spTree>
+    <p:extLst>
+      <p:ext uri="{BB962C8B-B14F-4D97-AF65-F5344CB8AC3E}">
+        <p14:creationId xmlns:p14="http://schemas.microsoft.com/office/powerpoint/2010/main" val="3077650853"/>
+      </p:ext>
+    </p:extLst>
+  </p:cSld>
+  <p:clrMapOvr>
+    <a:masterClrMapping/>
+  </p:clrMapOvr>
+</p:notes>
+</file>
+
+<file path=ppt/notesSlides/notesSlide3.xml><?xml version="1.0" encoding="utf-8"?>
 <p:notes xmlns:a="http://schemas.openxmlformats.org/drawingml/2006/main" xmlns:r="http://schemas.openxmlformats.org/officeDocument/2006/relationships" xmlns:p="http://schemas.openxmlformats.org/presentationml/2006/main">
   <p:cSld>
     <p:spTree>
@@ -789,7 +993,12 @@
             <p:ph type="sldImg"/>
           </p:nvPr>
         </p:nvSpPr>
-        <p:spPr/>
+        <p:spPr>
+          <a:xfrm>
+            <a:off x="1371600" y="1143000"/>
+            <a:ext cx="4114800" cy="3086100"/>
+          </a:xfrm>
+        </p:spPr>
       </p:sp>
       <p:sp>
         <p:nvSpPr>
@@ -812,35 +1021,6 @@
           <a:bodyPr/>
           <a:lstStyle/>
           <a:p>
-            <a:endParaRPr lang="ru-RU"/>
-          </a:p>
-        </p:txBody>
-      </p:sp>
-      <p:sp>
-        <p:nvSpPr>
-          <p:cNvPr id="4" name="Номер слайда 3">
-            <a:extLst>
-              <a:ext uri="{FF2B5EF4-FFF2-40B4-BE49-F238E27FC236}">
-                <a16:creationId xmlns:a16="http://schemas.microsoft.com/office/drawing/2014/main" id="{3C9A4789-018E-6EDB-CD27-2B069E179A24}"/>
-              </a:ext>
-            </a:extLst>
-          </p:cNvPr>
-          <p:cNvSpPr>
-            <a:spLocks noGrp="1"/>
-          </p:cNvSpPr>
-          <p:nvPr>
-            <p:ph type="sldNum" sz="quarter" idx="5"/>
-          </p:nvPr>
-        </p:nvSpPr>
-        <p:spPr/>
-        <p:txBody>
-          <a:bodyPr/>
-          <a:lstStyle/>
-          <a:p>
-            <a:fld id="{5EE0F7E6-85F7-43D7-B4B9-9E6E05B54E80}" type="slidenum">
-              <a:rPr lang="ru-RU" smtClean="0"/>
-              <a:t>4</a:t>
-            </a:fld>
             <a:endParaRPr lang="ru-RU"/>
           </a:p>
         </p:txBody>
@@ -858,7 +1038,73 @@
 </p:notes>
 </file>
 
-<file path=ppt/notesSlides/notesSlide3.xml><?xml version="1.0" encoding="utf-8"?>
+<file path=ppt/notesSlides/notesSlide4.xml><?xml version="1.0" encoding="utf-8"?>
+<p:notes xmlns:a="http://schemas.openxmlformats.org/drawingml/2006/main" xmlns:r="http://schemas.openxmlformats.org/officeDocument/2006/relationships" xmlns:p="http://schemas.openxmlformats.org/presentationml/2006/main">
+  <p:cSld>
+    <p:spTree>
+      <p:nvGrpSpPr>
+        <p:cNvPr id="1" name=""/>
+        <p:cNvGrpSpPr/>
+        <p:nvPr/>
+      </p:nvGrpSpPr>
+      <p:grpSpPr>
+        <a:xfrm>
+          <a:off x="0" y="0"/>
+          <a:ext cx="0" cy="0"/>
+          <a:chOff x="0" y="0"/>
+          <a:chExt cx="0" cy="0"/>
+        </a:xfrm>
+      </p:grpSpPr>
+      <p:sp>
+        <p:nvSpPr>
+          <p:cNvPr id="2" name="Образ слайда 1"/>
+          <p:cNvSpPr>
+            <a:spLocks noGrp="1" noRot="1" noChangeAspect="1"/>
+          </p:cNvSpPr>
+          <p:nvPr>
+            <p:ph type="sldImg"/>
+          </p:nvPr>
+        </p:nvSpPr>
+        <p:spPr>
+          <a:xfrm>
+            <a:off x="1371600" y="1143000"/>
+            <a:ext cx="4114800" cy="3086100"/>
+          </a:xfrm>
+        </p:spPr>
+      </p:sp>
+      <p:sp>
+        <p:nvSpPr>
+          <p:cNvPr id="3" name="Заметки 2"/>
+          <p:cNvSpPr>
+            <a:spLocks noGrp="1"/>
+          </p:cNvSpPr>
+          <p:nvPr>
+            <p:ph type="body" idx="1"/>
+          </p:nvPr>
+        </p:nvSpPr>
+        <p:spPr/>
+        <p:txBody>
+          <a:bodyPr/>
+          <a:lstStyle/>
+          <a:p>
+            <a:endParaRPr lang="ru-RU"/>
+          </a:p>
+        </p:txBody>
+      </p:sp>
+    </p:spTree>
+    <p:extLst>
+      <p:ext uri="{BB962C8B-B14F-4D97-AF65-F5344CB8AC3E}">
+        <p14:creationId xmlns:p14="http://schemas.microsoft.com/office/powerpoint/2010/main" val="3161344895"/>
+      </p:ext>
+    </p:extLst>
+  </p:cSld>
+  <p:clrMapOvr>
+    <a:masterClrMapping/>
+  </p:clrMapOvr>
+</p:notes>
+</file>
+
+<file path=ppt/notesSlides/notesSlide5.xml><?xml version="1.0" encoding="utf-8"?>
 <p:notes xmlns:a="http://schemas.openxmlformats.org/drawingml/2006/main" xmlns:r="http://schemas.openxmlformats.org/officeDocument/2006/relationships" xmlns:p="http://schemas.openxmlformats.org/presentationml/2006/main">
   <p:cSld>
     <p:spTree>
@@ -866,7 +1112,7 @@
         <p:cNvPr id="1" name="">
           <a:extLst>
             <a:ext uri="{FF2B5EF4-FFF2-40B4-BE49-F238E27FC236}">
-              <a16:creationId xmlns:a16="http://schemas.microsoft.com/office/drawing/2014/main" id="{D1E39B31-728E-B2FF-C00B-019237CE74D8}"/>
+              <a16:creationId xmlns:a16="http://schemas.microsoft.com/office/drawing/2014/main" id="{8AB16F6D-642D-CCBE-E427-0B515906867D}"/>
             </a:ext>
           </a:extLst>
         </p:cNvPr>
@@ -883,10 +1129,10 @@
       </p:grpSpPr>
       <p:sp>
         <p:nvSpPr>
-          <p:cNvPr id="2" name="Образ слайда 1">
+          <p:cNvPr id="2" name="Slide Image Placeholder 1">
             <a:extLst>
               <a:ext uri="{FF2B5EF4-FFF2-40B4-BE49-F238E27FC236}">
-                <a16:creationId xmlns:a16="http://schemas.microsoft.com/office/drawing/2014/main" id="{CFDFBBAD-F303-C016-9588-312AD5F87EAC}"/>
+                <a16:creationId xmlns:a16="http://schemas.microsoft.com/office/drawing/2014/main" id="{D4F1AD30-4461-AFD6-1217-1F5C1FFCC934}"/>
               </a:ext>
             </a:extLst>
           </p:cNvPr>
@@ -897,14 +1143,19 @@
             <p:ph type="sldImg"/>
           </p:nvPr>
         </p:nvSpPr>
-        <p:spPr/>
-      </p:sp>
-      <p:sp>
-        <p:nvSpPr>
-          <p:cNvPr id="3" name="Заметки 2">
+        <p:spPr>
+          <a:xfrm>
+            <a:off x="1371600" y="1143000"/>
+            <a:ext cx="4114800" cy="3086100"/>
+          </a:xfrm>
+        </p:spPr>
+      </p:sp>
+      <p:sp>
+        <p:nvSpPr>
+          <p:cNvPr id="3" name="Notes Placeholder 2">
             <a:extLst>
               <a:ext uri="{FF2B5EF4-FFF2-40B4-BE49-F238E27FC236}">
-                <a16:creationId xmlns:a16="http://schemas.microsoft.com/office/drawing/2014/main" id="{C53DD653-9208-97BC-0D4E-D37D6232370E}"/>
+                <a16:creationId xmlns:a16="http://schemas.microsoft.com/office/drawing/2014/main" id="{93E92C8D-95FC-7FC0-E9E1-E97CDA5AB256}"/>
               </a:ext>
             </a:extLst>
           </p:cNvPr>
@@ -920,43 +1171,14 @@
           <a:bodyPr/>
           <a:lstStyle/>
           <a:p>
-            <a:endParaRPr lang="ru-RU"/>
-          </a:p>
-        </p:txBody>
-      </p:sp>
-      <p:sp>
-        <p:nvSpPr>
-          <p:cNvPr id="4" name="Номер слайда 3">
-            <a:extLst>
-              <a:ext uri="{FF2B5EF4-FFF2-40B4-BE49-F238E27FC236}">
-                <a16:creationId xmlns:a16="http://schemas.microsoft.com/office/drawing/2014/main" id="{D083AEFC-37B6-898E-A7CB-D4704D92BE74}"/>
-              </a:ext>
-            </a:extLst>
-          </p:cNvPr>
-          <p:cNvSpPr>
-            <a:spLocks noGrp="1"/>
-          </p:cNvSpPr>
-          <p:nvPr>
-            <p:ph type="sldNum" sz="quarter" idx="5"/>
-          </p:nvPr>
-        </p:nvSpPr>
-        <p:spPr/>
-        <p:txBody>
-          <a:bodyPr/>
-          <a:lstStyle/>
-          <a:p>
-            <a:fld id="{5EE0F7E6-85F7-43D7-B4B9-9E6E05B54E80}" type="slidenum">
-              <a:rPr lang="ru-RU" smtClean="0"/>
-              <a:t>6</a:t>
-            </a:fld>
-            <a:endParaRPr lang="ru-RU"/>
+            <a:endParaRPr lang="en-RU" dirty="0"/>
           </a:p>
         </p:txBody>
       </p:sp>
     </p:spTree>
     <p:extLst>
       <p:ext uri="{BB962C8B-B14F-4D97-AF65-F5344CB8AC3E}">
-        <p14:creationId xmlns:p14="http://schemas.microsoft.com/office/powerpoint/2010/main" val="1704070256"/>
+        <p14:creationId xmlns:p14="http://schemas.microsoft.com/office/powerpoint/2010/main" val="3656054629"/>
       </p:ext>
     </p:extLst>
   </p:cSld>
@@ -966,9 +1188,261 @@
 </p:notes>
 </file>
 
-<file path=ppt/slideLayouts/slideLayout1.xml><?xml version="1.0" encoding="utf-8"?>
-<p:sldLayout xmlns:a="http://schemas.openxmlformats.org/drawingml/2006/main" xmlns:r="http://schemas.openxmlformats.org/officeDocument/2006/relationships" xmlns:p="http://schemas.openxmlformats.org/presentationml/2006/main" type="title" preserve="1">
-  <p:cSld name="Титульный слайд">
+<file path=ppt/notesSlides/notesSlide6.xml><?xml version="1.0" encoding="utf-8"?>
+<p:notes xmlns:a="http://schemas.openxmlformats.org/drawingml/2006/main" xmlns:r="http://schemas.openxmlformats.org/officeDocument/2006/relationships" xmlns:p="http://schemas.openxmlformats.org/presentationml/2006/main">
+  <p:cSld>
+    <p:spTree>
+      <p:nvGrpSpPr>
+        <p:cNvPr id="1" name="">
+          <a:extLst>
+            <a:ext uri="{FF2B5EF4-FFF2-40B4-BE49-F238E27FC236}">
+              <a16:creationId xmlns:a16="http://schemas.microsoft.com/office/drawing/2014/main" id="{831C10E0-80B2-BDF6-BEA8-8C5A6378D77C}"/>
+            </a:ext>
+          </a:extLst>
+        </p:cNvPr>
+        <p:cNvGrpSpPr/>
+        <p:nvPr/>
+      </p:nvGrpSpPr>
+      <p:grpSpPr>
+        <a:xfrm>
+          <a:off x="0" y="0"/>
+          <a:ext cx="0" cy="0"/>
+          <a:chOff x="0" y="0"/>
+          <a:chExt cx="0" cy="0"/>
+        </a:xfrm>
+      </p:grpSpPr>
+      <p:sp>
+        <p:nvSpPr>
+          <p:cNvPr id="2" name="Slide Image Placeholder 1">
+            <a:extLst>
+              <a:ext uri="{FF2B5EF4-FFF2-40B4-BE49-F238E27FC236}">
+                <a16:creationId xmlns:a16="http://schemas.microsoft.com/office/drawing/2014/main" id="{80353CCF-3468-59BE-3308-1B60BE958766}"/>
+              </a:ext>
+            </a:extLst>
+          </p:cNvPr>
+          <p:cNvSpPr>
+            <a:spLocks noGrp="1" noRot="1" noChangeAspect="1"/>
+          </p:cNvSpPr>
+          <p:nvPr>
+            <p:ph type="sldImg"/>
+          </p:nvPr>
+        </p:nvSpPr>
+        <p:spPr>
+          <a:xfrm>
+            <a:off x="1371600" y="1143000"/>
+            <a:ext cx="4114800" cy="3086100"/>
+          </a:xfrm>
+        </p:spPr>
+      </p:sp>
+      <p:sp>
+        <p:nvSpPr>
+          <p:cNvPr id="3" name="Notes Placeholder 2">
+            <a:extLst>
+              <a:ext uri="{FF2B5EF4-FFF2-40B4-BE49-F238E27FC236}">
+                <a16:creationId xmlns:a16="http://schemas.microsoft.com/office/drawing/2014/main" id="{6CF2EFCD-79E1-B23A-BE89-BDFE12C9CC90}"/>
+              </a:ext>
+            </a:extLst>
+          </p:cNvPr>
+          <p:cNvSpPr>
+            <a:spLocks noGrp="1"/>
+          </p:cNvSpPr>
+          <p:nvPr>
+            <p:ph type="body" idx="1"/>
+          </p:nvPr>
+        </p:nvSpPr>
+        <p:spPr/>
+        <p:txBody>
+          <a:bodyPr/>
+          <a:lstStyle/>
+          <a:p>
+            <a:endParaRPr lang="en-RU" dirty="0"/>
+          </a:p>
+        </p:txBody>
+      </p:sp>
+    </p:spTree>
+    <p:extLst>
+      <p:ext uri="{BB962C8B-B14F-4D97-AF65-F5344CB8AC3E}">
+        <p14:creationId xmlns:p14="http://schemas.microsoft.com/office/powerpoint/2010/main" val="348835309"/>
+      </p:ext>
+    </p:extLst>
+  </p:cSld>
+  <p:clrMapOvr>
+    <a:masterClrMapping/>
+  </p:clrMapOvr>
+</p:notes>
+</file>
+
+<file path=ppt/notesSlides/notesSlide7.xml><?xml version="1.0" encoding="utf-8"?>
+<p:notes xmlns:a="http://schemas.openxmlformats.org/drawingml/2006/main" xmlns:r="http://schemas.openxmlformats.org/officeDocument/2006/relationships" xmlns:p="http://schemas.openxmlformats.org/presentationml/2006/main">
+  <p:cSld>
+    <p:spTree>
+      <p:nvGrpSpPr>
+        <p:cNvPr id="1" name="">
+          <a:extLst>
+            <a:ext uri="{FF2B5EF4-FFF2-40B4-BE49-F238E27FC236}">
+              <a16:creationId xmlns:a16="http://schemas.microsoft.com/office/drawing/2014/main" id="{0C83FD92-5563-B9BA-D89D-DF39D8DCF18C}"/>
+            </a:ext>
+          </a:extLst>
+        </p:cNvPr>
+        <p:cNvGrpSpPr/>
+        <p:nvPr/>
+      </p:nvGrpSpPr>
+      <p:grpSpPr>
+        <a:xfrm>
+          <a:off x="0" y="0"/>
+          <a:ext cx="0" cy="0"/>
+          <a:chOff x="0" y="0"/>
+          <a:chExt cx="0" cy="0"/>
+        </a:xfrm>
+      </p:grpSpPr>
+      <p:sp>
+        <p:nvSpPr>
+          <p:cNvPr id="2" name="Slide Image Placeholder 1">
+            <a:extLst>
+              <a:ext uri="{FF2B5EF4-FFF2-40B4-BE49-F238E27FC236}">
+                <a16:creationId xmlns:a16="http://schemas.microsoft.com/office/drawing/2014/main" id="{45F2027B-36B5-32EE-B9F6-30EE96F56F7E}"/>
+              </a:ext>
+            </a:extLst>
+          </p:cNvPr>
+          <p:cNvSpPr>
+            <a:spLocks noGrp="1" noRot="1" noChangeAspect="1"/>
+          </p:cNvSpPr>
+          <p:nvPr>
+            <p:ph type="sldImg"/>
+          </p:nvPr>
+        </p:nvSpPr>
+        <p:spPr>
+          <a:xfrm>
+            <a:off x="1371600" y="1143000"/>
+            <a:ext cx="4114800" cy="3086100"/>
+          </a:xfrm>
+        </p:spPr>
+      </p:sp>
+      <p:sp>
+        <p:nvSpPr>
+          <p:cNvPr id="3" name="Notes Placeholder 2">
+            <a:extLst>
+              <a:ext uri="{FF2B5EF4-FFF2-40B4-BE49-F238E27FC236}">
+                <a16:creationId xmlns:a16="http://schemas.microsoft.com/office/drawing/2014/main" id="{A17D1695-7288-20ED-3A0E-80A767E04952}"/>
+              </a:ext>
+            </a:extLst>
+          </p:cNvPr>
+          <p:cNvSpPr>
+            <a:spLocks noGrp="1"/>
+          </p:cNvSpPr>
+          <p:nvPr>
+            <p:ph type="body" idx="1"/>
+          </p:nvPr>
+        </p:nvSpPr>
+        <p:spPr/>
+        <p:txBody>
+          <a:bodyPr/>
+          <a:lstStyle/>
+          <a:p>
+            <a:endParaRPr lang="en-RU" dirty="0"/>
+          </a:p>
+        </p:txBody>
+      </p:sp>
+    </p:spTree>
+    <p:extLst>
+      <p:ext uri="{BB962C8B-B14F-4D97-AF65-F5344CB8AC3E}">
+        <p14:creationId xmlns:p14="http://schemas.microsoft.com/office/powerpoint/2010/main" val="1391009701"/>
+      </p:ext>
+    </p:extLst>
+  </p:cSld>
+  <p:clrMapOvr>
+    <a:masterClrMapping/>
+  </p:clrMapOvr>
+</p:notes>
+</file>
+
+<file path=ppt/notesSlides/notesSlide8.xml><?xml version="1.0" encoding="utf-8"?>
+<p:notes xmlns:a="http://schemas.openxmlformats.org/drawingml/2006/main" xmlns:r="http://schemas.openxmlformats.org/officeDocument/2006/relationships" xmlns:p="http://schemas.openxmlformats.org/presentationml/2006/main">
+  <p:cSld>
+    <p:spTree>
+      <p:nvGrpSpPr>
+        <p:cNvPr id="1" name="">
+          <a:extLst>
+            <a:ext uri="{FF2B5EF4-FFF2-40B4-BE49-F238E27FC236}">
+              <a16:creationId xmlns:a16="http://schemas.microsoft.com/office/drawing/2014/main" id="{52F194C9-8460-B0ED-3FA6-1B52DEB1AF45}"/>
+            </a:ext>
+          </a:extLst>
+        </p:cNvPr>
+        <p:cNvGrpSpPr/>
+        <p:nvPr/>
+      </p:nvGrpSpPr>
+      <p:grpSpPr>
+        <a:xfrm>
+          <a:off x="0" y="0"/>
+          <a:ext cx="0" cy="0"/>
+          <a:chOff x="0" y="0"/>
+          <a:chExt cx="0" cy="0"/>
+        </a:xfrm>
+      </p:grpSpPr>
+      <p:sp>
+        <p:nvSpPr>
+          <p:cNvPr id="2" name="Slide Image Placeholder 1">
+            <a:extLst>
+              <a:ext uri="{FF2B5EF4-FFF2-40B4-BE49-F238E27FC236}">
+                <a16:creationId xmlns:a16="http://schemas.microsoft.com/office/drawing/2014/main" id="{2400497B-847D-934B-8184-374A5C7C4D8B}"/>
+              </a:ext>
+            </a:extLst>
+          </p:cNvPr>
+          <p:cNvSpPr>
+            <a:spLocks noGrp="1" noRot="1" noChangeAspect="1"/>
+          </p:cNvSpPr>
+          <p:nvPr>
+            <p:ph type="sldImg"/>
+          </p:nvPr>
+        </p:nvSpPr>
+        <p:spPr>
+          <a:xfrm>
+            <a:off x="1371600" y="1143000"/>
+            <a:ext cx="4114800" cy="3086100"/>
+          </a:xfrm>
+        </p:spPr>
+      </p:sp>
+      <p:sp>
+        <p:nvSpPr>
+          <p:cNvPr id="3" name="Notes Placeholder 2">
+            <a:extLst>
+              <a:ext uri="{FF2B5EF4-FFF2-40B4-BE49-F238E27FC236}">
+                <a16:creationId xmlns:a16="http://schemas.microsoft.com/office/drawing/2014/main" id="{3E842757-7EDB-FFB3-FC75-59622B22364D}"/>
+              </a:ext>
+            </a:extLst>
+          </p:cNvPr>
+          <p:cNvSpPr>
+            <a:spLocks noGrp="1"/>
+          </p:cNvSpPr>
+          <p:nvPr>
+            <p:ph type="body" idx="1"/>
+          </p:nvPr>
+        </p:nvSpPr>
+        <p:spPr/>
+        <p:txBody>
+          <a:bodyPr/>
+          <a:lstStyle/>
+          <a:p>
+            <a:endParaRPr lang="en-RU" dirty="0"/>
+          </a:p>
+        </p:txBody>
+      </p:sp>
+    </p:spTree>
+    <p:extLst>
+      <p:ext uri="{BB962C8B-B14F-4D97-AF65-F5344CB8AC3E}">
+        <p14:creationId xmlns:p14="http://schemas.microsoft.com/office/powerpoint/2010/main" val="255304620"/>
+      </p:ext>
+    </p:extLst>
+  </p:cSld>
+  <p:clrMapOvr>
+    <a:masterClrMapping/>
+  </p:clrMapOvr>
+</p:notes>
+</file>
+
+<file path=ppt/notesSlides/notesSlide9.xml><?xml version="1.0" encoding="utf-8"?>
+<p:notes xmlns:a="http://schemas.openxmlformats.org/drawingml/2006/main" xmlns:r="http://schemas.openxmlformats.org/officeDocument/2006/relationships" xmlns:p="http://schemas.openxmlformats.org/presentationml/2006/main">
+  <p:cSld>
     <p:spTree>
       <p:nvGrpSpPr>
         <p:cNvPr id="1" name=""/>
@@ -985,25 +1459,88 @@
       </p:grpSpPr>
       <p:sp>
         <p:nvSpPr>
-          <p:cNvPr id="2" name="Заголовок 1">
-            <a:extLst>
-              <a:ext uri="{FF2B5EF4-FFF2-40B4-BE49-F238E27FC236}">
-                <a16:creationId xmlns:a16="http://schemas.microsoft.com/office/drawing/2014/main" id="{72AAE987-A1D8-587E-41EB-D447CEF6C37A}"/>
-              </a:ext>
-            </a:extLst>
-          </p:cNvPr>
-          <p:cNvSpPr>
-            <a:spLocks noGrp="1"/>
-          </p:cNvSpPr>
-          <p:nvPr>
-            <p:ph type="ctrTitle"/>
+          <p:cNvPr id="2" name="Slide Image Placeholder 1"/>
+          <p:cNvSpPr>
+            <a:spLocks noGrp="1" noRot="1" noChangeAspect="1"/>
+          </p:cNvSpPr>
+          <p:nvPr>
+            <p:ph type="sldImg"/>
           </p:nvPr>
         </p:nvSpPr>
         <p:spPr>
           <a:xfrm>
-            <a:off x="1524000" y="1122363"/>
-            <a:ext cx="9144000" cy="2387600"/>
+            <a:off x="1371600" y="1143000"/>
+            <a:ext cx="4114800" cy="3086100"/>
           </a:xfrm>
+        </p:spPr>
+      </p:sp>
+      <p:sp>
+        <p:nvSpPr>
+          <p:cNvPr id="3" name="Notes Placeholder 2"/>
+          <p:cNvSpPr>
+            <a:spLocks noGrp="1"/>
+          </p:cNvSpPr>
+          <p:nvPr>
+            <p:ph type="body" idx="1"/>
+          </p:nvPr>
+        </p:nvSpPr>
+        <p:spPr/>
+        <p:txBody>
+          <a:bodyPr/>
+          <a:lstStyle/>
+          <a:p>
+            <a:endParaRPr lang="en-RU" dirty="0"/>
+          </a:p>
+        </p:txBody>
+      </p:sp>
+    </p:spTree>
+    <p:extLst>
+      <p:ext uri="{BB962C8B-B14F-4D97-AF65-F5344CB8AC3E}">
+        <p14:creationId xmlns:p14="http://schemas.microsoft.com/office/powerpoint/2010/main" val="2260697061"/>
+      </p:ext>
+    </p:extLst>
+  </p:cSld>
+  <p:clrMapOvr>
+    <a:masterClrMapping/>
+  </p:clrMapOvr>
+</p:notes>
+</file>
+
+<file path=ppt/slideLayouts/slideLayout1.xml><?xml version="1.0" encoding="utf-8"?>
+<p:sldLayout xmlns:a="http://schemas.openxmlformats.org/drawingml/2006/main" xmlns:r="http://schemas.openxmlformats.org/officeDocument/2006/relationships" xmlns:p="http://schemas.openxmlformats.org/presentationml/2006/main" type="title" preserve="1">
+  <p:cSld name="Title Slide">
+    <p:spTree>
+      <p:nvGrpSpPr>
+        <p:cNvPr id="1" name=""/>
+        <p:cNvGrpSpPr/>
+        <p:nvPr/>
+      </p:nvGrpSpPr>
+      <p:grpSpPr>
+        <a:xfrm>
+          <a:off x="0" y="0"/>
+          <a:ext cx="0" cy="0"/>
+          <a:chOff x="0" y="0"/>
+          <a:chExt cx="0" cy="0"/>
+        </a:xfrm>
+      </p:grpSpPr>
+      <p:sp>
+        <p:nvSpPr>
+          <p:cNvPr id="2" name="Title 1"/>
+          <p:cNvSpPr>
+            <a:spLocks noGrp="1"/>
+          </p:cNvSpPr>
+          <p:nvPr>
+            <p:ph type="ctrTitle"/>
+          </p:nvPr>
+        </p:nvSpPr>
+        <p:spPr>
+          <a:xfrm>
+            <a:off x="685800" y="1122363"/>
+            <a:ext cx="7772400" cy="2387600"/>
+          </a:xfrm>
+          <a:prstGeom prst="rect">
+            <a:avLst/>
+          </a:prstGeom>
         </p:spPr>
         <p:txBody>
           <a:bodyPr anchor="b"/>
@@ -1014,21 +1551,16 @@
           </a:lstStyle>
           <a:p>
             <a:r>
-              <a:rPr lang="ru-RU"/>
-              <a:t>Образец заголовка</a:t>
-            </a:r>
-          </a:p>
-        </p:txBody>
-      </p:sp>
-      <p:sp>
-        <p:nvSpPr>
-          <p:cNvPr id="3" name="Подзаголовок 2">
-            <a:extLst>
-              <a:ext uri="{FF2B5EF4-FFF2-40B4-BE49-F238E27FC236}">
-                <a16:creationId xmlns:a16="http://schemas.microsoft.com/office/drawing/2014/main" id="{4E0AB7ED-03AA-9AEA-3DFD-0C2A7A52100D}"/>
-              </a:ext>
-            </a:extLst>
-          </p:cNvPr>
+              <a:rPr lang="en-GB"/>
+              <a:t>Click to edit Master title style</a:t>
+            </a:r>
+            <a:endParaRPr lang="en-US" dirty="0"/>
+          </a:p>
+        </p:txBody>
+      </p:sp>
+      <p:sp>
+        <p:nvSpPr>
+          <p:cNvPr id="3" name="Subtitle 2"/>
           <p:cNvSpPr>
             <a:spLocks noGrp="1"/>
           </p:cNvSpPr>
@@ -1038,8 +1570,8 @@
         </p:nvSpPr>
         <p:spPr>
           <a:xfrm>
-            <a:off x="1524000" y="3602038"/>
-            <a:ext cx="9144000" cy="1655762"/>
+            <a:off x="1143000" y="3602038"/>
+            <a:ext cx="6858000" cy="1655762"/>
           </a:xfrm>
         </p:spPr>
         <p:txBody>
@@ -1084,21 +1616,16 @@
           </a:lstStyle>
           <a:p>
             <a:r>
-              <a:rPr lang="ru-RU"/>
-              <a:t>Образец подзаголовка</a:t>
-            </a:r>
-          </a:p>
-        </p:txBody>
-      </p:sp>
-      <p:sp>
-        <p:nvSpPr>
-          <p:cNvPr id="4" name="Дата 3">
-            <a:extLst>
-              <a:ext uri="{FF2B5EF4-FFF2-40B4-BE49-F238E27FC236}">
-                <a16:creationId xmlns:a16="http://schemas.microsoft.com/office/drawing/2014/main" id="{2E9E01A1-F5E5-6031-B7A5-BE53AF891A77}"/>
-              </a:ext>
-            </a:extLst>
-          </p:cNvPr>
+              <a:rPr lang="en-GB"/>
+              <a:t>Click to edit Master subtitle style</a:t>
+            </a:r>
+            <a:endParaRPr lang="en-US" dirty="0"/>
+          </a:p>
+        </p:txBody>
+      </p:sp>
+      <p:sp>
+        <p:nvSpPr>
+          <p:cNvPr id="4" name="Date Placeholder 3"/>
           <p:cNvSpPr>
             <a:spLocks noGrp="1"/>
           </p:cNvSpPr>
@@ -1111,23 +1638,17 @@
           <a:bodyPr/>
           <a:lstStyle/>
           <a:p>
-            <a:fld id="{F91B40C9-7C3F-4CC9-92B0-95715B49C2EC}" type="datetimeFigureOut">
-              <a:rPr lang="ru-RU" smtClean="0"/>
-              <a:t>18.05.2025</a:t>
-            </a:fld>
-            <a:endParaRPr lang="ru-RU"/>
-          </a:p>
-        </p:txBody>
-      </p:sp>
-      <p:sp>
-        <p:nvSpPr>
-          <p:cNvPr id="5" name="Нижний колонтитул 4">
-            <a:extLst>
-              <a:ext uri="{FF2B5EF4-FFF2-40B4-BE49-F238E27FC236}">
-                <a16:creationId xmlns:a16="http://schemas.microsoft.com/office/drawing/2014/main" id="{483C30B6-E712-BD56-531F-A260A4ED47BB}"/>
-              </a:ext>
-            </a:extLst>
-          </p:cNvPr>
+            <a:r>
+              <a:rPr lang="en-US"/>
+              <a:t>20.06.2023</a:t>
+            </a:r>
+            <a:endParaRPr lang="ru-RU" dirty="0"/>
+          </a:p>
+        </p:txBody>
+      </p:sp>
+      <p:sp>
+        <p:nvSpPr>
+          <p:cNvPr id="5" name="Footer Placeholder 4"/>
           <p:cNvSpPr>
             <a:spLocks noGrp="1"/>
           </p:cNvSpPr>
@@ -1140,19 +1661,13 @@
           <a:bodyPr/>
           <a:lstStyle/>
           <a:p>
-            <a:endParaRPr lang="ru-RU"/>
-          </a:p>
-        </p:txBody>
-      </p:sp>
-      <p:sp>
-        <p:nvSpPr>
-          <p:cNvPr id="6" name="Номер слайда 5">
-            <a:extLst>
-              <a:ext uri="{FF2B5EF4-FFF2-40B4-BE49-F238E27FC236}">
-                <a16:creationId xmlns:a16="http://schemas.microsoft.com/office/drawing/2014/main" id="{78DA766F-2E5F-DEB6-DE9E-AEF5AE887907}"/>
-              </a:ext>
-            </a:extLst>
-          </p:cNvPr>
+            <a:endParaRPr lang="ru-RU" dirty="0"/>
+          </a:p>
+        </p:txBody>
+      </p:sp>
+      <p:sp>
+        <p:nvSpPr>
+          <p:cNvPr id="6" name="Slide Number Placeholder 5"/>
           <p:cNvSpPr>
             <a:spLocks noGrp="1"/>
           </p:cNvSpPr>
@@ -1165,18 +1680,14 @@
           <a:bodyPr/>
           <a:lstStyle/>
           <a:p>
-            <a:fld id="{64FA0029-900B-49D0-B874-6CD73E11DEF9}" type="slidenum">
-              <a:rPr lang="ru-RU" smtClean="0"/>
-              <a:t>‹#›</a:t>
-            </a:fld>
-            <a:endParaRPr lang="ru-RU"/>
+            <a:endParaRPr lang="ru-RU" dirty="0"/>
           </a:p>
         </p:txBody>
       </p:sp>
     </p:spTree>
     <p:extLst>
       <p:ext uri="{BB962C8B-B14F-4D97-AF65-F5344CB8AC3E}">
-        <p14:creationId xmlns:p14="http://schemas.microsoft.com/office/powerpoint/2010/main" val="110479772"/>
+        <p14:creationId xmlns:p14="http://schemas.microsoft.com/office/powerpoint/2010/main" val="4270444420"/>
       </p:ext>
     </p:extLst>
   </p:cSld>
@@ -1188,7 +1699,7 @@
 
 <file path=ppt/slideLayouts/slideLayout10.xml><?xml version="1.0" encoding="utf-8"?>
 <p:sldLayout xmlns:a="http://schemas.openxmlformats.org/drawingml/2006/main" xmlns:r="http://schemas.openxmlformats.org/officeDocument/2006/relationships" xmlns:p="http://schemas.openxmlformats.org/presentationml/2006/main" type="vertTx" preserve="1">
-  <p:cSld name="Заголовок и вертикальный текст">
+  <p:cSld name="Title and Vertical Text">
     <p:spTree>
       <p:nvGrpSpPr>
         <p:cNvPr id="1" name=""/>
@@ -1205,13 +1716,7 @@
       </p:grpSpPr>
       <p:sp>
         <p:nvSpPr>
-          <p:cNvPr id="2" name="Заголовок 1">
-            <a:extLst>
-              <a:ext uri="{FF2B5EF4-FFF2-40B4-BE49-F238E27FC236}">
-                <a16:creationId xmlns:a16="http://schemas.microsoft.com/office/drawing/2014/main" id="{94DC1382-4038-8693-A931-BBA500E1C1C0}"/>
-              </a:ext>
-            </a:extLst>
-          </p:cNvPr>
+          <p:cNvPr id="2" name="Title 1"/>
           <p:cNvSpPr>
             <a:spLocks noGrp="1"/>
           </p:cNvSpPr>
@@ -1219,84 +1724,82 @@
             <p:ph type="title"/>
           </p:nvPr>
         </p:nvSpPr>
+        <p:spPr>
+          <a:xfrm>
+            <a:off x="628650" y="365126"/>
+            <a:ext cx="7886700" cy="1325563"/>
+          </a:xfrm>
+          <a:prstGeom prst="rect">
+            <a:avLst/>
+          </a:prstGeom>
+        </p:spPr>
+        <p:txBody>
+          <a:bodyPr/>
+          <a:lstStyle/>
+          <a:p>
+            <a:r>
+              <a:rPr lang="en-GB"/>
+              <a:t>Click to edit Master title style</a:t>
+            </a:r>
+            <a:endParaRPr lang="en-US" dirty="0"/>
+          </a:p>
+        </p:txBody>
+      </p:sp>
+      <p:sp>
+        <p:nvSpPr>
+          <p:cNvPr id="3" name="Vertical Text Placeholder 2"/>
+          <p:cNvSpPr>
+            <a:spLocks noGrp="1"/>
+          </p:cNvSpPr>
+          <p:nvPr>
+            <p:ph type="body" orient="vert" idx="1"/>
+          </p:nvPr>
+        </p:nvSpPr>
         <p:spPr/>
         <p:txBody>
-          <a:bodyPr/>
-          <a:lstStyle/>
-          <a:p>
-            <a:r>
-              <a:rPr lang="ru-RU"/>
-              <a:t>Образец заголовка</a:t>
-            </a:r>
-          </a:p>
-        </p:txBody>
-      </p:sp>
-      <p:sp>
-        <p:nvSpPr>
-          <p:cNvPr id="3" name="Вертикальный текст 2">
-            <a:extLst>
-              <a:ext uri="{FF2B5EF4-FFF2-40B4-BE49-F238E27FC236}">
-                <a16:creationId xmlns:a16="http://schemas.microsoft.com/office/drawing/2014/main" id="{BBF226C9-E2F6-CB34-A082-243DA15D2036}"/>
-              </a:ext>
-            </a:extLst>
-          </p:cNvPr>
-          <p:cNvSpPr>
-            <a:spLocks noGrp="1"/>
-          </p:cNvSpPr>
-          <p:nvPr>
-            <p:ph type="body" orient="vert" idx="1"/>
-          </p:nvPr>
-        </p:nvSpPr>
-        <p:spPr/>
-        <p:txBody>
           <a:bodyPr vert="eaVert"/>
           <a:lstStyle/>
           <a:p>
             <a:pPr lvl="0"/>
             <a:r>
-              <a:rPr lang="ru-RU"/>
-              <a:t>Образец текста</a:t>
+              <a:rPr lang="en-GB"/>
+              <a:t>Click to edit Master text styles</a:t>
             </a:r>
           </a:p>
           <a:p>
             <a:pPr lvl="1"/>
             <a:r>
-              <a:rPr lang="ru-RU"/>
-              <a:t>Второй уровень</a:t>
+              <a:rPr lang="en-GB"/>
+              <a:t>Second level</a:t>
             </a:r>
           </a:p>
           <a:p>
             <a:pPr lvl="2"/>
             <a:r>
-              <a:rPr lang="ru-RU"/>
-              <a:t>Третий уровень</a:t>
+              <a:rPr lang="en-GB"/>
+              <a:t>Third level</a:t>
             </a:r>
           </a:p>
           <a:p>
             <a:pPr lvl="3"/>
             <a:r>
-              <a:rPr lang="ru-RU"/>
-              <a:t>Четвертый уровень</a:t>
+              <a:rPr lang="en-GB"/>
+              <a:t>Fourth level</a:t>
             </a:r>
           </a:p>
           <a:p>
             <a:pPr lvl="4"/>
             <a:r>
-              <a:rPr lang="ru-RU"/>
-              <a:t>Пятый уровень</a:t>
-            </a:r>
-          </a:p>
-        </p:txBody>
-      </p:sp>
-      <p:sp>
-        <p:nvSpPr>
-          <p:cNvPr id="4" name="Дата 3">
-            <a:extLst>
-              <a:ext uri="{FF2B5EF4-FFF2-40B4-BE49-F238E27FC236}">
-                <a16:creationId xmlns:a16="http://schemas.microsoft.com/office/drawing/2014/main" id="{130221AA-925E-A09A-10A9-D8F82748768B}"/>
-              </a:ext>
-            </a:extLst>
-          </p:cNvPr>
+              <a:rPr lang="en-GB"/>
+              <a:t>Fifth level</a:t>
+            </a:r>
+            <a:endParaRPr lang="en-US" dirty="0"/>
+          </a:p>
+        </p:txBody>
+      </p:sp>
+      <p:sp>
+        <p:nvSpPr>
+          <p:cNvPr id="4" name="Date Placeholder 3"/>
           <p:cNvSpPr>
             <a:spLocks noGrp="1"/>
           </p:cNvSpPr>
@@ -1313,19 +1816,13 @@
               <a:rPr lang="ru-RU" smtClean="0"/>
               <a:t>18.05.2025</a:t>
             </a:fld>
-            <a:endParaRPr lang="ru-RU"/>
-          </a:p>
-        </p:txBody>
-      </p:sp>
-      <p:sp>
-        <p:nvSpPr>
-          <p:cNvPr id="5" name="Нижний колонтитул 4">
-            <a:extLst>
-              <a:ext uri="{FF2B5EF4-FFF2-40B4-BE49-F238E27FC236}">
-                <a16:creationId xmlns:a16="http://schemas.microsoft.com/office/drawing/2014/main" id="{1A649DA8-4879-72B2-F4F7-CD2DC9E4D31E}"/>
-              </a:ext>
-            </a:extLst>
-          </p:cNvPr>
+            <a:endParaRPr lang="ru-RU" dirty="0"/>
+          </a:p>
+        </p:txBody>
+      </p:sp>
+      <p:sp>
+        <p:nvSpPr>
+          <p:cNvPr id="5" name="Footer Placeholder 4"/>
           <p:cNvSpPr>
             <a:spLocks noGrp="1"/>
           </p:cNvSpPr>
@@ -1338,19 +1835,13 @@
           <a:bodyPr/>
           <a:lstStyle/>
           <a:p>
-            <a:endParaRPr lang="ru-RU"/>
-          </a:p>
-        </p:txBody>
-      </p:sp>
-      <p:sp>
-        <p:nvSpPr>
-          <p:cNvPr id="6" name="Номер слайда 5">
-            <a:extLst>
-              <a:ext uri="{FF2B5EF4-FFF2-40B4-BE49-F238E27FC236}">
-                <a16:creationId xmlns:a16="http://schemas.microsoft.com/office/drawing/2014/main" id="{96EDE9B9-6E44-4E9B-055E-54D47CD60036}"/>
-              </a:ext>
-            </a:extLst>
-          </p:cNvPr>
+            <a:endParaRPr lang="ru-RU" dirty="0"/>
+          </a:p>
+        </p:txBody>
+      </p:sp>
+      <p:sp>
+        <p:nvSpPr>
+          <p:cNvPr id="6" name="Slide Number Placeholder 5"/>
           <p:cNvSpPr>
             <a:spLocks noGrp="1"/>
           </p:cNvSpPr>
@@ -1363,18 +1854,14 @@
           <a:bodyPr/>
           <a:lstStyle/>
           <a:p>
-            <a:fld id="{64FA0029-900B-49D0-B874-6CD73E11DEF9}" type="slidenum">
-              <a:rPr lang="ru-RU" smtClean="0"/>
-              <a:t>‹#›</a:t>
-            </a:fld>
-            <a:endParaRPr lang="ru-RU"/>
+            <a:endParaRPr lang="ru-RU" dirty="0"/>
           </a:p>
         </p:txBody>
       </p:sp>
     </p:spTree>
     <p:extLst>
       <p:ext uri="{BB962C8B-B14F-4D97-AF65-F5344CB8AC3E}">
-        <p14:creationId xmlns:p14="http://schemas.microsoft.com/office/powerpoint/2010/main" val="987146488"/>
+        <p14:creationId xmlns:p14="http://schemas.microsoft.com/office/powerpoint/2010/main" val="4114469243"/>
       </p:ext>
     </p:extLst>
   </p:cSld>
@@ -1386,7 +1873,7 @@
 
 <file path=ppt/slideLayouts/slideLayout11.xml><?xml version="1.0" encoding="utf-8"?>
 <p:sldLayout xmlns:a="http://schemas.openxmlformats.org/drawingml/2006/main" xmlns:r="http://schemas.openxmlformats.org/officeDocument/2006/relationships" xmlns:p="http://schemas.openxmlformats.org/presentationml/2006/main" type="vertTitleAndTx" preserve="1">
-  <p:cSld name="Вертикальный заголовок и текст">
+  <p:cSld name="Vertical Title and Text">
     <p:spTree>
       <p:nvGrpSpPr>
         <p:cNvPr id="1" name=""/>
@@ -1403,13 +1890,7 @@
       </p:grpSpPr>
       <p:sp>
         <p:nvSpPr>
-          <p:cNvPr id="2" name="Вертикальный заголовок 1">
-            <a:extLst>
-              <a:ext uri="{FF2B5EF4-FFF2-40B4-BE49-F238E27FC236}">
-                <a16:creationId xmlns:a16="http://schemas.microsoft.com/office/drawing/2014/main" id="{F5E0EAFC-9D69-7785-600F-6A79CF74F93A}"/>
-              </a:ext>
-            </a:extLst>
-          </p:cNvPr>
+          <p:cNvPr id="2" name="Vertical Title 1"/>
           <p:cNvSpPr>
             <a:spLocks noGrp="1"/>
           </p:cNvSpPr>
@@ -1419,92 +1900,85 @@
         </p:nvSpPr>
         <p:spPr>
           <a:xfrm>
-            <a:off x="8724900" y="365125"/>
-            <a:ext cx="2628900" cy="5811838"/>
+            <a:off x="6543675" y="365125"/>
+            <a:ext cx="1971675" cy="5811838"/>
+          </a:xfrm>
+          <a:prstGeom prst="rect">
+            <a:avLst/>
+          </a:prstGeom>
+        </p:spPr>
+        <p:txBody>
+          <a:bodyPr vert="eaVert"/>
+          <a:lstStyle/>
+          <a:p>
+            <a:r>
+              <a:rPr lang="en-GB"/>
+              <a:t>Click to edit Master title style</a:t>
+            </a:r>
+            <a:endParaRPr lang="en-US" dirty="0"/>
+          </a:p>
+        </p:txBody>
+      </p:sp>
+      <p:sp>
+        <p:nvSpPr>
+          <p:cNvPr id="3" name="Vertical Text Placeholder 2"/>
+          <p:cNvSpPr>
+            <a:spLocks noGrp="1"/>
+          </p:cNvSpPr>
+          <p:nvPr>
+            <p:ph type="body" orient="vert" idx="1"/>
+          </p:nvPr>
+        </p:nvSpPr>
+        <p:spPr>
+          <a:xfrm>
+            <a:off x="628650" y="365125"/>
+            <a:ext cx="5800725" cy="5811838"/>
           </a:xfrm>
         </p:spPr>
         <p:txBody>
           <a:bodyPr vert="eaVert"/>
           <a:lstStyle/>
           <a:p>
-            <a:r>
-              <a:rPr lang="ru-RU"/>
-              <a:t>Образец заголовка</a:t>
-            </a:r>
-          </a:p>
-        </p:txBody>
-      </p:sp>
-      <p:sp>
-        <p:nvSpPr>
-          <p:cNvPr id="3" name="Вертикальный текст 2">
-            <a:extLst>
-              <a:ext uri="{FF2B5EF4-FFF2-40B4-BE49-F238E27FC236}">
-                <a16:creationId xmlns:a16="http://schemas.microsoft.com/office/drawing/2014/main" id="{51A9C017-0D91-6D11-C730-C39ADC15F22A}"/>
-              </a:ext>
-            </a:extLst>
-          </p:cNvPr>
-          <p:cNvSpPr>
-            <a:spLocks noGrp="1"/>
-          </p:cNvSpPr>
-          <p:nvPr>
-            <p:ph type="body" orient="vert" idx="1"/>
-          </p:nvPr>
-        </p:nvSpPr>
-        <p:spPr>
-          <a:xfrm>
-            <a:off x="838200" y="365125"/>
-            <a:ext cx="7734300" cy="5811838"/>
-          </a:xfrm>
-        </p:spPr>
-        <p:txBody>
-          <a:bodyPr vert="eaVert"/>
-          <a:lstStyle/>
-          <a:p>
             <a:pPr lvl="0"/>
             <a:r>
-              <a:rPr lang="ru-RU"/>
-              <a:t>Образец текста</a:t>
+              <a:rPr lang="en-GB"/>
+              <a:t>Click to edit Master text styles</a:t>
             </a:r>
           </a:p>
           <a:p>
             <a:pPr lvl="1"/>
             <a:r>
-              <a:rPr lang="ru-RU"/>
-              <a:t>Второй уровень</a:t>
+              <a:rPr lang="en-GB"/>
+              <a:t>Second level</a:t>
             </a:r>
           </a:p>
           <a:p>
             <a:pPr lvl="2"/>
             <a:r>
-              <a:rPr lang="ru-RU"/>
-              <a:t>Третий уровень</a:t>
+              <a:rPr lang="en-GB"/>
+              <a:t>Third level</a:t>
             </a:r>
           </a:p>
           <a:p>
             <a:pPr lvl="3"/>
             <a:r>
-              <a:rPr lang="ru-RU"/>
-              <a:t>Четвертый уровень</a:t>
+              <a:rPr lang="en-GB"/>
+              <a:t>Fourth level</a:t>
             </a:r>
           </a:p>
           <a:p>
             <a:pPr lvl="4"/>
             <a:r>
-              <a:rPr lang="ru-RU"/>
-              <a:t>Пятый уровень</a:t>
-            </a:r>
-          </a:p>
-        </p:txBody>
-      </p:sp>
-      <p:sp>
-        <p:nvSpPr>
-          <p:cNvPr id="4" name="Дата 3">
-            <a:extLst>
-              <a:ext uri="{FF2B5EF4-FFF2-40B4-BE49-F238E27FC236}">
-                <a16:creationId xmlns:a16="http://schemas.microsoft.com/office/drawing/2014/main" id="{F3C13DB4-F3B8-B9C3-1EBD-E964B979DA78}"/>
-              </a:ext>
-            </a:extLst>
-          </p:cNvPr>
+              <a:rPr lang="en-GB"/>
+              <a:t>Fifth level</a:t>
+            </a:r>
+            <a:endParaRPr lang="en-US" dirty="0"/>
+          </a:p>
+        </p:txBody>
+      </p:sp>
+      <p:sp>
+        <p:nvSpPr>
+          <p:cNvPr id="4" name="Date Placeholder 3"/>
           <p:cNvSpPr>
             <a:spLocks noGrp="1"/>
           </p:cNvSpPr>
@@ -1521,19 +1995,13 @@
               <a:rPr lang="ru-RU" smtClean="0"/>
               <a:t>18.05.2025</a:t>
             </a:fld>
-            <a:endParaRPr lang="ru-RU"/>
-          </a:p>
-        </p:txBody>
-      </p:sp>
-      <p:sp>
-        <p:nvSpPr>
-          <p:cNvPr id="5" name="Нижний колонтитул 4">
-            <a:extLst>
-              <a:ext uri="{FF2B5EF4-FFF2-40B4-BE49-F238E27FC236}">
-                <a16:creationId xmlns:a16="http://schemas.microsoft.com/office/drawing/2014/main" id="{D94A6075-7799-CD08-0E03-E60050D12329}"/>
-              </a:ext>
-            </a:extLst>
-          </p:cNvPr>
+            <a:endParaRPr lang="ru-RU" dirty="0"/>
+          </a:p>
+        </p:txBody>
+      </p:sp>
+      <p:sp>
+        <p:nvSpPr>
+          <p:cNvPr id="5" name="Footer Placeholder 4"/>
           <p:cNvSpPr>
             <a:spLocks noGrp="1"/>
           </p:cNvSpPr>
@@ -1546,19 +2014,13 @@
           <a:bodyPr/>
           <a:lstStyle/>
           <a:p>
-            <a:endParaRPr lang="ru-RU"/>
-          </a:p>
-        </p:txBody>
-      </p:sp>
-      <p:sp>
-        <p:nvSpPr>
-          <p:cNvPr id="6" name="Номер слайда 5">
-            <a:extLst>
-              <a:ext uri="{FF2B5EF4-FFF2-40B4-BE49-F238E27FC236}">
-                <a16:creationId xmlns:a16="http://schemas.microsoft.com/office/drawing/2014/main" id="{86E87462-2347-F718-50D9-9241FCB3B75C}"/>
-              </a:ext>
-            </a:extLst>
-          </p:cNvPr>
+            <a:endParaRPr lang="ru-RU" dirty="0"/>
+          </a:p>
+        </p:txBody>
+      </p:sp>
+      <p:sp>
+        <p:nvSpPr>
+          <p:cNvPr id="6" name="Slide Number Placeholder 5"/>
           <p:cNvSpPr>
             <a:spLocks noGrp="1"/>
           </p:cNvSpPr>
@@ -1571,18 +2033,14 @@
           <a:bodyPr/>
           <a:lstStyle/>
           <a:p>
-            <a:fld id="{64FA0029-900B-49D0-B874-6CD73E11DEF9}" type="slidenum">
-              <a:rPr lang="ru-RU" smtClean="0"/>
-              <a:t>‹#›</a:t>
-            </a:fld>
-            <a:endParaRPr lang="ru-RU"/>
+            <a:endParaRPr lang="ru-RU" dirty="0"/>
           </a:p>
         </p:txBody>
       </p:sp>
     </p:spTree>
     <p:extLst>
       <p:ext uri="{BB962C8B-B14F-4D97-AF65-F5344CB8AC3E}">
-        <p14:creationId xmlns:p14="http://schemas.microsoft.com/office/powerpoint/2010/main" val="3043155228"/>
+        <p14:creationId xmlns:p14="http://schemas.microsoft.com/office/powerpoint/2010/main" val="2642833638"/>
       </p:ext>
     </p:extLst>
   </p:cSld>
@@ -1594,7 +2052,7 @@
 
 <file path=ppt/slideLayouts/slideLayout12.xml><?xml version="1.0" encoding="utf-8"?>
 <p:sldLayout xmlns:a="http://schemas.openxmlformats.org/drawingml/2006/main" xmlns:r="http://schemas.openxmlformats.org/officeDocument/2006/relationships" xmlns:p="http://schemas.openxmlformats.org/presentationml/2006/main" userDrawn="1">
-  <p:cSld name="Title Slide">
+  <p:cSld name="1_Title Slide">
     <p:spTree>
       <p:nvGrpSpPr>
         <p:cNvPr id="1" name=""/>
@@ -1627,8 +2085,8 @@
         </p:nvSpPr>
         <p:spPr>
           <a:xfrm>
-            <a:off x="1524000" y="3602038"/>
-            <a:ext cx="9144000" cy="1655762"/>
+            <a:off x="1143000" y="3602038"/>
+            <a:ext cx="6858000" cy="1655762"/>
           </a:xfrm>
         </p:spPr>
         <p:txBody>
@@ -1636,39 +2094,39 @@
           <a:lstStyle>
             <a:lvl1pPr marL="0" indent="0" algn="ctr">
               <a:buNone/>
-              <a:defRPr sz="2400"/>
+              <a:defRPr sz="1800"/>
             </a:lvl1pPr>
-            <a:lvl2pPr marL="457200" indent="0" algn="ctr">
+            <a:lvl2pPr marL="342892" indent="0" algn="ctr">
               <a:buNone/>
-              <a:defRPr sz="2000"/>
+              <a:defRPr sz="1500"/>
             </a:lvl2pPr>
-            <a:lvl3pPr marL="914400" indent="0" algn="ctr">
+            <a:lvl3pPr marL="685783" indent="0" algn="ctr">
               <a:buNone/>
-              <a:defRPr sz="1800"/>
+              <a:defRPr sz="1350"/>
             </a:lvl3pPr>
-            <a:lvl4pPr marL="1371600" indent="0" algn="ctr">
+            <a:lvl4pPr marL="1028675" indent="0" algn="ctr">
               <a:buNone/>
-              <a:defRPr sz="1600"/>
+              <a:defRPr sz="1200"/>
             </a:lvl4pPr>
-            <a:lvl5pPr marL="1828800" indent="0" algn="ctr">
+            <a:lvl5pPr marL="1371566" indent="0" algn="ctr">
               <a:buNone/>
-              <a:defRPr sz="1600"/>
+              <a:defRPr sz="1200"/>
             </a:lvl5pPr>
-            <a:lvl6pPr marL="2286000" indent="0" algn="ctr">
+            <a:lvl6pPr marL="1714457" indent="0" algn="ctr">
               <a:buNone/>
-              <a:defRPr sz="1600"/>
+              <a:defRPr sz="1200"/>
             </a:lvl6pPr>
-            <a:lvl7pPr marL="2743200" indent="0" algn="ctr">
+            <a:lvl7pPr marL="2057348" indent="0" algn="ctr">
               <a:buNone/>
-              <a:defRPr sz="1600"/>
+              <a:defRPr sz="1200"/>
             </a:lvl7pPr>
-            <a:lvl8pPr marL="3200400" indent="0" algn="ctr">
+            <a:lvl8pPr marL="2400240" indent="0" algn="ctr">
               <a:buNone/>
-              <a:defRPr sz="1600"/>
+              <a:defRPr sz="1200"/>
             </a:lvl8pPr>
-            <a:lvl9pPr marL="3657600" indent="0" algn="ctr">
+            <a:lvl9pPr marL="2743132" indent="0" algn="ctr">
               <a:buNone/>
-              <a:defRPr sz="1600"/>
+              <a:defRPr sz="1200"/>
             </a:lvl9pPr>
           </a:lstStyle>
           <a:p>
@@ -1696,7 +2154,15 @@
             <p:ph type="title"/>
           </p:nvPr>
         </p:nvSpPr>
-        <p:spPr/>
+        <p:spPr>
+          <a:xfrm>
+            <a:off x="628650" y="365126"/>
+            <a:ext cx="7886700" cy="1325563"/>
+          </a:xfrm>
+          <a:prstGeom prst="rect">
+            <a:avLst/>
+          </a:prstGeom>
+        </p:spPr>
         <p:txBody>
           <a:bodyPr/>
           <a:lstStyle/>
@@ -1780,8 +2246,8 @@
         </p:nvSpPr>
         <p:spPr>
           <a:xfrm>
-            <a:off x="8610600" y="6356349"/>
-            <a:ext cx="2743200" cy="365125"/>
+            <a:off x="6457950" y="6356354"/>
+            <a:ext cx="2057400" cy="365125"/>
           </a:xfrm>
         </p:spPr>
         <p:txBody>
@@ -1807,7 +2273,7 @@
 
 <file path=ppt/slideLayouts/slideLayout2.xml><?xml version="1.0" encoding="utf-8"?>
 <p:sldLayout xmlns:a="http://schemas.openxmlformats.org/drawingml/2006/main" xmlns:r="http://schemas.openxmlformats.org/officeDocument/2006/relationships" xmlns:p="http://schemas.openxmlformats.org/presentationml/2006/main" type="obj" preserve="1">
-  <p:cSld name="Заголовок и объект">
+  <p:cSld name="Title and Content">
     <p:spTree>
       <p:nvGrpSpPr>
         <p:cNvPr id="1" name=""/>
@@ -1824,13 +2290,7 @@
       </p:grpSpPr>
       <p:sp>
         <p:nvSpPr>
-          <p:cNvPr id="2" name="Заголовок 1">
-            <a:extLst>
-              <a:ext uri="{FF2B5EF4-FFF2-40B4-BE49-F238E27FC236}">
-                <a16:creationId xmlns:a16="http://schemas.microsoft.com/office/drawing/2014/main" id="{0D4538F5-A3F1-C5F0-D776-5649D60BE5D1}"/>
-              </a:ext>
-            </a:extLst>
-          </p:cNvPr>
+          <p:cNvPr id="2" name="Title 1"/>
           <p:cNvSpPr>
             <a:spLocks noGrp="1"/>
           </p:cNvSpPr>
@@ -1838,84 +2298,82 @@
             <p:ph type="title"/>
           </p:nvPr>
         </p:nvSpPr>
+        <p:spPr>
+          <a:xfrm>
+            <a:off x="628650" y="365126"/>
+            <a:ext cx="7886700" cy="1325563"/>
+          </a:xfrm>
+          <a:prstGeom prst="rect">
+            <a:avLst/>
+          </a:prstGeom>
+        </p:spPr>
+        <p:txBody>
+          <a:bodyPr/>
+          <a:lstStyle/>
+          <a:p>
+            <a:r>
+              <a:rPr lang="en-GB"/>
+              <a:t>Click to edit Master title style</a:t>
+            </a:r>
+            <a:endParaRPr lang="en-US" dirty="0"/>
+          </a:p>
+        </p:txBody>
+      </p:sp>
+      <p:sp>
+        <p:nvSpPr>
+          <p:cNvPr id="3" name="Content Placeholder 2"/>
+          <p:cNvSpPr>
+            <a:spLocks noGrp="1"/>
+          </p:cNvSpPr>
+          <p:nvPr>
+            <p:ph idx="1"/>
+          </p:nvPr>
+        </p:nvSpPr>
         <p:spPr/>
         <p:txBody>
           <a:bodyPr/>
           <a:lstStyle/>
           <a:p>
-            <a:r>
-              <a:rPr lang="ru-RU"/>
-              <a:t>Образец заголовка</a:t>
-            </a:r>
-          </a:p>
-        </p:txBody>
-      </p:sp>
-      <p:sp>
-        <p:nvSpPr>
-          <p:cNvPr id="3" name="Объект 2">
-            <a:extLst>
-              <a:ext uri="{FF2B5EF4-FFF2-40B4-BE49-F238E27FC236}">
-                <a16:creationId xmlns:a16="http://schemas.microsoft.com/office/drawing/2014/main" id="{4B20F589-8B81-8EC9-CF47-F0B3011F7056}"/>
-              </a:ext>
-            </a:extLst>
-          </p:cNvPr>
-          <p:cNvSpPr>
-            <a:spLocks noGrp="1"/>
-          </p:cNvSpPr>
-          <p:nvPr>
-            <p:ph idx="1"/>
-          </p:nvPr>
-        </p:nvSpPr>
-        <p:spPr/>
-        <p:txBody>
-          <a:bodyPr/>
-          <a:lstStyle/>
-          <a:p>
             <a:pPr lvl="0"/>
             <a:r>
-              <a:rPr lang="ru-RU"/>
-              <a:t>Образец текста</a:t>
+              <a:rPr lang="en-GB"/>
+              <a:t>Click to edit Master text styles</a:t>
             </a:r>
           </a:p>
           <a:p>
             <a:pPr lvl="1"/>
             <a:r>
-              <a:rPr lang="ru-RU"/>
-              <a:t>Второй уровень</a:t>
+              <a:rPr lang="en-GB"/>
+              <a:t>Second level</a:t>
             </a:r>
           </a:p>
           <a:p>
             <a:pPr lvl="2"/>
             <a:r>
-              <a:rPr lang="ru-RU"/>
-              <a:t>Третий уровень</a:t>
+              <a:rPr lang="en-GB"/>
+              <a:t>Third level</a:t>
             </a:r>
           </a:p>
           <a:p>
             <a:pPr lvl="3"/>
             <a:r>
-              <a:rPr lang="ru-RU"/>
-              <a:t>Четвертый уровень</a:t>
+              <a:rPr lang="en-GB"/>
+              <a:t>Fourth level</a:t>
             </a:r>
           </a:p>
           <a:p>
             <a:pPr lvl="4"/>
             <a:r>
-              <a:rPr lang="ru-RU"/>
-              <a:t>Пятый уровень</a:t>
-            </a:r>
-          </a:p>
-        </p:txBody>
-      </p:sp>
-      <p:sp>
-        <p:nvSpPr>
-          <p:cNvPr id="4" name="Дата 3">
-            <a:extLst>
-              <a:ext uri="{FF2B5EF4-FFF2-40B4-BE49-F238E27FC236}">
-                <a16:creationId xmlns:a16="http://schemas.microsoft.com/office/drawing/2014/main" id="{1180FC40-C9E9-AC12-F0E1-132B785E5A01}"/>
-              </a:ext>
-            </a:extLst>
-          </p:cNvPr>
+              <a:rPr lang="en-GB"/>
+              <a:t>Fifth level</a:t>
+            </a:r>
+            <a:endParaRPr lang="en-US" dirty="0"/>
+          </a:p>
+        </p:txBody>
+      </p:sp>
+      <p:sp>
+        <p:nvSpPr>
+          <p:cNvPr id="4" name="Date Placeholder 3"/>
           <p:cNvSpPr>
             <a:spLocks noGrp="1"/>
           </p:cNvSpPr>
@@ -1932,19 +2390,13 @@
               <a:rPr lang="ru-RU" smtClean="0"/>
               <a:t>18.05.2025</a:t>
             </a:fld>
-            <a:endParaRPr lang="ru-RU"/>
-          </a:p>
-        </p:txBody>
-      </p:sp>
-      <p:sp>
-        <p:nvSpPr>
-          <p:cNvPr id="5" name="Нижний колонтитул 4">
-            <a:extLst>
-              <a:ext uri="{FF2B5EF4-FFF2-40B4-BE49-F238E27FC236}">
-                <a16:creationId xmlns:a16="http://schemas.microsoft.com/office/drawing/2014/main" id="{EC514420-D686-DA81-5B27-C3F7372A1A80}"/>
-              </a:ext>
-            </a:extLst>
-          </p:cNvPr>
+            <a:endParaRPr lang="ru-RU" dirty="0"/>
+          </a:p>
+        </p:txBody>
+      </p:sp>
+      <p:sp>
+        <p:nvSpPr>
+          <p:cNvPr id="5" name="Footer Placeholder 4"/>
           <p:cNvSpPr>
             <a:spLocks noGrp="1"/>
           </p:cNvSpPr>
@@ -1957,19 +2409,13 @@
           <a:bodyPr/>
           <a:lstStyle/>
           <a:p>
-            <a:endParaRPr lang="ru-RU"/>
-          </a:p>
-        </p:txBody>
-      </p:sp>
-      <p:sp>
-        <p:nvSpPr>
-          <p:cNvPr id="6" name="Номер слайда 5">
-            <a:extLst>
-              <a:ext uri="{FF2B5EF4-FFF2-40B4-BE49-F238E27FC236}">
-                <a16:creationId xmlns:a16="http://schemas.microsoft.com/office/drawing/2014/main" id="{CBA233AC-8E55-FF1A-EE98-37E53CD41F10}"/>
-              </a:ext>
-            </a:extLst>
-          </p:cNvPr>
+            <a:endParaRPr lang="ru-RU" dirty="0"/>
+          </a:p>
+        </p:txBody>
+      </p:sp>
+      <p:sp>
+        <p:nvSpPr>
+          <p:cNvPr id="6" name="Slide Number Placeholder 5"/>
           <p:cNvSpPr>
             <a:spLocks noGrp="1"/>
           </p:cNvSpPr>
@@ -1982,18 +2428,14 @@
           <a:bodyPr/>
           <a:lstStyle/>
           <a:p>
-            <a:fld id="{64FA0029-900B-49D0-B874-6CD73E11DEF9}" type="slidenum">
-              <a:rPr lang="ru-RU" smtClean="0"/>
-              <a:t>‹#›</a:t>
-            </a:fld>
-            <a:endParaRPr lang="ru-RU"/>
+            <a:endParaRPr lang="ru-RU" dirty="0"/>
           </a:p>
         </p:txBody>
       </p:sp>
     </p:spTree>
     <p:extLst>
       <p:ext uri="{BB962C8B-B14F-4D97-AF65-F5344CB8AC3E}">
-        <p14:creationId xmlns:p14="http://schemas.microsoft.com/office/powerpoint/2010/main" val="1109888038"/>
+        <p14:creationId xmlns:p14="http://schemas.microsoft.com/office/powerpoint/2010/main" val="4270874806"/>
       </p:ext>
     </p:extLst>
   </p:cSld>
@@ -2005,7 +2447,7 @@
 
 <file path=ppt/slideLayouts/slideLayout3.xml><?xml version="1.0" encoding="utf-8"?>
 <p:sldLayout xmlns:a="http://schemas.openxmlformats.org/drawingml/2006/main" xmlns:r="http://schemas.openxmlformats.org/officeDocument/2006/relationships" xmlns:p="http://schemas.openxmlformats.org/presentationml/2006/main" type="secHead" preserve="1">
-  <p:cSld name="Заголовок раздела">
+  <p:cSld name="Section Header">
     <p:spTree>
       <p:nvGrpSpPr>
         <p:cNvPr id="1" name=""/>
@@ -2022,13 +2464,7 @@
       </p:grpSpPr>
       <p:sp>
         <p:nvSpPr>
-          <p:cNvPr id="2" name="Заголовок 1">
-            <a:extLst>
-              <a:ext uri="{FF2B5EF4-FFF2-40B4-BE49-F238E27FC236}">
-                <a16:creationId xmlns:a16="http://schemas.microsoft.com/office/drawing/2014/main" id="{1AF1FA60-C027-D2C1-F984-C057EB0CD667}"/>
-              </a:ext>
-            </a:extLst>
-          </p:cNvPr>
+          <p:cNvPr id="2" name="Title 1"/>
           <p:cNvSpPr>
             <a:spLocks noGrp="1"/>
           </p:cNvSpPr>
@@ -2038,9 +2474,12 @@
         </p:nvSpPr>
         <p:spPr>
           <a:xfrm>
-            <a:off x="831850" y="1709738"/>
-            <a:ext cx="10515600" cy="2852737"/>
+            <a:off x="623888" y="1709739"/>
+            <a:ext cx="7886700" cy="2852737"/>
           </a:xfrm>
+          <a:prstGeom prst="rect">
+            <a:avLst/>
+          </a:prstGeom>
         </p:spPr>
         <p:txBody>
           <a:bodyPr anchor="b"/>
@@ -2051,21 +2490,16 @@
           </a:lstStyle>
           <a:p>
             <a:r>
-              <a:rPr lang="ru-RU"/>
-              <a:t>Образец заголовка</a:t>
-            </a:r>
-          </a:p>
-        </p:txBody>
-      </p:sp>
-      <p:sp>
-        <p:nvSpPr>
-          <p:cNvPr id="3" name="Текст 2">
-            <a:extLst>
-              <a:ext uri="{FF2B5EF4-FFF2-40B4-BE49-F238E27FC236}">
-                <a16:creationId xmlns:a16="http://schemas.microsoft.com/office/drawing/2014/main" id="{00C25C1A-6204-F28C-277E-62E3038CBC61}"/>
-              </a:ext>
-            </a:extLst>
-          </p:cNvPr>
+              <a:rPr lang="en-GB"/>
+              <a:t>Click to edit Master title style</a:t>
+            </a:r>
+            <a:endParaRPr lang="en-US" dirty="0"/>
+          </a:p>
+        </p:txBody>
+      </p:sp>
+      <p:sp>
+        <p:nvSpPr>
+          <p:cNvPr id="3" name="Text Placeholder 2"/>
           <p:cNvSpPr>
             <a:spLocks noGrp="1"/>
           </p:cNvSpPr>
@@ -2075,8 +2509,8 @@
         </p:nvSpPr>
         <p:spPr>
           <a:xfrm>
-            <a:off x="831850" y="4589463"/>
-            <a:ext cx="10515600" cy="1500187"/>
+            <a:off x="623888" y="4589464"/>
+            <a:ext cx="7886700" cy="1500187"/>
           </a:xfrm>
         </p:spPr>
         <p:txBody>
@@ -2086,9 +2520,7 @@
               <a:buNone/>
               <a:defRPr sz="2400">
                 <a:solidFill>
-                  <a:schemeClr val="tx1">
-                    <a:tint val="75000"/>
-                  </a:schemeClr>
+                  <a:schemeClr val="tx1"/>
                 </a:solidFill>
               </a:defRPr>
             </a:lvl1pPr>
@@ -2176,21 +2608,15 @@
           <a:p>
             <a:pPr lvl="0"/>
             <a:r>
-              <a:rPr lang="ru-RU"/>
-              <a:t>Образец текста</a:t>
-            </a:r>
-          </a:p>
-        </p:txBody>
-      </p:sp>
-      <p:sp>
-        <p:nvSpPr>
-          <p:cNvPr id="4" name="Дата 3">
-            <a:extLst>
-              <a:ext uri="{FF2B5EF4-FFF2-40B4-BE49-F238E27FC236}">
-                <a16:creationId xmlns:a16="http://schemas.microsoft.com/office/drawing/2014/main" id="{94820717-A3BC-E898-9F4F-BA9999DB9C69}"/>
-              </a:ext>
-            </a:extLst>
-          </p:cNvPr>
+              <a:rPr lang="en-GB"/>
+              <a:t>Click to edit Master text styles</a:t>
+            </a:r>
+          </a:p>
+        </p:txBody>
+      </p:sp>
+      <p:sp>
+        <p:nvSpPr>
+          <p:cNvPr id="4" name="Date Placeholder 3"/>
           <p:cNvSpPr>
             <a:spLocks noGrp="1"/>
           </p:cNvSpPr>
@@ -2207,19 +2633,13 @@
               <a:rPr lang="ru-RU" smtClean="0"/>
               <a:t>18.05.2025</a:t>
             </a:fld>
-            <a:endParaRPr lang="ru-RU"/>
-          </a:p>
-        </p:txBody>
-      </p:sp>
-      <p:sp>
-        <p:nvSpPr>
-          <p:cNvPr id="5" name="Нижний колонтитул 4">
-            <a:extLst>
-              <a:ext uri="{FF2B5EF4-FFF2-40B4-BE49-F238E27FC236}">
-                <a16:creationId xmlns:a16="http://schemas.microsoft.com/office/drawing/2014/main" id="{7EBF5791-3706-9C3E-0CE6-C1005101F9CE}"/>
-              </a:ext>
-            </a:extLst>
-          </p:cNvPr>
+            <a:endParaRPr lang="ru-RU" dirty="0"/>
+          </a:p>
+        </p:txBody>
+      </p:sp>
+      <p:sp>
+        <p:nvSpPr>
+          <p:cNvPr id="5" name="Footer Placeholder 4"/>
           <p:cNvSpPr>
             <a:spLocks noGrp="1"/>
           </p:cNvSpPr>
@@ -2232,19 +2652,13 @@
           <a:bodyPr/>
           <a:lstStyle/>
           <a:p>
-            <a:endParaRPr lang="ru-RU"/>
-          </a:p>
-        </p:txBody>
-      </p:sp>
-      <p:sp>
-        <p:nvSpPr>
-          <p:cNvPr id="6" name="Номер слайда 5">
-            <a:extLst>
-              <a:ext uri="{FF2B5EF4-FFF2-40B4-BE49-F238E27FC236}">
-                <a16:creationId xmlns:a16="http://schemas.microsoft.com/office/drawing/2014/main" id="{B02B5F7B-1B72-5D74-B365-FEDF0E4E1B0F}"/>
-              </a:ext>
-            </a:extLst>
-          </p:cNvPr>
+            <a:endParaRPr lang="ru-RU" dirty="0"/>
+          </a:p>
+        </p:txBody>
+      </p:sp>
+      <p:sp>
+        <p:nvSpPr>
+          <p:cNvPr id="6" name="Slide Number Placeholder 5"/>
           <p:cNvSpPr>
             <a:spLocks noGrp="1"/>
           </p:cNvSpPr>
@@ -2257,18 +2671,14 @@
           <a:bodyPr/>
           <a:lstStyle/>
           <a:p>
-            <a:fld id="{64FA0029-900B-49D0-B874-6CD73E11DEF9}" type="slidenum">
-              <a:rPr lang="ru-RU" smtClean="0"/>
-              <a:t>‹#›</a:t>
-            </a:fld>
-            <a:endParaRPr lang="ru-RU"/>
+            <a:endParaRPr lang="ru-RU" dirty="0"/>
           </a:p>
         </p:txBody>
       </p:sp>
     </p:spTree>
     <p:extLst>
       <p:ext uri="{BB962C8B-B14F-4D97-AF65-F5344CB8AC3E}">
-        <p14:creationId xmlns:p14="http://schemas.microsoft.com/office/powerpoint/2010/main" val="3768696320"/>
+        <p14:creationId xmlns:p14="http://schemas.microsoft.com/office/powerpoint/2010/main" val="538159164"/>
       </p:ext>
     </p:extLst>
   </p:cSld>
@@ -2280,7 +2690,7 @@
 
 <file path=ppt/slideLayouts/slideLayout4.xml><?xml version="1.0" encoding="utf-8"?>
 <p:sldLayout xmlns:a="http://schemas.openxmlformats.org/drawingml/2006/main" xmlns:r="http://schemas.openxmlformats.org/officeDocument/2006/relationships" xmlns:p="http://schemas.openxmlformats.org/presentationml/2006/main" type="twoObj" preserve="1">
-  <p:cSld name="Два объекта">
+  <p:cSld name="Two Content">
     <p:spTree>
       <p:nvGrpSpPr>
         <p:cNvPr id="1" name=""/>
@@ -2297,52 +2707,49 @@
       </p:grpSpPr>
       <p:sp>
         <p:nvSpPr>
-          <p:cNvPr id="2" name="Заголовок 1">
-            <a:extLst>
-              <a:ext uri="{FF2B5EF4-FFF2-40B4-BE49-F238E27FC236}">
-                <a16:creationId xmlns:a16="http://schemas.microsoft.com/office/drawing/2014/main" id="{840D659A-0FCC-4B66-3C7B-77B6D4BAC791}"/>
-              </a:ext>
-            </a:extLst>
-          </p:cNvPr>
+          <p:cNvPr id="2" name="Title 1"/>
           <p:cNvSpPr>
             <a:spLocks noGrp="1"/>
           </p:cNvSpPr>
           <p:nvPr>
             <p:ph type="title"/>
-          </p:nvPr>
-        </p:nvSpPr>
-        <p:spPr/>
-        <p:txBody>
-          <a:bodyPr/>
-          <a:lstStyle/>
-          <a:p>
-            <a:r>
-              <a:rPr lang="ru-RU"/>
-              <a:t>Образец заголовка</a:t>
-            </a:r>
-          </a:p>
-        </p:txBody>
-      </p:sp>
-      <p:sp>
-        <p:nvSpPr>
-          <p:cNvPr id="3" name="Объект 2">
-            <a:extLst>
-              <a:ext uri="{FF2B5EF4-FFF2-40B4-BE49-F238E27FC236}">
-                <a16:creationId xmlns:a16="http://schemas.microsoft.com/office/drawing/2014/main" id="{2A450C78-448A-AAA7-CE3A-3FBA10811C0F}"/>
-              </a:ext>
-            </a:extLst>
-          </p:cNvPr>
-          <p:cNvSpPr>
-            <a:spLocks noGrp="1"/>
-          </p:cNvSpPr>
-          <p:nvPr>
-            <p:ph sz="half" idx="1"/>
           </p:nvPr>
         </p:nvSpPr>
         <p:spPr>
           <a:xfrm>
-            <a:off x="838200" y="1825625"/>
-            <a:ext cx="5181600" cy="4351338"/>
+            <a:off x="628650" y="365126"/>
+            <a:ext cx="7886700" cy="1325563"/>
+          </a:xfrm>
+          <a:prstGeom prst="rect">
+            <a:avLst/>
+          </a:prstGeom>
+        </p:spPr>
+        <p:txBody>
+          <a:bodyPr/>
+          <a:lstStyle/>
+          <a:p>
+            <a:r>
+              <a:rPr lang="en-GB"/>
+              <a:t>Click to edit Master title style</a:t>
+            </a:r>
+            <a:endParaRPr lang="en-US" dirty="0"/>
+          </a:p>
+        </p:txBody>
+      </p:sp>
+      <p:sp>
+        <p:nvSpPr>
+          <p:cNvPr id="3" name="Content Placeholder 2"/>
+          <p:cNvSpPr>
+            <a:spLocks noGrp="1"/>
+          </p:cNvSpPr>
+          <p:nvPr>
+            <p:ph sz="half" idx="1"/>
+          </p:nvPr>
+        </p:nvSpPr>
+        <p:spPr>
+          <a:xfrm>
+            <a:off x="628650" y="1825625"/>
+            <a:ext cx="3886200" cy="4351338"/>
           </a:xfrm>
         </p:spPr>
         <p:txBody>
@@ -2351,49 +2758,44 @@
           <a:p>
             <a:pPr lvl="0"/>
             <a:r>
-              <a:rPr lang="ru-RU"/>
-              <a:t>Образец текста</a:t>
+              <a:rPr lang="en-GB"/>
+              <a:t>Click to edit Master text styles</a:t>
             </a:r>
           </a:p>
           <a:p>
             <a:pPr lvl="1"/>
             <a:r>
-              <a:rPr lang="ru-RU"/>
-              <a:t>Второй уровень</a:t>
+              <a:rPr lang="en-GB"/>
+              <a:t>Second level</a:t>
             </a:r>
           </a:p>
           <a:p>
             <a:pPr lvl="2"/>
             <a:r>
-              <a:rPr lang="ru-RU"/>
-              <a:t>Третий уровень</a:t>
+              <a:rPr lang="en-GB"/>
+              <a:t>Third level</a:t>
             </a:r>
           </a:p>
           <a:p>
             <a:pPr lvl="3"/>
             <a:r>
-              <a:rPr lang="ru-RU"/>
-              <a:t>Четвертый уровень</a:t>
+              <a:rPr lang="en-GB"/>
+              <a:t>Fourth level</a:t>
             </a:r>
           </a:p>
           <a:p>
             <a:pPr lvl="4"/>
             <a:r>
-              <a:rPr lang="ru-RU"/>
-              <a:t>Пятый уровень</a:t>
-            </a:r>
-          </a:p>
-        </p:txBody>
-      </p:sp>
-      <p:sp>
-        <p:nvSpPr>
-          <p:cNvPr id="4" name="Объект 3">
-            <a:extLst>
-              <a:ext uri="{FF2B5EF4-FFF2-40B4-BE49-F238E27FC236}">
-                <a16:creationId xmlns:a16="http://schemas.microsoft.com/office/drawing/2014/main" id="{1A46BAFF-7148-B3DD-AE9E-C7EDE4F10DF5}"/>
-              </a:ext>
-            </a:extLst>
-          </p:cNvPr>
+              <a:rPr lang="en-GB"/>
+              <a:t>Fifth level</a:t>
+            </a:r>
+            <a:endParaRPr lang="en-US" dirty="0"/>
+          </a:p>
+        </p:txBody>
+      </p:sp>
+      <p:sp>
+        <p:nvSpPr>
+          <p:cNvPr id="4" name="Content Placeholder 3"/>
           <p:cNvSpPr>
             <a:spLocks noGrp="1"/>
           </p:cNvSpPr>
@@ -2403,8 +2805,8 @@
         </p:nvSpPr>
         <p:spPr>
           <a:xfrm>
-            <a:off x="6172200" y="1825625"/>
-            <a:ext cx="5181600" cy="4351338"/>
+            <a:off x="4629150" y="1825625"/>
+            <a:ext cx="3886200" cy="4351338"/>
           </a:xfrm>
         </p:spPr>
         <p:txBody>
@@ -2413,49 +2815,44 @@
           <a:p>
             <a:pPr lvl="0"/>
             <a:r>
-              <a:rPr lang="ru-RU"/>
-              <a:t>Образец текста</a:t>
+              <a:rPr lang="en-GB"/>
+              <a:t>Click to edit Master text styles</a:t>
             </a:r>
           </a:p>
           <a:p>
             <a:pPr lvl="1"/>
             <a:r>
-              <a:rPr lang="ru-RU"/>
-              <a:t>Второй уровень</a:t>
+              <a:rPr lang="en-GB"/>
+              <a:t>Second level</a:t>
             </a:r>
           </a:p>
           <a:p>
             <a:pPr lvl="2"/>
             <a:r>
-              <a:rPr lang="ru-RU"/>
-              <a:t>Третий уровень</a:t>
+              <a:rPr lang="en-GB"/>
+              <a:t>Third level</a:t>
             </a:r>
           </a:p>
           <a:p>
             <a:pPr lvl="3"/>
             <a:r>
-              <a:rPr lang="ru-RU"/>
-              <a:t>Четвертый уровень</a:t>
+              <a:rPr lang="en-GB"/>
+              <a:t>Fourth level</a:t>
             </a:r>
           </a:p>
           <a:p>
             <a:pPr lvl="4"/>
             <a:r>
-              <a:rPr lang="ru-RU"/>
-              <a:t>Пятый уровень</a:t>
-            </a:r>
-          </a:p>
-        </p:txBody>
-      </p:sp>
-      <p:sp>
-        <p:nvSpPr>
-          <p:cNvPr id="5" name="Дата 4">
-            <a:extLst>
-              <a:ext uri="{FF2B5EF4-FFF2-40B4-BE49-F238E27FC236}">
-                <a16:creationId xmlns:a16="http://schemas.microsoft.com/office/drawing/2014/main" id="{42C1B615-2A08-085B-0BE4-13D60721E8B8}"/>
-              </a:ext>
-            </a:extLst>
-          </p:cNvPr>
+              <a:rPr lang="en-GB"/>
+              <a:t>Fifth level</a:t>
+            </a:r>
+            <a:endParaRPr lang="en-US" dirty="0"/>
+          </a:p>
+        </p:txBody>
+      </p:sp>
+      <p:sp>
+        <p:nvSpPr>
+          <p:cNvPr id="5" name="Date Placeholder 4"/>
           <p:cNvSpPr>
             <a:spLocks noGrp="1"/>
           </p:cNvSpPr>
@@ -2472,19 +2869,13 @@
               <a:rPr lang="ru-RU" smtClean="0"/>
               <a:t>18.05.2025</a:t>
             </a:fld>
-            <a:endParaRPr lang="ru-RU"/>
-          </a:p>
-        </p:txBody>
-      </p:sp>
-      <p:sp>
-        <p:nvSpPr>
-          <p:cNvPr id="6" name="Нижний колонтитул 5">
-            <a:extLst>
-              <a:ext uri="{FF2B5EF4-FFF2-40B4-BE49-F238E27FC236}">
-                <a16:creationId xmlns:a16="http://schemas.microsoft.com/office/drawing/2014/main" id="{4C3474FF-82C8-3322-B6CA-543E16474E6F}"/>
-              </a:ext>
-            </a:extLst>
-          </p:cNvPr>
+            <a:endParaRPr lang="ru-RU" dirty="0"/>
+          </a:p>
+        </p:txBody>
+      </p:sp>
+      <p:sp>
+        <p:nvSpPr>
+          <p:cNvPr id="6" name="Footer Placeholder 5"/>
           <p:cNvSpPr>
             <a:spLocks noGrp="1"/>
           </p:cNvSpPr>
@@ -2497,19 +2888,13 @@
           <a:bodyPr/>
           <a:lstStyle/>
           <a:p>
-            <a:endParaRPr lang="ru-RU"/>
-          </a:p>
-        </p:txBody>
-      </p:sp>
-      <p:sp>
-        <p:nvSpPr>
-          <p:cNvPr id="7" name="Номер слайда 6">
-            <a:extLst>
-              <a:ext uri="{FF2B5EF4-FFF2-40B4-BE49-F238E27FC236}">
-                <a16:creationId xmlns:a16="http://schemas.microsoft.com/office/drawing/2014/main" id="{EE12758F-FCDA-AB06-EDCF-0800295978D8}"/>
-              </a:ext>
-            </a:extLst>
-          </p:cNvPr>
+            <a:endParaRPr lang="ru-RU" dirty="0"/>
+          </a:p>
+        </p:txBody>
+      </p:sp>
+      <p:sp>
+        <p:nvSpPr>
+          <p:cNvPr id="7" name="Slide Number Placeholder 6"/>
           <p:cNvSpPr>
             <a:spLocks noGrp="1"/>
           </p:cNvSpPr>
@@ -2522,18 +2907,14 @@
           <a:bodyPr/>
           <a:lstStyle/>
           <a:p>
-            <a:fld id="{64FA0029-900B-49D0-B874-6CD73E11DEF9}" type="slidenum">
-              <a:rPr lang="ru-RU" smtClean="0"/>
-              <a:t>‹#›</a:t>
-            </a:fld>
-            <a:endParaRPr lang="ru-RU"/>
+            <a:endParaRPr lang="ru-RU" dirty="0"/>
           </a:p>
         </p:txBody>
       </p:sp>
     </p:spTree>
     <p:extLst>
       <p:ext uri="{BB962C8B-B14F-4D97-AF65-F5344CB8AC3E}">
-        <p14:creationId xmlns:p14="http://schemas.microsoft.com/office/powerpoint/2010/main" val="1324900365"/>
+        <p14:creationId xmlns:p14="http://schemas.microsoft.com/office/powerpoint/2010/main" val="1647831503"/>
       </p:ext>
     </p:extLst>
   </p:cSld>
@@ -2545,7 +2926,7 @@
 
 <file path=ppt/slideLayouts/slideLayout5.xml><?xml version="1.0" encoding="utf-8"?>
 <p:sldLayout xmlns:a="http://schemas.openxmlformats.org/drawingml/2006/main" xmlns:r="http://schemas.openxmlformats.org/officeDocument/2006/relationships" xmlns:p="http://schemas.openxmlformats.org/presentationml/2006/main" type="twoTxTwoObj" preserve="1">
-  <p:cSld name="Сравнение">
+  <p:cSld name="Comparison">
     <p:spTree>
       <p:nvGrpSpPr>
         <p:cNvPr id="1" name=""/>
@@ -2562,13 +2943,7 @@
       </p:grpSpPr>
       <p:sp>
         <p:nvSpPr>
-          <p:cNvPr id="2" name="Заголовок 1">
-            <a:extLst>
-              <a:ext uri="{FF2B5EF4-FFF2-40B4-BE49-F238E27FC236}">
-                <a16:creationId xmlns:a16="http://schemas.microsoft.com/office/drawing/2014/main" id="{DA752613-4E2E-DA9E-5011-AC05CCD6884D}"/>
-              </a:ext>
-            </a:extLst>
-          </p:cNvPr>
+          <p:cNvPr id="2" name="Title 1"/>
           <p:cNvSpPr>
             <a:spLocks noGrp="1"/>
           </p:cNvSpPr>
@@ -2578,30 +2953,28 @@
         </p:nvSpPr>
         <p:spPr>
           <a:xfrm>
-            <a:off x="839788" y="365125"/>
-            <a:ext cx="10515600" cy="1325563"/>
+            <a:off x="629841" y="365126"/>
+            <a:ext cx="7886700" cy="1325563"/>
           </a:xfrm>
+          <a:prstGeom prst="rect">
+            <a:avLst/>
+          </a:prstGeom>
         </p:spPr>
         <p:txBody>
           <a:bodyPr/>
           <a:lstStyle/>
           <a:p>
             <a:r>
-              <a:rPr lang="ru-RU"/>
-              <a:t>Образец заголовка</a:t>
-            </a:r>
-          </a:p>
-        </p:txBody>
-      </p:sp>
-      <p:sp>
-        <p:nvSpPr>
-          <p:cNvPr id="3" name="Текст 2">
-            <a:extLst>
-              <a:ext uri="{FF2B5EF4-FFF2-40B4-BE49-F238E27FC236}">
-                <a16:creationId xmlns:a16="http://schemas.microsoft.com/office/drawing/2014/main" id="{BBEF4ED1-B2C5-57EE-6AD0-A63A16C88E3E}"/>
-              </a:ext>
-            </a:extLst>
-          </p:cNvPr>
+              <a:rPr lang="en-GB"/>
+              <a:t>Click to edit Master title style</a:t>
+            </a:r>
+            <a:endParaRPr lang="en-US" dirty="0"/>
+          </a:p>
+        </p:txBody>
+      </p:sp>
+      <p:sp>
+        <p:nvSpPr>
+          <p:cNvPr id="3" name="Text Placeholder 2"/>
           <p:cNvSpPr>
             <a:spLocks noGrp="1"/>
           </p:cNvSpPr>
@@ -2611,8 +2984,8 @@
         </p:nvSpPr>
         <p:spPr>
           <a:xfrm>
-            <a:off x="839788" y="1681163"/>
-            <a:ext cx="5157787" cy="823912"/>
+            <a:off x="629842" y="1681163"/>
+            <a:ext cx="3868340" cy="823912"/>
           </a:xfrm>
         </p:spPr>
         <p:txBody>
@@ -2658,21 +3031,15 @@
           <a:p>
             <a:pPr lvl="0"/>
             <a:r>
-              <a:rPr lang="ru-RU"/>
-              <a:t>Образец текста</a:t>
-            </a:r>
-          </a:p>
-        </p:txBody>
-      </p:sp>
-      <p:sp>
-        <p:nvSpPr>
-          <p:cNvPr id="4" name="Объект 3">
-            <a:extLst>
-              <a:ext uri="{FF2B5EF4-FFF2-40B4-BE49-F238E27FC236}">
-                <a16:creationId xmlns:a16="http://schemas.microsoft.com/office/drawing/2014/main" id="{11FFA673-0BE7-7C9A-7772-A52395B74127}"/>
-              </a:ext>
-            </a:extLst>
-          </p:cNvPr>
+              <a:rPr lang="en-GB"/>
+              <a:t>Click to edit Master text styles</a:t>
+            </a:r>
+          </a:p>
+        </p:txBody>
+      </p:sp>
+      <p:sp>
+        <p:nvSpPr>
+          <p:cNvPr id="4" name="Content Placeholder 3"/>
           <p:cNvSpPr>
             <a:spLocks noGrp="1"/>
           </p:cNvSpPr>
@@ -2682,8 +3049,8 @@
         </p:nvSpPr>
         <p:spPr>
           <a:xfrm>
-            <a:off x="839788" y="2505075"/>
-            <a:ext cx="5157787" cy="3684588"/>
+            <a:off x="629842" y="2505075"/>
+            <a:ext cx="3868340" cy="3684588"/>
           </a:xfrm>
         </p:spPr>
         <p:txBody>
@@ -2692,49 +3059,44 @@
           <a:p>
             <a:pPr lvl="0"/>
             <a:r>
-              <a:rPr lang="ru-RU"/>
-              <a:t>Образец текста</a:t>
+              <a:rPr lang="en-GB"/>
+              <a:t>Click to edit Master text styles</a:t>
             </a:r>
           </a:p>
           <a:p>
             <a:pPr lvl="1"/>
             <a:r>
-              <a:rPr lang="ru-RU"/>
-              <a:t>Второй уровень</a:t>
+              <a:rPr lang="en-GB"/>
+              <a:t>Second level</a:t>
             </a:r>
           </a:p>
           <a:p>
             <a:pPr lvl="2"/>
             <a:r>
-              <a:rPr lang="ru-RU"/>
-              <a:t>Третий уровень</a:t>
+              <a:rPr lang="en-GB"/>
+              <a:t>Third level</a:t>
             </a:r>
           </a:p>
           <a:p>
             <a:pPr lvl="3"/>
             <a:r>
-              <a:rPr lang="ru-RU"/>
-              <a:t>Четвертый уровень</a:t>
+              <a:rPr lang="en-GB"/>
+              <a:t>Fourth level</a:t>
             </a:r>
           </a:p>
           <a:p>
             <a:pPr lvl="4"/>
             <a:r>
-              <a:rPr lang="ru-RU"/>
-              <a:t>Пятый уровень</a:t>
-            </a:r>
-          </a:p>
-        </p:txBody>
-      </p:sp>
-      <p:sp>
-        <p:nvSpPr>
-          <p:cNvPr id="5" name="Текст 4">
-            <a:extLst>
-              <a:ext uri="{FF2B5EF4-FFF2-40B4-BE49-F238E27FC236}">
-                <a16:creationId xmlns:a16="http://schemas.microsoft.com/office/drawing/2014/main" id="{DD6B6D5B-05BF-B20E-3510-E13078B0DE9A}"/>
-              </a:ext>
-            </a:extLst>
-          </p:cNvPr>
+              <a:rPr lang="en-GB"/>
+              <a:t>Fifth level</a:t>
+            </a:r>
+            <a:endParaRPr lang="en-US" dirty="0"/>
+          </a:p>
+        </p:txBody>
+      </p:sp>
+      <p:sp>
+        <p:nvSpPr>
+          <p:cNvPr id="5" name="Text Placeholder 4"/>
           <p:cNvSpPr>
             <a:spLocks noGrp="1"/>
           </p:cNvSpPr>
@@ -2744,8 +3106,8 @@
         </p:nvSpPr>
         <p:spPr>
           <a:xfrm>
-            <a:off x="6172200" y="1681163"/>
-            <a:ext cx="5183188" cy="823912"/>
+            <a:off x="4629150" y="1681163"/>
+            <a:ext cx="3887391" cy="823912"/>
           </a:xfrm>
         </p:spPr>
         <p:txBody>
@@ -2791,21 +3153,15 @@
           <a:p>
             <a:pPr lvl="0"/>
             <a:r>
-              <a:rPr lang="ru-RU"/>
-              <a:t>Образец текста</a:t>
-            </a:r>
-          </a:p>
-        </p:txBody>
-      </p:sp>
-      <p:sp>
-        <p:nvSpPr>
-          <p:cNvPr id="6" name="Объект 5">
-            <a:extLst>
-              <a:ext uri="{FF2B5EF4-FFF2-40B4-BE49-F238E27FC236}">
-                <a16:creationId xmlns:a16="http://schemas.microsoft.com/office/drawing/2014/main" id="{8A7A3172-1EA5-DB57-4085-692E6EC1FA7B}"/>
-              </a:ext>
-            </a:extLst>
-          </p:cNvPr>
+              <a:rPr lang="en-GB"/>
+              <a:t>Click to edit Master text styles</a:t>
+            </a:r>
+          </a:p>
+        </p:txBody>
+      </p:sp>
+      <p:sp>
+        <p:nvSpPr>
+          <p:cNvPr id="6" name="Content Placeholder 5"/>
           <p:cNvSpPr>
             <a:spLocks noGrp="1"/>
           </p:cNvSpPr>
@@ -2815,8 +3171,8 @@
         </p:nvSpPr>
         <p:spPr>
           <a:xfrm>
-            <a:off x="6172200" y="2505075"/>
-            <a:ext cx="5183188" cy="3684588"/>
+            <a:off x="4629150" y="2505075"/>
+            <a:ext cx="3887391" cy="3684588"/>
           </a:xfrm>
         </p:spPr>
         <p:txBody>
@@ -2825,49 +3181,44 @@
           <a:p>
             <a:pPr lvl="0"/>
             <a:r>
-              <a:rPr lang="ru-RU"/>
-              <a:t>Образец текста</a:t>
+              <a:rPr lang="en-GB"/>
+              <a:t>Click to edit Master text styles</a:t>
             </a:r>
           </a:p>
           <a:p>
             <a:pPr lvl="1"/>
             <a:r>
-              <a:rPr lang="ru-RU"/>
-              <a:t>Второй уровень</a:t>
+              <a:rPr lang="en-GB"/>
+              <a:t>Second level</a:t>
             </a:r>
           </a:p>
           <a:p>
             <a:pPr lvl="2"/>
             <a:r>
-              <a:rPr lang="ru-RU"/>
-              <a:t>Третий уровень</a:t>
+              <a:rPr lang="en-GB"/>
+              <a:t>Third level</a:t>
             </a:r>
           </a:p>
           <a:p>
             <a:pPr lvl="3"/>
             <a:r>
-              <a:rPr lang="ru-RU"/>
-              <a:t>Четвертый уровень</a:t>
+              <a:rPr lang="en-GB"/>
+              <a:t>Fourth level</a:t>
             </a:r>
           </a:p>
           <a:p>
             <a:pPr lvl="4"/>
             <a:r>
-              <a:rPr lang="ru-RU"/>
-              <a:t>Пятый уровень</a:t>
-            </a:r>
-          </a:p>
-        </p:txBody>
-      </p:sp>
-      <p:sp>
-        <p:nvSpPr>
-          <p:cNvPr id="7" name="Дата 6">
-            <a:extLst>
-              <a:ext uri="{FF2B5EF4-FFF2-40B4-BE49-F238E27FC236}">
-                <a16:creationId xmlns:a16="http://schemas.microsoft.com/office/drawing/2014/main" id="{826C336B-18F0-82B0-6718-9563BEB7CC18}"/>
-              </a:ext>
-            </a:extLst>
-          </p:cNvPr>
+              <a:rPr lang="en-GB"/>
+              <a:t>Fifth level</a:t>
+            </a:r>
+            <a:endParaRPr lang="en-US" dirty="0"/>
+          </a:p>
+        </p:txBody>
+      </p:sp>
+      <p:sp>
+        <p:nvSpPr>
+          <p:cNvPr id="7" name="Date Placeholder 6"/>
           <p:cNvSpPr>
             <a:spLocks noGrp="1"/>
           </p:cNvSpPr>
@@ -2884,19 +3235,13 @@
               <a:rPr lang="ru-RU" smtClean="0"/>
               <a:t>18.05.2025</a:t>
             </a:fld>
-            <a:endParaRPr lang="ru-RU"/>
-          </a:p>
-        </p:txBody>
-      </p:sp>
-      <p:sp>
-        <p:nvSpPr>
-          <p:cNvPr id="8" name="Нижний колонтитул 7">
-            <a:extLst>
-              <a:ext uri="{FF2B5EF4-FFF2-40B4-BE49-F238E27FC236}">
-                <a16:creationId xmlns:a16="http://schemas.microsoft.com/office/drawing/2014/main" id="{38A08B6E-E7D8-8B2B-C180-734F1C3D807A}"/>
-              </a:ext>
-            </a:extLst>
-          </p:cNvPr>
+            <a:endParaRPr lang="ru-RU" dirty="0"/>
+          </a:p>
+        </p:txBody>
+      </p:sp>
+      <p:sp>
+        <p:nvSpPr>
+          <p:cNvPr id="8" name="Footer Placeholder 7"/>
           <p:cNvSpPr>
             <a:spLocks noGrp="1"/>
           </p:cNvSpPr>
@@ -2909,19 +3254,13 @@
           <a:bodyPr/>
           <a:lstStyle/>
           <a:p>
-            <a:endParaRPr lang="ru-RU"/>
-          </a:p>
-        </p:txBody>
-      </p:sp>
-      <p:sp>
-        <p:nvSpPr>
-          <p:cNvPr id="9" name="Номер слайда 8">
-            <a:extLst>
-              <a:ext uri="{FF2B5EF4-FFF2-40B4-BE49-F238E27FC236}">
-                <a16:creationId xmlns:a16="http://schemas.microsoft.com/office/drawing/2014/main" id="{8CB89BE5-B188-AF4E-D18B-D08C9FC2B5A2}"/>
-              </a:ext>
-            </a:extLst>
-          </p:cNvPr>
+            <a:endParaRPr lang="ru-RU" dirty="0"/>
+          </a:p>
+        </p:txBody>
+      </p:sp>
+      <p:sp>
+        <p:nvSpPr>
+          <p:cNvPr id="9" name="Slide Number Placeholder 8"/>
           <p:cNvSpPr>
             <a:spLocks noGrp="1"/>
           </p:cNvSpPr>
@@ -2934,18 +3273,14 @@
           <a:bodyPr/>
           <a:lstStyle/>
           <a:p>
-            <a:fld id="{64FA0029-900B-49D0-B874-6CD73E11DEF9}" type="slidenum">
-              <a:rPr lang="ru-RU" smtClean="0"/>
-              <a:t>‹#›</a:t>
-            </a:fld>
-            <a:endParaRPr lang="ru-RU"/>
+            <a:endParaRPr lang="ru-RU" dirty="0"/>
           </a:p>
         </p:txBody>
       </p:sp>
     </p:spTree>
     <p:extLst>
       <p:ext uri="{BB962C8B-B14F-4D97-AF65-F5344CB8AC3E}">
-        <p14:creationId xmlns:p14="http://schemas.microsoft.com/office/powerpoint/2010/main" val="2052672889"/>
+        <p14:creationId xmlns:p14="http://schemas.microsoft.com/office/powerpoint/2010/main" val="3131158480"/>
       </p:ext>
     </p:extLst>
   </p:cSld>
@@ -2957,7 +3292,7 @@
 
 <file path=ppt/slideLayouts/slideLayout6.xml><?xml version="1.0" encoding="utf-8"?>
 <p:sldLayout xmlns:a="http://schemas.openxmlformats.org/drawingml/2006/main" xmlns:r="http://schemas.openxmlformats.org/officeDocument/2006/relationships" xmlns:p="http://schemas.openxmlformats.org/presentationml/2006/main" type="titleOnly" preserve="1">
-  <p:cSld name="Только заголовок">
+  <p:cSld name="Title Only">
     <p:spTree>
       <p:nvGrpSpPr>
         <p:cNvPr id="1" name=""/>
@@ -2974,13 +3309,7 @@
       </p:grpSpPr>
       <p:sp>
         <p:nvSpPr>
-          <p:cNvPr id="2" name="Заголовок 1">
-            <a:extLst>
-              <a:ext uri="{FF2B5EF4-FFF2-40B4-BE49-F238E27FC236}">
-                <a16:creationId xmlns:a16="http://schemas.microsoft.com/office/drawing/2014/main" id="{F89A2575-0C1A-C555-04FB-9EC46610F134}"/>
-              </a:ext>
-            </a:extLst>
-          </p:cNvPr>
+          <p:cNvPr id="2" name="Title 1"/>
           <p:cNvSpPr>
             <a:spLocks noGrp="1"/>
           </p:cNvSpPr>
@@ -2988,27 +3317,30 @@
             <p:ph type="title"/>
           </p:nvPr>
         </p:nvSpPr>
-        <p:spPr/>
+        <p:spPr>
+          <a:xfrm>
+            <a:off x="628650" y="365126"/>
+            <a:ext cx="7886700" cy="1325563"/>
+          </a:xfrm>
+          <a:prstGeom prst="rect">
+            <a:avLst/>
+          </a:prstGeom>
+        </p:spPr>
         <p:txBody>
           <a:bodyPr/>
           <a:lstStyle/>
           <a:p>
             <a:r>
-              <a:rPr lang="ru-RU"/>
-              <a:t>Образец заголовка</a:t>
-            </a:r>
-          </a:p>
-        </p:txBody>
-      </p:sp>
-      <p:sp>
-        <p:nvSpPr>
-          <p:cNvPr id="3" name="Дата 2">
-            <a:extLst>
-              <a:ext uri="{FF2B5EF4-FFF2-40B4-BE49-F238E27FC236}">
-                <a16:creationId xmlns:a16="http://schemas.microsoft.com/office/drawing/2014/main" id="{72186D20-BD84-2B90-1EBB-C2FC72B31564}"/>
-              </a:ext>
-            </a:extLst>
-          </p:cNvPr>
+              <a:rPr lang="en-GB"/>
+              <a:t>Click to edit Master title style</a:t>
+            </a:r>
+            <a:endParaRPr lang="en-US" dirty="0"/>
+          </a:p>
+        </p:txBody>
+      </p:sp>
+      <p:sp>
+        <p:nvSpPr>
+          <p:cNvPr id="3" name="Date Placeholder 2"/>
           <p:cNvSpPr>
             <a:spLocks noGrp="1"/>
           </p:cNvSpPr>
@@ -3025,19 +3357,13 @@
               <a:rPr lang="ru-RU" smtClean="0"/>
               <a:t>18.05.2025</a:t>
             </a:fld>
-            <a:endParaRPr lang="ru-RU"/>
-          </a:p>
-        </p:txBody>
-      </p:sp>
-      <p:sp>
-        <p:nvSpPr>
-          <p:cNvPr id="4" name="Нижний колонтитул 3">
-            <a:extLst>
-              <a:ext uri="{FF2B5EF4-FFF2-40B4-BE49-F238E27FC236}">
-                <a16:creationId xmlns:a16="http://schemas.microsoft.com/office/drawing/2014/main" id="{5179E82B-27B2-9B5F-B5DF-73FE5536AD7E}"/>
-              </a:ext>
-            </a:extLst>
-          </p:cNvPr>
+            <a:endParaRPr lang="ru-RU" dirty="0"/>
+          </a:p>
+        </p:txBody>
+      </p:sp>
+      <p:sp>
+        <p:nvSpPr>
+          <p:cNvPr id="4" name="Footer Placeholder 3"/>
           <p:cNvSpPr>
             <a:spLocks noGrp="1"/>
           </p:cNvSpPr>
@@ -3050,19 +3376,13 @@
           <a:bodyPr/>
           <a:lstStyle/>
           <a:p>
-            <a:endParaRPr lang="ru-RU"/>
-          </a:p>
-        </p:txBody>
-      </p:sp>
-      <p:sp>
-        <p:nvSpPr>
-          <p:cNvPr id="5" name="Номер слайда 4">
-            <a:extLst>
-              <a:ext uri="{FF2B5EF4-FFF2-40B4-BE49-F238E27FC236}">
-                <a16:creationId xmlns:a16="http://schemas.microsoft.com/office/drawing/2014/main" id="{519ABE0C-D4DA-0C77-DE42-4E1C44505F9D}"/>
-              </a:ext>
-            </a:extLst>
-          </p:cNvPr>
+            <a:endParaRPr lang="ru-RU" dirty="0"/>
+          </a:p>
+        </p:txBody>
+      </p:sp>
+      <p:sp>
+        <p:nvSpPr>
+          <p:cNvPr id="5" name="Slide Number Placeholder 4"/>
           <p:cNvSpPr>
             <a:spLocks noGrp="1"/>
           </p:cNvSpPr>
@@ -3075,18 +3395,14 @@
           <a:bodyPr/>
           <a:lstStyle/>
           <a:p>
-            <a:fld id="{64FA0029-900B-49D0-B874-6CD73E11DEF9}" type="slidenum">
-              <a:rPr lang="ru-RU" smtClean="0"/>
-              <a:t>‹#›</a:t>
-            </a:fld>
-            <a:endParaRPr lang="ru-RU"/>
+            <a:endParaRPr lang="ru-RU" dirty="0"/>
           </a:p>
         </p:txBody>
       </p:sp>
     </p:spTree>
     <p:extLst>
       <p:ext uri="{BB962C8B-B14F-4D97-AF65-F5344CB8AC3E}">
-        <p14:creationId xmlns:p14="http://schemas.microsoft.com/office/powerpoint/2010/main" val="1766434959"/>
+        <p14:creationId xmlns:p14="http://schemas.microsoft.com/office/powerpoint/2010/main" val="1665299470"/>
       </p:ext>
     </p:extLst>
   </p:cSld>
@@ -3098,7 +3414,7 @@
 
 <file path=ppt/slideLayouts/slideLayout7.xml><?xml version="1.0" encoding="utf-8"?>
 <p:sldLayout xmlns:a="http://schemas.openxmlformats.org/drawingml/2006/main" xmlns:r="http://schemas.openxmlformats.org/officeDocument/2006/relationships" xmlns:p="http://schemas.openxmlformats.org/presentationml/2006/main" type="blank" preserve="1">
-  <p:cSld name="Пустой слайд">
+  <p:cSld name="Blank">
     <p:spTree>
       <p:nvGrpSpPr>
         <p:cNvPr id="1" name=""/>
@@ -3115,13 +3431,7 @@
       </p:grpSpPr>
       <p:sp>
         <p:nvSpPr>
-          <p:cNvPr id="2" name="Дата 1">
-            <a:extLst>
-              <a:ext uri="{FF2B5EF4-FFF2-40B4-BE49-F238E27FC236}">
-                <a16:creationId xmlns:a16="http://schemas.microsoft.com/office/drawing/2014/main" id="{D650FCFE-8CFF-60DE-D01C-3A383180A1F9}"/>
-              </a:ext>
-            </a:extLst>
-          </p:cNvPr>
+          <p:cNvPr id="2" name="Date Placeholder 1"/>
           <p:cNvSpPr>
             <a:spLocks noGrp="1"/>
           </p:cNvSpPr>
@@ -3138,19 +3448,13 @@
               <a:rPr lang="ru-RU" smtClean="0"/>
               <a:t>18.05.2025</a:t>
             </a:fld>
-            <a:endParaRPr lang="ru-RU"/>
-          </a:p>
-        </p:txBody>
-      </p:sp>
-      <p:sp>
-        <p:nvSpPr>
-          <p:cNvPr id="3" name="Нижний колонтитул 2">
-            <a:extLst>
-              <a:ext uri="{FF2B5EF4-FFF2-40B4-BE49-F238E27FC236}">
-                <a16:creationId xmlns:a16="http://schemas.microsoft.com/office/drawing/2014/main" id="{D61BD2A6-B61E-9E2F-30F1-5AA93B65CF2A}"/>
-              </a:ext>
-            </a:extLst>
-          </p:cNvPr>
+            <a:endParaRPr lang="ru-RU" dirty="0"/>
+          </a:p>
+        </p:txBody>
+      </p:sp>
+      <p:sp>
+        <p:nvSpPr>
+          <p:cNvPr id="3" name="Footer Placeholder 2"/>
           <p:cNvSpPr>
             <a:spLocks noGrp="1"/>
           </p:cNvSpPr>
@@ -3163,19 +3467,13 @@
           <a:bodyPr/>
           <a:lstStyle/>
           <a:p>
-            <a:endParaRPr lang="ru-RU"/>
-          </a:p>
-        </p:txBody>
-      </p:sp>
-      <p:sp>
-        <p:nvSpPr>
-          <p:cNvPr id="4" name="Номер слайда 3">
-            <a:extLst>
-              <a:ext uri="{FF2B5EF4-FFF2-40B4-BE49-F238E27FC236}">
-                <a16:creationId xmlns:a16="http://schemas.microsoft.com/office/drawing/2014/main" id="{67C4121D-5154-39E7-7ED1-33461E9BA5C1}"/>
-              </a:ext>
-            </a:extLst>
-          </p:cNvPr>
+            <a:endParaRPr lang="ru-RU" dirty="0"/>
+          </a:p>
+        </p:txBody>
+      </p:sp>
+      <p:sp>
+        <p:nvSpPr>
+          <p:cNvPr id="4" name="Slide Number Placeholder 3"/>
           <p:cNvSpPr>
             <a:spLocks noGrp="1"/>
           </p:cNvSpPr>
@@ -3188,18 +3486,14 @@
           <a:bodyPr/>
           <a:lstStyle/>
           <a:p>
-            <a:fld id="{64FA0029-900B-49D0-B874-6CD73E11DEF9}" type="slidenum">
-              <a:rPr lang="ru-RU" smtClean="0"/>
-              <a:t>‹#›</a:t>
-            </a:fld>
-            <a:endParaRPr lang="ru-RU"/>
+            <a:endParaRPr lang="ru-RU" dirty="0"/>
           </a:p>
         </p:txBody>
       </p:sp>
     </p:spTree>
     <p:extLst>
       <p:ext uri="{BB962C8B-B14F-4D97-AF65-F5344CB8AC3E}">
-        <p14:creationId xmlns:p14="http://schemas.microsoft.com/office/powerpoint/2010/main" val="4091482098"/>
+        <p14:creationId xmlns:p14="http://schemas.microsoft.com/office/powerpoint/2010/main" val="1967714825"/>
       </p:ext>
     </p:extLst>
   </p:cSld>
@@ -3211,7 +3505,7 @@
 
 <file path=ppt/slideLayouts/slideLayout8.xml><?xml version="1.0" encoding="utf-8"?>
 <p:sldLayout xmlns:a="http://schemas.openxmlformats.org/drawingml/2006/main" xmlns:r="http://schemas.openxmlformats.org/officeDocument/2006/relationships" xmlns:p="http://schemas.openxmlformats.org/presentationml/2006/main" type="objTx" preserve="1">
-  <p:cSld name="Объект с подписью">
+  <p:cSld name="Content with Caption">
     <p:spTree>
       <p:nvGrpSpPr>
         <p:cNvPr id="1" name=""/>
@@ -3228,13 +3522,7 @@
       </p:grpSpPr>
       <p:sp>
         <p:nvSpPr>
-          <p:cNvPr id="2" name="Заголовок 1">
-            <a:extLst>
-              <a:ext uri="{FF2B5EF4-FFF2-40B4-BE49-F238E27FC236}">
-                <a16:creationId xmlns:a16="http://schemas.microsoft.com/office/drawing/2014/main" id="{F8324B51-9198-16A0-42E0-A57599B7BE44}"/>
-              </a:ext>
-            </a:extLst>
-          </p:cNvPr>
+          <p:cNvPr id="2" name="Title 1"/>
           <p:cNvSpPr>
             <a:spLocks noGrp="1"/>
           </p:cNvSpPr>
@@ -3244,9 +3532,12 @@
         </p:nvSpPr>
         <p:spPr>
           <a:xfrm>
-            <a:off x="839788" y="457200"/>
-            <a:ext cx="3932237" cy="1600200"/>
+            <a:off x="629841" y="457200"/>
+            <a:ext cx="2949178" cy="1600200"/>
           </a:xfrm>
+          <a:prstGeom prst="rect">
+            <a:avLst/>
+          </a:prstGeom>
         </p:spPr>
         <p:txBody>
           <a:bodyPr anchor="b"/>
@@ -3257,21 +3548,16 @@
           </a:lstStyle>
           <a:p>
             <a:r>
-              <a:rPr lang="ru-RU"/>
-              <a:t>Образец заголовка</a:t>
-            </a:r>
-          </a:p>
-        </p:txBody>
-      </p:sp>
-      <p:sp>
-        <p:nvSpPr>
-          <p:cNvPr id="3" name="Объект 2">
-            <a:extLst>
-              <a:ext uri="{FF2B5EF4-FFF2-40B4-BE49-F238E27FC236}">
-                <a16:creationId xmlns:a16="http://schemas.microsoft.com/office/drawing/2014/main" id="{241C541D-01CC-D6C0-7109-B6725B5A42A4}"/>
-              </a:ext>
-            </a:extLst>
-          </p:cNvPr>
+              <a:rPr lang="en-GB"/>
+              <a:t>Click to edit Master title style</a:t>
+            </a:r>
+            <a:endParaRPr lang="en-US" dirty="0"/>
+          </a:p>
+        </p:txBody>
+      </p:sp>
+      <p:sp>
+        <p:nvSpPr>
+          <p:cNvPr id="3" name="Content Placeholder 2"/>
           <p:cNvSpPr>
             <a:spLocks noGrp="1"/>
           </p:cNvSpPr>
@@ -3281,8 +3567,8 @@
         </p:nvSpPr>
         <p:spPr>
           <a:xfrm>
-            <a:off x="5183188" y="987425"/>
-            <a:ext cx="6172200" cy="4873625"/>
+            <a:off x="3887391" y="987426"/>
+            <a:ext cx="4629150" cy="4873625"/>
           </a:xfrm>
         </p:spPr>
         <p:txBody>
@@ -3319,49 +3605,44 @@
           <a:p>
             <a:pPr lvl="0"/>
             <a:r>
-              <a:rPr lang="ru-RU"/>
-              <a:t>Образец текста</a:t>
+              <a:rPr lang="en-GB"/>
+              <a:t>Click to edit Master text styles</a:t>
             </a:r>
           </a:p>
           <a:p>
             <a:pPr lvl="1"/>
             <a:r>
-              <a:rPr lang="ru-RU"/>
-              <a:t>Второй уровень</a:t>
+              <a:rPr lang="en-GB"/>
+              <a:t>Second level</a:t>
             </a:r>
           </a:p>
           <a:p>
             <a:pPr lvl="2"/>
             <a:r>
-              <a:rPr lang="ru-RU"/>
-              <a:t>Третий уровень</a:t>
+              <a:rPr lang="en-GB"/>
+              <a:t>Third level</a:t>
             </a:r>
           </a:p>
           <a:p>
             <a:pPr lvl="3"/>
             <a:r>
-              <a:rPr lang="ru-RU"/>
-              <a:t>Четвертый уровень</a:t>
+              <a:rPr lang="en-GB"/>
+              <a:t>Fourth level</a:t>
             </a:r>
           </a:p>
           <a:p>
             <a:pPr lvl="4"/>
             <a:r>
-              <a:rPr lang="ru-RU"/>
-              <a:t>Пятый уровень</a:t>
-            </a:r>
-          </a:p>
-        </p:txBody>
-      </p:sp>
-      <p:sp>
-        <p:nvSpPr>
-          <p:cNvPr id="4" name="Текст 3">
-            <a:extLst>
-              <a:ext uri="{FF2B5EF4-FFF2-40B4-BE49-F238E27FC236}">
-                <a16:creationId xmlns:a16="http://schemas.microsoft.com/office/drawing/2014/main" id="{2987473F-BF82-61AB-01FD-1C8349611856}"/>
-              </a:ext>
-            </a:extLst>
-          </p:cNvPr>
+              <a:rPr lang="en-GB"/>
+              <a:t>Fifth level</a:t>
+            </a:r>
+            <a:endParaRPr lang="en-US" dirty="0"/>
+          </a:p>
+        </p:txBody>
+      </p:sp>
+      <p:sp>
+        <p:nvSpPr>
+          <p:cNvPr id="4" name="Text Placeholder 3"/>
           <p:cNvSpPr>
             <a:spLocks noGrp="1"/>
           </p:cNvSpPr>
@@ -3371,8 +3652,8 @@
         </p:nvSpPr>
         <p:spPr>
           <a:xfrm>
-            <a:off x="839788" y="2057400"/>
-            <a:ext cx="3932237" cy="3811588"/>
+            <a:off x="629841" y="2057400"/>
+            <a:ext cx="2949178" cy="3811588"/>
           </a:xfrm>
         </p:spPr>
         <p:txBody>
@@ -3418,21 +3699,15 @@
           <a:p>
             <a:pPr lvl="0"/>
             <a:r>
-              <a:rPr lang="ru-RU"/>
-              <a:t>Образец текста</a:t>
-            </a:r>
-          </a:p>
-        </p:txBody>
-      </p:sp>
-      <p:sp>
-        <p:nvSpPr>
-          <p:cNvPr id="5" name="Дата 4">
-            <a:extLst>
-              <a:ext uri="{FF2B5EF4-FFF2-40B4-BE49-F238E27FC236}">
-                <a16:creationId xmlns:a16="http://schemas.microsoft.com/office/drawing/2014/main" id="{9DFAF637-19B5-5499-7BFA-088ACF76745B}"/>
-              </a:ext>
-            </a:extLst>
-          </p:cNvPr>
+              <a:rPr lang="en-GB"/>
+              <a:t>Click to edit Master text styles</a:t>
+            </a:r>
+          </a:p>
+        </p:txBody>
+      </p:sp>
+      <p:sp>
+        <p:nvSpPr>
+          <p:cNvPr id="5" name="Date Placeholder 4"/>
           <p:cNvSpPr>
             <a:spLocks noGrp="1"/>
           </p:cNvSpPr>
@@ -3449,19 +3724,13 @@
               <a:rPr lang="ru-RU" smtClean="0"/>
               <a:t>18.05.2025</a:t>
             </a:fld>
-            <a:endParaRPr lang="ru-RU"/>
-          </a:p>
-        </p:txBody>
-      </p:sp>
-      <p:sp>
-        <p:nvSpPr>
-          <p:cNvPr id="6" name="Нижний колонтитул 5">
-            <a:extLst>
-              <a:ext uri="{FF2B5EF4-FFF2-40B4-BE49-F238E27FC236}">
-                <a16:creationId xmlns:a16="http://schemas.microsoft.com/office/drawing/2014/main" id="{9A3F1F27-34F7-CEEC-7054-FB2D03D6B840}"/>
-              </a:ext>
-            </a:extLst>
-          </p:cNvPr>
+            <a:endParaRPr lang="ru-RU" dirty="0"/>
+          </a:p>
+        </p:txBody>
+      </p:sp>
+      <p:sp>
+        <p:nvSpPr>
+          <p:cNvPr id="6" name="Footer Placeholder 5"/>
           <p:cNvSpPr>
             <a:spLocks noGrp="1"/>
           </p:cNvSpPr>
@@ -3474,19 +3743,13 @@
           <a:bodyPr/>
           <a:lstStyle/>
           <a:p>
-            <a:endParaRPr lang="ru-RU"/>
-          </a:p>
-        </p:txBody>
-      </p:sp>
-      <p:sp>
-        <p:nvSpPr>
-          <p:cNvPr id="7" name="Номер слайда 6">
-            <a:extLst>
-              <a:ext uri="{FF2B5EF4-FFF2-40B4-BE49-F238E27FC236}">
-                <a16:creationId xmlns:a16="http://schemas.microsoft.com/office/drawing/2014/main" id="{C9A51A77-D3C4-E55B-00A8-3DDD9B275663}"/>
-              </a:ext>
-            </a:extLst>
-          </p:cNvPr>
+            <a:endParaRPr lang="ru-RU" dirty="0"/>
+          </a:p>
+        </p:txBody>
+      </p:sp>
+      <p:sp>
+        <p:nvSpPr>
+          <p:cNvPr id="7" name="Slide Number Placeholder 6"/>
           <p:cNvSpPr>
             <a:spLocks noGrp="1"/>
           </p:cNvSpPr>
@@ -3499,18 +3762,14 @@
           <a:bodyPr/>
           <a:lstStyle/>
           <a:p>
-            <a:fld id="{64FA0029-900B-49D0-B874-6CD73E11DEF9}" type="slidenum">
-              <a:rPr lang="ru-RU" smtClean="0"/>
-              <a:t>‹#›</a:t>
-            </a:fld>
-            <a:endParaRPr lang="ru-RU"/>
+            <a:endParaRPr lang="ru-RU" dirty="0"/>
           </a:p>
         </p:txBody>
       </p:sp>
     </p:spTree>
     <p:extLst>
       <p:ext uri="{BB962C8B-B14F-4D97-AF65-F5344CB8AC3E}">
-        <p14:creationId xmlns:p14="http://schemas.microsoft.com/office/powerpoint/2010/main" val="3696490725"/>
+        <p14:creationId xmlns:p14="http://schemas.microsoft.com/office/powerpoint/2010/main" val="3291836275"/>
       </p:ext>
     </p:extLst>
   </p:cSld>
@@ -3522,7 +3781,7 @@
 
 <file path=ppt/slideLayouts/slideLayout9.xml><?xml version="1.0" encoding="utf-8"?>
 <p:sldLayout xmlns:a="http://schemas.openxmlformats.org/drawingml/2006/main" xmlns:r="http://schemas.openxmlformats.org/officeDocument/2006/relationships" xmlns:p="http://schemas.openxmlformats.org/presentationml/2006/main" type="picTx" preserve="1">
-  <p:cSld name="Рисунок с подписью">
+  <p:cSld name="Picture with Caption">
     <p:spTree>
       <p:nvGrpSpPr>
         <p:cNvPr id="1" name=""/>
@@ -3539,13 +3798,7 @@
       </p:grpSpPr>
       <p:sp>
         <p:nvSpPr>
-          <p:cNvPr id="2" name="Заголовок 1">
-            <a:extLst>
-              <a:ext uri="{FF2B5EF4-FFF2-40B4-BE49-F238E27FC236}">
-                <a16:creationId xmlns:a16="http://schemas.microsoft.com/office/drawing/2014/main" id="{61738B53-0EE8-D2B9-EE42-FEECA7FED840}"/>
-              </a:ext>
-            </a:extLst>
-          </p:cNvPr>
+          <p:cNvPr id="2" name="Title 1"/>
           <p:cNvSpPr>
             <a:spLocks noGrp="1"/>
           </p:cNvSpPr>
@@ -3555,9 +3808,12 @@
         </p:nvSpPr>
         <p:spPr>
           <a:xfrm>
-            <a:off x="839788" y="457200"/>
-            <a:ext cx="3932237" cy="1600200"/>
+            <a:off x="629841" y="457200"/>
+            <a:ext cx="2949178" cy="1600200"/>
           </a:xfrm>
+          <a:prstGeom prst="rect">
+            <a:avLst/>
+          </a:prstGeom>
         </p:spPr>
         <p:txBody>
           <a:bodyPr anchor="b"/>
@@ -3568,23 +3824,18 @@
           </a:lstStyle>
           <a:p>
             <a:r>
-              <a:rPr lang="ru-RU"/>
-              <a:t>Образец заголовка</a:t>
-            </a:r>
-          </a:p>
-        </p:txBody>
-      </p:sp>
-      <p:sp>
-        <p:nvSpPr>
-          <p:cNvPr id="3" name="Рисунок 2">
-            <a:extLst>
-              <a:ext uri="{FF2B5EF4-FFF2-40B4-BE49-F238E27FC236}">
-                <a16:creationId xmlns:a16="http://schemas.microsoft.com/office/drawing/2014/main" id="{236DC279-09E2-7CD9-EB52-97628C0353B0}"/>
-              </a:ext>
-            </a:extLst>
-          </p:cNvPr>
-          <p:cNvSpPr>
-            <a:spLocks noGrp="1"/>
+              <a:rPr lang="en-GB"/>
+              <a:t>Click to edit Master title style</a:t>
+            </a:r>
+            <a:endParaRPr lang="en-US" dirty="0"/>
+          </a:p>
+        </p:txBody>
+      </p:sp>
+      <p:sp>
+        <p:nvSpPr>
+          <p:cNvPr id="3" name="Picture Placeholder 2"/>
+          <p:cNvSpPr>
+            <a:spLocks noGrp="1" noChangeAspect="1"/>
           </p:cNvSpPr>
           <p:nvPr>
             <p:ph type="pic" idx="1"/>
@@ -3592,12 +3843,12 @@
         </p:nvSpPr>
         <p:spPr>
           <a:xfrm>
-            <a:off x="5183188" y="987425"/>
-            <a:ext cx="6172200" cy="4873625"/>
+            <a:off x="3887391" y="987426"/>
+            <a:ext cx="4629150" cy="4873625"/>
           </a:xfrm>
         </p:spPr>
         <p:txBody>
-          <a:bodyPr/>
+          <a:bodyPr anchor="t"/>
           <a:lstStyle>
             <a:lvl1pPr marL="0" indent="0">
               <a:buNone/>
@@ -3637,19 +3888,17 @@
             </a:lvl9pPr>
           </a:lstStyle>
           <a:p>
-            <a:endParaRPr lang="ru-RU"/>
-          </a:p>
-        </p:txBody>
-      </p:sp>
-      <p:sp>
-        <p:nvSpPr>
-          <p:cNvPr id="4" name="Текст 3">
-            <a:extLst>
-              <a:ext uri="{FF2B5EF4-FFF2-40B4-BE49-F238E27FC236}">
-                <a16:creationId xmlns:a16="http://schemas.microsoft.com/office/drawing/2014/main" id="{FD45AC9D-2DF1-9609-2E83-592608294E27}"/>
-              </a:ext>
-            </a:extLst>
-          </p:cNvPr>
+            <a:r>
+              <a:rPr lang="en-GB"/>
+              <a:t>Click icon to add picture</a:t>
+            </a:r>
+            <a:endParaRPr lang="en-US" dirty="0"/>
+          </a:p>
+        </p:txBody>
+      </p:sp>
+      <p:sp>
+        <p:nvSpPr>
+          <p:cNvPr id="4" name="Text Placeholder 3"/>
           <p:cNvSpPr>
             <a:spLocks noGrp="1"/>
           </p:cNvSpPr>
@@ -3659,8 +3908,8 @@
         </p:nvSpPr>
         <p:spPr>
           <a:xfrm>
-            <a:off x="839788" y="2057400"/>
-            <a:ext cx="3932237" cy="3811588"/>
+            <a:off x="629841" y="2057400"/>
+            <a:ext cx="2949178" cy="3811588"/>
           </a:xfrm>
         </p:spPr>
         <p:txBody>
@@ -3706,21 +3955,15 @@
           <a:p>
             <a:pPr lvl="0"/>
             <a:r>
-              <a:rPr lang="ru-RU"/>
-              <a:t>Образец текста</a:t>
-            </a:r>
-          </a:p>
-        </p:txBody>
-      </p:sp>
-      <p:sp>
-        <p:nvSpPr>
-          <p:cNvPr id="5" name="Дата 4">
-            <a:extLst>
-              <a:ext uri="{FF2B5EF4-FFF2-40B4-BE49-F238E27FC236}">
-                <a16:creationId xmlns:a16="http://schemas.microsoft.com/office/drawing/2014/main" id="{6EC96921-2D3D-926C-8736-A914F2934367}"/>
-              </a:ext>
-            </a:extLst>
-          </p:cNvPr>
+              <a:rPr lang="en-GB"/>
+              <a:t>Click to edit Master text styles</a:t>
+            </a:r>
+          </a:p>
+        </p:txBody>
+      </p:sp>
+      <p:sp>
+        <p:nvSpPr>
+          <p:cNvPr id="5" name="Date Placeholder 4"/>
           <p:cNvSpPr>
             <a:spLocks noGrp="1"/>
           </p:cNvSpPr>
@@ -3737,19 +3980,13 @@
               <a:rPr lang="ru-RU" smtClean="0"/>
               <a:t>18.05.2025</a:t>
             </a:fld>
-            <a:endParaRPr lang="ru-RU"/>
-          </a:p>
-        </p:txBody>
-      </p:sp>
-      <p:sp>
-        <p:nvSpPr>
-          <p:cNvPr id="6" name="Нижний колонтитул 5">
-            <a:extLst>
-              <a:ext uri="{FF2B5EF4-FFF2-40B4-BE49-F238E27FC236}">
-                <a16:creationId xmlns:a16="http://schemas.microsoft.com/office/drawing/2014/main" id="{B767DCC5-4769-748B-8D26-1959937424AB}"/>
-              </a:ext>
-            </a:extLst>
-          </p:cNvPr>
+            <a:endParaRPr lang="ru-RU" dirty="0"/>
+          </a:p>
+        </p:txBody>
+      </p:sp>
+      <p:sp>
+        <p:nvSpPr>
+          <p:cNvPr id="6" name="Footer Placeholder 5"/>
           <p:cNvSpPr>
             <a:spLocks noGrp="1"/>
           </p:cNvSpPr>
@@ -3762,19 +3999,13 @@
           <a:bodyPr/>
           <a:lstStyle/>
           <a:p>
-            <a:endParaRPr lang="ru-RU"/>
-          </a:p>
-        </p:txBody>
-      </p:sp>
-      <p:sp>
-        <p:nvSpPr>
-          <p:cNvPr id="7" name="Номер слайда 6">
-            <a:extLst>
-              <a:ext uri="{FF2B5EF4-FFF2-40B4-BE49-F238E27FC236}">
-                <a16:creationId xmlns:a16="http://schemas.microsoft.com/office/drawing/2014/main" id="{9D784B4B-6873-39FE-D074-37DE10E09B2B}"/>
-              </a:ext>
-            </a:extLst>
-          </p:cNvPr>
+            <a:endParaRPr lang="ru-RU" dirty="0"/>
+          </a:p>
+        </p:txBody>
+      </p:sp>
+      <p:sp>
+        <p:nvSpPr>
+          <p:cNvPr id="7" name="Slide Number Placeholder 6"/>
           <p:cNvSpPr>
             <a:spLocks noGrp="1"/>
           </p:cNvSpPr>
@@ -3787,18 +4018,14 @@
           <a:bodyPr/>
           <a:lstStyle/>
           <a:p>
-            <a:fld id="{64FA0029-900B-49D0-B874-6CD73E11DEF9}" type="slidenum">
-              <a:rPr lang="ru-RU" smtClean="0"/>
-              <a:t>‹#›</a:t>
-            </a:fld>
-            <a:endParaRPr lang="ru-RU"/>
+            <a:endParaRPr lang="ru-RU" dirty="0"/>
           </a:p>
         </p:txBody>
       </p:sp>
     </p:spTree>
     <p:extLst>
       <p:ext uri="{BB962C8B-B14F-4D97-AF65-F5344CB8AC3E}">
-        <p14:creationId xmlns:p14="http://schemas.microsoft.com/office/powerpoint/2010/main" val="883036488"/>
+        <p14:creationId xmlns:p14="http://schemas.microsoft.com/office/powerpoint/2010/main" val="270857511"/>
       </p:ext>
     </p:extLst>
   </p:cSld>
@@ -3832,68 +4059,24 @@
       </p:grpSpPr>
       <p:sp>
         <p:nvSpPr>
-          <p:cNvPr id="2" name="Заголовок 1">
-            <a:extLst>
-              <a:ext uri="{FF2B5EF4-FFF2-40B4-BE49-F238E27FC236}">
-                <a16:creationId xmlns:a16="http://schemas.microsoft.com/office/drawing/2014/main" id="{0BCB3B55-BDE9-1AC6-7A11-1D2CCF6593CA}"/>
-              </a:ext>
-            </a:extLst>
-          </p:cNvPr>
-          <p:cNvSpPr>
-            <a:spLocks noGrp="1"/>
-          </p:cNvSpPr>
-          <p:nvPr>
-            <p:ph type="title"/>
+          <p:cNvPr id="3" name="Text Placeholder 2"/>
+          <p:cNvSpPr>
+            <a:spLocks noGrp="1"/>
+          </p:cNvSpPr>
+          <p:nvPr>
+            <p:ph type="body" idx="1"/>
           </p:nvPr>
         </p:nvSpPr>
         <p:spPr>
           <a:xfrm>
-            <a:off x="838200" y="365125"/>
-            <a:ext cx="10515600" cy="1325563"/>
+            <a:off x="628650" y="1825625"/>
+            <a:ext cx="7886700" cy="4351338"/>
           </a:xfrm>
           <a:prstGeom prst="rect">
             <a:avLst/>
           </a:prstGeom>
         </p:spPr>
         <p:txBody>
-          <a:bodyPr vert="horz" lIns="91440" tIns="45720" rIns="91440" bIns="45720" rtlCol="0" anchor="ctr">
-            <a:normAutofit/>
-          </a:bodyPr>
-          <a:lstStyle/>
-          <a:p>
-            <a:r>
-              <a:rPr lang="ru-RU"/>
-              <a:t>Образец заголовка</a:t>
-            </a:r>
-          </a:p>
-        </p:txBody>
-      </p:sp>
-      <p:sp>
-        <p:nvSpPr>
-          <p:cNvPr id="3" name="Текст 2">
-            <a:extLst>
-              <a:ext uri="{FF2B5EF4-FFF2-40B4-BE49-F238E27FC236}">
-                <a16:creationId xmlns:a16="http://schemas.microsoft.com/office/drawing/2014/main" id="{EC5427B2-04A1-3E99-762C-A8933C0D2419}"/>
-              </a:ext>
-            </a:extLst>
-          </p:cNvPr>
-          <p:cNvSpPr>
-            <a:spLocks noGrp="1"/>
-          </p:cNvSpPr>
-          <p:nvPr>
-            <p:ph type="body" idx="1"/>
-          </p:nvPr>
-        </p:nvSpPr>
-        <p:spPr>
-          <a:xfrm>
-            <a:off x="838200" y="1825625"/>
-            <a:ext cx="10515600" cy="4351338"/>
-          </a:xfrm>
-          <a:prstGeom prst="rect">
-            <a:avLst/>
-          </a:prstGeom>
-        </p:spPr>
-        <p:txBody>
           <a:bodyPr vert="horz" lIns="91440" tIns="45720" rIns="91440" bIns="45720" rtlCol="0">
             <a:normAutofit/>
           </a:bodyPr>
@@ -3901,49 +4084,44 @@
           <a:p>
             <a:pPr lvl="0"/>
             <a:r>
-              <a:rPr lang="ru-RU"/>
-              <a:t>Образец текста</a:t>
+              <a:rPr lang="en-GB" dirty="0"/>
+              <a:t>Click to edit Master text styles</a:t>
             </a:r>
           </a:p>
           <a:p>
             <a:pPr lvl="1"/>
             <a:r>
-              <a:rPr lang="ru-RU"/>
-              <a:t>Второй уровень</a:t>
+              <a:rPr lang="en-GB" dirty="0"/>
+              <a:t>Second level</a:t>
             </a:r>
           </a:p>
           <a:p>
             <a:pPr lvl="2"/>
             <a:r>
-              <a:rPr lang="ru-RU"/>
-              <a:t>Третий уровень</a:t>
+              <a:rPr lang="en-GB" dirty="0"/>
+              <a:t>Third level</a:t>
             </a:r>
           </a:p>
           <a:p>
             <a:pPr lvl="3"/>
             <a:r>
-              <a:rPr lang="ru-RU"/>
-              <a:t>Четвертый уровень</a:t>
+              <a:rPr lang="en-GB" dirty="0"/>
+              <a:t>Fourth level</a:t>
             </a:r>
           </a:p>
           <a:p>
             <a:pPr lvl="4"/>
             <a:r>
-              <a:rPr lang="ru-RU"/>
-              <a:t>Пятый уровень</a:t>
-            </a:r>
-          </a:p>
-        </p:txBody>
-      </p:sp>
-      <p:sp>
-        <p:nvSpPr>
-          <p:cNvPr id="4" name="Дата 3">
-            <a:extLst>
-              <a:ext uri="{FF2B5EF4-FFF2-40B4-BE49-F238E27FC236}">
-                <a16:creationId xmlns:a16="http://schemas.microsoft.com/office/drawing/2014/main" id="{7A6DF6B0-6DE6-0698-72F6-0A594EDF19E4}"/>
-              </a:ext>
-            </a:extLst>
-          </p:cNvPr>
+              <a:rPr lang="en-GB" dirty="0"/>
+              <a:t>Fifth level</a:t>
+            </a:r>
+            <a:endParaRPr lang="en-US" dirty="0"/>
+          </a:p>
+        </p:txBody>
+      </p:sp>
+      <p:sp>
+        <p:nvSpPr>
+          <p:cNvPr id="4" name="Date Placeholder 3"/>
           <p:cNvSpPr>
             <a:spLocks noGrp="1"/>
           </p:cNvSpPr>
@@ -3953,8 +4131,8 @@
         </p:nvSpPr>
         <p:spPr>
           <a:xfrm>
-            <a:off x="838200" y="6356350"/>
-            <a:ext cx="2743200" cy="365125"/>
+            <a:off x="628650" y="6356351"/>
+            <a:ext cx="2057400" cy="365125"/>
           </a:xfrm>
           <a:prstGeom prst="rect">
             <a:avLst/>
@@ -3984,13 +4162,7 @@
       </p:sp>
       <p:sp>
         <p:nvSpPr>
-          <p:cNvPr id="5" name="Нижний колонтитул 4">
-            <a:extLst>
-              <a:ext uri="{FF2B5EF4-FFF2-40B4-BE49-F238E27FC236}">
-                <a16:creationId xmlns:a16="http://schemas.microsoft.com/office/drawing/2014/main" id="{108588FC-ABB4-68EB-3272-9FC8665D4285}"/>
-              </a:ext>
-            </a:extLst>
-          </p:cNvPr>
+          <p:cNvPr id="5" name="Footer Placeholder 4"/>
           <p:cNvSpPr>
             <a:spLocks noGrp="1"/>
           </p:cNvSpPr>
@@ -4000,8 +4172,8 @@
         </p:nvSpPr>
         <p:spPr>
           <a:xfrm>
-            <a:off x="4038600" y="6356350"/>
-            <a:ext cx="4114800" cy="365125"/>
+            <a:off x="3028950" y="6356351"/>
+            <a:ext cx="3086100" cy="365125"/>
           </a:xfrm>
           <a:prstGeom prst="rect">
             <a:avLst/>
@@ -4027,13 +4199,7 @@
       </p:sp>
       <p:sp>
         <p:nvSpPr>
-          <p:cNvPr id="6" name="Номер слайда 5">
-            <a:extLst>
-              <a:ext uri="{FF2B5EF4-FFF2-40B4-BE49-F238E27FC236}">
-                <a16:creationId xmlns:a16="http://schemas.microsoft.com/office/drawing/2014/main" id="{4F89ABE2-C402-439D-29AD-61891EBE0AEC}"/>
-              </a:ext>
-            </a:extLst>
-          </p:cNvPr>
+          <p:cNvPr id="6" name="Slide Number Placeholder 5"/>
           <p:cNvSpPr>
             <a:spLocks noGrp="1"/>
           </p:cNvSpPr>
@@ -4043,8 +4209,8 @@
         </p:nvSpPr>
         <p:spPr>
           <a:xfrm>
-            <a:off x="8610600" y="6356350"/>
-            <a:ext cx="2743200" cy="365125"/>
+            <a:off x="6457950" y="6356351"/>
+            <a:ext cx="2057400" cy="365125"/>
           </a:xfrm>
           <a:prstGeom prst="rect">
             <a:avLst/>
@@ -4073,7 +4239,7 @@
           <p:cNvPr id="7" name="TextBox 6">
             <a:extLst>
               <a:ext uri="{FF2B5EF4-FFF2-40B4-BE49-F238E27FC236}">
-                <a16:creationId xmlns:a16="http://schemas.microsoft.com/office/drawing/2014/main" id="{D0949863-705C-4970-BE63-3DF305F81E4B}"/>
+                <a16:creationId xmlns:a16="http://schemas.microsoft.com/office/drawing/2014/main" id="{3BDA0795-2118-8864-E897-A5FC996366C4}"/>
               </a:ext>
             </a:extLst>
           </p:cNvPr>
@@ -4082,8 +4248,8 @@
         </p:nvSpPr>
         <p:spPr>
           <a:xfrm>
-            <a:off x="10095738" y="6356350"/>
-            <a:ext cx="1019831" cy="369332"/>
+            <a:off x="7571806" y="6356350"/>
+            <a:ext cx="809837" cy="300082"/>
           </a:xfrm>
           <a:prstGeom prst="rect">
             <a:avLst/>
@@ -4097,41 +4263,85 @@
           <a:lstStyle/>
           <a:p>
             <a:fld id="{64FA0029-900B-49D0-B874-6CD73E11DEF9}" type="slidenum">
-              <a:rPr lang="ru-RU" smtClean="0"/>
+              <a:rPr lang="ru-RU" sz="1350" smtClean="0"/>
               <a:pPr/>
               <a:t>‹#›</a:t>
             </a:fld>
             <a:r>
-              <a:rPr lang="en-US" dirty="0"/>
+              <a:rPr lang="en-US" sz="1350" dirty="0"/>
               <a:t> </a:t>
             </a:r>
             <a:r>
-              <a:rPr lang="ru-RU" dirty="0"/>
-              <a:t>из 13</a:t>
-            </a:r>
+              <a:rPr lang="ru-RU" sz="1350" dirty="0"/>
+              <a:t>из 1</a:t>
+            </a:r>
+            <a:r>
+              <a:rPr lang="en-US" sz="1350" dirty="0"/>
+              <a:t>1</a:t>
+            </a:r>
+            <a:endParaRPr lang="ru-RU" sz="1350" dirty="0"/>
+          </a:p>
+        </p:txBody>
+      </p:sp>
+      <p:sp>
+        <p:nvSpPr>
+          <p:cNvPr id="9" name="Title Placeholder 8">
+            <a:extLst>
+              <a:ext uri="{FF2B5EF4-FFF2-40B4-BE49-F238E27FC236}">
+                <a16:creationId xmlns:a16="http://schemas.microsoft.com/office/drawing/2014/main" id="{61FC05C0-8DD9-4078-9FB5-5D8935054A76}"/>
+              </a:ext>
+            </a:extLst>
+          </p:cNvPr>
+          <p:cNvSpPr>
+            <a:spLocks noGrp="1"/>
+          </p:cNvSpPr>
+          <p:nvPr>
+            <p:ph type="title"/>
+          </p:nvPr>
+        </p:nvSpPr>
+        <p:spPr>
+          <a:xfrm>
+            <a:off x="628650" y="365125"/>
+            <a:ext cx="7886700" cy="1325563"/>
+          </a:xfrm>
+          <a:prstGeom prst="rect">
+            <a:avLst/>
+          </a:prstGeom>
+        </p:spPr>
+        <p:txBody>
+          <a:bodyPr vert="horz" lIns="91440" tIns="45720" rIns="91440" bIns="45720" rtlCol="0" anchor="ctr">
+            <a:normAutofit/>
+          </a:bodyPr>
+          <a:lstStyle/>
+          <a:p>
+            <a:r>
+              <a:rPr lang="en-GB"/>
+              <a:t>Click to edit Master title style</a:t>
+            </a:r>
+            <a:endParaRPr lang="en-RU"/>
           </a:p>
         </p:txBody>
       </p:sp>
     </p:spTree>
     <p:extLst>
       <p:ext uri="{BB962C8B-B14F-4D97-AF65-F5344CB8AC3E}">
-        <p14:creationId xmlns:p14="http://schemas.microsoft.com/office/powerpoint/2010/main" val="2792015391"/>
+        <p14:creationId xmlns:p14="http://schemas.microsoft.com/office/powerpoint/2010/main" val="1731587521"/>
       </p:ext>
     </p:extLst>
   </p:cSld>
   <p:clrMap bg1="lt1" tx1="dk1" bg2="lt2" tx2="dk2" accent1="accent1" accent2="accent2" accent3="accent3" accent4="accent4" accent5="accent5" accent6="accent6" hlink="hlink" folHlink="folHlink"/>
   <p:sldLayoutIdLst>
-    <p:sldLayoutId id="2147483758" r:id="rId1"/>
-    <p:sldLayoutId id="2147483759" r:id="rId2"/>
-    <p:sldLayoutId id="2147483760" r:id="rId3"/>
-    <p:sldLayoutId id="2147483761" r:id="rId4"/>
-    <p:sldLayoutId id="2147483762" r:id="rId5"/>
-    <p:sldLayoutId id="2147483763" r:id="rId6"/>
-    <p:sldLayoutId id="2147483764" r:id="rId7"/>
-    <p:sldLayoutId id="2147483765" r:id="rId8"/>
-    <p:sldLayoutId id="2147483766" r:id="rId9"/>
-    <p:sldLayoutId id="2147483767" r:id="rId10"/>
-    <p:sldLayoutId id="2147483768" r:id="rId11"/>
+    <p:sldLayoutId id="2147483771" r:id="rId1"/>
+    <p:sldLayoutId id="2147483772" r:id="rId2"/>
+    <p:sldLayoutId id="2147483773" r:id="rId3"/>
+    <p:sldLayoutId id="2147483774" r:id="rId4"/>
+    <p:sldLayoutId id="2147483775" r:id="rId5"/>
+    <p:sldLayoutId id="2147483776" r:id="rId6"/>
+    <p:sldLayoutId id="2147483777" r:id="rId7"/>
+    <p:sldLayoutId id="2147483778" r:id="rId8"/>
+    <p:sldLayoutId id="2147483779" r:id="rId9"/>
+    <p:sldLayoutId id="2147483780" r:id="rId10"/>
+    <p:sldLayoutId id="2147483781" r:id="rId11"/>
     <p:sldLayoutId id="2147483769" r:id="rId12"/>
   </p:sldLayoutIdLst>
   <p:txStyles>
@@ -4320,7 +4530,7 @@
     </p:bodyStyle>
     <p:otherStyle>
       <a:defPPr>
-        <a:defRPr lang="ru-RU"/>
+        <a:defRPr lang="en-US"/>
       </a:defPPr>
       <a:lvl1pPr marL="0" algn="l" defTabSz="914400" rtl="0" eaLnBrk="1" latinLnBrk="0" hangingPunct="1">
         <a:defRPr sz="1800" kern="1200">
@@ -4436,6 +4646,52 @@
       </p:grpSpPr>
       <p:sp>
         <p:nvSpPr>
+          <p:cNvPr id="2" name="Title 1">
+            <a:extLst>
+              <a:ext uri="{FF2B5EF4-FFF2-40B4-BE49-F238E27FC236}">
+                <a16:creationId xmlns:a16="http://schemas.microsoft.com/office/drawing/2014/main" id="{D78A2315-834D-A135-79E7-6070E6790486}"/>
+              </a:ext>
+            </a:extLst>
+          </p:cNvPr>
+          <p:cNvSpPr>
+            <a:spLocks noGrp="1"/>
+          </p:cNvSpPr>
+          <p:nvPr>
+            <p:ph type="ctrTitle"/>
+          </p:nvPr>
+        </p:nvSpPr>
+        <p:spPr>
+          <a:xfrm>
+            <a:off x="1077687" y="2591161"/>
+            <a:ext cx="7380515" cy="1416125"/>
+          </a:xfrm>
+        </p:spPr>
+        <p:txBody>
+          <a:bodyPr>
+            <a:normAutofit fontScale="90000"/>
+          </a:bodyPr>
+          <a:lstStyle/>
+          <a:p>
+            <a:pPr algn="ctr"/>
+            <a:r>
+              <a:rPr lang="ru-RU" sz="2200" b="1" dirty="0">
+                <a:latin typeface="Times New Roman" panose="02020603050405020304" pitchFamily="18" charset="0"/>
+                <a:ea typeface="Times New Roman" panose="02020603050405020304" pitchFamily="18" charset="0"/>
+              </a:rPr>
+              <a:t>РАЗРАБОТКА КРОСС-ПЛАТФОРМЕННОЙ БИБЛИОТЕКИ ДЛЯ АНАЛИЗА ФИНАНСОВЫХ ДАННЫХ</a:t>
+            </a:r>
+            <a:br>
+              <a:rPr lang="ru-RU" sz="1350" b="1" dirty="0">
+                <a:latin typeface="Times New Roman" panose="02020603050405020304" pitchFamily="18" charset="0"/>
+                <a:ea typeface="Times New Roman" panose="02020603050405020304" pitchFamily="18" charset="0"/>
+              </a:rPr>
+            </a:br>
+            <a:endParaRPr lang="ru-RU" dirty="0"/>
+          </a:p>
+        </p:txBody>
+      </p:sp>
+      <p:sp>
+        <p:nvSpPr>
           <p:cNvPr id="3" name="Subtitle 2">
             <a:extLst>
               <a:ext uri="{FF2B5EF4-FFF2-40B4-BE49-F238E27FC236}">
@@ -4452,13 +4708,13 @@
         </p:nvSpPr>
         <p:spPr>
           <a:xfrm>
-            <a:off x="1524000" y="3602038"/>
-            <a:ext cx="9144000" cy="2579092"/>
+            <a:off x="1208313" y="4007286"/>
+            <a:ext cx="6858000" cy="1934319"/>
           </a:xfrm>
         </p:spPr>
         <p:txBody>
           <a:bodyPr>
-            <a:normAutofit/>
+            <a:normAutofit fontScale="85000" lnSpcReduction="20000"/>
           </a:bodyPr>
           <a:lstStyle/>
           <a:p>
@@ -4520,54 +4776,6 @@
               </a:rPr>
               <a:t>доц., к. ф.-м. н. Шабас Ирина Николаевна</a:t>
             </a:r>
-            <a:endParaRPr lang="ru-RU" dirty="0"/>
-          </a:p>
-        </p:txBody>
-      </p:sp>
-      <p:sp>
-        <p:nvSpPr>
-          <p:cNvPr id="2" name="Title 1">
-            <a:extLst>
-              <a:ext uri="{FF2B5EF4-FFF2-40B4-BE49-F238E27FC236}">
-                <a16:creationId xmlns:a16="http://schemas.microsoft.com/office/drawing/2014/main" id="{D78A2315-834D-A135-79E7-6070E6790486}"/>
-              </a:ext>
-            </a:extLst>
-          </p:cNvPr>
-          <p:cNvSpPr>
-            <a:spLocks noGrp="1"/>
-          </p:cNvSpPr>
-          <p:nvPr>
-            <p:ph type="title"/>
-          </p:nvPr>
-        </p:nvSpPr>
-        <p:spPr>
-          <a:xfrm>
-            <a:off x="1436914" y="2311878"/>
-            <a:ext cx="9840686" cy="1888167"/>
-          </a:xfrm>
-        </p:spPr>
-        <p:txBody>
-          <a:bodyPr>
-            <a:normAutofit/>
-          </a:bodyPr>
-          <a:lstStyle/>
-          <a:p>
-            <a:pPr algn="ctr"/>
-            <a:r>
-              <a:rPr lang="ru-RU" sz="2400" b="1" dirty="0">
-                <a:effectLst/>
-                <a:latin typeface="Times New Roman" panose="02020603050405020304" pitchFamily="18" charset="0"/>
-                <a:ea typeface="Times New Roman" panose="02020603050405020304" pitchFamily="18" charset="0"/>
-              </a:rPr>
-              <a:t>РАЗРАБОТКА КРОСС-ПЛАТФОРМЕННОЙ БИБЛИОТЕКИ ДЛЯ АНАЛИЗА ФИНАНСОВЫХ ДАННЫХ</a:t>
-            </a:r>
-            <a:br>
-              <a:rPr lang="ru-RU" sz="1800" b="1" dirty="0">
-                <a:effectLst/>
-                <a:latin typeface="Times New Roman" panose="02020603050405020304" pitchFamily="18" charset="0"/>
-                <a:ea typeface="Times New Roman" panose="02020603050405020304" pitchFamily="18" charset="0"/>
-              </a:rPr>
-            </a:br>
             <a:endParaRPr lang="ru-RU" dirty="0"/>
           </a:p>
         </p:txBody>
@@ -4586,8 +4794,8 @@
         </p:nvSpPr>
         <p:spPr>
           <a:xfrm>
-            <a:off x="3048699" y="391085"/>
-            <a:ext cx="6094602" cy="1754326"/>
+            <a:off x="2061275" y="449451"/>
+            <a:ext cx="5486400" cy="1569660"/>
           </a:xfrm>
           <a:prstGeom prst="rect">
             <a:avLst/>
@@ -4600,90 +4808,80 @@
           </a:bodyPr>
           <a:lstStyle/>
           <a:p>
-            <a:pPr marL="0" marR="0" algn="ctr">
+            <a:pPr algn="ctr">
               <a:spcBef>
-                <a:spcPts val="1200"/>
+                <a:spcPts val="900"/>
               </a:spcBef>
               <a:spcAft>
-                <a:spcPts val="1200"/>
+                <a:spcPts val="900"/>
               </a:spcAft>
             </a:pPr>
             <a:r>
-              <a:rPr lang="ru-RU" sz="1800" dirty="0">
+              <a:rPr lang="ru-RU" sz="1600" dirty="0">
                 <a:solidFill>
                   <a:srgbClr val="000000"/>
                 </a:solidFill>
-                <a:effectLst/>
                 <a:latin typeface="Times New Roman" panose="02020603050405020304" pitchFamily="18" charset="0"/>
                 <a:ea typeface="Times New Roman" panose="02020603050405020304" pitchFamily="18" charset="0"/>
               </a:rPr>
               <a:t>ВЫПУСКНАЯ КВАЛИФИКАЦИОННАЯ РАБОТА</a:t>
             </a:r>
             <a:br>
-              <a:rPr lang="ru-RU" sz="1800" dirty="0">
+              <a:rPr lang="ru-RU" sz="1600" dirty="0">
                 <a:solidFill>
                   <a:srgbClr val="000000"/>
                 </a:solidFill>
-                <a:effectLst/>
                 <a:latin typeface="Times New Roman" panose="02020603050405020304" pitchFamily="18" charset="0"/>
                 <a:ea typeface="Times New Roman" panose="02020603050405020304" pitchFamily="18" charset="0"/>
               </a:rPr>
             </a:br>
             <a:r>
-              <a:rPr lang="ru-RU" sz="1800" dirty="0">
-                <a:effectLst/>
+              <a:rPr lang="ru-RU" sz="1600" dirty="0">
                 <a:latin typeface="Times New Roman" panose="02020603050405020304" pitchFamily="18" charset="0"/>
                 <a:ea typeface="Times New Roman" panose="02020603050405020304" pitchFamily="18" charset="0"/>
               </a:rPr>
               <a:t>по направлению подготовки</a:t>
             </a:r>
             <a:br>
-              <a:rPr lang="ru-RU" sz="1800" dirty="0">
-                <a:effectLst/>
+              <a:rPr lang="ru-RU" sz="1600" dirty="0">
                 <a:latin typeface="Times New Roman" panose="02020603050405020304" pitchFamily="18" charset="0"/>
                 <a:ea typeface="Times New Roman" panose="02020603050405020304" pitchFamily="18" charset="0"/>
               </a:rPr>
             </a:br>
             <a:r>
-              <a:rPr lang="ru-RU" sz="1800" dirty="0">
-                <a:effectLst/>
+              <a:rPr lang="ru-RU" sz="1600" dirty="0">
                 <a:latin typeface="Times New Roman" panose="02020603050405020304" pitchFamily="18" charset="0"/>
                 <a:ea typeface="Times New Roman" panose="02020603050405020304" pitchFamily="18" charset="0"/>
               </a:rPr>
               <a:t>02.04.02 – Фундаментальная информатика и информационные технологии, </a:t>
             </a:r>
             <a:br>
-              <a:rPr lang="ru-RU" sz="1800" dirty="0">
-                <a:effectLst/>
+              <a:rPr lang="ru-RU" sz="1600" dirty="0">
                 <a:latin typeface="Times New Roman" panose="02020603050405020304" pitchFamily="18" charset="0"/>
                 <a:ea typeface="Times New Roman" panose="02020603050405020304" pitchFamily="18" charset="0"/>
               </a:rPr>
             </a:br>
             <a:r>
-              <a:rPr lang="ru-RU" sz="1800" dirty="0">
-                <a:effectLst/>
+              <a:rPr lang="ru-RU" sz="1600" dirty="0">
                 <a:latin typeface="Times New Roman" panose="02020603050405020304" pitchFamily="18" charset="0"/>
                 <a:ea typeface="Times New Roman" panose="02020603050405020304" pitchFamily="18" charset="0"/>
               </a:rPr>
               <a:t>направленность программы</a:t>
             </a:r>
             <a:br>
-              <a:rPr lang="ru-RU" sz="1800" dirty="0">
-                <a:effectLst/>
+              <a:rPr lang="ru-RU" sz="1600" dirty="0">
                 <a:latin typeface="Times New Roman" panose="02020603050405020304" pitchFamily="18" charset="0"/>
                 <a:ea typeface="Times New Roman" panose="02020603050405020304" pitchFamily="18" charset="0"/>
               </a:rPr>
             </a:br>
             <a:r>
-              <a:rPr lang="ru-RU" sz="1800" dirty="0">
-                <a:effectLst/>
+              <a:rPr lang="ru-RU" sz="1600" dirty="0">
                 <a:latin typeface="Times New Roman" panose="02020603050405020304" pitchFamily="18" charset="0"/>
                 <a:ea typeface="Times New Roman" panose="02020603050405020304" pitchFamily="18" charset="0"/>
               </a:rPr>
               <a:t>«Разработка мобильных приложений и компьютерных игр»</a:t>
             </a:r>
-            <a:endParaRPr lang="en-US" sz="1800" dirty="0">
-              <a:effectLst/>
+            <a:endParaRPr lang="en-US" sz="1600" dirty="0">
               <a:latin typeface="Times New Roman" panose="02020603050405020304" pitchFamily="18" charset="0"/>
               <a:ea typeface="Times New Roman" panose="02020603050405020304" pitchFamily="18" charset="0"/>
             </a:endParaRPr>
@@ -4694,6 +4892,261 @@
     <p:extLst>
       <p:ext uri="{BB962C8B-B14F-4D97-AF65-F5344CB8AC3E}">
         <p14:creationId xmlns:p14="http://schemas.microsoft.com/office/powerpoint/2010/main" val="3716756512"/>
+      </p:ext>
+    </p:extLst>
+  </p:cSld>
+  <p:clrMapOvr>
+    <a:masterClrMapping/>
+  </p:clrMapOvr>
+</p:sld>
+</file>
+
+<file path=ppt/slides/slide10.xml><?xml version="1.0" encoding="utf-8"?>
+<p:sld xmlns:a="http://schemas.openxmlformats.org/drawingml/2006/main" xmlns:r="http://schemas.openxmlformats.org/officeDocument/2006/relationships" xmlns:p="http://schemas.openxmlformats.org/presentationml/2006/main">
+  <p:cSld>
+    <p:spTree>
+      <p:nvGrpSpPr>
+        <p:cNvPr id="1" name="">
+          <a:extLst>
+            <a:ext uri="{FF2B5EF4-FFF2-40B4-BE49-F238E27FC236}">
+              <a16:creationId xmlns:a16="http://schemas.microsoft.com/office/drawing/2014/main" id="{18E94CB3-602F-082F-7FAB-AA6BDE729D76}"/>
+            </a:ext>
+          </a:extLst>
+        </p:cNvPr>
+        <p:cNvGrpSpPr/>
+        <p:nvPr/>
+      </p:nvGrpSpPr>
+      <p:grpSpPr>
+        <a:xfrm>
+          <a:off x="0" y="0"/>
+          <a:ext cx="0" cy="0"/>
+          <a:chOff x="0" y="0"/>
+          <a:chExt cx="0" cy="0"/>
+        </a:xfrm>
+      </p:grpSpPr>
+      <p:sp>
+        <p:nvSpPr>
+          <p:cNvPr id="3" name="TextBox 2">
+            <a:extLst>
+              <a:ext uri="{FF2B5EF4-FFF2-40B4-BE49-F238E27FC236}">
+                <a16:creationId xmlns:a16="http://schemas.microsoft.com/office/drawing/2014/main" id="{5221CE7F-0452-D672-DB88-BE8B4EC7F2F4}"/>
+              </a:ext>
+            </a:extLst>
+          </p:cNvPr>
+          <p:cNvSpPr txBox="1"/>
+          <p:nvPr/>
+        </p:nvSpPr>
+        <p:spPr>
+          <a:xfrm>
+            <a:off x="332526" y="1210582"/>
+            <a:ext cx="2540741" cy="4218032"/>
+          </a:xfrm>
+          <a:prstGeom prst="rect">
+            <a:avLst/>
+          </a:prstGeom>
+          <a:solidFill>
+            <a:schemeClr val="accent5"/>
+          </a:solidFill>
+          <a:ln>
+            <a:noFill/>
+          </a:ln>
+        </p:spPr>
+        <p:style>
+          <a:lnRef idx="0">
+            <a:scrgbClr r="0" g="0" b="0"/>
+          </a:lnRef>
+          <a:fillRef idx="0">
+            <a:scrgbClr r="0" g="0" b="0"/>
+          </a:fillRef>
+          <a:effectRef idx="0">
+            <a:scrgbClr r="0" g="0" b="0"/>
+          </a:effectRef>
+          <a:fontRef idx="minor">
+            <a:schemeClr val="lt1"/>
+          </a:fontRef>
+        </p:style>
+        <p:txBody>
+          <a:bodyPr vert="horz" lIns="68580" tIns="34290" rIns="68580" bIns="34290" rtlCol="0" anchor="ctr">
+            <a:normAutofit/>
+          </a:bodyPr>
+          <a:lstStyle/>
+          <a:p>
+            <a:pPr algn="ctr"/>
+            <a:r>
+              <a:rPr lang="ru-RU" sz="2400" dirty="0"/>
+              <a:t>Примеры инструментов рисования в библиотеке</a:t>
+            </a:r>
+          </a:p>
+        </p:txBody>
+      </p:sp>
+      <p:pic>
+        <p:nvPicPr>
+          <p:cNvPr id="4" name="Picture 3">
+            <a:extLst>
+              <a:ext uri="{FF2B5EF4-FFF2-40B4-BE49-F238E27FC236}">
+                <a16:creationId xmlns:a16="http://schemas.microsoft.com/office/drawing/2014/main" id="{4B5C91C6-2CA0-A6BF-36EC-250CEE355E19}"/>
+              </a:ext>
+            </a:extLst>
+          </p:cNvPr>
+          <p:cNvPicPr>
+            <a:picLocks noChangeAspect="1"/>
+          </p:cNvPicPr>
+          <p:nvPr/>
+        </p:nvPicPr>
+        <p:blipFill>
+          <a:blip r:embed="rId3" cstate="print">
+            <a:extLst>
+              <a:ext uri="{28A0092B-C50C-407E-A947-70E740481C1C}">
+                <a14:useLocalDpi xmlns:a14="http://schemas.microsoft.com/office/drawing/2010/main" val="0"/>
+              </a:ext>
+            </a:extLst>
+          </a:blip>
+          <a:stretch>
+            <a:fillRect/>
+          </a:stretch>
+        </p:blipFill>
+        <p:spPr>
+          <a:xfrm>
+            <a:off x="3550474" y="1210584"/>
+            <a:ext cx="5261003" cy="4218032"/>
+          </a:xfrm>
+          <a:prstGeom prst="rect">
+            <a:avLst/>
+          </a:prstGeom>
+        </p:spPr>
+      </p:pic>
+    </p:spTree>
+    <p:extLst>
+      <p:ext uri="{BB962C8B-B14F-4D97-AF65-F5344CB8AC3E}">
+        <p14:creationId xmlns:p14="http://schemas.microsoft.com/office/powerpoint/2010/main" val="271189915"/>
+      </p:ext>
+    </p:extLst>
+  </p:cSld>
+  <p:clrMapOvr>
+    <a:masterClrMapping/>
+  </p:clrMapOvr>
+</p:sld>
+</file>
+
+<file path=ppt/slides/slide11.xml><?xml version="1.0" encoding="utf-8"?>
+<p:sld xmlns:a="http://schemas.openxmlformats.org/drawingml/2006/main" xmlns:r="http://schemas.openxmlformats.org/officeDocument/2006/relationships" xmlns:p="http://schemas.openxmlformats.org/presentationml/2006/main">
+  <p:cSld>
+    <p:spTree>
+      <p:nvGrpSpPr>
+        <p:cNvPr id="1" name="">
+          <a:extLst>
+            <a:ext uri="{FF2B5EF4-FFF2-40B4-BE49-F238E27FC236}">
+              <a16:creationId xmlns:a16="http://schemas.microsoft.com/office/drawing/2014/main" id="{BCDD95AE-E62F-A61B-CE31-7E1DB199AE84}"/>
+            </a:ext>
+          </a:extLst>
+        </p:cNvPr>
+        <p:cNvGrpSpPr/>
+        <p:nvPr/>
+      </p:nvGrpSpPr>
+      <p:grpSpPr>
+        <a:xfrm>
+          <a:off x="0" y="0"/>
+          <a:ext cx="0" cy="0"/>
+          <a:chOff x="0" y="0"/>
+          <a:chExt cx="0" cy="0"/>
+        </a:xfrm>
+      </p:grpSpPr>
+      <p:pic>
+        <p:nvPicPr>
+          <p:cNvPr id="2" name="Content Placeholder 1">
+            <a:extLst>
+              <a:ext uri="{FF2B5EF4-FFF2-40B4-BE49-F238E27FC236}">
+                <a16:creationId xmlns:a16="http://schemas.microsoft.com/office/drawing/2014/main" id="{AC9F0FA8-1316-5418-A783-777EA62B4F89}"/>
+              </a:ext>
+            </a:extLst>
+          </p:cNvPr>
+          <p:cNvPicPr>
+            <a:picLocks noGrp="1" noChangeAspect="1"/>
+          </p:cNvPicPr>
+          <p:nvPr>
+            <p:ph idx="1"/>
+          </p:nvPr>
+        </p:nvPicPr>
+        <p:blipFill>
+          <a:blip r:embed="rId3"/>
+          <a:stretch>
+            <a:fillRect/>
+          </a:stretch>
+        </p:blipFill>
+        <p:spPr>
+          <a:xfrm>
+            <a:off x="4168945" y="1327773"/>
+            <a:ext cx="4151519" cy="4202458"/>
+          </a:xfrm>
+          <a:prstGeom prst="rect">
+            <a:avLst/>
+          </a:prstGeom>
+        </p:spPr>
+      </p:pic>
+      <p:sp>
+        <p:nvSpPr>
+          <p:cNvPr id="13" name="TextBox 12">
+            <a:extLst>
+              <a:ext uri="{FF2B5EF4-FFF2-40B4-BE49-F238E27FC236}">
+                <a16:creationId xmlns:a16="http://schemas.microsoft.com/office/drawing/2014/main" id="{A304FC2B-7021-12C5-18A6-158ABAB87242}"/>
+              </a:ext>
+            </a:extLst>
+          </p:cNvPr>
+          <p:cNvSpPr txBox="1"/>
+          <p:nvPr/>
+        </p:nvSpPr>
+        <p:spPr>
+          <a:xfrm>
+            <a:off x="588925" y="2188317"/>
+            <a:ext cx="2677651" cy="2481366"/>
+          </a:xfrm>
+          <a:prstGeom prst="rect">
+            <a:avLst/>
+          </a:prstGeom>
+          <a:solidFill>
+            <a:schemeClr val="accent5"/>
+          </a:solidFill>
+          <a:ln>
+            <a:noFill/>
+          </a:ln>
+        </p:spPr>
+        <p:style>
+          <a:lnRef idx="0">
+            <a:scrgbClr r="0" g="0" b="0"/>
+          </a:lnRef>
+          <a:fillRef idx="0">
+            <a:scrgbClr r="0" g="0" b="0"/>
+          </a:fillRef>
+          <a:effectRef idx="0">
+            <a:scrgbClr r="0" g="0" b="0"/>
+          </a:effectRef>
+          <a:fontRef idx="minor">
+            <a:schemeClr val="lt1"/>
+          </a:fontRef>
+        </p:style>
+        <p:txBody>
+          <a:bodyPr vert="horz" lIns="68580" tIns="34290" rIns="68580" bIns="34290" rtlCol="0" anchor="ctr">
+            <a:normAutofit/>
+          </a:bodyPr>
+          <a:lstStyle/>
+          <a:p>
+            <a:pPr algn="ctr"/>
+            <a:r>
+              <a:rPr lang="ru-RU" sz="2400" dirty="0"/>
+              <a:t>Исходный код проекта с библиотекой на </a:t>
+            </a:r>
+            <a:r>
+              <a:rPr lang="en-US" sz="2400" dirty="0"/>
+              <a:t>GitHub</a:t>
+            </a:r>
+            <a:endParaRPr lang="ru-RU" sz="2400" dirty="0"/>
+          </a:p>
+        </p:txBody>
+      </p:sp>
+    </p:spTree>
+    <p:extLst>
+      <p:ext uri="{BB962C8B-B14F-4D97-AF65-F5344CB8AC3E}">
+        <p14:creationId xmlns:p14="http://schemas.microsoft.com/office/powerpoint/2010/main" val="368553912"/>
       </p:ext>
     </p:extLst>
   </p:cSld>
@@ -4734,8 +5187,8 @@
         </p:nvSpPr>
         <p:spPr>
           <a:xfrm>
-            <a:off x="1073988" y="349112"/>
-            <a:ext cx="10044023" cy="877729"/>
+            <a:off x="805491" y="607643"/>
+            <a:ext cx="7533017" cy="658297"/>
           </a:xfrm>
           <a:prstGeom prst="rect">
             <a:avLst/>
@@ -4762,14 +5215,14 @@
           </a:fontRef>
         </p:style>
         <p:txBody>
-          <a:bodyPr vert="horz" lIns="91440" tIns="45720" rIns="91440" bIns="45720" rtlCol="0" anchor="ctr">
+          <a:bodyPr vert="horz" lIns="68580" tIns="34290" rIns="68580" bIns="34290" rtlCol="0" anchor="ctr">
             <a:normAutofit/>
           </a:bodyPr>
           <a:lstStyle/>
           <a:p>
             <a:pPr algn="ctr"/>
             <a:r>
-              <a:rPr lang="ru-RU" sz="3200" dirty="0"/>
+              <a:rPr lang="ru-RU" sz="2400" dirty="0"/>
               <a:t>Постановка задачи</a:t>
             </a:r>
           </a:p>
@@ -4789,8 +5242,8 @@
         </p:nvSpPr>
         <p:spPr>
           <a:xfrm>
-            <a:off x="1073988" y="1450428"/>
-            <a:ext cx="10044023" cy="4678204"/>
+            <a:off x="805490" y="1736845"/>
+            <a:ext cx="7533017" cy="4016484"/>
           </a:xfrm>
           <a:prstGeom prst="rect">
             <a:avLst/>
@@ -4803,96 +5256,114 @@
           </a:bodyPr>
           <a:lstStyle/>
           <a:p>
-            <a:pPr marR="0" lvl="0">
+            <a:pPr>
               <a:spcBef>
-                <a:spcPts val="1200"/>
+                <a:spcPts val="900"/>
               </a:spcBef>
               <a:spcAft>
-                <a:spcPts val="1200"/>
+                <a:spcPts val="900"/>
               </a:spcAft>
             </a:pPr>
             <a:r>
-              <a:rPr lang="en-US" sz="3400" dirty="0">
-                <a:effectLst/>
+              <a:rPr lang="ru-RU" dirty="0">
                 <a:ea typeface="Times New Roman" panose="02020603050405020304" pitchFamily="18" charset="0"/>
               </a:rPr>
-              <a:t>1. </a:t>
-            </a:r>
-            <a:r>
-              <a:rPr lang="ru-RU" sz="3400" dirty="0">
-                <a:effectLst/>
+              <a:t>Цель работы: Разработать кроссплатформенную библиотеку для анализа финансовых данных. Библиотека должна содержать востребованные инструменты для определения, а также предоставлять возможность построение технических индикаторов. </a:t>
+            </a:r>
+          </a:p>
+          <a:p>
+            <a:pPr>
+              <a:spcBef>
+                <a:spcPts val="900"/>
+              </a:spcBef>
+              <a:spcAft>
+                <a:spcPts val="900"/>
+              </a:spcAft>
+            </a:pPr>
+            <a:r>
+              <a:rPr lang="ru-RU" dirty="0">
                 <a:ea typeface="Times New Roman" panose="02020603050405020304" pitchFamily="18" charset="0"/>
               </a:rPr>
-              <a:t>Исследование предметной области анализа финансовых данных</a:t>
-            </a:r>
-          </a:p>
-          <a:p>
-            <a:pPr marR="0" lvl="0">
+              <a:t>Задачи:</a:t>
+            </a:r>
+          </a:p>
+          <a:p>
+            <a:pPr>
               <a:spcBef>
-                <a:spcPts val="1200"/>
+                <a:spcPts val="900"/>
               </a:spcBef>
               <a:spcAft>
-                <a:spcPts val="1200"/>
+                <a:spcPts val="900"/>
               </a:spcAft>
             </a:pPr>
             <a:r>
-              <a:rPr lang="en-US" sz="3400" dirty="0">
-                <a:effectLst/>
+              <a:rPr lang="ru-RU" dirty="0">
+                <a:ea typeface="Times New Roman" panose="02020603050405020304" pitchFamily="18" charset="0"/>
+              </a:rPr>
+              <a:t>1. Исследование предметной области анализа финансовых данных</a:t>
+            </a:r>
+          </a:p>
+          <a:p>
+            <a:pPr>
+              <a:spcBef>
+                <a:spcPts val="900"/>
+              </a:spcBef>
+              <a:spcAft>
+                <a:spcPts val="900"/>
+              </a:spcAft>
+            </a:pPr>
+            <a:r>
+              <a:rPr lang="en-US" dirty="0">
                 <a:ea typeface="Times New Roman" panose="02020603050405020304" pitchFamily="18" charset="0"/>
               </a:rPr>
               <a:t>2. </a:t>
             </a:r>
             <a:r>
-              <a:rPr lang="ru-RU" sz="3400" dirty="0">
-                <a:effectLst/>
+              <a:rPr lang="ru-RU" dirty="0">
                 <a:ea typeface="Times New Roman" panose="02020603050405020304" pitchFamily="18" charset="0"/>
               </a:rPr>
               <a:t>Исследование технологий для разработки библиотеки</a:t>
             </a:r>
           </a:p>
           <a:p>
-            <a:pPr marR="0" lvl="0">
+            <a:pPr>
               <a:spcBef>
-                <a:spcPts val="1200"/>
+                <a:spcPts val="900"/>
               </a:spcBef>
               <a:spcAft>
-                <a:spcPts val="1200"/>
+                <a:spcPts val="900"/>
               </a:spcAft>
             </a:pPr>
             <a:r>
-              <a:rPr lang="en-US" sz="3400" dirty="0">
-                <a:effectLst/>
+              <a:rPr lang="en-US" dirty="0">
                 <a:ea typeface="Times New Roman" panose="02020603050405020304" pitchFamily="18" charset="0"/>
               </a:rPr>
               <a:t>3. </a:t>
             </a:r>
             <a:r>
-              <a:rPr lang="ru-RU" sz="3400" dirty="0">
-                <a:effectLst/>
+              <a:rPr lang="ru-RU" dirty="0">
                 <a:ea typeface="Times New Roman" panose="02020603050405020304" pitchFamily="18" charset="0"/>
               </a:rPr>
               <a:t>Разработка востребованных инструментов анализа</a:t>
             </a:r>
           </a:p>
           <a:p>
-            <a:pPr marR="0" lvl="0">
+            <a:pPr>
               <a:spcBef>
-                <a:spcPts val="1200"/>
+                <a:spcPts val="900"/>
               </a:spcBef>
               <a:spcAft>
-                <a:spcPts val="1200"/>
+                <a:spcPts val="900"/>
               </a:spcAft>
             </a:pPr>
             <a:r>
-              <a:rPr lang="en-US" sz="3400" dirty="0">
-                <a:effectLst/>
+              <a:rPr lang="en-US" dirty="0">
                 <a:ea typeface="Times New Roman" panose="02020603050405020304" pitchFamily="18" charset="0"/>
               </a:rPr>
               <a:t>4. </a:t>
             </a:r>
             <a:r>
-              <a:rPr lang="ru-RU" sz="3400" dirty="0">
-                <a:effectLst/>
+              <a:rPr lang="ru-RU" dirty="0">
                 <a:ea typeface="Times New Roman" panose="02020603050405020304" pitchFamily="18" charset="0"/>
               </a:rPr>
               <a:t>Создание демонстрационного приложения и публикация библиотеки в сети интернет</a:t>
@@ -4918,7 +5389,13 @@
   <p:cSld>
     <p:spTree>
       <p:nvGrpSpPr>
-        <p:cNvPr id="1" name=""/>
+        <p:cNvPr id="1" name="">
+          <a:extLst>
+            <a:ext uri="{FF2B5EF4-FFF2-40B4-BE49-F238E27FC236}">
+              <a16:creationId xmlns:a16="http://schemas.microsoft.com/office/drawing/2014/main" id="{D7D5961B-ABA1-7DAB-FCCA-A37D35C90820}"/>
+            </a:ext>
+          </a:extLst>
+        </p:cNvPr>
         <p:cNvGrpSpPr/>
         <p:nvPr/>
       </p:nvGrpSpPr>
@@ -4932,10 +5409,10 @@
       </p:grpSpPr>
       <p:sp>
         <p:nvSpPr>
-          <p:cNvPr id="27" name="TextBox 26">
+          <p:cNvPr id="3" name="TextBox 2">
             <a:extLst>
               <a:ext uri="{FF2B5EF4-FFF2-40B4-BE49-F238E27FC236}">
-                <a16:creationId xmlns:a16="http://schemas.microsoft.com/office/drawing/2014/main" id="{82D7805E-50A7-033C-4239-EC55080F6C80}"/>
+                <a16:creationId xmlns:a16="http://schemas.microsoft.com/office/drawing/2014/main" id="{3591385C-D190-1C89-7BA2-8F255037AFF3}"/>
               </a:ext>
             </a:extLst>
           </p:cNvPr>
@@ -4944,81 +5421,8 @@
         </p:nvSpPr>
         <p:spPr>
           <a:xfrm>
-            <a:off x="1073987" y="1857553"/>
-            <a:ext cx="10044023" cy="2499467"/>
-          </a:xfrm>
-          <a:prstGeom prst="rect">
-            <a:avLst/>
-          </a:prstGeom>
-          <a:noFill/>
-        </p:spPr>
-        <p:txBody>
-          <a:bodyPr wrap="square">
-            <a:spAutoFit/>
-          </a:bodyPr>
-          <a:lstStyle/>
-          <a:p>
-            <a:pPr>
-              <a:lnSpc>
-                <a:spcPct val="150000"/>
-              </a:lnSpc>
-            </a:pPr>
-            <a:r>
-              <a:rPr lang="ru-RU" sz="3600" dirty="0"/>
-              <a:t>1. Определение паттернов технического анализа</a:t>
-            </a:r>
-            <a:endParaRPr lang="en-US" sz="3600" dirty="0"/>
-          </a:p>
-          <a:p>
-            <a:pPr>
-              <a:lnSpc>
-                <a:spcPct val="150000"/>
-              </a:lnSpc>
-            </a:pPr>
-            <a:r>
-              <a:rPr lang="en-US" sz="3600" dirty="0"/>
-              <a:t>2. </a:t>
-            </a:r>
-            <a:r>
-              <a:rPr lang="ru-RU" sz="3600" dirty="0"/>
-              <a:t>Построение технических индикаторов</a:t>
-            </a:r>
-            <a:endParaRPr lang="en-US" sz="3600" dirty="0"/>
-          </a:p>
-          <a:p>
-            <a:pPr>
-              <a:lnSpc>
-                <a:spcPct val="150000"/>
-              </a:lnSpc>
-            </a:pPr>
-            <a:r>
-              <a:rPr lang="en-US" sz="3600" dirty="0"/>
-              <a:t>3. </a:t>
-            </a:r>
-            <a:r>
-              <a:rPr lang="ru-RU" sz="3600" dirty="0"/>
-              <a:t>Использование торговых стратегий</a:t>
-            </a:r>
-            <a:endParaRPr lang="en-US" dirty="0"/>
-          </a:p>
-        </p:txBody>
-      </p:sp>
-      <p:sp>
-        <p:nvSpPr>
-          <p:cNvPr id="3" name="TextBox 2">
-            <a:extLst>
-              <a:ext uri="{FF2B5EF4-FFF2-40B4-BE49-F238E27FC236}">
-                <a16:creationId xmlns:a16="http://schemas.microsoft.com/office/drawing/2014/main" id="{77D5439A-D182-DEEE-B56C-C8A6C698E668}"/>
-              </a:ext>
-            </a:extLst>
-          </p:cNvPr>
-          <p:cNvSpPr txBox="1"/>
-          <p:nvPr/>
-        </p:nvSpPr>
-        <p:spPr>
-          <a:xfrm>
-            <a:off x="1073988" y="349112"/>
-            <a:ext cx="10044023" cy="877729"/>
+            <a:off x="805491" y="654138"/>
+            <a:ext cx="7533017" cy="658297"/>
           </a:xfrm>
           <a:prstGeom prst="rect">
             <a:avLst/>
@@ -5045,105 +5449,14 @@
           </a:fontRef>
         </p:style>
         <p:txBody>
-          <a:bodyPr vert="horz" lIns="91440" tIns="45720" rIns="91440" bIns="45720" rtlCol="0" anchor="ctr">
+          <a:bodyPr vert="horz" lIns="68580" tIns="34290" rIns="68580" bIns="34290" rtlCol="0" anchor="ctr">
             <a:normAutofit/>
           </a:bodyPr>
           <a:lstStyle/>
           <a:p>
             <a:pPr algn="ctr"/>
             <a:r>
-              <a:rPr lang="ru-RU" sz="3200" dirty="0"/>
-              <a:t>Область анализа финансовых данных</a:t>
-            </a:r>
-          </a:p>
-        </p:txBody>
-      </p:sp>
-    </p:spTree>
-    <p:extLst>
-      <p:ext uri="{BB962C8B-B14F-4D97-AF65-F5344CB8AC3E}">
-        <p14:creationId xmlns:p14="http://schemas.microsoft.com/office/powerpoint/2010/main" val="1545489799"/>
-      </p:ext>
-    </p:extLst>
-  </p:cSld>
-  <p:clrMapOvr>
-    <a:masterClrMapping/>
-  </p:clrMapOvr>
-</p:sld>
-</file>
-
-<file path=ppt/slides/slide4.xml><?xml version="1.0" encoding="utf-8"?>
-<p:sld xmlns:a="http://schemas.openxmlformats.org/drawingml/2006/main" xmlns:r="http://schemas.openxmlformats.org/officeDocument/2006/relationships" xmlns:p="http://schemas.openxmlformats.org/presentationml/2006/main">
-  <p:cSld>
-    <p:spTree>
-      <p:nvGrpSpPr>
-        <p:cNvPr id="1" name="">
-          <a:extLst>
-            <a:ext uri="{FF2B5EF4-FFF2-40B4-BE49-F238E27FC236}">
-              <a16:creationId xmlns:a16="http://schemas.microsoft.com/office/drawing/2014/main" id="{D7D5961B-ABA1-7DAB-FCCA-A37D35C90820}"/>
-            </a:ext>
-          </a:extLst>
-        </p:cNvPr>
-        <p:cNvGrpSpPr/>
-        <p:nvPr/>
-      </p:nvGrpSpPr>
-      <p:grpSpPr>
-        <a:xfrm>
-          <a:off x="0" y="0"/>
-          <a:ext cx="0" cy="0"/>
-          <a:chOff x="0" y="0"/>
-          <a:chExt cx="0" cy="0"/>
-        </a:xfrm>
-      </p:grpSpPr>
-      <p:sp>
-        <p:nvSpPr>
-          <p:cNvPr id="3" name="TextBox 2">
-            <a:extLst>
-              <a:ext uri="{FF2B5EF4-FFF2-40B4-BE49-F238E27FC236}">
-                <a16:creationId xmlns:a16="http://schemas.microsoft.com/office/drawing/2014/main" id="{3591385C-D190-1C89-7BA2-8F255037AFF3}"/>
-              </a:ext>
-            </a:extLst>
-          </p:cNvPr>
-          <p:cNvSpPr txBox="1"/>
-          <p:nvPr/>
-        </p:nvSpPr>
-        <p:spPr>
-          <a:xfrm>
-            <a:off x="1073988" y="349112"/>
-            <a:ext cx="10044023" cy="877729"/>
-          </a:xfrm>
-          <a:prstGeom prst="rect">
-            <a:avLst/>
-          </a:prstGeom>
-          <a:solidFill>
-            <a:schemeClr val="accent5"/>
-          </a:solidFill>
-          <a:ln>
-            <a:noFill/>
-          </a:ln>
-        </p:spPr>
-        <p:style>
-          <a:lnRef idx="0">
-            <a:scrgbClr r="0" g="0" b="0"/>
-          </a:lnRef>
-          <a:fillRef idx="0">
-            <a:scrgbClr r="0" g="0" b="0"/>
-          </a:fillRef>
-          <a:effectRef idx="0">
-            <a:scrgbClr r="0" g="0" b="0"/>
-          </a:effectRef>
-          <a:fontRef idx="minor">
-            <a:schemeClr val="lt1"/>
-          </a:fontRef>
-        </p:style>
-        <p:txBody>
-          <a:bodyPr vert="horz" lIns="91440" tIns="45720" rIns="91440" bIns="45720" rtlCol="0" anchor="ctr">
-            <a:normAutofit/>
-          </a:bodyPr>
-          <a:lstStyle/>
-          <a:p>
-            <a:pPr algn="ctr"/>
-            <a:r>
-              <a:rPr lang="ru-RU" sz="3200" dirty="0"/>
+              <a:rPr lang="ru-RU" sz="2400" dirty="0"/>
               <a:t>Используемые технологии</a:t>
             </a:r>
           </a:p>
@@ -5178,8 +5491,8 @@
         </p:blipFill>
         <p:spPr bwMode="auto">
           <a:xfrm>
-            <a:off x="1073988" y="2936290"/>
-            <a:ext cx="1921460" cy="1921460"/>
+            <a:off x="805492" y="3059468"/>
+            <a:ext cx="1441095" cy="1441095"/>
           </a:xfrm>
           <a:prstGeom prst="rect">
             <a:avLst/>
@@ -5225,8 +5538,8 @@
         </p:blipFill>
         <p:spPr bwMode="auto">
           <a:xfrm>
-            <a:off x="3926437" y="3100860"/>
-            <a:ext cx="1836188" cy="1592319"/>
+            <a:off x="2944829" y="3182899"/>
+            <a:ext cx="1377141" cy="1194239"/>
           </a:xfrm>
           <a:prstGeom prst="rect">
             <a:avLst/>
@@ -5272,8 +5585,8 @@
         </p:blipFill>
         <p:spPr bwMode="auto">
           <a:xfrm>
-            <a:off x="6225117" y="2526387"/>
-            <a:ext cx="1842193" cy="2459422"/>
+            <a:off x="4668840" y="2752042"/>
+            <a:ext cx="1381645" cy="1844567"/>
           </a:xfrm>
           <a:prstGeom prst="rect">
             <a:avLst/>
@@ -5318,8 +5631,8 @@
         </p:blipFill>
         <p:spPr>
           <a:xfrm>
-            <a:off x="8529802" y="2309966"/>
-            <a:ext cx="2857500" cy="2857500"/>
+            <a:off x="6397352" y="2589725"/>
+            <a:ext cx="2143125" cy="2143125"/>
           </a:xfrm>
           <a:prstGeom prst="rect">
             <a:avLst/>
@@ -5339,7 +5652,7 @@
 </p:sld>
 </file>
 
-<file path=ppt/slides/slide5.xml><?xml version="1.0" encoding="utf-8"?>
+<file path=ppt/slides/slide4.xml><?xml version="1.0" encoding="utf-8"?>
 <p:sld xmlns:a="http://schemas.openxmlformats.org/drawingml/2006/main" xmlns:r="http://schemas.openxmlformats.org/officeDocument/2006/relationships" xmlns:p="http://schemas.openxmlformats.org/presentationml/2006/main">
   <p:cSld>
     <p:spTree>
@@ -5358,75 +5671,10 @@
       </p:grpSpPr>
       <p:sp>
         <p:nvSpPr>
-          <p:cNvPr id="12" name="Content Placeholder 2">
+          <p:cNvPr id="27" name="TextBox 26">
             <a:extLst>
               <a:ext uri="{FF2B5EF4-FFF2-40B4-BE49-F238E27FC236}">
-                <a16:creationId xmlns:a16="http://schemas.microsoft.com/office/drawing/2014/main" id="{533D9E13-7E89-9C30-8EB7-59936FB920BA}"/>
-              </a:ext>
-            </a:extLst>
-          </p:cNvPr>
-          <p:cNvSpPr>
-            <a:spLocks noGrp="1"/>
-          </p:cNvSpPr>
-          <p:nvPr>
-            <p:ph idx="1"/>
-          </p:nvPr>
-        </p:nvSpPr>
-        <p:spPr>
-          <a:xfrm>
-            <a:off x="838199" y="2339822"/>
-            <a:ext cx="10515600" cy="2407568"/>
-          </a:xfrm>
-        </p:spPr>
-        <p:txBody>
-          <a:bodyPr>
-            <a:normAutofit/>
-          </a:bodyPr>
-          <a:lstStyle/>
-          <a:p>
-            <a:pPr algn="just"/>
-            <a:r>
-              <a:rPr lang="ru-RU" sz="3000" kern="0" dirty="0">
-                <a:ea typeface="Times New Roman" panose="02020603050405020304" pitchFamily="18" charset="0"/>
-              </a:rPr>
-              <a:t>Использовать 10+ инструментов рисования: «Линия Тренда», «Коррекция Фибоначчи», «Спираль Фибоначчи», «Кривая», «Ломаная» и многие другие</a:t>
-            </a:r>
-            <a:endParaRPr lang="en-US" sz="3000" kern="0" dirty="0">
-              <a:effectLst/>
-              <a:ea typeface="Times New Roman" panose="02020603050405020304" pitchFamily="18" charset="0"/>
-            </a:endParaRPr>
-          </a:p>
-          <a:p>
-            <a:pPr algn="just"/>
-            <a:r>
-              <a:rPr lang="ru-RU" sz="3000" dirty="0"/>
-              <a:t>Добавлять несколько технических индикаторов таких, как:</a:t>
-            </a:r>
-            <a:r>
-              <a:rPr lang="en-US" sz="3000" dirty="0"/>
-              <a:t> </a:t>
-            </a:r>
-            <a:r>
-              <a:rPr lang="ru-RU" sz="3000" dirty="0"/>
-              <a:t>«Линии </a:t>
-            </a:r>
-            <a:r>
-              <a:rPr lang="ru-RU" sz="3000" dirty="0" err="1"/>
-              <a:t>Боллинджера</a:t>
-            </a:r>
-            <a:r>
-              <a:rPr lang="ru-RU" sz="3000" dirty="0"/>
-              <a:t>», «Скользящее среднее»</a:t>
-            </a:r>
-          </a:p>
-        </p:txBody>
-      </p:sp>
-      <p:sp>
-        <p:nvSpPr>
-          <p:cNvPr id="13" name="TextBox 12">
-            <a:extLst>
-              <a:ext uri="{FF2B5EF4-FFF2-40B4-BE49-F238E27FC236}">
-                <a16:creationId xmlns:a16="http://schemas.microsoft.com/office/drawing/2014/main" id="{B93B201B-677F-E6B9-7511-87C52882C2FC}"/>
+                <a16:creationId xmlns:a16="http://schemas.microsoft.com/office/drawing/2014/main" id="{82D7805E-50A7-033C-4239-EC55080F6C80}"/>
               </a:ext>
             </a:extLst>
           </p:cNvPr>
@@ -5435,8 +5683,81 @@
         </p:nvSpPr>
         <p:spPr>
           <a:xfrm>
-            <a:off x="1073988" y="349112"/>
-            <a:ext cx="10044023" cy="877729"/>
+            <a:off x="805490" y="2480150"/>
+            <a:ext cx="7533017" cy="1897699"/>
+          </a:xfrm>
+          <a:prstGeom prst="rect">
+            <a:avLst/>
+          </a:prstGeom>
+          <a:noFill/>
+        </p:spPr>
+        <p:txBody>
+          <a:bodyPr wrap="square">
+            <a:spAutoFit/>
+          </a:bodyPr>
+          <a:lstStyle/>
+          <a:p>
+            <a:pPr>
+              <a:lnSpc>
+                <a:spcPct val="150000"/>
+              </a:lnSpc>
+            </a:pPr>
+            <a:r>
+              <a:rPr lang="ru-RU" sz="2700" dirty="0"/>
+              <a:t>1. Определение паттернов технического анализа</a:t>
+            </a:r>
+            <a:endParaRPr lang="en-US" sz="2700" dirty="0"/>
+          </a:p>
+          <a:p>
+            <a:pPr>
+              <a:lnSpc>
+                <a:spcPct val="150000"/>
+              </a:lnSpc>
+            </a:pPr>
+            <a:r>
+              <a:rPr lang="en-US" sz="2700" dirty="0"/>
+              <a:t>2. </a:t>
+            </a:r>
+            <a:r>
+              <a:rPr lang="ru-RU" sz="2700" dirty="0"/>
+              <a:t>Построение технических индикаторов</a:t>
+            </a:r>
+            <a:endParaRPr lang="en-US" sz="2700" dirty="0"/>
+          </a:p>
+          <a:p>
+            <a:pPr>
+              <a:lnSpc>
+                <a:spcPct val="150000"/>
+              </a:lnSpc>
+            </a:pPr>
+            <a:r>
+              <a:rPr lang="en-US" sz="2700" dirty="0"/>
+              <a:t>3. </a:t>
+            </a:r>
+            <a:r>
+              <a:rPr lang="ru-RU" sz="2700" dirty="0"/>
+              <a:t>Использование торговых стратегий</a:t>
+            </a:r>
+            <a:endParaRPr lang="en-US" sz="1350" dirty="0"/>
+          </a:p>
+        </p:txBody>
+      </p:sp>
+      <p:sp>
+        <p:nvSpPr>
+          <p:cNvPr id="3" name="TextBox 2">
+            <a:extLst>
+              <a:ext uri="{FF2B5EF4-FFF2-40B4-BE49-F238E27FC236}">
+                <a16:creationId xmlns:a16="http://schemas.microsoft.com/office/drawing/2014/main" id="{77D5439A-D182-DEEE-B56C-C8A6C698E668}"/>
+              </a:ext>
+            </a:extLst>
+          </p:cNvPr>
+          <p:cNvSpPr txBox="1"/>
+          <p:nvPr/>
+        </p:nvSpPr>
+        <p:spPr>
+          <a:xfrm>
+            <a:off x="805491" y="669636"/>
+            <a:ext cx="7533017" cy="658297"/>
           </a:xfrm>
           <a:prstGeom prst="rect">
             <a:avLst/>
@@ -5463,15 +5784,15 @@
           </a:fontRef>
         </p:style>
         <p:txBody>
-          <a:bodyPr vert="horz" lIns="91440" tIns="45720" rIns="91440" bIns="45720" rtlCol="0" anchor="ctr">
+          <a:bodyPr vert="horz" lIns="68580" tIns="34290" rIns="68580" bIns="34290" rtlCol="0" anchor="ctr">
             <a:normAutofit/>
           </a:bodyPr>
           <a:lstStyle/>
           <a:p>
             <a:pPr algn="ctr"/>
             <a:r>
-              <a:rPr lang="ru-RU" sz="3200" dirty="0"/>
-              <a:t>Библиотека предоставляет возможность</a:t>
+              <a:rPr lang="ru-RU" sz="2400" dirty="0"/>
+              <a:t>Область анализа финансовых данных</a:t>
             </a:r>
           </a:p>
         </p:txBody>
@@ -5479,7 +5800,7 @@
     </p:spTree>
     <p:extLst>
       <p:ext uri="{BB962C8B-B14F-4D97-AF65-F5344CB8AC3E}">
-        <p14:creationId xmlns:p14="http://schemas.microsoft.com/office/powerpoint/2010/main" val="4027161053"/>
+        <p14:creationId xmlns:p14="http://schemas.microsoft.com/office/powerpoint/2010/main" val="1545489799"/>
       </p:ext>
     </p:extLst>
   </p:cSld>
@@ -5489,7 +5810,7 @@
 </p:sld>
 </file>
 
-<file path=ppt/slides/slide6.xml><?xml version="1.0" encoding="utf-8"?>
+<file path=ppt/slides/slide5.xml><?xml version="1.0" encoding="utf-8"?>
 <p:sld xmlns:a="http://schemas.openxmlformats.org/drawingml/2006/main" xmlns:r="http://schemas.openxmlformats.org/officeDocument/2006/relationships" xmlns:p="http://schemas.openxmlformats.org/presentationml/2006/main">
   <p:cSld>
     <p:spTree>
@@ -5497,7 +5818,7 @@
         <p:cNvPr id="1" name="">
           <a:extLst>
             <a:ext uri="{FF2B5EF4-FFF2-40B4-BE49-F238E27FC236}">
-              <a16:creationId xmlns:a16="http://schemas.microsoft.com/office/drawing/2014/main" id="{18E94CB3-602F-082F-7FAB-AA6BDE729D76}"/>
+              <a16:creationId xmlns:a16="http://schemas.microsoft.com/office/drawing/2014/main" id="{B549963D-68C9-86FC-2135-D044F7F4DB94}"/>
             </a:ext>
           </a:extLst>
         </p:cNvPr>
@@ -5514,10 +5835,10 @@
       </p:grpSpPr>
       <p:sp>
         <p:nvSpPr>
-          <p:cNvPr id="3" name="TextBox 2">
+          <p:cNvPr id="13" name="TextBox 12">
             <a:extLst>
               <a:ext uri="{FF2B5EF4-FFF2-40B4-BE49-F238E27FC236}">
-                <a16:creationId xmlns:a16="http://schemas.microsoft.com/office/drawing/2014/main" id="{5221CE7F-0452-D672-DB88-BE8B4EC7F2F4}"/>
+                <a16:creationId xmlns:a16="http://schemas.microsoft.com/office/drawing/2014/main" id="{EB0E8BC8-A2B7-1B71-4C91-8994C19AFB01}"/>
               </a:ext>
             </a:extLst>
           </p:cNvPr>
@@ -5526,8 +5847,8 @@
         </p:nvSpPr>
         <p:spPr>
           <a:xfrm>
-            <a:off x="443367" y="471109"/>
-            <a:ext cx="3387654" cy="5624043"/>
+            <a:off x="805491" y="623141"/>
+            <a:ext cx="7533017" cy="658297"/>
           </a:xfrm>
           <a:prstGeom prst="rect">
             <a:avLst/>
@@ -5554,32 +5875,34 @@
           </a:fontRef>
         </p:style>
         <p:txBody>
-          <a:bodyPr vert="horz" lIns="91440" tIns="45720" rIns="91440" bIns="45720" rtlCol="0" anchor="ctr">
+          <a:bodyPr vert="horz" lIns="68580" tIns="34290" rIns="68580" bIns="34290" rtlCol="0" anchor="ctr">
             <a:normAutofit/>
           </a:bodyPr>
           <a:lstStyle/>
           <a:p>
             <a:pPr algn="ctr"/>
             <a:r>
-              <a:rPr lang="ru-RU" sz="3200" dirty="0"/>
-              <a:t>Примеры инструментов рисования в библиотеке</a:t>
+              <a:rPr lang="ru-RU" sz="2400" dirty="0"/>
+              <a:t>Области рисования на графике</a:t>
             </a:r>
           </a:p>
         </p:txBody>
       </p:sp>
       <p:pic>
         <p:nvPicPr>
-          <p:cNvPr id="4" name="Picture 3">
+          <p:cNvPr id="2" name="Content Placeholder 1" descr="A graph with a line&#10;&#10;AI-generated content may be incorrect.">
             <a:extLst>
               <a:ext uri="{FF2B5EF4-FFF2-40B4-BE49-F238E27FC236}">
-                <a16:creationId xmlns:a16="http://schemas.microsoft.com/office/drawing/2014/main" id="{4B5C91C6-2CA0-A6BF-36EC-250CEE355E19}"/>
+                <a16:creationId xmlns:a16="http://schemas.microsoft.com/office/drawing/2014/main" id="{FD912CB9-E73E-30BE-8244-4EDF9F84FB44}"/>
               </a:ext>
             </a:extLst>
           </p:cNvPr>
           <p:cNvPicPr>
-            <a:picLocks noChangeAspect="1"/>
+            <a:picLocks noGrp="1" noChangeAspect="1"/>
           </p:cNvPicPr>
-          <p:nvPr/>
+          <p:nvPr>
+            <p:ph idx="1"/>
+          </p:nvPr>
         </p:nvPicPr>
         <p:blipFill>
           <a:blip r:embed="rId3" cstate="print">
@@ -5595,8 +5918,8 @@
         </p:blipFill>
         <p:spPr>
           <a:xfrm>
-            <a:off x="4733963" y="471109"/>
-            <a:ext cx="7014670" cy="5624043"/>
+            <a:off x="805491" y="2350524"/>
+            <a:ext cx="7406590" cy="2156951"/>
           </a:xfrm>
           <a:prstGeom prst="rect">
             <a:avLst/>
@@ -5606,7 +5929,7 @@
     </p:spTree>
     <p:extLst>
       <p:ext uri="{BB962C8B-B14F-4D97-AF65-F5344CB8AC3E}">
-        <p14:creationId xmlns:p14="http://schemas.microsoft.com/office/powerpoint/2010/main" val="271189915"/>
+        <p14:creationId xmlns:p14="http://schemas.microsoft.com/office/powerpoint/2010/main" val="2862473160"/>
       </p:ext>
     </p:extLst>
   </p:cSld>
@@ -5616,7 +5939,7 @@
 </p:sld>
 </file>
 
-<file path=ppt/slides/slide7.xml><?xml version="1.0" encoding="utf-8"?>
+<file path=ppt/slides/slide6.xml><?xml version="1.0" encoding="utf-8"?>
 <p:sld xmlns:a="http://schemas.openxmlformats.org/drawingml/2006/main" xmlns:r="http://schemas.openxmlformats.org/officeDocument/2006/relationships" xmlns:p="http://schemas.openxmlformats.org/presentationml/2006/main">
   <p:cSld>
     <p:spTree>
@@ -5624,7 +5947,7 @@
         <p:cNvPr id="1" name="">
           <a:extLst>
             <a:ext uri="{FF2B5EF4-FFF2-40B4-BE49-F238E27FC236}">
-              <a16:creationId xmlns:a16="http://schemas.microsoft.com/office/drawing/2014/main" id="{BCDD95AE-E62F-A61B-CE31-7E1DB199AE84}"/>
+              <a16:creationId xmlns:a16="http://schemas.microsoft.com/office/drawing/2014/main" id="{9AFFA118-EADE-FB16-49C3-31E1D245DF62}"/>
             </a:ext>
           </a:extLst>
         </p:cNvPr>
@@ -5639,44 +5962,12 @@
           <a:chExt cx="0" cy="0"/>
         </a:xfrm>
       </p:grpSpPr>
-      <p:pic>
-        <p:nvPicPr>
-          <p:cNvPr id="2" name="Content Placeholder 1">
-            <a:extLst>
-              <a:ext uri="{FF2B5EF4-FFF2-40B4-BE49-F238E27FC236}">
-                <a16:creationId xmlns:a16="http://schemas.microsoft.com/office/drawing/2014/main" id="{AC9F0FA8-1316-5418-A783-777EA62B4F89}"/>
-              </a:ext>
-            </a:extLst>
-          </p:cNvPr>
-          <p:cNvPicPr>
-            <a:picLocks noGrp="1" noChangeAspect="1"/>
-          </p:cNvPicPr>
-          <p:nvPr>
-            <p:ph idx="1"/>
-          </p:nvPr>
-        </p:nvPicPr>
-        <p:blipFill>
-          <a:blip r:embed="rId2"/>
-          <a:stretch>
-            <a:fillRect/>
-          </a:stretch>
-        </p:blipFill>
-        <p:spPr>
-          <a:xfrm>
-            <a:off x="5558591" y="627361"/>
-            <a:ext cx="5535358" cy="5603277"/>
-          </a:xfrm>
-          <a:prstGeom prst="rect">
-            <a:avLst/>
-          </a:prstGeom>
-        </p:spPr>
-      </p:pic>
       <p:sp>
         <p:nvSpPr>
           <p:cNvPr id="13" name="TextBox 12">
             <a:extLst>
               <a:ext uri="{FF2B5EF4-FFF2-40B4-BE49-F238E27FC236}">
-                <a16:creationId xmlns:a16="http://schemas.microsoft.com/office/drawing/2014/main" id="{A304FC2B-7021-12C5-18A6-158ABAB87242}"/>
+                <a16:creationId xmlns:a16="http://schemas.microsoft.com/office/drawing/2014/main" id="{FB986E68-FA30-2FBA-4DBE-C6501F615D71}"/>
               </a:ext>
             </a:extLst>
           </p:cNvPr>
@@ -5685,8 +5976,8 @@
         </p:nvSpPr>
         <p:spPr>
           <a:xfrm>
-            <a:off x="785231" y="1774756"/>
-            <a:ext cx="3570201" cy="3308488"/>
+            <a:off x="805491" y="669636"/>
+            <a:ext cx="7533017" cy="658297"/>
           </a:xfrm>
           <a:prstGeom prst="rect">
             <a:avLst/>
@@ -5713,28 +6004,1134 @@
           </a:fontRef>
         </p:style>
         <p:txBody>
-          <a:bodyPr vert="horz" lIns="91440" tIns="45720" rIns="91440" bIns="45720" rtlCol="0" anchor="ctr">
+          <a:bodyPr vert="horz" lIns="68580" tIns="34290" rIns="68580" bIns="34290" rtlCol="0" anchor="ctr">
             <a:normAutofit/>
           </a:bodyPr>
           <a:lstStyle/>
           <a:p>
             <a:pPr algn="ctr"/>
             <a:r>
-              <a:rPr lang="ru-RU" sz="3200" dirty="0"/>
-              <a:t>Исходный код проекта с библиотекой на </a:t>
-            </a:r>
-            <a:r>
-              <a:rPr lang="en-US" sz="3200" dirty="0"/>
-              <a:t>GitHub</a:t>
-            </a:r>
-            <a:endParaRPr lang="ru-RU" sz="3200" dirty="0"/>
+              <a:rPr lang="ru-RU" sz="2400" dirty="0"/>
+              <a:t>Инструмент рисования как конечный автомат</a:t>
+            </a:r>
+          </a:p>
+        </p:txBody>
+      </p:sp>
+      <p:pic>
+        <p:nvPicPr>
+          <p:cNvPr id="5" name="Content Placeholder 4" descr="A diagram of a diagram&#10;&#10;AI-generated content may be incorrect.">
+            <a:extLst>
+              <a:ext uri="{FF2B5EF4-FFF2-40B4-BE49-F238E27FC236}">
+                <a16:creationId xmlns:a16="http://schemas.microsoft.com/office/drawing/2014/main" id="{B1B74B4D-0973-DFF5-51FA-9DB394E9F6A9}"/>
+              </a:ext>
+            </a:extLst>
+          </p:cNvPr>
+          <p:cNvPicPr>
+            <a:picLocks noGrp="1" noChangeAspect="1"/>
+          </p:cNvPicPr>
+          <p:nvPr>
+            <p:ph idx="1"/>
+          </p:nvPr>
+        </p:nvPicPr>
+        <p:blipFill>
+          <a:blip r:embed="rId3">
+            <a:extLst>
+              <a:ext uri="{28A0092B-C50C-407E-A947-70E740481C1C}">
+                <a14:useLocalDpi xmlns:a14="http://schemas.microsoft.com/office/drawing/2010/main" val="0"/>
+              </a:ext>
+            </a:extLst>
+          </a:blip>
+          <a:stretch>
+            <a:fillRect/>
+          </a:stretch>
+        </p:blipFill>
+        <p:spPr>
+          <a:xfrm>
+            <a:off x="882920" y="2237531"/>
+            <a:ext cx="4100322" cy="2789827"/>
+          </a:xfrm>
+          <a:prstGeom prst="rect">
+            <a:avLst/>
+          </a:prstGeom>
+        </p:spPr>
+      </p:pic>
+      <p:sp>
+        <p:nvSpPr>
+          <p:cNvPr id="6" name="Content Placeholder 2">
+            <a:extLst>
+              <a:ext uri="{FF2B5EF4-FFF2-40B4-BE49-F238E27FC236}">
+                <a16:creationId xmlns:a16="http://schemas.microsoft.com/office/drawing/2014/main" id="{E757E626-081E-7491-B27E-3291988409CB}"/>
+              </a:ext>
+            </a:extLst>
+          </p:cNvPr>
+          <p:cNvSpPr txBox="1">
+            <a:spLocks/>
+          </p:cNvSpPr>
+          <p:nvPr/>
+        </p:nvSpPr>
+        <p:spPr>
+          <a:xfrm>
+            <a:off x="5154565" y="2237533"/>
+            <a:ext cx="3384755" cy="2966807"/>
+          </a:xfrm>
+          <a:prstGeom prst="rect">
+            <a:avLst/>
+          </a:prstGeom>
+        </p:spPr>
+        <p:txBody>
+          <a:bodyPr vert="horz" lIns="68580" tIns="34290" rIns="68580" bIns="34290" rtlCol="0">
+            <a:normAutofit fontScale="92500"/>
+          </a:bodyPr>
+          <a:lstStyle>
+            <a:lvl1pPr marL="228600" indent="-228600" algn="l" defTabSz="914400" rtl="0" eaLnBrk="1" latinLnBrk="0" hangingPunct="1">
+              <a:lnSpc>
+                <a:spcPct val="90000"/>
+              </a:lnSpc>
+              <a:spcBef>
+                <a:spcPts val="1000"/>
+              </a:spcBef>
+              <a:buFont typeface="Arial" panose="020B0604020202020204" pitchFamily="34" charset="0"/>
+              <a:buChar char="•"/>
+              <a:defRPr sz="2800" kern="1200">
+                <a:solidFill>
+                  <a:schemeClr val="tx1"/>
+                </a:solidFill>
+                <a:latin typeface="+mn-lt"/>
+                <a:ea typeface="+mn-ea"/>
+                <a:cs typeface="+mn-cs"/>
+              </a:defRPr>
+            </a:lvl1pPr>
+            <a:lvl2pPr marL="685800" indent="-228600" algn="l" defTabSz="914400" rtl="0" eaLnBrk="1" latinLnBrk="0" hangingPunct="1">
+              <a:lnSpc>
+                <a:spcPct val="90000"/>
+              </a:lnSpc>
+              <a:spcBef>
+                <a:spcPts val="500"/>
+              </a:spcBef>
+              <a:buFont typeface="Arial" panose="020B0604020202020204" pitchFamily="34" charset="0"/>
+              <a:buChar char="•"/>
+              <a:defRPr sz="2400" kern="1200">
+                <a:solidFill>
+                  <a:schemeClr val="tx1"/>
+                </a:solidFill>
+                <a:latin typeface="+mn-lt"/>
+                <a:ea typeface="+mn-ea"/>
+                <a:cs typeface="+mn-cs"/>
+              </a:defRPr>
+            </a:lvl2pPr>
+            <a:lvl3pPr marL="1143000" indent="-228600" algn="l" defTabSz="914400" rtl="0" eaLnBrk="1" latinLnBrk="0" hangingPunct="1">
+              <a:lnSpc>
+                <a:spcPct val="90000"/>
+              </a:lnSpc>
+              <a:spcBef>
+                <a:spcPts val="500"/>
+              </a:spcBef>
+              <a:buFont typeface="Arial" panose="020B0604020202020204" pitchFamily="34" charset="0"/>
+              <a:buChar char="•"/>
+              <a:defRPr sz="2000" kern="1200">
+                <a:solidFill>
+                  <a:schemeClr val="tx1"/>
+                </a:solidFill>
+                <a:latin typeface="+mn-lt"/>
+                <a:ea typeface="+mn-ea"/>
+                <a:cs typeface="+mn-cs"/>
+              </a:defRPr>
+            </a:lvl3pPr>
+            <a:lvl4pPr marL="1600200" indent="-228600" algn="l" defTabSz="914400" rtl="0" eaLnBrk="1" latinLnBrk="0" hangingPunct="1">
+              <a:lnSpc>
+                <a:spcPct val="90000"/>
+              </a:lnSpc>
+              <a:spcBef>
+                <a:spcPts val="500"/>
+              </a:spcBef>
+              <a:buFont typeface="Arial" panose="020B0604020202020204" pitchFamily="34" charset="0"/>
+              <a:buChar char="•"/>
+              <a:defRPr sz="1800" kern="1200">
+                <a:solidFill>
+                  <a:schemeClr val="tx1"/>
+                </a:solidFill>
+                <a:latin typeface="+mn-lt"/>
+                <a:ea typeface="+mn-ea"/>
+                <a:cs typeface="+mn-cs"/>
+              </a:defRPr>
+            </a:lvl4pPr>
+            <a:lvl5pPr marL="2057400" indent="-228600" algn="l" defTabSz="914400" rtl="0" eaLnBrk="1" latinLnBrk="0" hangingPunct="1">
+              <a:lnSpc>
+                <a:spcPct val="90000"/>
+              </a:lnSpc>
+              <a:spcBef>
+                <a:spcPts val="500"/>
+              </a:spcBef>
+              <a:buFont typeface="Arial" panose="020B0604020202020204" pitchFamily="34" charset="0"/>
+              <a:buChar char="•"/>
+              <a:defRPr sz="1800" kern="1200">
+                <a:solidFill>
+                  <a:schemeClr val="tx1"/>
+                </a:solidFill>
+                <a:latin typeface="+mn-lt"/>
+                <a:ea typeface="+mn-ea"/>
+                <a:cs typeface="+mn-cs"/>
+              </a:defRPr>
+            </a:lvl5pPr>
+            <a:lvl6pPr marL="2514600" indent="-228600" algn="l" defTabSz="914400" rtl="0" eaLnBrk="1" latinLnBrk="0" hangingPunct="1">
+              <a:lnSpc>
+                <a:spcPct val="90000"/>
+              </a:lnSpc>
+              <a:spcBef>
+                <a:spcPts val="500"/>
+              </a:spcBef>
+              <a:buFont typeface="Arial" panose="020B0604020202020204" pitchFamily="34" charset="0"/>
+              <a:buChar char="•"/>
+              <a:defRPr sz="1800" kern="1200">
+                <a:solidFill>
+                  <a:schemeClr val="tx1"/>
+                </a:solidFill>
+                <a:latin typeface="+mn-lt"/>
+                <a:ea typeface="+mn-ea"/>
+                <a:cs typeface="+mn-cs"/>
+              </a:defRPr>
+            </a:lvl6pPr>
+            <a:lvl7pPr marL="2971800" indent="-228600" algn="l" defTabSz="914400" rtl="0" eaLnBrk="1" latinLnBrk="0" hangingPunct="1">
+              <a:lnSpc>
+                <a:spcPct val="90000"/>
+              </a:lnSpc>
+              <a:spcBef>
+                <a:spcPts val="500"/>
+              </a:spcBef>
+              <a:buFont typeface="Arial" panose="020B0604020202020204" pitchFamily="34" charset="0"/>
+              <a:buChar char="•"/>
+              <a:defRPr sz="1800" kern="1200">
+                <a:solidFill>
+                  <a:schemeClr val="tx1"/>
+                </a:solidFill>
+                <a:latin typeface="+mn-lt"/>
+                <a:ea typeface="+mn-ea"/>
+                <a:cs typeface="+mn-cs"/>
+              </a:defRPr>
+            </a:lvl7pPr>
+            <a:lvl8pPr marL="3429000" indent="-228600" algn="l" defTabSz="914400" rtl="0" eaLnBrk="1" latinLnBrk="0" hangingPunct="1">
+              <a:lnSpc>
+                <a:spcPct val="90000"/>
+              </a:lnSpc>
+              <a:spcBef>
+                <a:spcPts val="500"/>
+              </a:spcBef>
+              <a:buFont typeface="Arial" panose="020B0604020202020204" pitchFamily="34" charset="0"/>
+              <a:buChar char="•"/>
+              <a:defRPr sz="1800" kern="1200">
+                <a:solidFill>
+                  <a:schemeClr val="tx1"/>
+                </a:solidFill>
+                <a:latin typeface="+mn-lt"/>
+                <a:ea typeface="+mn-ea"/>
+                <a:cs typeface="+mn-cs"/>
+              </a:defRPr>
+            </a:lvl8pPr>
+            <a:lvl9pPr marL="3886200" indent="-228600" algn="l" defTabSz="914400" rtl="0" eaLnBrk="1" latinLnBrk="0" hangingPunct="1">
+              <a:lnSpc>
+                <a:spcPct val="90000"/>
+              </a:lnSpc>
+              <a:spcBef>
+                <a:spcPts val="500"/>
+              </a:spcBef>
+              <a:buFont typeface="Arial" panose="020B0604020202020204" pitchFamily="34" charset="0"/>
+              <a:buChar char="•"/>
+              <a:defRPr sz="1800" kern="1200">
+                <a:solidFill>
+                  <a:schemeClr val="tx1"/>
+                </a:solidFill>
+                <a:latin typeface="+mn-lt"/>
+                <a:ea typeface="+mn-ea"/>
+                <a:cs typeface="+mn-cs"/>
+              </a:defRPr>
+            </a:lvl9pPr>
+          </a:lstStyle>
+          <a:p>
+            <a:pPr lvl="0"/>
+            <a:r>
+              <a:rPr lang="en-US" sz="2100" dirty="0"/>
+              <a:t>S0 – </a:t>
+            </a:r>
+            <a:r>
+              <a:rPr lang="en-US" sz="2100" dirty="0" err="1"/>
+              <a:t>неактивное</a:t>
+            </a:r>
+            <a:r>
+              <a:rPr lang="en-US" sz="2100" dirty="0"/>
+              <a:t> </a:t>
+            </a:r>
+            <a:r>
+              <a:rPr lang="en-US" sz="2100" dirty="0" err="1"/>
+              <a:t>состояние</a:t>
+            </a:r>
+            <a:r>
+              <a:rPr lang="en-US" sz="2100" dirty="0"/>
+              <a:t>.</a:t>
+            </a:r>
+            <a:endParaRPr lang="en-RU" sz="2100" dirty="0"/>
+          </a:p>
+          <a:p>
+            <a:pPr lvl="0"/>
+            <a:r>
+              <a:rPr lang="en-US" sz="2100" dirty="0"/>
+              <a:t>S</a:t>
+            </a:r>
+            <a:r>
+              <a:rPr lang="ru-RU" sz="2100" dirty="0"/>
+              <a:t>1 – добавление нового геометрического примитива.</a:t>
+            </a:r>
+            <a:endParaRPr lang="en-RU" sz="2100" dirty="0"/>
+          </a:p>
+          <a:p>
+            <a:pPr lvl="0"/>
+            <a:r>
+              <a:rPr lang="en-US" sz="2100" dirty="0"/>
+              <a:t>S</a:t>
+            </a:r>
+            <a:r>
+              <a:rPr lang="ru-RU" sz="2100" dirty="0"/>
+              <a:t>2 – перемещение на графике одного из существующих геометрических примитивов, относящихся к данному инструменту.</a:t>
+            </a:r>
+            <a:endParaRPr lang="en-RU" sz="2100" dirty="0"/>
+          </a:p>
+          <a:p>
+            <a:pPr marL="0" indent="0" algn="just">
+              <a:buNone/>
+            </a:pPr>
+            <a:endParaRPr lang="ru-RU" sz="2250" dirty="0"/>
           </a:p>
         </p:txBody>
       </p:sp>
     </p:spTree>
     <p:extLst>
       <p:ext uri="{BB962C8B-B14F-4D97-AF65-F5344CB8AC3E}">
-        <p14:creationId xmlns:p14="http://schemas.microsoft.com/office/powerpoint/2010/main" val="368553912"/>
+        <p14:creationId xmlns:p14="http://schemas.microsoft.com/office/powerpoint/2010/main" val="3562866227"/>
+      </p:ext>
+    </p:extLst>
+  </p:cSld>
+  <p:clrMapOvr>
+    <a:masterClrMapping/>
+  </p:clrMapOvr>
+</p:sld>
+</file>
+
+<file path=ppt/slides/slide7.xml><?xml version="1.0" encoding="utf-8"?>
+<p:sld xmlns:a="http://schemas.openxmlformats.org/drawingml/2006/main" xmlns:r="http://schemas.openxmlformats.org/officeDocument/2006/relationships" xmlns:p="http://schemas.openxmlformats.org/presentationml/2006/main">
+  <p:cSld>
+    <p:spTree>
+      <p:nvGrpSpPr>
+        <p:cNvPr id="1" name="">
+          <a:extLst>
+            <a:ext uri="{FF2B5EF4-FFF2-40B4-BE49-F238E27FC236}">
+              <a16:creationId xmlns:a16="http://schemas.microsoft.com/office/drawing/2014/main" id="{B2673FFB-E80D-94A2-3D3C-A1C04C83D041}"/>
+            </a:ext>
+          </a:extLst>
+        </p:cNvPr>
+        <p:cNvGrpSpPr/>
+        <p:nvPr/>
+      </p:nvGrpSpPr>
+      <p:grpSpPr>
+        <a:xfrm>
+          <a:off x="0" y="0"/>
+          <a:ext cx="0" cy="0"/>
+          <a:chOff x="0" y="0"/>
+          <a:chExt cx="0" cy="0"/>
+        </a:xfrm>
+      </p:grpSpPr>
+      <p:sp>
+        <p:nvSpPr>
+          <p:cNvPr id="13" name="TextBox 12">
+            <a:extLst>
+              <a:ext uri="{FF2B5EF4-FFF2-40B4-BE49-F238E27FC236}">
+                <a16:creationId xmlns:a16="http://schemas.microsoft.com/office/drawing/2014/main" id="{D88395EB-C05A-3642-38A6-5FCC516D7D1C}"/>
+              </a:ext>
+            </a:extLst>
+          </p:cNvPr>
+          <p:cNvSpPr txBox="1"/>
+          <p:nvPr/>
+        </p:nvSpPr>
+        <p:spPr>
+          <a:xfrm>
+            <a:off x="805491" y="747128"/>
+            <a:ext cx="7533017" cy="658297"/>
+          </a:xfrm>
+          <a:prstGeom prst="rect">
+            <a:avLst/>
+          </a:prstGeom>
+          <a:solidFill>
+            <a:schemeClr val="accent5"/>
+          </a:solidFill>
+          <a:ln>
+            <a:noFill/>
+          </a:ln>
+        </p:spPr>
+        <p:style>
+          <a:lnRef idx="0">
+            <a:scrgbClr r="0" g="0" b="0"/>
+          </a:lnRef>
+          <a:fillRef idx="0">
+            <a:scrgbClr r="0" g="0" b="0"/>
+          </a:fillRef>
+          <a:effectRef idx="0">
+            <a:scrgbClr r="0" g="0" b="0"/>
+          </a:effectRef>
+          <a:fontRef idx="minor">
+            <a:schemeClr val="lt1"/>
+          </a:fontRef>
+        </p:style>
+        <p:txBody>
+          <a:bodyPr vert="horz" lIns="68580" tIns="34290" rIns="68580" bIns="34290" rtlCol="0" anchor="ctr">
+            <a:normAutofit/>
+          </a:bodyPr>
+          <a:lstStyle/>
+          <a:p>
+            <a:pPr algn="ctr"/>
+            <a:r>
+              <a:rPr lang="ru-RU" sz="2400" dirty="0"/>
+              <a:t>Функционал реализованный в инструментах рисования</a:t>
+            </a:r>
+          </a:p>
+        </p:txBody>
+      </p:sp>
+      <p:sp>
+        <p:nvSpPr>
+          <p:cNvPr id="6" name="Content Placeholder 2">
+            <a:extLst>
+              <a:ext uri="{FF2B5EF4-FFF2-40B4-BE49-F238E27FC236}">
+                <a16:creationId xmlns:a16="http://schemas.microsoft.com/office/drawing/2014/main" id="{B09E0858-F7C3-A341-2365-5E8F53D59E5E}"/>
+              </a:ext>
+            </a:extLst>
+          </p:cNvPr>
+          <p:cNvSpPr txBox="1">
+            <a:spLocks/>
+          </p:cNvSpPr>
+          <p:nvPr/>
+        </p:nvSpPr>
+        <p:spPr>
+          <a:xfrm>
+            <a:off x="805494" y="2587155"/>
+            <a:ext cx="7733825" cy="1683697"/>
+          </a:xfrm>
+          <a:prstGeom prst="rect">
+            <a:avLst/>
+          </a:prstGeom>
+        </p:spPr>
+        <p:txBody>
+          <a:bodyPr vert="horz" lIns="68580" tIns="34290" rIns="68580" bIns="34290" rtlCol="0">
+            <a:normAutofit/>
+          </a:bodyPr>
+          <a:lstStyle>
+            <a:lvl1pPr marL="228600" indent="-228600" algn="l" defTabSz="914400" rtl="0" eaLnBrk="1" latinLnBrk="0" hangingPunct="1">
+              <a:lnSpc>
+                <a:spcPct val="90000"/>
+              </a:lnSpc>
+              <a:spcBef>
+                <a:spcPts val="1000"/>
+              </a:spcBef>
+              <a:buFont typeface="Arial" panose="020B0604020202020204" pitchFamily="34" charset="0"/>
+              <a:buChar char="•"/>
+              <a:defRPr sz="2800" kern="1200">
+                <a:solidFill>
+                  <a:schemeClr val="tx1"/>
+                </a:solidFill>
+                <a:latin typeface="+mn-lt"/>
+                <a:ea typeface="+mn-ea"/>
+                <a:cs typeface="+mn-cs"/>
+              </a:defRPr>
+            </a:lvl1pPr>
+            <a:lvl2pPr marL="685800" indent="-228600" algn="l" defTabSz="914400" rtl="0" eaLnBrk="1" latinLnBrk="0" hangingPunct="1">
+              <a:lnSpc>
+                <a:spcPct val="90000"/>
+              </a:lnSpc>
+              <a:spcBef>
+                <a:spcPts val="500"/>
+              </a:spcBef>
+              <a:buFont typeface="Arial" panose="020B0604020202020204" pitchFamily="34" charset="0"/>
+              <a:buChar char="•"/>
+              <a:defRPr sz="2400" kern="1200">
+                <a:solidFill>
+                  <a:schemeClr val="tx1"/>
+                </a:solidFill>
+                <a:latin typeface="+mn-lt"/>
+                <a:ea typeface="+mn-ea"/>
+                <a:cs typeface="+mn-cs"/>
+              </a:defRPr>
+            </a:lvl2pPr>
+            <a:lvl3pPr marL="1143000" indent="-228600" algn="l" defTabSz="914400" rtl="0" eaLnBrk="1" latinLnBrk="0" hangingPunct="1">
+              <a:lnSpc>
+                <a:spcPct val="90000"/>
+              </a:lnSpc>
+              <a:spcBef>
+                <a:spcPts val="500"/>
+              </a:spcBef>
+              <a:buFont typeface="Arial" panose="020B0604020202020204" pitchFamily="34" charset="0"/>
+              <a:buChar char="•"/>
+              <a:defRPr sz="2000" kern="1200">
+                <a:solidFill>
+                  <a:schemeClr val="tx1"/>
+                </a:solidFill>
+                <a:latin typeface="+mn-lt"/>
+                <a:ea typeface="+mn-ea"/>
+                <a:cs typeface="+mn-cs"/>
+              </a:defRPr>
+            </a:lvl3pPr>
+            <a:lvl4pPr marL="1600200" indent="-228600" algn="l" defTabSz="914400" rtl="0" eaLnBrk="1" latinLnBrk="0" hangingPunct="1">
+              <a:lnSpc>
+                <a:spcPct val="90000"/>
+              </a:lnSpc>
+              <a:spcBef>
+                <a:spcPts val="500"/>
+              </a:spcBef>
+              <a:buFont typeface="Arial" panose="020B0604020202020204" pitchFamily="34" charset="0"/>
+              <a:buChar char="•"/>
+              <a:defRPr sz="1800" kern="1200">
+                <a:solidFill>
+                  <a:schemeClr val="tx1"/>
+                </a:solidFill>
+                <a:latin typeface="+mn-lt"/>
+                <a:ea typeface="+mn-ea"/>
+                <a:cs typeface="+mn-cs"/>
+              </a:defRPr>
+            </a:lvl4pPr>
+            <a:lvl5pPr marL="2057400" indent="-228600" algn="l" defTabSz="914400" rtl="0" eaLnBrk="1" latinLnBrk="0" hangingPunct="1">
+              <a:lnSpc>
+                <a:spcPct val="90000"/>
+              </a:lnSpc>
+              <a:spcBef>
+                <a:spcPts val="500"/>
+              </a:spcBef>
+              <a:buFont typeface="Arial" panose="020B0604020202020204" pitchFamily="34" charset="0"/>
+              <a:buChar char="•"/>
+              <a:defRPr sz="1800" kern="1200">
+                <a:solidFill>
+                  <a:schemeClr val="tx1"/>
+                </a:solidFill>
+                <a:latin typeface="+mn-lt"/>
+                <a:ea typeface="+mn-ea"/>
+                <a:cs typeface="+mn-cs"/>
+              </a:defRPr>
+            </a:lvl5pPr>
+            <a:lvl6pPr marL="2514600" indent="-228600" algn="l" defTabSz="914400" rtl="0" eaLnBrk="1" latinLnBrk="0" hangingPunct="1">
+              <a:lnSpc>
+                <a:spcPct val="90000"/>
+              </a:lnSpc>
+              <a:spcBef>
+                <a:spcPts val="500"/>
+              </a:spcBef>
+              <a:buFont typeface="Arial" panose="020B0604020202020204" pitchFamily="34" charset="0"/>
+              <a:buChar char="•"/>
+              <a:defRPr sz="1800" kern="1200">
+                <a:solidFill>
+                  <a:schemeClr val="tx1"/>
+                </a:solidFill>
+                <a:latin typeface="+mn-lt"/>
+                <a:ea typeface="+mn-ea"/>
+                <a:cs typeface="+mn-cs"/>
+              </a:defRPr>
+            </a:lvl6pPr>
+            <a:lvl7pPr marL="2971800" indent="-228600" algn="l" defTabSz="914400" rtl="0" eaLnBrk="1" latinLnBrk="0" hangingPunct="1">
+              <a:lnSpc>
+                <a:spcPct val="90000"/>
+              </a:lnSpc>
+              <a:spcBef>
+                <a:spcPts val="500"/>
+              </a:spcBef>
+              <a:buFont typeface="Arial" panose="020B0604020202020204" pitchFamily="34" charset="0"/>
+              <a:buChar char="•"/>
+              <a:defRPr sz="1800" kern="1200">
+                <a:solidFill>
+                  <a:schemeClr val="tx1"/>
+                </a:solidFill>
+                <a:latin typeface="+mn-lt"/>
+                <a:ea typeface="+mn-ea"/>
+                <a:cs typeface="+mn-cs"/>
+              </a:defRPr>
+            </a:lvl7pPr>
+            <a:lvl8pPr marL="3429000" indent="-228600" algn="l" defTabSz="914400" rtl="0" eaLnBrk="1" latinLnBrk="0" hangingPunct="1">
+              <a:lnSpc>
+                <a:spcPct val="90000"/>
+              </a:lnSpc>
+              <a:spcBef>
+                <a:spcPts val="500"/>
+              </a:spcBef>
+              <a:buFont typeface="Arial" panose="020B0604020202020204" pitchFamily="34" charset="0"/>
+              <a:buChar char="•"/>
+              <a:defRPr sz="1800" kern="1200">
+                <a:solidFill>
+                  <a:schemeClr val="tx1"/>
+                </a:solidFill>
+                <a:latin typeface="+mn-lt"/>
+                <a:ea typeface="+mn-ea"/>
+                <a:cs typeface="+mn-cs"/>
+              </a:defRPr>
+            </a:lvl8pPr>
+            <a:lvl9pPr marL="3886200" indent="-228600" algn="l" defTabSz="914400" rtl="0" eaLnBrk="1" latinLnBrk="0" hangingPunct="1">
+              <a:lnSpc>
+                <a:spcPct val="90000"/>
+              </a:lnSpc>
+              <a:spcBef>
+                <a:spcPts val="500"/>
+              </a:spcBef>
+              <a:buFont typeface="Arial" panose="020B0604020202020204" pitchFamily="34" charset="0"/>
+              <a:buChar char="•"/>
+              <a:defRPr sz="1800" kern="1200">
+                <a:solidFill>
+                  <a:schemeClr val="tx1"/>
+                </a:solidFill>
+                <a:latin typeface="+mn-lt"/>
+                <a:ea typeface="+mn-ea"/>
+                <a:cs typeface="+mn-cs"/>
+              </a:defRPr>
+            </a:lvl9pPr>
+          </a:lstStyle>
+          <a:p>
+            <a:pPr marL="0" indent="0" algn="just">
+              <a:buNone/>
+            </a:pPr>
+            <a:r>
+              <a:rPr lang="ru-RU" sz="2400" dirty="0"/>
+              <a:t>1</a:t>
+            </a:r>
+            <a:r>
+              <a:rPr lang="en-US" sz="2400" dirty="0"/>
+              <a:t>. </a:t>
+            </a:r>
+            <a:r>
+              <a:rPr lang="ru-RU" sz="2400" dirty="0"/>
+              <a:t>Подготовка данных для визуализация</a:t>
+            </a:r>
+            <a:endParaRPr lang="en-US" sz="2400" dirty="0"/>
+          </a:p>
+          <a:p>
+            <a:pPr marL="0" indent="0" algn="just">
+              <a:buNone/>
+            </a:pPr>
+            <a:r>
+              <a:rPr lang="en-US" sz="2400" dirty="0"/>
+              <a:t>2.</a:t>
+            </a:r>
+            <a:r>
+              <a:rPr lang="ru-RU" sz="2400" dirty="0"/>
+              <a:t> Визуализация на </a:t>
+            </a:r>
+            <a:r>
+              <a:rPr lang="en-US" sz="2400" b="1" i="1" dirty="0" err="1"/>
+              <a:t>CanvasRenderingContext</a:t>
+            </a:r>
+            <a:r>
+              <a:rPr lang="ru-RU" sz="2400" b="1" i="1" dirty="0"/>
+              <a:t>2</a:t>
+            </a:r>
+            <a:r>
+              <a:rPr lang="en-US" sz="2400" b="1" i="1" dirty="0"/>
+              <a:t>D</a:t>
+            </a:r>
+            <a:endParaRPr lang="ru-RU" sz="2400" b="1" i="1" dirty="0"/>
+          </a:p>
+          <a:p>
+            <a:pPr marL="0" indent="0" algn="just">
+              <a:buNone/>
+            </a:pPr>
+            <a:r>
+              <a:rPr lang="ru-RU" sz="2400" dirty="0"/>
+              <a:t>3.</a:t>
+            </a:r>
+            <a:r>
+              <a:rPr lang="en-US" sz="2400" dirty="0"/>
+              <a:t> </a:t>
+            </a:r>
+            <a:r>
+              <a:rPr lang="ru-RU" sz="2400" dirty="0"/>
+              <a:t>Проверка на коллизию всех геометрических примитивов с точкой координаты мыши на графике</a:t>
+            </a:r>
+            <a:endParaRPr lang="en-US" sz="2400" dirty="0"/>
+          </a:p>
+          <a:p>
+            <a:pPr marL="0" indent="0" algn="just">
+              <a:buNone/>
+            </a:pPr>
+            <a:endParaRPr lang="ru-RU" sz="2250" dirty="0"/>
+          </a:p>
+        </p:txBody>
+      </p:sp>
+    </p:spTree>
+    <p:extLst>
+      <p:ext uri="{BB962C8B-B14F-4D97-AF65-F5344CB8AC3E}">
+        <p14:creationId xmlns:p14="http://schemas.microsoft.com/office/powerpoint/2010/main" val="913263969"/>
+      </p:ext>
+    </p:extLst>
+  </p:cSld>
+  <p:clrMapOvr>
+    <a:masterClrMapping/>
+  </p:clrMapOvr>
+</p:sld>
+</file>
+
+<file path=ppt/slides/slide8.xml><?xml version="1.0" encoding="utf-8"?>
+<p:sld xmlns:a="http://schemas.openxmlformats.org/drawingml/2006/main" xmlns:r="http://schemas.openxmlformats.org/officeDocument/2006/relationships" xmlns:p="http://schemas.openxmlformats.org/presentationml/2006/main">
+  <p:cSld>
+    <p:spTree>
+      <p:nvGrpSpPr>
+        <p:cNvPr id="1" name="">
+          <a:extLst>
+            <a:ext uri="{FF2B5EF4-FFF2-40B4-BE49-F238E27FC236}">
+              <a16:creationId xmlns:a16="http://schemas.microsoft.com/office/drawing/2014/main" id="{8D740296-C6ED-F67D-CA33-7DB0BB91F237}"/>
+            </a:ext>
+          </a:extLst>
+        </p:cNvPr>
+        <p:cNvGrpSpPr/>
+        <p:nvPr/>
+      </p:nvGrpSpPr>
+      <p:grpSpPr>
+        <a:xfrm>
+          <a:off x="0" y="0"/>
+          <a:ext cx="0" cy="0"/>
+          <a:chOff x="0" y="0"/>
+          <a:chExt cx="0" cy="0"/>
+        </a:xfrm>
+      </p:grpSpPr>
+      <p:sp>
+        <p:nvSpPr>
+          <p:cNvPr id="13" name="TextBox 12">
+            <a:extLst>
+              <a:ext uri="{FF2B5EF4-FFF2-40B4-BE49-F238E27FC236}">
+                <a16:creationId xmlns:a16="http://schemas.microsoft.com/office/drawing/2014/main" id="{6C9FE423-92BE-4645-E8C2-6CF4A7E5C687}"/>
+              </a:ext>
+            </a:extLst>
+          </p:cNvPr>
+          <p:cNvSpPr txBox="1"/>
+          <p:nvPr/>
+        </p:nvSpPr>
+        <p:spPr>
+          <a:xfrm>
+            <a:off x="805491" y="654138"/>
+            <a:ext cx="7533017" cy="658297"/>
+          </a:xfrm>
+          <a:prstGeom prst="rect">
+            <a:avLst/>
+          </a:prstGeom>
+          <a:solidFill>
+            <a:schemeClr val="accent5"/>
+          </a:solidFill>
+          <a:ln>
+            <a:noFill/>
+          </a:ln>
+        </p:spPr>
+        <p:style>
+          <a:lnRef idx="0">
+            <a:scrgbClr r="0" g="0" b="0"/>
+          </a:lnRef>
+          <a:fillRef idx="0">
+            <a:scrgbClr r="0" g="0" b="0"/>
+          </a:fillRef>
+          <a:effectRef idx="0">
+            <a:scrgbClr r="0" g="0" b="0"/>
+          </a:effectRef>
+          <a:fontRef idx="minor">
+            <a:schemeClr val="lt1"/>
+          </a:fontRef>
+        </p:style>
+        <p:txBody>
+          <a:bodyPr vert="horz" lIns="68580" tIns="34290" rIns="68580" bIns="34290" rtlCol="0" anchor="ctr">
+            <a:normAutofit/>
+          </a:bodyPr>
+          <a:lstStyle/>
+          <a:p>
+            <a:pPr algn="ctr"/>
+            <a:r>
+              <a:rPr lang="ru-RU" sz="2400" dirty="0"/>
+              <a:t>Вспомогательные классы библиотеки</a:t>
+            </a:r>
+          </a:p>
+        </p:txBody>
+      </p:sp>
+      <p:sp>
+        <p:nvSpPr>
+          <p:cNvPr id="6" name="Content Placeholder 2">
+            <a:extLst>
+              <a:ext uri="{FF2B5EF4-FFF2-40B4-BE49-F238E27FC236}">
+                <a16:creationId xmlns:a16="http://schemas.microsoft.com/office/drawing/2014/main" id="{E48D26E2-6AFD-899F-99FF-3A721924E490}"/>
+              </a:ext>
+            </a:extLst>
+          </p:cNvPr>
+          <p:cNvSpPr txBox="1">
+            <a:spLocks/>
+          </p:cNvSpPr>
+          <p:nvPr/>
+        </p:nvSpPr>
+        <p:spPr>
+          <a:xfrm>
+            <a:off x="805494" y="2587151"/>
+            <a:ext cx="7733825" cy="2462328"/>
+          </a:xfrm>
+          <a:prstGeom prst="rect">
+            <a:avLst/>
+          </a:prstGeom>
+        </p:spPr>
+        <p:txBody>
+          <a:bodyPr vert="horz" lIns="68580" tIns="34290" rIns="68580" bIns="34290" rtlCol="0">
+            <a:normAutofit/>
+          </a:bodyPr>
+          <a:lstStyle>
+            <a:lvl1pPr marL="228600" indent="-228600" algn="l" defTabSz="914400" rtl="0" eaLnBrk="1" latinLnBrk="0" hangingPunct="1">
+              <a:lnSpc>
+                <a:spcPct val="90000"/>
+              </a:lnSpc>
+              <a:spcBef>
+                <a:spcPts val="1000"/>
+              </a:spcBef>
+              <a:buFont typeface="Arial" panose="020B0604020202020204" pitchFamily="34" charset="0"/>
+              <a:buChar char="•"/>
+              <a:defRPr sz="2800" kern="1200">
+                <a:solidFill>
+                  <a:schemeClr val="tx1"/>
+                </a:solidFill>
+                <a:latin typeface="+mn-lt"/>
+                <a:ea typeface="+mn-ea"/>
+                <a:cs typeface="+mn-cs"/>
+              </a:defRPr>
+            </a:lvl1pPr>
+            <a:lvl2pPr marL="685800" indent="-228600" algn="l" defTabSz="914400" rtl="0" eaLnBrk="1" latinLnBrk="0" hangingPunct="1">
+              <a:lnSpc>
+                <a:spcPct val="90000"/>
+              </a:lnSpc>
+              <a:spcBef>
+                <a:spcPts val="500"/>
+              </a:spcBef>
+              <a:buFont typeface="Arial" panose="020B0604020202020204" pitchFamily="34" charset="0"/>
+              <a:buChar char="•"/>
+              <a:defRPr sz="2400" kern="1200">
+                <a:solidFill>
+                  <a:schemeClr val="tx1"/>
+                </a:solidFill>
+                <a:latin typeface="+mn-lt"/>
+                <a:ea typeface="+mn-ea"/>
+                <a:cs typeface="+mn-cs"/>
+              </a:defRPr>
+            </a:lvl2pPr>
+            <a:lvl3pPr marL="1143000" indent="-228600" algn="l" defTabSz="914400" rtl="0" eaLnBrk="1" latinLnBrk="0" hangingPunct="1">
+              <a:lnSpc>
+                <a:spcPct val="90000"/>
+              </a:lnSpc>
+              <a:spcBef>
+                <a:spcPts val="500"/>
+              </a:spcBef>
+              <a:buFont typeface="Arial" panose="020B0604020202020204" pitchFamily="34" charset="0"/>
+              <a:buChar char="•"/>
+              <a:defRPr sz="2000" kern="1200">
+                <a:solidFill>
+                  <a:schemeClr val="tx1"/>
+                </a:solidFill>
+                <a:latin typeface="+mn-lt"/>
+                <a:ea typeface="+mn-ea"/>
+                <a:cs typeface="+mn-cs"/>
+              </a:defRPr>
+            </a:lvl3pPr>
+            <a:lvl4pPr marL="1600200" indent="-228600" algn="l" defTabSz="914400" rtl="0" eaLnBrk="1" latinLnBrk="0" hangingPunct="1">
+              <a:lnSpc>
+                <a:spcPct val="90000"/>
+              </a:lnSpc>
+              <a:spcBef>
+                <a:spcPts val="500"/>
+              </a:spcBef>
+              <a:buFont typeface="Arial" panose="020B0604020202020204" pitchFamily="34" charset="0"/>
+              <a:buChar char="•"/>
+              <a:defRPr sz="1800" kern="1200">
+                <a:solidFill>
+                  <a:schemeClr val="tx1"/>
+                </a:solidFill>
+                <a:latin typeface="+mn-lt"/>
+                <a:ea typeface="+mn-ea"/>
+                <a:cs typeface="+mn-cs"/>
+              </a:defRPr>
+            </a:lvl4pPr>
+            <a:lvl5pPr marL="2057400" indent="-228600" algn="l" defTabSz="914400" rtl="0" eaLnBrk="1" latinLnBrk="0" hangingPunct="1">
+              <a:lnSpc>
+                <a:spcPct val="90000"/>
+              </a:lnSpc>
+              <a:spcBef>
+                <a:spcPts val="500"/>
+              </a:spcBef>
+              <a:buFont typeface="Arial" panose="020B0604020202020204" pitchFamily="34" charset="0"/>
+              <a:buChar char="•"/>
+              <a:defRPr sz="1800" kern="1200">
+                <a:solidFill>
+                  <a:schemeClr val="tx1"/>
+                </a:solidFill>
+                <a:latin typeface="+mn-lt"/>
+                <a:ea typeface="+mn-ea"/>
+                <a:cs typeface="+mn-cs"/>
+              </a:defRPr>
+            </a:lvl5pPr>
+            <a:lvl6pPr marL="2514600" indent="-228600" algn="l" defTabSz="914400" rtl="0" eaLnBrk="1" latinLnBrk="0" hangingPunct="1">
+              <a:lnSpc>
+                <a:spcPct val="90000"/>
+              </a:lnSpc>
+              <a:spcBef>
+                <a:spcPts val="500"/>
+              </a:spcBef>
+              <a:buFont typeface="Arial" panose="020B0604020202020204" pitchFamily="34" charset="0"/>
+              <a:buChar char="•"/>
+              <a:defRPr sz="1800" kern="1200">
+                <a:solidFill>
+                  <a:schemeClr val="tx1"/>
+                </a:solidFill>
+                <a:latin typeface="+mn-lt"/>
+                <a:ea typeface="+mn-ea"/>
+                <a:cs typeface="+mn-cs"/>
+              </a:defRPr>
+            </a:lvl6pPr>
+            <a:lvl7pPr marL="2971800" indent="-228600" algn="l" defTabSz="914400" rtl="0" eaLnBrk="1" latinLnBrk="0" hangingPunct="1">
+              <a:lnSpc>
+                <a:spcPct val="90000"/>
+              </a:lnSpc>
+              <a:spcBef>
+                <a:spcPts val="500"/>
+              </a:spcBef>
+              <a:buFont typeface="Arial" panose="020B0604020202020204" pitchFamily="34" charset="0"/>
+              <a:buChar char="•"/>
+              <a:defRPr sz="1800" kern="1200">
+                <a:solidFill>
+                  <a:schemeClr val="tx1"/>
+                </a:solidFill>
+                <a:latin typeface="+mn-lt"/>
+                <a:ea typeface="+mn-ea"/>
+                <a:cs typeface="+mn-cs"/>
+              </a:defRPr>
+            </a:lvl7pPr>
+            <a:lvl8pPr marL="3429000" indent="-228600" algn="l" defTabSz="914400" rtl="0" eaLnBrk="1" latinLnBrk="0" hangingPunct="1">
+              <a:lnSpc>
+                <a:spcPct val="90000"/>
+              </a:lnSpc>
+              <a:spcBef>
+                <a:spcPts val="500"/>
+              </a:spcBef>
+              <a:buFont typeface="Arial" panose="020B0604020202020204" pitchFamily="34" charset="0"/>
+              <a:buChar char="•"/>
+              <a:defRPr sz="1800" kern="1200">
+                <a:solidFill>
+                  <a:schemeClr val="tx1"/>
+                </a:solidFill>
+                <a:latin typeface="+mn-lt"/>
+                <a:ea typeface="+mn-ea"/>
+                <a:cs typeface="+mn-cs"/>
+              </a:defRPr>
+            </a:lvl8pPr>
+            <a:lvl9pPr marL="3886200" indent="-228600" algn="l" defTabSz="914400" rtl="0" eaLnBrk="1" latinLnBrk="0" hangingPunct="1">
+              <a:lnSpc>
+                <a:spcPct val="90000"/>
+              </a:lnSpc>
+              <a:spcBef>
+                <a:spcPts val="500"/>
+              </a:spcBef>
+              <a:buFont typeface="Arial" panose="020B0604020202020204" pitchFamily="34" charset="0"/>
+              <a:buChar char="•"/>
+              <a:defRPr sz="1800" kern="1200">
+                <a:solidFill>
+                  <a:schemeClr val="tx1"/>
+                </a:solidFill>
+                <a:latin typeface="+mn-lt"/>
+                <a:ea typeface="+mn-ea"/>
+                <a:cs typeface="+mn-cs"/>
+              </a:defRPr>
+            </a:lvl9pPr>
+          </a:lstStyle>
+          <a:p>
+            <a:r>
+              <a:rPr lang="en-GB" sz="2700" b="1" dirty="0" err="1"/>
+              <a:t>CollisionHelper</a:t>
+            </a:r>
+            <a:r>
+              <a:rPr lang="ru-RU" sz="2700" dirty="0"/>
+              <a:t> – функции для проверки коллизий для некоторых сложных геометрических примитивов</a:t>
+            </a:r>
+          </a:p>
+          <a:p>
+            <a:r>
+              <a:rPr lang="en-GB" sz="2700" b="1" dirty="0" err="1"/>
+              <a:t>MathHelper</a:t>
+            </a:r>
+            <a:r>
+              <a:rPr lang="ru-RU" sz="2700" dirty="0"/>
+              <a:t> –</a:t>
+            </a:r>
+            <a:r>
+              <a:rPr lang="en-US" sz="2700" dirty="0"/>
+              <a:t> </a:t>
+            </a:r>
+            <a:r>
+              <a:rPr lang="ru-RU" sz="2700" dirty="0"/>
+              <a:t>функции линейной алгебры, преобразования и аппроксимации</a:t>
+            </a:r>
+            <a:endParaRPr lang="en-GB" sz="2700" dirty="0"/>
+          </a:p>
+          <a:p>
+            <a:endParaRPr lang="ru-RU" sz="2700" dirty="0"/>
+          </a:p>
+          <a:p>
+            <a:endParaRPr lang="en-GB" sz="2700" dirty="0"/>
+          </a:p>
+          <a:p>
+            <a:pPr marL="0" indent="0" algn="just">
+              <a:buNone/>
+            </a:pPr>
+            <a:endParaRPr lang="ru-RU" sz="2700" dirty="0"/>
+          </a:p>
+        </p:txBody>
+      </p:sp>
+    </p:spTree>
+    <p:extLst>
+      <p:ext uri="{BB962C8B-B14F-4D97-AF65-F5344CB8AC3E}">
+        <p14:creationId xmlns:p14="http://schemas.microsoft.com/office/powerpoint/2010/main" val="874819506"/>
+      </p:ext>
+    </p:extLst>
+  </p:cSld>
+  <p:clrMapOvr>
+    <a:masterClrMapping/>
+  </p:clrMapOvr>
+</p:sld>
+</file>
+
+<file path=ppt/slides/slide9.xml><?xml version="1.0" encoding="utf-8"?>
+<p:sld xmlns:a="http://schemas.openxmlformats.org/drawingml/2006/main" xmlns:r="http://schemas.openxmlformats.org/officeDocument/2006/relationships" xmlns:p="http://schemas.openxmlformats.org/presentationml/2006/main">
+  <p:cSld>
+    <p:spTree>
+      <p:nvGrpSpPr>
+        <p:cNvPr id="1" name=""/>
+        <p:cNvGrpSpPr/>
+        <p:nvPr/>
+      </p:nvGrpSpPr>
+      <p:grpSpPr>
+        <a:xfrm>
+          <a:off x="0" y="0"/>
+          <a:ext cx="0" cy="0"/>
+          <a:chOff x="0" y="0"/>
+          <a:chExt cx="0" cy="0"/>
+        </a:xfrm>
+      </p:grpSpPr>
+      <p:sp>
+        <p:nvSpPr>
+          <p:cNvPr id="12" name="Content Placeholder 2">
+            <a:extLst>
+              <a:ext uri="{FF2B5EF4-FFF2-40B4-BE49-F238E27FC236}">
+                <a16:creationId xmlns:a16="http://schemas.microsoft.com/office/drawing/2014/main" id="{533D9E13-7E89-9C30-8EB7-59936FB920BA}"/>
+              </a:ext>
+            </a:extLst>
+          </p:cNvPr>
+          <p:cNvSpPr>
+            <a:spLocks noGrp="1"/>
+          </p:cNvSpPr>
+          <p:nvPr>
+            <p:ph idx="1"/>
+          </p:nvPr>
+        </p:nvSpPr>
+        <p:spPr>
+          <a:xfrm>
+            <a:off x="628649" y="2612117"/>
+            <a:ext cx="7886700" cy="1805676"/>
+          </a:xfrm>
+        </p:spPr>
+        <p:txBody>
+          <a:bodyPr>
+            <a:normAutofit/>
+          </a:bodyPr>
+          <a:lstStyle/>
+          <a:p>
+            <a:pPr algn="just"/>
+            <a:r>
+              <a:rPr lang="ru-RU" sz="2250" kern="0" dirty="0">
+                <a:ea typeface="Times New Roman" panose="02020603050405020304" pitchFamily="18" charset="0"/>
+              </a:rPr>
+              <a:t>Использовать 10+ инструментов рисования: «Линия Тренда», «Коррекция Фибоначчи», «Спираль Фибоначчи», «Кривая», «Ломаная» и многие другие</a:t>
+            </a:r>
+            <a:endParaRPr lang="en-US" sz="2250" kern="0" dirty="0">
+              <a:ea typeface="Times New Roman" panose="02020603050405020304" pitchFamily="18" charset="0"/>
+            </a:endParaRPr>
+          </a:p>
+          <a:p>
+            <a:pPr algn="just"/>
+            <a:r>
+              <a:rPr lang="ru-RU" sz="2250" dirty="0"/>
+              <a:t>Добавлять несколько технических индикаторов таких, как:</a:t>
+            </a:r>
+            <a:r>
+              <a:rPr lang="en-US" sz="2250" dirty="0"/>
+              <a:t> </a:t>
+            </a:r>
+            <a:r>
+              <a:rPr lang="ru-RU" sz="2250" dirty="0"/>
+              <a:t>«Линии </a:t>
+            </a:r>
+            <a:r>
+              <a:rPr lang="ru-RU" sz="2250" dirty="0" err="1"/>
+              <a:t>Боллинджера</a:t>
+            </a:r>
+            <a:r>
+              <a:rPr lang="ru-RU" sz="2250" dirty="0"/>
+              <a:t>», «Скользящее среднее»</a:t>
+            </a:r>
+          </a:p>
+        </p:txBody>
+      </p:sp>
+      <p:sp>
+        <p:nvSpPr>
+          <p:cNvPr id="13" name="TextBox 12">
+            <a:extLst>
+              <a:ext uri="{FF2B5EF4-FFF2-40B4-BE49-F238E27FC236}">
+                <a16:creationId xmlns:a16="http://schemas.microsoft.com/office/drawing/2014/main" id="{B93B201B-677F-E6B9-7511-87C52882C2FC}"/>
+              </a:ext>
+            </a:extLst>
+          </p:cNvPr>
+          <p:cNvSpPr txBox="1"/>
+          <p:nvPr/>
+        </p:nvSpPr>
+        <p:spPr>
+          <a:xfrm>
+            <a:off x="805490" y="654138"/>
+            <a:ext cx="7533017" cy="658297"/>
+          </a:xfrm>
+          <a:prstGeom prst="rect">
+            <a:avLst/>
+          </a:prstGeom>
+          <a:solidFill>
+            <a:schemeClr val="accent5"/>
+          </a:solidFill>
+          <a:ln>
+            <a:noFill/>
+          </a:ln>
+        </p:spPr>
+        <p:style>
+          <a:lnRef idx="0">
+            <a:scrgbClr r="0" g="0" b="0"/>
+          </a:lnRef>
+          <a:fillRef idx="0">
+            <a:scrgbClr r="0" g="0" b="0"/>
+          </a:fillRef>
+          <a:effectRef idx="0">
+            <a:scrgbClr r="0" g="0" b="0"/>
+          </a:effectRef>
+          <a:fontRef idx="minor">
+            <a:schemeClr val="lt1"/>
+          </a:fontRef>
+        </p:style>
+        <p:txBody>
+          <a:bodyPr vert="horz" lIns="68580" tIns="34290" rIns="68580" bIns="34290" rtlCol="0" anchor="ctr">
+            <a:normAutofit/>
+          </a:bodyPr>
+          <a:lstStyle/>
+          <a:p>
+            <a:pPr algn="ctr"/>
+            <a:r>
+              <a:rPr lang="ru-RU" sz="2400" dirty="0"/>
+              <a:t>Библиотека предоставляет возможность</a:t>
+            </a:r>
+          </a:p>
+        </p:txBody>
+      </p:sp>
+    </p:spTree>
+    <p:extLst>
+      <p:ext uri="{BB962C8B-B14F-4D97-AF65-F5344CB8AC3E}">
+        <p14:creationId xmlns:p14="http://schemas.microsoft.com/office/powerpoint/2010/main" val="4027161053"/>
       </p:ext>
     </p:extLst>
   </p:cSld>
@@ -5745,9 +7142,9 @@
 </file>
 
 <file path=ppt/theme/theme1.xml><?xml version="1.0" encoding="utf-8"?>
-<a:theme xmlns:a="http://schemas.openxmlformats.org/drawingml/2006/main" name="Тема Office">
+<a:theme xmlns:a="http://schemas.openxmlformats.org/drawingml/2006/main" name="Office 2013 - 2022 Theme">
   <a:themeElements>
-    <a:clrScheme name="Стандартная">
+    <a:clrScheme name="Office 2013 - 2022 Theme">
       <a:dk1>
         <a:sysClr val="windowText" lastClr="000000"/>
       </a:dk1>
@@ -5785,7 +7182,7 @@
         <a:srgbClr val="954F72"/>
       </a:folHlink>
     </a:clrScheme>
-    <a:fontScheme name="Стандартная">
+    <a:fontScheme name="Office 2013 - 2022 Theme">
       <a:majorFont>
         <a:latin typeface="Calibri Light" panose="020F0302020204030204"/>
         <a:ea typeface=""/>
@@ -5820,23 +7217,6 @@
         <a:font script="Viet" typeface="Times New Roman"/>
         <a:font script="Uigh" typeface="Microsoft Uighur"/>
         <a:font script="Geor" typeface="Sylfaen"/>
-        <a:font script="Armn" typeface="Arial"/>
-        <a:font script="Bugi" typeface="Leelawadee UI"/>
-        <a:font script="Bopo" typeface="Microsoft JhengHei"/>
-        <a:font script="Java" typeface="Javanese Text"/>
-        <a:font script="Lisu" typeface="Segoe UI"/>
-        <a:font script="Mymr" typeface="Myanmar Text"/>
-        <a:font script="Nkoo" typeface="Ebrima"/>
-        <a:font script="Olck" typeface="Nirmala UI"/>
-        <a:font script="Osma" typeface="Ebrima"/>
-        <a:font script="Phag" typeface="Phagspa"/>
-        <a:font script="Syrn" typeface="Estrangelo Edessa"/>
-        <a:font script="Syrj" typeface="Estrangelo Edessa"/>
-        <a:font script="Syre" typeface="Estrangelo Edessa"/>
-        <a:font script="Sora" typeface="Nirmala UI"/>
-        <a:font script="Tale" typeface="Microsoft Tai Le"/>
-        <a:font script="Talu" typeface="Microsoft New Tai Lue"/>
-        <a:font script="Tfng" typeface="Ebrima"/>
       </a:majorFont>
       <a:minorFont>
         <a:latin typeface="Calibri" panose="020F0502020204030204"/>
@@ -5872,26 +7252,9 @@
         <a:font script="Viet" typeface="Arial"/>
         <a:font script="Uigh" typeface="Microsoft Uighur"/>
         <a:font script="Geor" typeface="Sylfaen"/>
-        <a:font script="Armn" typeface="Arial"/>
-        <a:font script="Bugi" typeface="Leelawadee UI"/>
-        <a:font script="Bopo" typeface="Microsoft JhengHei"/>
-        <a:font script="Java" typeface="Javanese Text"/>
-        <a:font script="Lisu" typeface="Segoe UI"/>
-        <a:font script="Mymr" typeface="Myanmar Text"/>
-        <a:font script="Nkoo" typeface="Ebrima"/>
-        <a:font script="Olck" typeface="Nirmala UI"/>
-        <a:font script="Osma" typeface="Ebrima"/>
-        <a:font script="Phag" typeface="Phagspa"/>
-        <a:font script="Syrn" typeface="Estrangelo Edessa"/>
-        <a:font script="Syrj" typeface="Estrangelo Edessa"/>
-        <a:font script="Syre" typeface="Estrangelo Edessa"/>
-        <a:font script="Sora" typeface="Nirmala UI"/>
-        <a:font script="Tale" typeface="Microsoft Tai Le"/>
-        <a:font script="Talu" typeface="Microsoft New Tai Lue"/>
-        <a:font script="Tfng" typeface="Ebrima"/>
       </a:minorFont>
     </a:fontScheme>
-    <a:fmtScheme name="Стандартная">
+    <a:fmtScheme name="Office 2013 - 2022 Theme">
       <a:fillStyleLst>
         <a:solidFill>
           <a:schemeClr val="phClr"/>
@@ -6033,7 +7396,7 @@
   <a:extraClrSchemeLst/>
   <a:extLst>
     <a:ext uri="{05A4C25C-085E-4340-85A3-A5531E510DB2}">
-      <thm15:themeFamily xmlns:thm15="http://schemas.microsoft.com/office/thememl/2012/main" name="Office Theme" id="{62F939B6-93AF-4DB8-9C6B-D6C7DFDC589F}" vid="{4A3C46E8-61CC-4603-A589-7422A47A8E4A}"/>
+      <thm15:themeFamily xmlns:thm15="http://schemas.microsoft.com/office/thememl/2012/main" name="Office 2013 - 2022 Theme" id="{62F939B6-93AF-4DB8-9C6B-D6C7DFDC589F}" vid="{4A3C46E8-61CC-4603-A589-7422A47A8E4A}"/>
     </a:ext>
   </a:extLst>
 </a:theme>

--- a/Презентация диплома.pptx
+++ b/Презентация диплома.pptx
@@ -1,6 +1,6 @@
 
 <file path=ppt/presentation.xml><?xml version="1.0" encoding="utf-8"?>
-<p:presentation xmlns:a="http://schemas.openxmlformats.org/drawingml/2006/main" xmlns:r="http://schemas.openxmlformats.org/officeDocument/2006/relationships" xmlns:p="http://schemas.openxmlformats.org/presentationml/2006/main" saveSubsetFonts="1">
+<p:presentation xmlns:a="http://schemas.openxmlformats.org/drawingml/2006/main" xmlns:r="http://schemas.openxmlformats.org/officeDocument/2006/relationships" xmlns:p="http://schemas.openxmlformats.org/presentationml/2006/main" showSpecialPlsOnTitleSld="0" saveSubsetFonts="1">
   <p:sldMasterIdLst>
     <p:sldMasterId id="2147483770" r:id="rId1"/>
   </p:sldMasterIdLst>
@@ -1551,7 +1551,7 @@
           </a:lstStyle>
           <a:p>
             <a:r>
-              <a:rPr lang="en-GB"/>
+              <a:rPr lang="en-GB" dirty="0"/>
               <a:t>Click to edit Master title style</a:t>
             </a:r>
             <a:endParaRPr lang="en-US" dirty="0"/>
@@ -1616,7 +1616,7 @@
           </a:lstStyle>
           <a:p>
             <a:r>
-              <a:rPr lang="en-GB"/>
+              <a:rPr lang="en-GB" dirty="0"/>
               <a:t>Click to edit Master subtitle style</a:t>
             </a:r>
             <a:endParaRPr lang="en-US" dirty="0"/>
@@ -1633,13 +1633,21 @@
             <p:ph type="dt" sz="half" idx="10"/>
           </p:nvPr>
         </p:nvSpPr>
-        <p:spPr/>
+        <p:spPr>
+          <a:xfrm>
+            <a:off x="628650" y="6356351"/>
+            <a:ext cx="2057400" cy="365125"/>
+          </a:xfrm>
+          <a:prstGeom prst="rect">
+            <a:avLst/>
+          </a:prstGeom>
+        </p:spPr>
         <p:txBody>
           <a:bodyPr/>
           <a:lstStyle/>
           <a:p>
             <a:r>
-              <a:rPr lang="en-US"/>
+              <a:rPr lang="ru-RU"/>
               <a:t>20.06.2023</a:t>
             </a:r>
             <a:endParaRPr lang="ru-RU" dirty="0"/>
@@ -1656,7 +1664,15 @@
             <p:ph type="ftr" sz="quarter" idx="11"/>
           </p:nvPr>
         </p:nvSpPr>
-        <p:spPr/>
+        <p:spPr>
+          <a:xfrm>
+            <a:off x="3028950" y="6356351"/>
+            <a:ext cx="3086100" cy="365125"/>
+          </a:xfrm>
+          <a:prstGeom prst="rect">
+            <a:avLst/>
+          </a:prstGeom>
+        </p:spPr>
         <p:txBody>
           <a:bodyPr/>
           <a:lstStyle/>
@@ -1675,11 +1691,23 @@
             <p:ph type="sldNum" sz="quarter" idx="12"/>
           </p:nvPr>
         </p:nvSpPr>
-        <p:spPr/>
+        <p:spPr>
+          <a:xfrm>
+            <a:off x="6457950" y="6356351"/>
+            <a:ext cx="2057400" cy="365125"/>
+          </a:xfrm>
+          <a:prstGeom prst="rect">
+            <a:avLst/>
+          </a:prstGeom>
+        </p:spPr>
         <p:txBody>
           <a:bodyPr/>
           <a:lstStyle/>
           <a:p>
+            <a:r>
+              <a:rPr lang="en-US" dirty="0" err="1"/>
+              <a:t>dsfd</a:t>
+            </a:r>
             <a:endParaRPr lang="ru-RU" dirty="0"/>
           </a:p>
         </p:txBody>
@@ -1807,15 +1835,23 @@
             <p:ph type="dt" sz="half" idx="10"/>
           </p:nvPr>
         </p:nvSpPr>
-        <p:spPr/>
+        <p:spPr>
+          <a:xfrm>
+            <a:off x="628650" y="6356351"/>
+            <a:ext cx="2057400" cy="365125"/>
+          </a:xfrm>
+          <a:prstGeom prst="rect">
+            <a:avLst/>
+          </a:prstGeom>
+        </p:spPr>
         <p:txBody>
           <a:bodyPr/>
           <a:lstStyle/>
           <a:p>
-            <a:fld id="{F91B40C9-7C3F-4CC9-92B0-95715B49C2EC}" type="datetimeFigureOut">
-              <a:rPr lang="ru-RU" smtClean="0"/>
-              <a:t>18.05.2025</a:t>
-            </a:fld>
+            <a:r>
+              <a:rPr lang="ru-RU"/>
+              <a:t>20.06.2023</a:t>
+            </a:r>
             <a:endParaRPr lang="ru-RU" dirty="0"/>
           </a:p>
         </p:txBody>
@@ -1830,7 +1866,15 @@
             <p:ph type="ftr" sz="quarter" idx="11"/>
           </p:nvPr>
         </p:nvSpPr>
-        <p:spPr/>
+        <p:spPr>
+          <a:xfrm>
+            <a:off x="3028950" y="6356351"/>
+            <a:ext cx="3086100" cy="365125"/>
+          </a:xfrm>
+          <a:prstGeom prst="rect">
+            <a:avLst/>
+          </a:prstGeom>
+        </p:spPr>
         <p:txBody>
           <a:bodyPr/>
           <a:lstStyle/>
@@ -1849,7 +1893,15 @@
             <p:ph type="sldNum" sz="quarter" idx="12"/>
           </p:nvPr>
         </p:nvSpPr>
-        <p:spPr/>
+        <p:spPr>
+          <a:xfrm>
+            <a:off x="6457950" y="6356351"/>
+            <a:ext cx="2057400" cy="365125"/>
+          </a:xfrm>
+          <a:prstGeom prst="rect">
+            <a:avLst/>
+          </a:prstGeom>
+        </p:spPr>
         <p:txBody>
           <a:bodyPr/>
           <a:lstStyle/>
@@ -1986,15 +2038,23 @@
             <p:ph type="dt" sz="half" idx="10"/>
           </p:nvPr>
         </p:nvSpPr>
-        <p:spPr/>
+        <p:spPr>
+          <a:xfrm>
+            <a:off x="628650" y="6356351"/>
+            <a:ext cx="2057400" cy="365125"/>
+          </a:xfrm>
+          <a:prstGeom prst="rect">
+            <a:avLst/>
+          </a:prstGeom>
+        </p:spPr>
         <p:txBody>
           <a:bodyPr/>
           <a:lstStyle/>
           <a:p>
-            <a:fld id="{F91B40C9-7C3F-4CC9-92B0-95715B49C2EC}" type="datetimeFigureOut">
-              <a:rPr lang="ru-RU" smtClean="0"/>
-              <a:t>18.05.2025</a:t>
-            </a:fld>
+            <a:r>
+              <a:rPr lang="ru-RU"/>
+              <a:t>20.06.2023</a:t>
+            </a:r>
             <a:endParaRPr lang="ru-RU" dirty="0"/>
           </a:p>
         </p:txBody>
@@ -2009,7 +2069,15 @@
             <p:ph type="ftr" sz="quarter" idx="11"/>
           </p:nvPr>
         </p:nvSpPr>
-        <p:spPr/>
+        <p:spPr>
+          <a:xfrm>
+            <a:off x="3028950" y="6356351"/>
+            <a:ext cx="3086100" cy="365125"/>
+          </a:xfrm>
+          <a:prstGeom prst="rect">
+            <a:avLst/>
+          </a:prstGeom>
+        </p:spPr>
         <p:txBody>
           <a:bodyPr/>
           <a:lstStyle/>
@@ -2028,7 +2096,15 @@
             <p:ph type="sldNum" sz="quarter" idx="12"/>
           </p:nvPr>
         </p:nvSpPr>
-        <p:spPr/>
+        <p:spPr>
+          <a:xfrm>
+            <a:off x="6457950" y="6356351"/>
+            <a:ext cx="2057400" cy="365125"/>
+          </a:xfrm>
+          <a:prstGeom prst="rect">
+            <a:avLst/>
+          </a:prstGeom>
+        </p:spPr>
         <p:txBody>
           <a:bodyPr/>
           <a:lstStyle/>
@@ -2190,13 +2266,21 @@
             <p:ph type="dt" sz="half" idx="10"/>
           </p:nvPr>
         </p:nvSpPr>
-        <p:spPr/>
+        <p:spPr>
+          <a:xfrm>
+            <a:off x="628650" y="6356351"/>
+            <a:ext cx="2057400" cy="365125"/>
+          </a:xfrm>
+          <a:prstGeom prst="rect">
+            <a:avLst/>
+          </a:prstGeom>
+        </p:spPr>
         <p:txBody>
           <a:bodyPr/>
           <a:lstStyle/>
           <a:p>
             <a:r>
-              <a:rPr lang="en-US"/>
+              <a:rPr lang="ru-RU"/>
               <a:t>20.06.2023</a:t>
             </a:r>
             <a:endParaRPr lang="ru-RU" dirty="0"/>
@@ -2219,7 +2303,15 @@
             <p:ph type="ftr" sz="quarter" idx="11"/>
           </p:nvPr>
         </p:nvSpPr>
-        <p:spPr/>
+        <p:spPr>
+          <a:xfrm>
+            <a:off x="3028950" y="6356351"/>
+            <a:ext cx="3086100" cy="365125"/>
+          </a:xfrm>
+          <a:prstGeom prst="rect">
+            <a:avLst/>
+          </a:prstGeom>
+        </p:spPr>
         <p:txBody>
           <a:bodyPr/>
           <a:lstStyle/>
@@ -2249,6 +2341,9 @@
             <a:off x="6457950" y="6356354"/>
             <a:ext cx="2057400" cy="365125"/>
           </a:xfrm>
+          <a:prstGeom prst="rect">
+            <a:avLst/>
+          </a:prstGeom>
         </p:spPr>
         <p:txBody>
           <a:bodyPr/>
@@ -2381,15 +2476,23 @@
             <p:ph type="dt" sz="half" idx="10"/>
           </p:nvPr>
         </p:nvSpPr>
-        <p:spPr/>
+        <p:spPr>
+          <a:xfrm>
+            <a:off x="628650" y="6356351"/>
+            <a:ext cx="2057400" cy="365125"/>
+          </a:xfrm>
+          <a:prstGeom prst="rect">
+            <a:avLst/>
+          </a:prstGeom>
+        </p:spPr>
         <p:txBody>
           <a:bodyPr/>
           <a:lstStyle/>
           <a:p>
-            <a:fld id="{F91B40C9-7C3F-4CC9-92B0-95715B49C2EC}" type="datetimeFigureOut">
-              <a:rPr lang="ru-RU" smtClean="0"/>
-              <a:t>18.05.2025</a:t>
-            </a:fld>
+            <a:r>
+              <a:rPr lang="ru-RU"/>
+              <a:t>20.06.2023</a:t>
+            </a:r>
             <a:endParaRPr lang="ru-RU" dirty="0"/>
           </a:p>
         </p:txBody>
@@ -2404,7 +2507,15 @@
             <p:ph type="ftr" sz="quarter" idx="11"/>
           </p:nvPr>
         </p:nvSpPr>
-        <p:spPr/>
+        <p:spPr>
+          <a:xfrm>
+            <a:off x="3028950" y="6356351"/>
+            <a:ext cx="3086100" cy="365125"/>
+          </a:xfrm>
+          <a:prstGeom prst="rect">
+            <a:avLst/>
+          </a:prstGeom>
+        </p:spPr>
         <p:txBody>
           <a:bodyPr/>
           <a:lstStyle/>
@@ -2423,11 +2534,23 @@
             <p:ph type="sldNum" sz="quarter" idx="12"/>
           </p:nvPr>
         </p:nvSpPr>
-        <p:spPr/>
+        <p:spPr>
+          <a:xfrm>
+            <a:off x="6457950" y="6356351"/>
+            <a:ext cx="2057400" cy="365125"/>
+          </a:xfrm>
+          <a:prstGeom prst="rect">
+            <a:avLst/>
+          </a:prstGeom>
+        </p:spPr>
         <p:txBody>
           <a:bodyPr/>
           <a:lstStyle/>
           <a:p>
+            <a:r>
+              <a:rPr lang="en-US" dirty="0"/>
+              <a:t>a</a:t>
+            </a:r>
             <a:endParaRPr lang="ru-RU" dirty="0"/>
           </a:p>
         </p:txBody>
@@ -2624,15 +2747,23 @@
             <p:ph type="dt" sz="half" idx="10"/>
           </p:nvPr>
         </p:nvSpPr>
-        <p:spPr/>
+        <p:spPr>
+          <a:xfrm>
+            <a:off x="628650" y="6356351"/>
+            <a:ext cx="2057400" cy="365125"/>
+          </a:xfrm>
+          <a:prstGeom prst="rect">
+            <a:avLst/>
+          </a:prstGeom>
+        </p:spPr>
         <p:txBody>
           <a:bodyPr/>
           <a:lstStyle/>
           <a:p>
-            <a:fld id="{F91B40C9-7C3F-4CC9-92B0-95715B49C2EC}" type="datetimeFigureOut">
-              <a:rPr lang="ru-RU" smtClean="0"/>
-              <a:t>18.05.2025</a:t>
-            </a:fld>
+            <a:r>
+              <a:rPr lang="ru-RU"/>
+              <a:t>20.06.2023</a:t>
+            </a:r>
             <a:endParaRPr lang="ru-RU" dirty="0"/>
           </a:p>
         </p:txBody>
@@ -2647,7 +2778,15 @@
             <p:ph type="ftr" sz="quarter" idx="11"/>
           </p:nvPr>
         </p:nvSpPr>
-        <p:spPr/>
+        <p:spPr>
+          <a:xfrm>
+            <a:off x="3028950" y="6356351"/>
+            <a:ext cx="3086100" cy="365125"/>
+          </a:xfrm>
+          <a:prstGeom prst="rect">
+            <a:avLst/>
+          </a:prstGeom>
+        </p:spPr>
         <p:txBody>
           <a:bodyPr/>
           <a:lstStyle/>
@@ -2666,11 +2805,23 @@
             <p:ph type="sldNum" sz="quarter" idx="12"/>
           </p:nvPr>
         </p:nvSpPr>
-        <p:spPr/>
+        <p:spPr>
+          <a:xfrm>
+            <a:off x="6457950" y="6356351"/>
+            <a:ext cx="2057400" cy="365125"/>
+          </a:xfrm>
+          <a:prstGeom prst="rect">
+            <a:avLst/>
+          </a:prstGeom>
+        </p:spPr>
         <p:txBody>
           <a:bodyPr/>
           <a:lstStyle/>
           <a:p>
+            <a:r>
+              <a:rPr lang="en-US" dirty="0"/>
+              <a:t>b</a:t>
+            </a:r>
             <a:endParaRPr lang="ru-RU" dirty="0"/>
           </a:p>
         </p:txBody>
@@ -2860,15 +3011,23 @@
             <p:ph type="dt" sz="half" idx="10"/>
           </p:nvPr>
         </p:nvSpPr>
-        <p:spPr/>
+        <p:spPr>
+          <a:xfrm>
+            <a:off x="628650" y="6356351"/>
+            <a:ext cx="2057400" cy="365125"/>
+          </a:xfrm>
+          <a:prstGeom prst="rect">
+            <a:avLst/>
+          </a:prstGeom>
+        </p:spPr>
         <p:txBody>
           <a:bodyPr/>
           <a:lstStyle/>
           <a:p>
-            <a:fld id="{F91B40C9-7C3F-4CC9-92B0-95715B49C2EC}" type="datetimeFigureOut">
-              <a:rPr lang="ru-RU" smtClean="0"/>
-              <a:t>18.05.2025</a:t>
-            </a:fld>
+            <a:r>
+              <a:rPr lang="ru-RU"/>
+              <a:t>20.06.2023</a:t>
+            </a:r>
             <a:endParaRPr lang="ru-RU" dirty="0"/>
           </a:p>
         </p:txBody>
@@ -2883,7 +3042,15 @@
             <p:ph type="ftr" sz="quarter" idx="11"/>
           </p:nvPr>
         </p:nvSpPr>
-        <p:spPr/>
+        <p:spPr>
+          <a:xfrm>
+            <a:off x="3028950" y="6356351"/>
+            <a:ext cx="3086100" cy="365125"/>
+          </a:xfrm>
+          <a:prstGeom prst="rect">
+            <a:avLst/>
+          </a:prstGeom>
+        </p:spPr>
         <p:txBody>
           <a:bodyPr/>
           <a:lstStyle/>
@@ -2902,11 +3069,23 @@
             <p:ph type="sldNum" sz="quarter" idx="12"/>
           </p:nvPr>
         </p:nvSpPr>
-        <p:spPr/>
+        <p:spPr>
+          <a:xfrm>
+            <a:off x="6457950" y="6356351"/>
+            <a:ext cx="2057400" cy="365125"/>
+          </a:xfrm>
+          <a:prstGeom prst="rect">
+            <a:avLst/>
+          </a:prstGeom>
+        </p:spPr>
         <p:txBody>
           <a:bodyPr/>
           <a:lstStyle/>
           <a:p>
+            <a:r>
+              <a:rPr lang="en-US" dirty="0"/>
+              <a:t>c</a:t>
+            </a:r>
             <a:endParaRPr lang="ru-RU" dirty="0"/>
           </a:p>
         </p:txBody>
@@ -3226,15 +3405,23 @@
             <p:ph type="dt" sz="half" idx="10"/>
           </p:nvPr>
         </p:nvSpPr>
-        <p:spPr/>
+        <p:spPr>
+          <a:xfrm>
+            <a:off x="628650" y="6356351"/>
+            <a:ext cx="2057400" cy="365125"/>
+          </a:xfrm>
+          <a:prstGeom prst="rect">
+            <a:avLst/>
+          </a:prstGeom>
+        </p:spPr>
         <p:txBody>
           <a:bodyPr/>
           <a:lstStyle/>
           <a:p>
-            <a:fld id="{F91B40C9-7C3F-4CC9-92B0-95715B49C2EC}" type="datetimeFigureOut">
-              <a:rPr lang="ru-RU" smtClean="0"/>
-              <a:t>18.05.2025</a:t>
-            </a:fld>
+            <a:r>
+              <a:rPr lang="ru-RU"/>
+              <a:t>20.06.2023</a:t>
+            </a:r>
             <a:endParaRPr lang="ru-RU" dirty="0"/>
           </a:p>
         </p:txBody>
@@ -3249,7 +3436,15 @@
             <p:ph type="ftr" sz="quarter" idx="11"/>
           </p:nvPr>
         </p:nvSpPr>
-        <p:spPr/>
+        <p:spPr>
+          <a:xfrm>
+            <a:off x="3028950" y="6356351"/>
+            <a:ext cx="3086100" cy="365125"/>
+          </a:xfrm>
+          <a:prstGeom prst="rect">
+            <a:avLst/>
+          </a:prstGeom>
+        </p:spPr>
         <p:txBody>
           <a:bodyPr/>
           <a:lstStyle/>
@@ -3268,11 +3463,23 @@
             <p:ph type="sldNum" sz="quarter" idx="12"/>
           </p:nvPr>
         </p:nvSpPr>
-        <p:spPr/>
+        <p:spPr>
+          <a:xfrm>
+            <a:off x="6457950" y="6356351"/>
+            <a:ext cx="2057400" cy="365125"/>
+          </a:xfrm>
+          <a:prstGeom prst="rect">
+            <a:avLst/>
+          </a:prstGeom>
+        </p:spPr>
         <p:txBody>
           <a:bodyPr/>
           <a:lstStyle/>
           <a:p>
+            <a:r>
+              <a:rPr lang="en-US" dirty="0"/>
+              <a:t>d</a:t>
+            </a:r>
             <a:endParaRPr lang="ru-RU" dirty="0"/>
           </a:p>
         </p:txBody>
@@ -3348,15 +3555,23 @@
             <p:ph type="dt" sz="half" idx="10"/>
           </p:nvPr>
         </p:nvSpPr>
-        <p:spPr/>
+        <p:spPr>
+          <a:xfrm>
+            <a:off x="628650" y="6356351"/>
+            <a:ext cx="2057400" cy="365125"/>
+          </a:xfrm>
+          <a:prstGeom prst="rect">
+            <a:avLst/>
+          </a:prstGeom>
+        </p:spPr>
         <p:txBody>
           <a:bodyPr/>
           <a:lstStyle/>
           <a:p>
-            <a:fld id="{F91B40C9-7C3F-4CC9-92B0-95715B49C2EC}" type="datetimeFigureOut">
-              <a:rPr lang="ru-RU" smtClean="0"/>
-              <a:t>18.05.2025</a:t>
-            </a:fld>
+            <a:r>
+              <a:rPr lang="ru-RU"/>
+              <a:t>20.06.2023</a:t>
+            </a:r>
             <a:endParaRPr lang="ru-RU" dirty="0"/>
           </a:p>
         </p:txBody>
@@ -3371,7 +3586,15 @@
             <p:ph type="ftr" sz="quarter" idx="11"/>
           </p:nvPr>
         </p:nvSpPr>
-        <p:spPr/>
+        <p:spPr>
+          <a:xfrm>
+            <a:off x="3028950" y="6356351"/>
+            <a:ext cx="3086100" cy="365125"/>
+          </a:xfrm>
+          <a:prstGeom prst="rect">
+            <a:avLst/>
+          </a:prstGeom>
+        </p:spPr>
         <p:txBody>
           <a:bodyPr/>
           <a:lstStyle/>
@@ -3390,11 +3613,23 @@
             <p:ph type="sldNum" sz="quarter" idx="12"/>
           </p:nvPr>
         </p:nvSpPr>
-        <p:spPr/>
+        <p:spPr>
+          <a:xfrm>
+            <a:off x="6457950" y="6356351"/>
+            <a:ext cx="2057400" cy="365125"/>
+          </a:xfrm>
+          <a:prstGeom prst="rect">
+            <a:avLst/>
+          </a:prstGeom>
+        </p:spPr>
         <p:txBody>
           <a:bodyPr/>
           <a:lstStyle/>
           <a:p>
+            <a:r>
+              <a:rPr lang="en-US" dirty="0"/>
+              <a:t>e</a:t>
+            </a:r>
             <a:endParaRPr lang="ru-RU" dirty="0"/>
           </a:p>
         </p:txBody>
@@ -3439,15 +3674,23 @@
             <p:ph type="dt" sz="half" idx="10"/>
           </p:nvPr>
         </p:nvSpPr>
-        <p:spPr/>
+        <p:spPr>
+          <a:xfrm>
+            <a:off x="628650" y="6356351"/>
+            <a:ext cx="2057400" cy="365125"/>
+          </a:xfrm>
+          <a:prstGeom prst="rect">
+            <a:avLst/>
+          </a:prstGeom>
+        </p:spPr>
         <p:txBody>
           <a:bodyPr/>
           <a:lstStyle/>
           <a:p>
-            <a:fld id="{F91B40C9-7C3F-4CC9-92B0-95715B49C2EC}" type="datetimeFigureOut">
-              <a:rPr lang="ru-RU" smtClean="0"/>
-              <a:t>18.05.2025</a:t>
-            </a:fld>
+            <a:r>
+              <a:rPr lang="ru-RU"/>
+              <a:t>20.06.2023</a:t>
+            </a:r>
             <a:endParaRPr lang="ru-RU" dirty="0"/>
           </a:p>
         </p:txBody>
@@ -3462,7 +3705,15 @@
             <p:ph type="ftr" sz="quarter" idx="11"/>
           </p:nvPr>
         </p:nvSpPr>
-        <p:spPr/>
+        <p:spPr>
+          <a:xfrm>
+            <a:off x="3028950" y="6356351"/>
+            <a:ext cx="3086100" cy="365125"/>
+          </a:xfrm>
+          <a:prstGeom prst="rect">
+            <a:avLst/>
+          </a:prstGeom>
+        </p:spPr>
         <p:txBody>
           <a:bodyPr/>
           <a:lstStyle/>
@@ -3481,11 +3732,23 @@
             <p:ph type="sldNum" sz="quarter" idx="12"/>
           </p:nvPr>
         </p:nvSpPr>
-        <p:spPr/>
+        <p:spPr>
+          <a:xfrm>
+            <a:off x="6457950" y="6356351"/>
+            <a:ext cx="2057400" cy="365125"/>
+          </a:xfrm>
+          <a:prstGeom prst="rect">
+            <a:avLst/>
+          </a:prstGeom>
+        </p:spPr>
         <p:txBody>
           <a:bodyPr/>
           <a:lstStyle/>
           <a:p>
+            <a:r>
+              <a:rPr lang="en-US" dirty="0"/>
+              <a:t>v</a:t>
+            </a:r>
             <a:endParaRPr lang="ru-RU" dirty="0"/>
           </a:p>
         </p:txBody>
@@ -3715,15 +3978,23 @@
             <p:ph type="dt" sz="half" idx="10"/>
           </p:nvPr>
         </p:nvSpPr>
-        <p:spPr/>
+        <p:spPr>
+          <a:xfrm>
+            <a:off x="628650" y="6356351"/>
+            <a:ext cx="2057400" cy="365125"/>
+          </a:xfrm>
+          <a:prstGeom prst="rect">
+            <a:avLst/>
+          </a:prstGeom>
+        </p:spPr>
         <p:txBody>
           <a:bodyPr/>
           <a:lstStyle/>
           <a:p>
-            <a:fld id="{F91B40C9-7C3F-4CC9-92B0-95715B49C2EC}" type="datetimeFigureOut">
-              <a:rPr lang="ru-RU" smtClean="0"/>
-              <a:t>18.05.2025</a:t>
-            </a:fld>
+            <a:r>
+              <a:rPr lang="ru-RU"/>
+              <a:t>20.06.2023</a:t>
+            </a:r>
             <a:endParaRPr lang="ru-RU" dirty="0"/>
           </a:p>
         </p:txBody>
@@ -3738,7 +4009,15 @@
             <p:ph type="ftr" sz="quarter" idx="11"/>
           </p:nvPr>
         </p:nvSpPr>
-        <p:spPr/>
+        <p:spPr>
+          <a:xfrm>
+            <a:off x="3028950" y="6356351"/>
+            <a:ext cx="3086100" cy="365125"/>
+          </a:xfrm>
+          <a:prstGeom prst="rect">
+            <a:avLst/>
+          </a:prstGeom>
+        </p:spPr>
         <p:txBody>
           <a:bodyPr/>
           <a:lstStyle/>
@@ -3757,11 +4036,23 @@
             <p:ph type="sldNum" sz="quarter" idx="12"/>
           </p:nvPr>
         </p:nvSpPr>
-        <p:spPr/>
+        <p:spPr>
+          <a:xfrm>
+            <a:off x="6457950" y="6356351"/>
+            <a:ext cx="2057400" cy="365125"/>
+          </a:xfrm>
+          <a:prstGeom prst="rect">
+            <a:avLst/>
+          </a:prstGeom>
+        </p:spPr>
         <p:txBody>
           <a:bodyPr/>
           <a:lstStyle/>
           <a:p>
+            <a:r>
+              <a:rPr lang="en-US" dirty="0"/>
+              <a:t>a</a:t>
+            </a:r>
             <a:endParaRPr lang="ru-RU" dirty="0"/>
           </a:p>
         </p:txBody>
@@ -3971,15 +4262,23 @@
             <p:ph type="dt" sz="half" idx="10"/>
           </p:nvPr>
         </p:nvSpPr>
-        <p:spPr/>
+        <p:spPr>
+          <a:xfrm>
+            <a:off x="628650" y="6356351"/>
+            <a:ext cx="2057400" cy="365125"/>
+          </a:xfrm>
+          <a:prstGeom prst="rect">
+            <a:avLst/>
+          </a:prstGeom>
+        </p:spPr>
         <p:txBody>
           <a:bodyPr/>
           <a:lstStyle/>
           <a:p>
-            <a:fld id="{F91B40C9-7C3F-4CC9-92B0-95715B49C2EC}" type="datetimeFigureOut">
-              <a:rPr lang="ru-RU" smtClean="0"/>
-              <a:t>18.05.2025</a:t>
-            </a:fld>
+            <a:r>
+              <a:rPr lang="ru-RU"/>
+              <a:t>20.06.2023</a:t>
+            </a:r>
             <a:endParaRPr lang="ru-RU" dirty="0"/>
           </a:p>
         </p:txBody>
@@ -3994,7 +4293,15 @@
             <p:ph type="ftr" sz="quarter" idx="11"/>
           </p:nvPr>
         </p:nvSpPr>
-        <p:spPr/>
+        <p:spPr>
+          <a:xfrm>
+            <a:off x="3028950" y="6356351"/>
+            <a:ext cx="3086100" cy="365125"/>
+          </a:xfrm>
+          <a:prstGeom prst="rect">
+            <a:avLst/>
+          </a:prstGeom>
+        </p:spPr>
         <p:txBody>
           <a:bodyPr/>
           <a:lstStyle/>
@@ -4013,11 +4320,23 @@
             <p:ph type="sldNum" sz="quarter" idx="12"/>
           </p:nvPr>
         </p:nvSpPr>
-        <p:spPr/>
+        <p:spPr>
+          <a:xfrm>
+            <a:off x="6457950" y="6356351"/>
+            <a:ext cx="2057400" cy="365125"/>
+          </a:xfrm>
+          <a:prstGeom prst="rect">
+            <a:avLst/>
+          </a:prstGeom>
+        </p:spPr>
         <p:txBody>
           <a:bodyPr/>
           <a:lstStyle/>
           <a:p>
+            <a:r>
+              <a:rPr lang="en-US" dirty="0"/>
+              <a:t>f</a:t>
+            </a:r>
             <a:endParaRPr lang="ru-RU" dirty="0"/>
           </a:p>
         </p:txBody>
@@ -4121,7 +4440,142 @@
       </p:sp>
       <p:sp>
         <p:nvSpPr>
-          <p:cNvPr id="4" name="Date Placeholder 3"/>
+          <p:cNvPr id="16" name="Slide Number Placeholder 15">
+            <a:extLst>
+              <a:ext uri="{FF2B5EF4-FFF2-40B4-BE49-F238E27FC236}">
+                <a16:creationId xmlns:a16="http://schemas.microsoft.com/office/drawing/2014/main" id="{DEDF3873-0F28-5D23-70C4-CAC565E37578}"/>
+              </a:ext>
+            </a:extLst>
+          </p:cNvPr>
+          <p:cNvSpPr>
+            <a:spLocks noGrp="1"/>
+          </p:cNvSpPr>
+          <p:nvPr>
+            <p:ph type="sldNum" sz="quarter" idx="4"/>
+          </p:nvPr>
+        </p:nvSpPr>
+        <p:spPr>
+          <a:xfrm>
+            <a:off x="6457950" y="6356350"/>
+            <a:ext cx="2057400" cy="365125"/>
+          </a:xfrm>
+          <a:prstGeom prst="rect">
+            <a:avLst/>
+          </a:prstGeom>
+        </p:spPr>
+        <p:txBody>
+          <a:bodyPr vert="horz" lIns="91440" tIns="45720" rIns="91440" bIns="45720" rtlCol="0" anchor="ctr"/>
+          <a:lstStyle>
+            <a:lvl1pPr algn="r">
+              <a:defRPr sz="1200">
+                <a:solidFill>
+                  <a:schemeClr val="tx1">
+                    <a:tint val="82000"/>
+                  </a:schemeClr>
+                </a:solidFill>
+              </a:defRPr>
+            </a:lvl1pPr>
+          </a:lstStyle>
+          <a:p>
+            <a:fld id="{2038FABF-138C-AF49-BC99-C2C59599E733}" type="slidenum">
+              <a:rPr lang="en-RU" smtClean="0"/>
+              <a:t>‹#›</a:t>
+            </a:fld>
+            <a:endParaRPr lang="en-RU"/>
+          </a:p>
+        </p:txBody>
+      </p:sp>
+      <p:sp>
+        <p:nvSpPr>
+          <p:cNvPr id="17" name="Footer Placeholder 16">
+            <a:extLst>
+              <a:ext uri="{FF2B5EF4-FFF2-40B4-BE49-F238E27FC236}">
+                <a16:creationId xmlns:a16="http://schemas.microsoft.com/office/drawing/2014/main" id="{76DAB397-9CAA-19AA-F6CC-34CA40F2008B}"/>
+              </a:ext>
+            </a:extLst>
+          </p:cNvPr>
+          <p:cNvSpPr>
+            <a:spLocks noGrp="1"/>
+          </p:cNvSpPr>
+          <p:nvPr>
+            <p:ph type="ftr" sz="quarter" idx="3"/>
+          </p:nvPr>
+        </p:nvSpPr>
+        <p:spPr>
+          <a:xfrm>
+            <a:off x="3028950" y="6356350"/>
+            <a:ext cx="3086100" cy="365125"/>
+          </a:xfrm>
+          <a:prstGeom prst="rect">
+            <a:avLst/>
+          </a:prstGeom>
+        </p:spPr>
+        <p:txBody>
+          <a:bodyPr vert="horz" lIns="91440" tIns="45720" rIns="91440" bIns="45720" rtlCol="0" anchor="ctr"/>
+          <a:lstStyle>
+            <a:lvl1pPr algn="ctr">
+              <a:defRPr sz="1200">
+                <a:solidFill>
+                  <a:schemeClr val="tx1">
+                    <a:tint val="82000"/>
+                  </a:schemeClr>
+                </a:solidFill>
+              </a:defRPr>
+            </a:lvl1pPr>
+          </a:lstStyle>
+          <a:p>
+            <a:endParaRPr lang="en-RU"/>
+          </a:p>
+        </p:txBody>
+      </p:sp>
+      <p:sp>
+        <p:nvSpPr>
+          <p:cNvPr id="18" name="Title Placeholder 17">
+            <a:extLst>
+              <a:ext uri="{FF2B5EF4-FFF2-40B4-BE49-F238E27FC236}">
+                <a16:creationId xmlns:a16="http://schemas.microsoft.com/office/drawing/2014/main" id="{4AD6E4EB-C5CF-EF78-5642-C21EF39D204D}"/>
+              </a:ext>
+            </a:extLst>
+          </p:cNvPr>
+          <p:cNvSpPr>
+            <a:spLocks noGrp="1"/>
+          </p:cNvSpPr>
+          <p:nvPr>
+            <p:ph type="title"/>
+          </p:nvPr>
+        </p:nvSpPr>
+        <p:spPr>
+          <a:xfrm>
+            <a:off x="628650" y="365125"/>
+            <a:ext cx="7886700" cy="1325563"/>
+          </a:xfrm>
+          <a:prstGeom prst="rect">
+            <a:avLst/>
+          </a:prstGeom>
+        </p:spPr>
+        <p:txBody>
+          <a:bodyPr vert="horz" lIns="91440" tIns="45720" rIns="91440" bIns="45720" rtlCol="0" anchor="ctr">
+            <a:normAutofit/>
+          </a:bodyPr>
+          <a:lstStyle/>
+          <a:p>
+            <a:r>
+              <a:rPr lang="en-GB"/>
+              <a:t>Click to edit Master title style</a:t>
+            </a:r>
+            <a:endParaRPr lang="en-RU"/>
+          </a:p>
+        </p:txBody>
+      </p:sp>
+      <p:sp>
+        <p:nvSpPr>
+          <p:cNvPr id="2" name="Date Placeholder 1">
+            <a:extLst>
+              <a:ext uri="{FF2B5EF4-FFF2-40B4-BE49-F238E27FC236}">
+                <a16:creationId xmlns:a16="http://schemas.microsoft.com/office/drawing/2014/main" id="{D1B1312B-AD1D-CFF4-060C-F69896E34860}"/>
+              </a:ext>
+            </a:extLst>
+          </p:cNvPr>
           <p:cNvSpPr>
             <a:spLocks noGrp="1"/>
           </p:cNvSpPr>
@@ -4131,7 +4585,7 @@
         </p:nvSpPr>
         <p:spPr>
           <a:xfrm>
-            <a:off x="628650" y="6356351"/>
+            <a:off x="628650" y="6356350"/>
             <a:ext cx="2057400" cy="365125"/>
           </a:xfrm>
           <a:prstGeom prst="rect">
@@ -4145,179 +4599,17 @@
               <a:defRPr sz="1200">
                 <a:solidFill>
                   <a:schemeClr val="tx1">
-                    <a:tint val="75000"/>
+                    <a:tint val="82000"/>
                   </a:schemeClr>
                 </a:solidFill>
               </a:defRPr>
             </a:lvl1pPr>
           </a:lstStyle>
           <a:p>
-            <a:fld id="{F91B40C9-7C3F-4CC9-92B0-95715B49C2EC}" type="datetimeFigureOut">
-              <a:rPr lang="ru-RU" smtClean="0"/>
+            <a:fld id="{33883747-69F0-854C-B157-B8BEB941B560}" type="datetimeFigureOut">
+              <a:rPr lang="en-RU" smtClean="0"/>
               <a:t>18.05.2025</a:t>
             </a:fld>
-            <a:endParaRPr lang="ru-RU" dirty="0"/>
-          </a:p>
-        </p:txBody>
-      </p:sp>
-      <p:sp>
-        <p:nvSpPr>
-          <p:cNvPr id="5" name="Footer Placeholder 4"/>
-          <p:cNvSpPr>
-            <a:spLocks noGrp="1"/>
-          </p:cNvSpPr>
-          <p:nvPr>
-            <p:ph type="ftr" sz="quarter" idx="3"/>
-          </p:nvPr>
-        </p:nvSpPr>
-        <p:spPr>
-          <a:xfrm>
-            <a:off x="3028950" y="6356351"/>
-            <a:ext cx="3086100" cy="365125"/>
-          </a:xfrm>
-          <a:prstGeom prst="rect">
-            <a:avLst/>
-          </a:prstGeom>
-        </p:spPr>
-        <p:txBody>
-          <a:bodyPr vert="horz" lIns="91440" tIns="45720" rIns="91440" bIns="45720" rtlCol="0" anchor="ctr"/>
-          <a:lstStyle>
-            <a:lvl1pPr algn="ctr">
-              <a:defRPr sz="1200">
-                <a:solidFill>
-                  <a:schemeClr val="tx1">
-                    <a:tint val="75000"/>
-                  </a:schemeClr>
-                </a:solidFill>
-              </a:defRPr>
-            </a:lvl1pPr>
-          </a:lstStyle>
-          <a:p>
-            <a:endParaRPr lang="ru-RU" dirty="0"/>
-          </a:p>
-        </p:txBody>
-      </p:sp>
-      <p:sp>
-        <p:nvSpPr>
-          <p:cNvPr id="6" name="Slide Number Placeholder 5"/>
-          <p:cNvSpPr>
-            <a:spLocks noGrp="1"/>
-          </p:cNvSpPr>
-          <p:nvPr>
-            <p:ph type="sldNum" sz="quarter" idx="4"/>
-          </p:nvPr>
-        </p:nvSpPr>
-        <p:spPr>
-          <a:xfrm>
-            <a:off x="6457950" y="6356351"/>
-            <a:ext cx="2057400" cy="365125"/>
-          </a:xfrm>
-          <a:prstGeom prst="rect">
-            <a:avLst/>
-          </a:prstGeom>
-        </p:spPr>
-        <p:txBody>
-          <a:bodyPr vert="horz" lIns="91440" tIns="45720" rIns="91440" bIns="45720" rtlCol="0" anchor="ctr"/>
-          <a:lstStyle>
-            <a:lvl1pPr algn="r">
-              <a:defRPr sz="1200">
-                <a:solidFill>
-                  <a:schemeClr val="tx1">
-                    <a:tint val="75000"/>
-                  </a:schemeClr>
-                </a:solidFill>
-              </a:defRPr>
-            </a:lvl1pPr>
-          </a:lstStyle>
-          <a:p>
-            <a:endParaRPr lang="ru-RU" dirty="0"/>
-          </a:p>
-        </p:txBody>
-      </p:sp>
-      <p:sp>
-        <p:nvSpPr>
-          <p:cNvPr id="7" name="TextBox 6">
-            <a:extLst>
-              <a:ext uri="{FF2B5EF4-FFF2-40B4-BE49-F238E27FC236}">
-                <a16:creationId xmlns:a16="http://schemas.microsoft.com/office/drawing/2014/main" id="{3BDA0795-2118-8864-E897-A5FC996366C4}"/>
-              </a:ext>
-            </a:extLst>
-          </p:cNvPr>
-          <p:cNvSpPr txBox="1"/>
-          <p:nvPr userDrawn="1"/>
-        </p:nvSpPr>
-        <p:spPr>
-          <a:xfrm>
-            <a:off x="7571806" y="6356350"/>
-            <a:ext cx="809837" cy="300082"/>
-          </a:xfrm>
-          <a:prstGeom prst="rect">
-            <a:avLst/>
-          </a:prstGeom>
-          <a:noFill/>
-        </p:spPr>
-        <p:txBody>
-          <a:bodyPr wrap="none" rtlCol="0">
-            <a:spAutoFit/>
-          </a:bodyPr>
-          <a:lstStyle/>
-          <a:p>
-            <a:fld id="{64FA0029-900B-49D0-B874-6CD73E11DEF9}" type="slidenum">
-              <a:rPr lang="ru-RU" sz="1350" smtClean="0"/>
-              <a:pPr/>
-              <a:t>‹#›</a:t>
-            </a:fld>
-            <a:r>
-              <a:rPr lang="en-US" sz="1350" dirty="0"/>
-              <a:t> </a:t>
-            </a:r>
-            <a:r>
-              <a:rPr lang="ru-RU" sz="1350" dirty="0"/>
-              <a:t>из 1</a:t>
-            </a:r>
-            <a:r>
-              <a:rPr lang="en-US" sz="1350" dirty="0"/>
-              <a:t>1</a:t>
-            </a:r>
-            <a:endParaRPr lang="ru-RU" sz="1350" dirty="0"/>
-          </a:p>
-        </p:txBody>
-      </p:sp>
-      <p:sp>
-        <p:nvSpPr>
-          <p:cNvPr id="9" name="Title Placeholder 8">
-            <a:extLst>
-              <a:ext uri="{FF2B5EF4-FFF2-40B4-BE49-F238E27FC236}">
-                <a16:creationId xmlns:a16="http://schemas.microsoft.com/office/drawing/2014/main" id="{61FC05C0-8DD9-4078-9FB5-5D8935054A76}"/>
-              </a:ext>
-            </a:extLst>
-          </p:cNvPr>
-          <p:cNvSpPr>
-            <a:spLocks noGrp="1"/>
-          </p:cNvSpPr>
-          <p:nvPr>
-            <p:ph type="title"/>
-          </p:nvPr>
-        </p:nvSpPr>
-        <p:spPr>
-          <a:xfrm>
-            <a:off x="628650" y="365125"/>
-            <a:ext cx="7886700" cy="1325563"/>
-          </a:xfrm>
-          <a:prstGeom prst="rect">
-            <a:avLst/>
-          </a:prstGeom>
-        </p:spPr>
-        <p:txBody>
-          <a:bodyPr vert="horz" lIns="91440" tIns="45720" rIns="91440" bIns="45720" rtlCol="0" anchor="ctr">
-            <a:normAutofit/>
-          </a:bodyPr>
-          <a:lstStyle/>
-          <a:p>
-            <a:r>
-              <a:rPr lang="en-GB"/>
-              <a:t>Click to edit Master title style</a:t>
-            </a:r>
             <a:endParaRPr lang="en-RU"/>
           </a:p>
         </p:txBody>
@@ -4344,6 +4636,7 @@
     <p:sldLayoutId id="2147483781" r:id="rId11"/>
     <p:sldLayoutId id="2147483769" r:id="rId12"/>
   </p:sldLayoutIdLst>
+  <p:hf hdr="0" ftr="0" dt="0"/>
   <p:txStyles>
     <p:titleStyle>
       <a:lvl1pPr algn="l" defTabSz="914400" rtl="0" eaLnBrk="1" latinLnBrk="0" hangingPunct="1">
@@ -4674,14 +4967,14 @@
           <a:p>
             <a:pPr algn="ctr"/>
             <a:r>
-              <a:rPr lang="ru-RU" sz="2200" b="1" dirty="0">
+              <a:rPr lang="ru-RU" sz="2200" b="1">
                 <a:latin typeface="Times New Roman" panose="02020603050405020304" pitchFamily="18" charset="0"/>
                 <a:ea typeface="Times New Roman" panose="02020603050405020304" pitchFamily="18" charset="0"/>
               </a:rPr>
               <a:t>РАЗРАБОТКА КРОСС-ПЛАТФОРМЕННОЙ БИБЛИОТЕКИ ДЛЯ АНАЛИЗА ФИНАНСОВЫХ ДАННЫХ</a:t>
             </a:r>
             <a:br>
-              <a:rPr lang="ru-RU" sz="1350" b="1" dirty="0">
+              <a:rPr lang="ru-RU" sz="1350" b="1">
                 <a:latin typeface="Times New Roman" panose="02020603050405020304" pitchFamily="18" charset="0"/>
                 <a:ea typeface="Times New Roman" panose="02020603050405020304" pitchFamily="18" charset="0"/>
               </a:rPr>
@@ -4724,7 +5017,7 @@
               </a:lnSpc>
             </a:pPr>
             <a:r>
-              <a:rPr lang="ru-RU" b="1" dirty="0">
+              <a:rPr lang="ru-RU" b="1">
                 <a:effectLst/>
                 <a:latin typeface="Times New Roman" panose="02020603050405020304" pitchFamily="18" charset="0"/>
                 <a:ea typeface="Times New Roman" panose="02020603050405020304" pitchFamily="18" charset="0"/>
@@ -4739,7 +5032,7 @@
               </a:lnSpc>
             </a:pPr>
             <a:r>
-              <a:rPr lang="ru-RU" dirty="0">
+              <a:rPr lang="ru-RU">
                 <a:effectLst/>
                 <a:latin typeface="Times New Roman" panose="02020603050405020304" pitchFamily="18" charset="0"/>
                 <a:ea typeface="Times New Roman" panose="02020603050405020304" pitchFamily="18" charset="0"/>
@@ -4754,7 +5047,7 @@
               </a:lnSpc>
             </a:pPr>
             <a:r>
-              <a:rPr lang="ru-RU" b="1" dirty="0">
+              <a:rPr lang="ru-RU" b="1">
                 <a:effectLst/>
                 <a:latin typeface="Times New Roman" panose="02020603050405020304" pitchFamily="18" charset="0"/>
                 <a:ea typeface="Times New Roman" panose="02020603050405020304" pitchFamily="18" charset="0"/>
@@ -4762,14 +5055,14 @@
               <a:t>Научный руководитель – </a:t>
             </a:r>
             <a:br>
-              <a:rPr lang="ru-RU" dirty="0">
+              <a:rPr lang="ru-RU">
                 <a:effectLst/>
                 <a:latin typeface="Times New Roman" panose="02020603050405020304" pitchFamily="18" charset="0"/>
                 <a:ea typeface="Times New Roman" panose="02020603050405020304" pitchFamily="18" charset="0"/>
               </a:rPr>
             </a:br>
             <a:r>
-              <a:rPr lang="ru-RU" dirty="0">
+              <a:rPr lang="ru-RU">
                 <a:effectLst/>
                 <a:latin typeface="Times New Roman" panose="02020603050405020304" pitchFamily="18" charset="0"/>
                 <a:ea typeface="Times New Roman" panose="02020603050405020304" pitchFamily="18" charset="0"/>
@@ -5015,6 +5308,42 @@
           </a:prstGeom>
         </p:spPr>
       </p:pic>
+      <p:sp>
+        <p:nvSpPr>
+          <p:cNvPr id="10" name="Slide Number Placeholder 9">
+            <a:extLst>
+              <a:ext uri="{FF2B5EF4-FFF2-40B4-BE49-F238E27FC236}">
+                <a16:creationId xmlns:a16="http://schemas.microsoft.com/office/drawing/2014/main" id="{4FAD3E94-34C3-B58A-50C9-92640B507310}"/>
+              </a:ext>
+            </a:extLst>
+          </p:cNvPr>
+          <p:cNvSpPr>
+            <a:spLocks noGrp="1"/>
+          </p:cNvSpPr>
+          <p:nvPr>
+            <p:ph type="sldNum" sz="quarter" idx="12"/>
+          </p:nvPr>
+        </p:nvSpPr>
+        <p:spPr/>
+        <p:txBody>
+          <a:bodyPr/>
+          <a:lstStyle/>
+          <a:p>
+            <a:r>
+              <a:rPr lang="ru-RU" dirty="0"/>
+              <a:t>10</a:t>
+            </a:r>
+            <a:r>
+              <a:rPr lang="en-US" dirty="0"/>
+              <a:t> </a:t>
+            </a:r>
+            <a:r>
+              <a:rPr lang="ru-RU" dirty="0"/>
+              <a:t>из 11</a:t>
+            </a:r>
+          </a:p>
+        </p:txBody>
+      </p:sp>
     </p:spTree>
     <p:extLst>
       <p:ext uri="{BB962C8B-B14F-4D97-AF65-F5344CB8AC3E}">
@@ -5143,6 +5472,42 @@
           </a:p>
         </p:txBody>
       </p:sp>
+      <p:sp>
+        <p:nvSpPr>
+          <p:cNvPr id="14" name="Slide Number Placeholder 13">
+            <a:extLst>
+              <a:ext uri="{FF2B5EF4-FFF2-40B4-BE49-F238E27FC236}">
+                <a16:creationId xmlns:a16="http://schemas.microsoft.com/office/drawing/2014/main" id="{6C02DD49-38B4-63F6-8568-BAFBABF2692F}"/>
+              </a:ext>
+            </a:extLst>
+          </p:cNvPr>
+          <p:cNvSpPr>
+            <a:spLocks noGrp="1"/>
+          </p:cNvSpPr>
+          <p:nvPr>
+            <p:ph type="sldNum" sz="quarter" idx="12"/>
+          </p:nvPr>
+        </p:nvSpPr>
+        <p:spPr/>
+        <p:txBody>
+          <a:bodyPr/>
+          <a:lstStyle/>
+          <a:p>
+            <a:r>
+              <a:rPr lang="ru-RU" dirty="0"/>
+              <a:t>11</a:t>
+            </a:r>
+            <a:r>
+              <a:rPr lang="en-US" dirty="0"/>
+              <a:t> </a:t>
+            </a:r>
+            <a:r>
+              <a:rPr lang="ru-RU" dirty="0"/>
+              <a:t>из 11</a:t>
+            </a:r>
+          </a:p>
+        </p:txBody>
+      </p:sp>
     </p:spTree>
     <p:extLst>
       <p:ext uri="{BB962C8B-B14F-4D97-AF65-F5344CB8AC3E}">
@@ -5367,6 +5732,42 @@
                 <a:ea typeface="Times New Roman" panose="02020603050405020304" pitchFamily="18" charset="0"/>
               </a:rPr>
               <a:t>Создание демонстрационного приложения и публикация библиотеки в сети интернет</a:t>
+            </a:r>
+          </a:p>
+        </p:txBody>
+      </p:sp>
+      <p:sp>
+        <p:nvSpPr>
+          <p:cNvPr id="15" name="Slide Number Placeholder 14">
+            <a:extLst>
+              <a:ext uri="{FF2B5EF4-FFF2-40B4-BE49-F238E27FC236}">
+                <a16:creationId xmlns:a16="http://schemas.microsoft.com/office/drawing/2014/main" id="{2718AC0C-84D6-BC6D-C123-CC1C41488107}"/>
+              </a:ext>
+            </a:extLst>
+          </p:cNvPr>
+          <p:cNvSpPr>
+            <a:spLocks noGrp="1"/>
+          </p:cNvSpPr>
+          <p:nvPr>
+            <p:ph type="sldNum" sz="quarter" idx="12"/>
+          </p:nvPr>
+        </p:nvSpPr>
+        <p:spPr/>
+        <p:txBody>
+          <a:bodyPr/>
+          <a:lstStyle/>
+          <a:p>
+            <a:r>
+              <a:rPr lang="ru-RU" dirty="0"/>
+              <a:t>2</a:t>
+            </a:r>
+            <a:r>
+              <a:rPr lang="en-US" dirty="0"/>
+              <a:t> </a:t>
+            </a:r>
+            <a:r>
+              <a:rPr lang="ru-RU" dirty="0"/>
+              <a:t>из 11</a:t>
             </a:r>
           </a:p>
         </p:txBody>
@@ -5639,6 +6040,38 @@
           </a:prstGeom>
         </p:spPr>
       </p:pic>
+      <p:sp>
+        <p:nvSpPr>
+          <p:cNvPr id="16" name="Slide Number Placeholder 15">
+            <a:extLst>
+              <a:ext uri="{FF2B5EF4-FFF2-40B4-BE49-F238E27FC236}">
+                <a16:creationId xmlns:a16="http://schemas.microsoft.com/office/drawing/2014/main" id="{B71D6D26-74E1-4A92-99ED-1DCBAC6906EE}"/>
+              </a:ext>
+            </a:extLst>
+          </p:cNvPr>
+          <p:cNvSpPr>
+            <a:spLocks noGrp="1"/>
+          </p:cNvSpPr>
+          <p:nvPr>
+            <p:ph type="sldNum" sz="quarter" idx="12"/>
+          </p:nvPr>
+        </p:nvSpPr>
+        <p:spPr/>
+        <p:txBody>
+          <a:bodyPr/>
+          <a:lstStyle/>
+          <a:p>
+            <a:r>
+              <a:rPr lang="en-US" dirty="0"/>
+              <a:t>3 </a:t>
+            </a:r>
+            <a:r>
+              <a:rPr lang="ru-RU" dirty="0"/>
+              <a:t>из 11</a:t>
+            </a:r>
+          </a:p>
+        </p:txBody>
+      </p:sp>
     </p:spTree>
     <p:extLst>
       <p:ext uri="{BB962C8B-B14F-4D97-AF65-F5344CB8AC3E}">
@@ -5793,6 +6226,42 @@
             <a:r>
               <a:rPr lang="ru-RU" sz="2400" dirty="0"/>
               <a:t>Область анализа финансовых данных</a:t>
+            </a:r>
+          </a:p>
+        </p:txBody>
+      </p:sp>
+      <p:sp>
+        <p:nvSpPr>
+          <p:cNvPr id="9" name="Slide Number Placeholder 8">
+            <a:extLst>
+              <a:ext uri="{FF2B5EF4-FFF2-40B4-BE49-F238E27FC236}">
+                <a16:creationId xmlns:a16="http://schemas.microsoft.com/office/drawing/2014/main" id="{3DC18789-22EF-E98A-70A5-43762B23ED06}"/>
+              </a:ext>
+            </a:extLst>
+          </p:cNvPr>
+          <p:cNvSpPr>
+            <a:spLocks noGrp="1"/>
+          </p:cNvSpPr>
+          <p:nvPr>
+            <p:ph type="sldNum" sz="quarter" idx="12"/>
+          </p:nvPr>
+        </p:nvSpPr>
+        <p:spPr/>
+        <p:txBody>
+          <a:bodyPr/>
+          <a:lstStyle/>
+          <a:p>
+            <a:r>
+              <a:rPr lang="ru-RU" dirty="0"/>
+              <a:t>4</a:t>
+            </a:r>
+            <a:r>
+              <a:rPr lang="en-US" dirty="0"/>
+              <a:t> </a:t>
+            </a:r>
+            <a:r>
+              <a:rPr lang="ru-RU" dirty="0"/>
+              <a:t>из 11</a:t>
             </a:r>
           </a:p>
         </p:txBody>
@@ -5926,6 +6395,42 @@
           </a:prstGeom>
         </p:spPr>
       </p:pic>
+      <p:sp>
+        <p:nvSpPr>
+          <p:cNvPr id="7" name="Slide Number Placeholder 6">
+            <a:extLst>
+              <a:ext uri="{FF2B5EF4-FFF2-40B4-BE49-F238E27FC236}">
+                <a16:creationId xmlns:a16="http://schemas.microsoft.com/office/drawing/2014/main" id="{AE00619F-8141-9110-EEFE-761B656667C1}"/>
+              </a:ext>
+            </a:extLst>
+          </p:cNvPr>
+          <p:cNvSpPr>
+            <a:spLocks noGrp="1"/>
+          </p:cNvSpPr>
+          <p:nvPr>
+            <p:ph type="sldNum" sz="quarter" idx="12"/>
+          </p:nvPr>
+        </p:nvSpPr>
+        <p:spPr/>
+        <p:txBody>
+          <a:bodyPr/>
+          <a:lstStyle/>
+          <a:p>
+            <a:r>
+              <a:rPr lang="ru-RU" dirty="0"/>
+              <a:t>5</a:t>
+            </a:r>
+            <a:r>
+              <a:rPr lang="en-US" dirty="0"/>
+              <a:t> </a:t>
+            </a:r>
+            <a:r>
+              <a:rPr lang="ru-RU" dirty="0"/>
+              <a:t>из 11</a:t>
+            </a:r>
+          </a:p>
+        </p:txBody>
+      </p:sp>
     </p:spTree>
     <p:extLst>
       <p:ext uri="{BB962C8B-B14F-4D97-AF65-F5344CB8AC3E}">
@@ -6302,6 +6807,42 @@
           </a:p>
         </p:txBody>
       </p:sp>
+      <p:sp>
+        <p:nvSpPr>
+          <p:cNvPr id="11" name="Slide Number Placeholder 10">
+            <a:extLst>
+              <a:ext uri="{FF2B5EF4-FFF2-40B4-BE49-F238E27FC236}">
+                <a16:creationId xmlns:a16="http://schemas.microsoft.com/office/drawing/2014/main" id="{2B1FCB4A-7493-1AAB-AE97-0985C175FDD1}"/>
+              </a:ext>
+            </a:extLst>
+          </p:cNvPr>
+          <p:cNvSpPr>
+            <a:spLocks noGrp="1"/>
+          </p:cNvSpPr>
+          <p:nvPr>
+            <p:ph type="sldNum" sz="quarter" idx="12"/>
+          </p:nvPr>
+        </p:nvSpPr>
+        <p:spPr/>
+        <p:txBody>
+          <a:bodyPr/>
+          <a:lstStyle/>
+          <a:p>
+            <a:r>
+              <a:rPr lang="ru-RU" dirty="0"/>
+              <a:t>6</a:t>
+            </a:r>
+            <a:r>
+              <a:rPr lang="en-US" dirty="0"/>
+              <a:t> </a:t>
+            </a:r>
+            <a:r>
+              <a:rPr lang="ru-RU" dirty="0"/>
+              <a:t>из 11</a:t>
+            </a:r>
+          </a:p>
+        </p:txBody>
+      </p:sp>
     </p:spTree>
     <p:extLst>
       <p:ext uri="{BB962C8B-B14F-4D97-AF65-F5344CB8AC3E}">
@@ -6654,6 +7195,34 @@
           </a:p>
         </p:txBody>
       </p:sp>
+      <p:sp>
+        <p:nvSpPr>
+          <p:cNvPr id="11" name="Slide Number Placeholder 10">
+            <a:extLst>
+              <a:ext uri="{FF2B5EF4-FFF2-40B4-BE49-F238E27FC236}">
+                <a16:creationId xmlns:a16="http://schemas.microsoft.com/office/drawing/2014/main" id="{525E808E-1F6F-3E35-BC3D-73BAAEB0AB6D}"/>
+              </a:ext>
+            </a:extLst>
+          </p:cNvPr>
+          <p:cNvSpPr>
+            <a:spLocks noGrp="1"/>
+          </p:cNvSpPr>
+          <p:nvPr>
+            <p:ph type="sldNum" sz="quarter" idx="12"/>
+          </p:nvPr>
+        </p:nvSpPr>
+        <p:spPr/>
+        <p:txBody>
+          <a:bodyPr/>
+          <a:lstStyle/>
+          <a:p>
+            <a:r>
+              <a:rPr lang="ru-RU" dirty="0"/>
+              <a:t>7 из 11</a:t>
+            </a:r>
+          </a:p>
+        </p:txBody>
+      </p:sp>
     </p:spTree>
     <p:extLst>
       <p:ext uri="{BB962C8B-B14F-4D97-AF65-F5344CB8AC3E}">
@@ -6979,6 +7548,42 @@
           </a:p>
         </p:txBody>
       </p:sp>
+      <p:sp>
+        <p:nvSpPr>
+          <p:cNvPr id="7" name="Slide Number Placeholder 6">
+            <a:extLst>
+              <a:ext uri="{FF2B5EF4-FFF2-40B4-BE49-F238E27FC236}">
+                <a16:creationId xmlns:a16="http://schemas.microsoft.com/office/drawing/2014/main" id="{382CD600-B61D-1819-E930-45C37FC6435E}"/>
+              </a:ext>
+            </a:extLst>
+          </p:cNvPr>
+          <p:cNvSpPr>
+            <a:spLocks noGrp="1"/>
+          </p:cNvSpPr>
+          <p:nvPr>
+            <p:ph type="sldNum" sz="quarter" idx="12"/>
+          </p:nvPr>
+        </p:nvSpPr>
+        <p:spPr/>
+        <p:txBody>
+          <a:bodyPr/>
+          <a:lstStyle/>
+          <a:p>
+            <a:r>
+              <a:rPr lang="ru-RU" dirty="0"/>
+              <a:t>8</a:t>
+            </a:r>
+            <a:r>
+              <a:rPr lang="en-US" dirty="0"/>
+              <a:t> </a:t>
+            </a:r>
+            <a:r>
+              <a:rPr lang="ru-RU" dirty="0"/>
+              <a:t>из 11</a:t>
+            </a:r>
+          </a:p>
+        </p:txBody>
+      </p:sp>
     </p:spTree>
     <p:extLst>
       <p:ext uri="{BB962C8B-B14F-4D97-AF65-F5344CB8AC3E}">
@@ -7124,6 +7729,42 @@
             <a:r>
               <a:rPr lang="ru-RU" sz="2400" dirty="0"/>
               <a:t>Библиотека предоставляет возможность</a:t>
+            </a:r>
+          </a:p>
+        </p:txBody>
+      </p:sp>
+      <p:sp>
+        <p:nvSpPr>
+          <p:cNvPr id="7" name="Slide Number Placeholder 6">
+            <a:extLst>
+              <a:ext uri="{FF2B5EF4-FFF2-40B4-BE49-F238E27FC236}">
+                <a16:creationId xmlns:a16="http://schemas.microsoft.com/office/drawing/2014/main" id="{C3E577B0-60C9-583B-8A59-946E93078F1E}"/>
+              </a:ext>
+            </a:extLst>
+          </p:cNvPr>
+          <p:cNvSpPr>
+            <a:spLocks noGrp="1"/>
+          </p:cNvSpPr>
+          <p:nvPr>
+            <p:ph type="sldNum" sz="quarter" idx="12"/>
+          </p:nvPr>
+        </p:nvSpPr>
+        <p:spPr/>
+        <p:txBody>
+          <a:bodyPr/>
+          <a:lstStyle/>
+          <a:p>
+            <a:r>
+              <a:rPr lang="ru-RU" dirty="0"/>
+              <a:t>9</a:t>
+            </a:r>
+            <a:r>
+              <a:rPr lang="en-US" dirty="0"/>
+              <a:t> </a:t>
+            </a:r>
+            <a:r>
+              <a:rPr lang="ru-RU" dirty="0"/>
+              <a:t>из 11</a:t>
             </a:r>
           </a:p>
         </p:txBody>

--- a/Презентация диплома.pptx
+++ b/Презентация диплома.pptx
@@ -5,23 +5,24 @@
     <p:sldMasterId id="2147483770" r:id="rId1"/>
   </p:sldMasterIdLst>
   <p:notesMasterIdLst>
-    <p:notesMasterId r:id="rId13"/>
+    <p:notesMasterId r:id="rId14"/>
   </p:notesMasterIdLst>
   <p:handoutMasterIdLst>
-    <p:handoutMasterId r:id="rId14"/>
+    <p:handoutMasterId r:id="rId15"/>
   </p:handoutMasterIdLst>
   <p:sldIdLst>
     <p:sldId id="256" r:id="rId2"/>
     <p:sldId id="270" r:id="rId3"/>
-    <p:sldId id="280" r:id="rId4"/>
-    <p:sldId id="267" r:id="rId5"/>
+    <p:sldId id="267" r:id="rId4"/>
+    <p:sldId id="280" r:id="rId5"/>
     <p:sldId id="282" r:id="rId6"/>
     <p:sldId id="283" r:id="rId7"/>
     <p:sldId id="284" r:id="rId8"/>
     <p:sldId id="285" r:id="rId9"/>
     <p:sldId id="278" r:id="rId10"/>
-    <p:sldId id="281" r:id="rId11"/>
-    <p:sldId id="279" r:id="rId12"/>
+    <p:sldId id="286" r:id="rId11"/>
+    <p:sldId id="287" r:id="rId12"/>
+    <p:sldId id="279" r:id="rId13"/>
   </p:sldIdLst>
   <p:sldSz cx="9144000" cy="6858000" type="screen4x3"/>
   <p:notesSz cx="6858000" cy="9144000"/>
@@ -746,7 +747,7 @@
         <p:cNvPr id="1" name="">
           <a:extLst>
             <a:ext uri="{FF2B5EF4-FFF2-40B4-BE49-F238E27FC236}">
-              <a16:creationId xmlns:a16="http://schemas.microsoft.com/office/drawing/2014/main" id="{D1E39B31-728E-B2FF-C00B-019237CE74D8}"/>
+              <a16:creationId xmlns:a16="http://schemas.microsoft.com/office/drawing/2014/main" id="{93A3B268-F4BB-93CA-AEF4-D2B8F2841BA4}"/>
             </a:ext>
           </a:extLst>
         </p:cNvPr>
@@ -763,10 +764,10 @@
       </p:grpSpPr>
       <p:sp>
         <p:nvSpPr>
-          <p:cNvPr id="2" name="Образ слайда 1">
+          <p:cNvPr id="2" name="Slide Image Placeholder 1">
             <a:extLst>
               <a:ext uri="{FF2B5EF4-FFF2-40B4-BE49-F238E27FC236}">
-                <a16:creationId xmlns:a16="http://schemas.microsoft.com/office/drawing/2014/main" id="{CFDFBBAD-F303-C016-9588-312AD5F87EAC}"/>
+                <a16:creationId xmlns:a16="http://schemas.microsoft.com/office/drawing/2014/main" id="{42B8CF6D-09DF-EEB2-EA78-950A6A7A6663}"/>
               </a:ext>
             </a:extLst>
           </p:cNvPr>
@@ -786,10 +787,10 @@
       </p:sp>
       <p:sp>
         <p:nvSpPr>
-          <p:cNvPr id="3" name="Заметки 2">
+          <p:cNvPr id="3" name="Notes Placeholder 2">
             <a:extLst>
               <a:ext uri="{FF2B5EF4-FFF2-40B4-BE49-F238E27FC236}">
-                <a16:creationId xmlns:a16="http://schemas.microsoft.com/office/drawing/2014/main" id="{C53DD653-9208-97BC-0D4E-D37D6232370E}"/>
+                <a16:creationId xmlns:a16="http://schemas.microsoft.com/office/drawing/2014/main" id="{ACF971B9-DB1F-5A7C-8259-040CA59C2A8C}"/>
               </a:ext>
             </a:extLst>
           </p:cNvPr>
@@ -805,14 +806,14 @@
           <a:bodyPr/>
           <a:lstStyle/>
           <a:p>
-            <a:endParaRPr lang="ru-RU"/>
+            <a:endParaRPr lang="en-RU" dirty="0"/>
           </a:p>
         </p:txBody>
       </p:sp>
     </p:spTree>
     <p:extLst>
       <p:ext uri="{BB962C8B-B14F-4D97-AF65-F5344CB8AC3E}">
-        <p14:creationId xmlns:p14="http://schemas.microsoft.com/office/powerpoint/2010/main" val="1704070256"/>
+        <p14:creationId xmlns:p14="http://schemas.microsoft.com/office/powerpoint/2010/main" val="3130025656"/>
       </p:ext>
     </p:extLst>
   </p:cSld>
@@ -823,6 +824,90 @@
 </file>
 
 <file path=ppt/notesSlides/notesSlide11.xml><?xml version="1.0" encoding="utf-8"?>
+<p:notes xmlns:a="http://schemas.openxmlformats.org/drawingml/2006/main" xmlns:r="http://schemas.openxmlformats.org/officeDocument/2006/relationships" xmlns:p="http://schemas.openxmlformats.org/presentationml/2006/main">
+  <p:cSld>
+    <p:spTree>
+      <p:nvGrpSpPr>
+        <p:cNvPr id="1" name="">
+          <a:extLst>
+            <a:ext uri="{FF2B5EF4-FFF2-40B4-BE49-F238E27FC236}">
+              <a16:creationId xmlns:a16="http://schemas.microsoft.com/office/drawing/2014/main" id="{EF3EAA20-F89A-2EA6-2A97-17D78BCDE23D}"/>
+            </a:ext>
+          </a:extLst>
+        </p:cNvPr>
+        <p:cNvGrpSpPr/>
+        <p:nvPr/>
+      </p:nvGrpSpPr>
+      <p:grpSpPr>
+        <a:xfrm>
+          <a:off x="0" y="0"/>
+          <a:ext cx="0" cy="0"/>
+          <a:chOff x="0" y="0"/>
+          <a:chExt cx="0" cy="0"/>
+        </a:xfrm>
+      </p:grpSpPr>
+      <p:sp>
+        <p:nvSpPr>
+          <p:cNvPr id="2" name="Slide Image Placeholder 1">
+            <a:extLst>
+              <a:ext uri="{FF2B5EF4-FFF2-40B4-BE49-F238E27FC236}">
+                <a16:creationId xmlns:a16="http://schemas.microsoft.com/office/drawing/2014/main" id="{AB147D29-A323-18FE-9F78-3449AB24857B}"/>
+              </a:ext>
+            </a:extLst>
+          </p:cNvPr>
+          <p:cNvSpPr>
+            <a:spLocks noGrp="1" noRot="1" noChangeAspect="1"/>
+          </p:cNvSpPr>
+          <p:nvPr>
+            <p:ph type="sldImg"/>
+          </p:nvPr>
+        </p:nvSpPr>
+        <p:spPr>
+          <a:xfrm>
+            <a:off x="1371600" y="1143000"/>
+            <a:ext cx="4114800" cy="3086100"/>
+          </a:xfrm>
+        </p:spPr>
+      </p:sp>
+      <p:sp>
+        <p:nvSpPr>
+          <p:cNvPr id="3" name="Notes Placeholder 2">
+            <a:extLst>
+              <a:ext uri="{FF2B5EF4-FFF2-40B4-BE49-F238E27FC236}">
+                <a16:creationId xmlns:a16="http://schemas.microsoft.com/office/drawing/2014/main" id="{1DB22318-CAAB-4475-A580-55AD8D864BD3}"/>
+              </a:ext>
+            </a:extLst>
+          </p:cNvPr>
+          <p:cNvSpPr>
+            <a:spLocks noGrp="1"/>
+          </p:cNvSpPr>
+          <p:nvPr>
+            <p:ph type="body" idx="1"/>
+          </p:nvPr>
+        </p:nvSpPr>
+        <p:spPr/>
+        <p:txBody>
+          <a:bodyPr/>
+          <a:lstStyle/>
+          <a:p>
+            <a:endParaRPr lang="en-RU" dirty="0"/>
+          </a:p>
+        </p:txBody>
+      </p:sp>
+    </p:spTree>
+    <p:extLst>
+      <p:ext uri="{BB962C8B-B14F-4D97-AF65-F5344CB8AC3E}">
+        <p14:creationId xmlns:p14="http://schemas.microsoft.com/office/powerpoint/2010/main" val="2921865165"/>
+      </p:ext>
+    </p:extLst>
+  </p:cSld>
+  <p:clrMapOvr>
+    <a:masterClrMapping/>
+  </p:clrMapOvr>
+</p:notes>
+</file>
+
+<file path=ppt/notesSlides/notesSlide12.xml><?xml version="1.0" encoding="utf-8"?>
 <p:notes xmlns:a="http://schemas.openxmlformats.org/drawingml/2006/main" xmlns:r="http://schemas.openxmlformats.org/officeDocument/2006/relationships" xmlns:p="http://schemas.openxmlformats.org/presentationml/2006/main">
   <p:cSld>
     <p:spTree>
@@ -959,6 +1044,72 @@
   <p:cSld>
     <p:spTree>
       <p:nvGrpSpPr>
+        <p:cNvPr id="1" name=""/>
+        <p:cNvGrpSpPr/>
+        <p:nvPr/>
+      </p:nvGrpSpPr>
+      <p:grpSpPr>
+        <a:xfrm>
+          <a:off x="0" y="0"/>
+          <a:ext cx="0" cy="0"/>
+          <a:chOff x="0" y="0"/>
+          <a:chExt cx="0" cy="0"/>
+        </a:xfrm>
+      </p:grpSpPr>
+      <p:sp>
+        <p:nvSpPr>
+          <p:cNvPr id="2" name="Образ слайда 1"/>
+          <p:cNvSpPr>
+            <a:spLocks noGrp="1" noRot="1" noChangeAspect="1"/>
+          </p:cNvSpPr>
+          <p:nvPr>
+            <p:ph type="sldImg"/>
+          </p:nvPr>
+        </p:nvSpPr>
+        <p:spPr>
+          <a:xfrm>
+            <a:off x="1371600" y="1143000"/>
+            <a:ext cx="4114800" cy="3086100"/>
+          </a:xfrm>
+        </p:spPr>
+      </p:sp>
+      <p:sp>
+        <p:nvSpPr>
+          <p:cNvPr id="3" name="Заметки 2"/>
+          <p:cNvSpPr>
+            <a:spLocks noGrp="1"/>
+          </p:cNvSpPr>
+          <p:nvPr>
+            <p:ph type="body" idx="1"/>
+          </p:nvPr>
+        </p:nvSpPr>
+        <p:spPr/>
+        <p:txBody>
+          <a:bodyPr/>
+          <a:lstStyle/>
+          <a:p>
+            <a:endParaRPr lang="ru-RU"/>
+          </a:p>
+        </p:txBody>
+      </p:sp>
+    </p:spTree>
+    <p:extLst>
+      <p:ext uri="{BB962C8B-B14F-4D97-AF65-F5344CB8AC3E}">
+        <p14:creationId xmlns:p14="http://schemas.microsoft.com/office/powerpoint/2010/main" val="3161344895"/>
+      </p:ext>
+    </p:extLst>
+  </p:cSld>
+  <p:clrMapOvr>
+    <a:masterClrMapping/>
+  </p:clrMapOvr>
+</p:notes>
+</file>
+
+<file path=ppt/notesSlides/notesSlide4.xml><?xml version="1.0" encoding="utf-8"?>
+<p:notes xmlns:a="http://schemas.openxmlformats.org/drawingml/2006/main" xmlns:r="http://schemas.openxmlformats.org/officeDocument/2006/relationships" xmlns:p="http://schemas.openxmlformats.org/presentationml/2006/main">
+  <p:cSld>
+    <p:spTree>
+      <p:nvGrpSpPr>
         <p:cNvPr id="1" name="">
           <a:extLst>
             <a:ext uri="{FF2B5EF4-FFF2-40B4-BE49-F238E27FC236}">
@@ -1029,72 +1180,6 @@
     <p:extLst>
       <p:ext uri="{BB962C8B-B14F-4D97-AF65-F5344CB8AC3E}">
         <p14:creationId xmlns:p14="http://schemas.microsoft.com/office/powerpoint/2010/main" val="702408159"/>
-      </p:ext>
-    </p:extLst>
-  </p:cSld>
-  <p:clrMapOvr>
-    <a:masterClrMapping/>
-  </p:clrMapOvr>
-</p:notes>
-</file>
-
-<file path=ppt/notesSlides/notesSlide4.xml><?xml version="1.0" encoding="utf-8"?>
-<p:notes xmlns:a="http://schemas.openxmlformats.org/drawingml/2006/main" xmlns:r="http://schemas.openxmlformats.org/officeDocument/2006/relationships" xmlns:p="http://schemas.openxmlformats.org/presentationml/2006/main">
-  <p:cSld>
-    <p:spTree>
-      <p:nvGrpSpPr>
-        <p:cNvPr id="1" name=""/>
-        <p:cNvGrpSpPr/>
-        <p:nvPr/>
-      </p:nvGrpSpPr>
-      <p:grpSpPr>
-        <a:xfrm>
-          <a:off x="0" y="0"/>
-          <a:ext cx="0" cy="0"/>
-          <a:chOff x="0" y="0"/>
-          <a:chExt cx="0" cy="0"/>
-        </a:xfrm>
-      </p:grpSpPr>
-      <p:sp>
-        <p:nvSpPr>
-          <p:cNvPr id="2" name="Образ слайда 1"/>
-          <p:cNvSpPr>
-            <a:spLocks noGrp="1" noRot="1" noChangeAspect="1"/>
-          </p:cNvSpPr>
-          <p:nvPr>
-            <p:ph type="sldImg"/>
-          </p:nvPr>
-        </p:nvSpPr>
-        <p:spPr>
-          <a:xfrm>
-            <a:off x="1371600" y="1143000"/>
-            <a:ext cx="4114800" cy="3086100"/>
-          </a:xfrm>
-        </p:spPr>
-      </p:sp>
-      <p:sp>
-        <p:nvSpPr>
-          <p:cNvPr id="3" name="Заметки 2"/>
-          <p:cNvSpPr>
-            <a:spLocks noGrp="1"/>
-          </p:cNvSpPr>
-          <p:nvPr>
-            <p:ph type="body" idx="1"/>
-          </p:nvPr>
-        </p:nvSpPr>
-        <p:spPr/>
-        <p:txBody>
-          <a:bodyPr/>
-          <a:lstStyle/>
-          <a:p>
-            <a:endParaRPr lang="ru-RU"/>
-          </a:p>
-        </p:txBody>
-      </p:sp>
-    </p:spTree>
-    <p:extLst>
-      <p:ext uri="{BB962C8B-B14F-4D97-AF65-F5344CB8AC3E}">
-        <p14:creationId xmlns:p14="http://schemas.microsoft.com/office/powerpoint/2010/main" val="3161344895"/>
       </p:ext>
     </p:extLst>
   </p:cSld>
@@ -5202,7 +5287,7 @@
         <p:cNvPr id="1" name="">
           <a:extLst>
             <a:ext uri="{FF2B5EF4-FFF2-40B4-BE49-F238E27FC236}">
-              <a16:creationId xmlns:a16="http://schemas.microsoft.com/office/drawing/2014/main" id="{18E94CB3-602F-082F-7FAB-AA6BDE729D76}"/>
+              <a16:creationId xmlns:a16="http://schemas.microsoft.com/office/drawing/2014/main" id="{02A31213-0A19-1E21-0B30-E1CF82EF3CF9}"/>
             </a:ext>
           </a:extLst>
         </p:cNvPr>
@@ -5219,10 +5304,10 @@
       </p:grpSpPr>
       <p:sp>
         <p:nvSpPr>
-          <p:cNvPr id="3" name="TextBox 2">
+          <p:cNvPr id="13" name="TextBox 12">
             <a:extLst>
               <a:ext uri="{FF2B5EF4-FFF2-40B4-BE49-F238E27FC236}">
-                <a16:creationId xmlns:a16="http://schemas.microsoft.com/office/drawing/2014/main" id="{5221CE7F-0452-D672-DB88-BE8B4EC7F2F4}"/>
+                <a16:creationId xmlns:a16="http://schemas.microsoft.com/office/drawing/2014/main" id="{AED85588-76E1-D810-A1DA-78A8333C8DD0}"/>
               </a:ext>
             </a:extLst>
           </p:cNvPr>
@@ -5231,8 +5316,8 @@
         </p:nvSpPr>
         <p:spPr>
           <a:xfrm>
-            <a:off x="332526" y="1210582"/>
-            <a:ext cx="2540741" cy="4218032"/>
+            <a:off x="805491" y="271665"/>
+            <a:ext cx="7533017" cy="658297"/>
           </a:xfrm>
           <a:prstGeom prst="rect">
             <a:avLst/>
@@ -5267,17 +5352,197 @@
             <a:pPr algn="ctr"/>
             <a:r>
               <a:rPr lang="ru-RU" sz="2400" dirty="0"/>
-              <a:t>Примеры инструментов рисования в библиотеке</a:t>
-            </a:r>
+              <a:t>Инструменты рисования в библиотеке</a:t>
+            </a:r>
+          </a:p>
+        </p:txBody>
+      </p:sp>
+      <p:sp>
+        <p:nvSpPr>
+          <p:cNvPr id="7" name="Slide Number Placeholder 6">
+            <a:extLst>
+              <a:ext uri="{FF2B5EF4-FFF2-40B4-BE49-F238E27FC236}">
+                <a16:creationId xmlns:a16="http://schemas.microsoft.com/office/drawing/2014/main" id="{BDF68D98-30F5-6C5C-E376-8BEF10CA6CCF}"/>
+              </a:ext>
+            </a:extLst>
+          </p:cNvPr>
+          <p:cNvSpPr>
+            <a:spLocks noGrp="1"/>
+          </p:cNvSpPr>
+          <p:nvPr>
+            <p:ph type="sldNum" sz="quarter" idx="12"/>
+          </p:nvPr>
+        </p:nvSpPr>
+        <p:spPr/>
+        <p:txBody>
+          <a:bodyPr/>
+          <a:lstStyle/>
+          <a:p>
+            <a:r>
+              <a:rPr lang="ru-RU" dirty="0"/>
+              <a:t>10</a:t>
+            </a:r>
+            <a:r>
+              <a:rPr lang="en-US" dirty="0"/>
+              <a:t> </a:t>
+            </a:r>
+            <a:r>
+              <a:rPr lang="ru-RU" dirty="0"/>
+              <a:t>из 11</a:t>
+            </a:r>
+          </a:p>
+        </p:txBody>
+      </p:sp>
+      <p:sp>
+        <p:nvSpPr>
+          <p:cNvPr id="3" name="TextBox 2">
+            <a:extLst>
+              <a:ext uri="{FF2B5EF4-FFF2-40B4-BE49-F238E27FC236}">
+                <a16:creationId xmlns:a16="http://schemas.microsoft.com/office/drawing/2014/main" id="{44B2A1D0-6DAA-C347-B6D8-941BB2847F68}"/>
+              </a:ext>
+            </a:extLst>
+          </p:cNvPr>
+          <p:cNvSpPr txBox="1"/>
+          <p:nvPr/>
+        </p:nvSpPr>
+        <p:spPr>
+          <a:xfrm>
+            <a:off x="1033246" y="2886369"/>
+            <a:ext cx="2589534" cy="307777"/>
+          </a:xfrm>
+          <a:prstGeom prst="rect">
+            <a:avLst/>
+          </a:prstGeom>
+          <a:noFill/>
+        </p:spPr>
+        <p:txBody>
+          <a:bodyPr wrap="square" rtlCol="0">
+            <a:spAutoFit/>
+          </a:bodyPr>
+          <a:lstStyle/>
+          <a:p>
+            <a:r>
+              <a:rPr lang="ru-RU" sz="1400" dirty="0"/>
+              <a:t>Прямоугольник</a:t>
+            </a:r>
+            <a:endParaRPr lang="en-RU" sz="1400" dirty="0"/>
+          </a:p>
+        </p:txBody>
+      </p:sp>
+      <p:sp>
+        <p:nvSpPr>
+          <p:cNvPr id="5" name="TextBox 4">
+            <a:extLst>
+              <a:ext uri="{FF2B5EF4-FFF2-40B4-BE49-F238E27FC236}">
+                <a16:creationId xmlns:a16="http://schemas.microsoft.com/office/drawing/2014/main" id="{519AA535-18C7-35D1-0FD8-03F7DA7F3C2D}"/>
+              </a:ext>
+            </a:extLst>
+          </p:cNvPr>
+          <p:cNvSpPr txBox="1"/>
+          <p:nvPr/>
+        </p:nvSpPr>
+        <p:spPr>
+          <a:xfrm>
+            <a:off x="4696954" y="3031961"/>
+            <a:ext cx="2654586" cy="307777"/>
+          </a:xfrm>
+          <a:prstGeom prst="rect">
+            <a:avLst/>
+          </a:prstGeom>
+          <a:noFill/>
+        </p:spPr>
+        <p:txBody>
+          <a:bodyPr wrap="square" rtlCol="0">
+            <a:spAutoFit/>
+          </a:bodyPr>
+          <a:lstStyle/>
+          <a:p>
+            <a:r>
+              <a:rPr lang="ru-RU" sz="1400" dirty="0"/>
+              <a:t>Треугольник</a:t>
+            </a:r>
+            <a:endParaRPr lang="en-RU" sz="1400" dirty="0"/>
+          </a:p>
+        </p:txBody>
+      </p:sp>
+      <p:sp>
+        <p:nvSpPr>
+          <p:cNvPr id="8" name="TextBox 7">
+            <a:extLst>
+              <a:ext uri="{FF2B5EF4-FFF2-40B4-BE49-F238E27FC236}">
+                <a16:creationId xmlns:a16="http://schemas.microsoft.com/office/drawing/2014/main" id="{DB404271-9D9C-1639-30F3-0928B8068C67}"/>
+              </a:ext>
+            </a:extLst>
+          </p:cNvPr>
+          <p:cNvSpPr txBox="1"/>
+          <p:nvPr/>
+        </p:nvSpPr>
+        <p:spPr>
+          <a:xfrm>
+            <a:off x="1033246" y="5052870"/>
+            <a:ext cx="2654586" cy="307777"/>
+          </a:xfrm>
+          <a:prstGeom prst="rect">
+            <a:avLst/>
+          </a:prstGeom>
+          <a:noFill/>
+        </p:spPr>
+        <p:txBody>
+          <a:bodyPr wrap="square" rtlCol="0">
+            <a:spAutoFit/>
+          </a:bodyPr>
+          <a:lstStyle/>
+          <a:p>
+            <a:r>
+              <a:rPr lang="ru-RU" sz="1400" dirty="0"/>
+              <a:t>Кривая</a:t>
+            </a:r>
+            <a:endParaRPr lang="en-RU" sz="1400" dirty="0"/>
+          </a:p>
+        </p:txBody>
+      </p:sp>
+      <p:sp>
+        <p:nvSpPr>
+          <p:cNvPr id="15" name="TextBox 14">
+            <a:extLst>
+              <a:ext uri="{FF2B5EF4-FFF2-40B4-BE49-F238E27FC236}">
+                <a16:creationId xmlns:a16="http://schemas.microsoft.com/office/drawing/2014/main" id="{190E9B06-471A-7292-80FB-7725040421AA}"/>
+              </a:ext>
+            </a:extLst>
+          </p:cNvPr>
+          <p:cNvSpPr txBox="1"/>
+          <p:nvPr/>
+        </p:nvSpPr>
+        <p:spPr>
+          <a:xfrm>
+            <a:off x="4696954" y="5173662"/>
+            <a:ext cx="2654586" cy="307777"/>
+          </a:xfrm>
+          <a:prstGeom prst="rect">
+            <a:avLst/>
+          </a:prstGeom>
+          <a:noFill/>
+        </p:spPr>
+        <p:txBody>
+          <a:bodyPr wrap="square" rtlCol="0">
+            <a:spAutoFit/>
+          </a:bodyPr>
+          <a:lstStyle/>
+          <a:p>
+            <a:r>
+              <a:rPr lang="ru-RU" sz="1400" dirty="0"/>
+              <a:t>Ломаная</a:t>
+            </a:r>
+            <a:endParaRPr lang="en-RU" sz="1400" dirty="0"/>
           </a:p>
         </p:txBody>
       </p:sp>
       <p:pic>
         <p:nvPicPr>
-          <p:cNvPr id="4" name="Picture 3">
+          <p:cNvPr id="9" name="Picture 8">
             <a:extLst>
               <a:ext uri="{FF2B5EF4-FFF2-40B4-BE49-F238E27FC236}">
-                <a16:creationId xmlns:a16="http://schemas.microsoft.com/office/drawing/2014/main" id="{4B5C91C6-2CA0-A6BF-36EC-250CEE355E19}"/>
+                <a16:creationId xmlns:a16="http://schemas.microsoft.com/office/drawing/2014/main" id="{0E1F758F-4072-D1DD-731A-4C16F5DDECFC}"/>
               </a:ext>
             </a:extLst>
           </p:cNvPr>
@@ -5287,67 +5552,115 @@
           <p:nvPr/>
         </p:nvPicPr>
         <p:blipFill>
-          <a:blip r:embed="rId3" cstate="print">
-            <a:extLst>
-              <a:ext uri="{28A0092B-C50C-407E-A947-70E740481C1C}">
-                <a14:useLocalDpi xmlns:a14="http://schemas.microsoft.com/office/drawing/2010/main" val="0"/>
-              </a:ext>
-            </a:extLst>
-          </a:blip>
+          <a:blip r:embed="rId3"/>
           <a:stretch>
             <a:fillRect/>
           </a:stretch>
         </p:blipFill>
         <p:spPr>
           <a:xfrm>
-            <a:off x="3550474" y="1210584"/>
-            <a:ext cx="5261003" cy="4218032"/>
+            <a:off x="1033246" y="1206520"/>
+            <a:ext cx="1813649" cy="1610395"/>
           </a:xfrm>
           <a:prstGeom prst="rect">
             <a:avLst/>
           </a:prstGeom>
         </p:spPr>
       </p:pic>
-      <p:sp>
-        <p:nvSpPr>
-          <p:cNvPr id="10" name="Slide Number Placeholder 9">
+      <p:pic>
+        <p:nvPicPr>
+          <p:cNvPr id="11" name="Picture 10">
             <a:extLst>
               <a:ext uri="{FF2B5EF4-FFF2-40B4-BE49-F238E27FC236}">
-                <a16:creationId xmlns:a16="http://schemas.microsoft.com/office/drawing/2014/main" id="{4FAD3E94-34C3-B58A-50C9-92640B507310}"/>
+                <a16:creationId xmlns:a16="http://schemas.microsoft.com/office/drawing/2014/main" id="{03BA0494-505C-272C-A0F8-41F8EBAD4CA3}"/>
               </a:ext>
             </a:extLst>
           </p:cNvPr>
-          <p:cNvSpPr>
-            <a:spLocks noGrp="1"/>
-          </p:cNvSpPr>
-          <p:nvPr>
-            <p:ph type="sldNum" sz="quarter" idx="12"/>
-          </p:nvPr>
-        </p:nvSpPr>
-        <p:spPr/>
-        <p:txBody>
-          <a:bodyPr/>
-          <a:lstStyle/>
-          <a:p>
-            <a:r>
-              <a:rPr lang="ru-RU" dirty="0"/>
-              <a:t>10</a:t>
-            </a:r>
-            <a:r>
-              <a:rPr lang="en-US" dirty="0"/>
-              <a:t> </a:t>
-            </a:r>
-            <a:r>
-              <a:rPr lang="ru-RU" dirty="0"/>
-              <a:t>из 11</a:t>
-            </a:r>
-          </a:p>
-        </p:txBody>
-      </p:sp>
+          <p:cNvPicPr>
+            <a:picLocks noChangeAspect="1"/>
+          </p:cNvPicPr>
+          <p:nvPr/>
+        </p:nvPicPr>
+        <p:blipFill>
+          <a:blip r:embed="rId4"/>
+          <a:stretch>
+            <a:fillRect/>
+          </a:stretch>
+        </p:blipFill>
+        <p:spPr>
+          <a:xfrm>
+            <a:off x="4696954" y="1312056"/>
+            <a:ext cx="2046893" cy="1504859"/>
+          </a:xfrm>
+          <a:prstGeom prst="rect">
+            <a:avLst/>
+          </a:prstGeom>
+        </p:spPr>
+      </p:pic>
+      <p:pic>
+        <p:nvPicPr>
+          <p:cNvPr id="12" name="Picture 11">
+            <a:extLst>
+              <a:ext uri="{FF2B5EF4-FFF2-40B4-BE49-F238E27FC236}">
+                <a16:creationId xmlns:a16="http://schemas.microsoft.com/office/drawing/2014/main" id="{D1F3D1A6-0D40-87D7-8811-47252E9D70AC}"/>
+              </a:ext>
+            </a:extLst>
+          </p:cNvPr>
+          <p:cNvPicPr>
+            <a:picLocks noChangeAspect="1"/>
+          </p:cNvPicPr>
+          <p:nvPr/>
+        </p:nvPicPr>
+        <p:blipFill>
+          <a:blip r:embed="rId5"/>
+          <a:stretch>
+            <a:fillRect/>
+          </a:stretch>
+        </p:blipFill>
+        <p:spPr>
+          <a:xfrm>
+            <a:off x="1033246" y="3352268"/>
+            <a:ext cx="2046893" cy="1542480"/>
+          </a:xfrm>
+          <a:prstGeom prst="rect">
+            <a:avLst/>
+          </a:prstGeom>
+        </p:spPr>
+      </p:pic>
+      <p:pic>
+        <p:nvPicPr>
+          <p:cNvPr id="16" name="Picture 15">
+            <a:extLst>
+              <a:ext uri="{FF2B5EF4-FFF2-40B4-BE49-F238E27FC236}">
+                <a16:creationId xmlns:a16="http://schemas.microsoft.com/office/drawing/2014/main" id="{1C1830CF-05F9-038A-90F1-737BC8957C7B}"/>
+              </a:ext>
+            </a:extLst>
+          </p:cNvPr>
+          <p:cNvPicPr>
+            <a:picLocks noChangeAspect="1"/>
+          </p:cNvPicPr>
+          <p:nvPr/>
+        </p:nvPicPr>
+        <p:blipFill>
+          <a:blip r:embed="rId6"/>
+          <a:stretch>
+            <a:fillRect/>
+          </a:stretch>
+        </p:blipFill>
+        <p:spPr>
+          <a:xfrm>
+            <a:off x="4572000" y="3486644"/>
+            <a:ext cx="1943100" cy="1454150"/>
+          </a:xfrm>
+          <a:prstGeom prst="rect">
+            <a:avLst/>
+          </a:prstGeom>
+        </p:spPr>
+      </p:pic>
     </p:spTree>
     <p:extLst>
       <p:ext uri="{BB962C8B-B14F-4D97-AF65-F5344CB8AC3E}">
-        <p14:creationId xmlns:p14="http://schemas.microsoft.com/office/powerpoint/2010/main" val="271189915"/>
+        <p14:creationId xmlns:p14="http://schemas.microsoft.com/office/powerpoint/2010/main" val="1208771640"/>
       </p:ext>
     </p:extLst>
   </p:cSld>
@@ -5358,6 +5671,269 @@
 </file>
 
 <file path=ppt/slides/slide11.xml><?xml version="1.0" encoding="utf-8"?>
+<p:sld xmlns:a="http://schemas.openxmlformats.org/drawingml/2006/main" xmlns:r="http://schemas.openxmlformats.org/officeDocument/2006/relationships" xmlns:p="http://schemas.openxmlformats.org/presentationml/2006/main">
+  <p:cSld>
+    <p:spTree>
+      <p:nvGrpSpPr>
+        <p:cNvPr id="1" name="">
+          <a:extLst>
+            <a:ext uri="{FF2B5EF4-FFF2-40B4-BE49-F238E27FC236}">
+              <a16:creationId xmlns:a16="http://schemas.microsoft.com/office/drawing/2014/main" id="{70E64637-1F05-CC78-1727-06E248FA7503}"/>
+            </a:ext>
+          </a:extLst>
+        </p:cNvPr>
+        <p:cNvGrpSpPr/>
+        <p:nvPr/>
+      </p:nvGrpSpPr>
+      <p:grpSpPr>
+        <a:xfrm>
+          <a:off x="0" y="0"/>
+          <a:ext cx="0" cy="0"/>
+          <a:chOff x="0" y="0"/>
+          <a:chExt cx="0" cy="0"/>
+        </a:xfrm>
+      </p:grpSpPr>
+      <p:sp>
+        <p:nvSpPr>
+          <p:cNvPr id="13" name="TextBox 12">
+            <a:extLst>
+              <a:ext uri="{FF2B5EF4-FFF2-40B4-BE49-F238E27FC236}">
+                <a16:creationId xmlns:a16="http://schemas.microsoft.com/office/drawing/2014/main" id="{D5260124-120D-6EC6-72DE-B15439585AE0}"/>
+              </a:ext>
+            </a:extLst>
+          </p:cNvPr>
+          <p:cNvSpPr txBox="1"/>
+          <p:nvPr/>
+        </p:nvSpPr>
+        <p:spPr>
+          <a:xfrm>
+            <a:off x="805491" y="271665"/>
+            <a:ext cx="7533017" cy="658297"/>
+          </a:xfrm>
+          <a:prstGeom prst="rect">
+            <a:avLst/>
+          </a:prstGeom>
+          <a:solidFill>
+            <a:schemeClr val="accent5"/>
+          </a:solidFill>
+          <a:ln>
+            <a:noFill/>
+          </a:ln>
+        </p:spPr>
+        <p:style>
+          <a:lnRef idx="0">
+            <a:scrgbClr r="0" g="0" b="0"/>
+          </a:lnRef>
+          <a:fillRef idx="0">
+            <a:scrgbClr r="0" g="0" b="0"/>
+          </a:fillRef>
+          <a:effectRef idx="0">
+            <a:scrgbClr r="0" g="0" b="0"/>
+          </a:effectRef>
+          <a:fontRef idx="minor">
+            <a:schemeClr val="lt1"/>
+          </a:fontRef>
+        </p:style>
+        <p:txBody>
+          <a:bodyPr vert="horz" lIns="68580" tIns="34290" rIns="68580" bIns="34290" rtlCol="0" anchor="ctr">
+            <a:normAutofit/>
+          </a:bodyPr>
+          <a:lstStyle/>
+          <a:p>
+            <a:pPr algn="ctr"/>
+            <a:r>
+              <a:rPr lang="ru-RU" sz="2400" dirty="0"/>
+              <a:t>Технические индикаторы</a:t>
+            </a:r>
+          </a:p>
+        </p:txBody>
+      </p:sp>
+      <p:sp>
+        <p:nvSpPr>
+          <p:cNvPr id="7" name="Slide Number Placeholder 6">
+            <a:extLst>
+              <a:ext uri="{FF2B5EF4-FFF2-40B4-BE49-F238E27FC236}">
+                <a16:creationId xmlns:a16="http://schemas.microsoft.com/office/drawing/2014/main" id="{5381B828-DA53-F8F9-C51D-95AF74CFC591}"/>
+              </a:ext>
+            </a:extLst>
+          </p:cNvPr>
+          <p:cNvSpPr>
+            <a:spLocks noGrp="1"/>
+          </p:cNvSpPr>
+          <p:nvPr>
+            <p:ph type="sldNum" sz="quarter" idx="12"/>
+          </p:nvPr>
+        </p:nvSpPr>
+        <p:spPr/>
+        <p:txBody>
+          <a:bodyPr/>
+          <a:lstStyle/>
+          <a:p>
+            <a:r>
+              <a:rPr lang="ru-RU" dirty="0"/>
+              <a:t>1</a:t>
+            </a:r>
+            <a:r>
+              <a:rPr lang="en-US" dirty="0"/>
+              <a:t>1 </a:t>
+            </a:r>
+            <a:r>
+              <a:rPr lang="ru-RU" dirty="0"/>
+              <a:t>из 11</a:t>
+            </a:r>
+          </a:p>
+        </p:txBody>
+      </p:sp>
+      <p:sp>
+        <p:nvSpPr>
+          <p:cNvPr id="3" name="TextBox 2">
+            <a:extLst>
+              <a:ext uri="{FF2B5EF4-FFF2-40B4-BE49-F238E27FC236}">
+                <a16:creationId xmlns:a16="http://schemas.microsoft.com/office/drawing/2014/main" id="{773982D5-A798-4FC6-6DBD-E77B5D34F928}"/>
+              </a:ext>
+            </a:extLst>
+          </p:cNvPr>
+          <p:cNvSpPr txBox="1"/>
+          <p:nvPr/>
+        </p:nvSpPr>
+        <p:spPr>
+          <a:xfrm>
+            <a:off x="3590830" y="3144000"/>
+            <a:ext cx="1985328" cy="307777"/>
+          </a:xfrm>
+          <a:prstGeom prst="rect">
+            <a:avLst/>
+          </a:prstGeom>
+          <a:noFill/>
+        </p:spPr>
+        <p:txBody>
+          <a:bodyPr wrap="square" rtlCol="0">
+            <a:spAutoFit/>
+          </a:bodyPr>
+          <a:lstStyle/>
+          <a:p>
+            <a:r>
+              <a:rPr lang="ru-RU" sz="1400" dirty="0"/>
+              <a:t>Линии </a:t>
+            </a:r>
+            <a:r>
+              <a:rPr lang="ru-RU" sz="1400" dirty="0" err="1"/>
+              <a:t>Боллинджера</a:t>
+            </a:r>
+            <a:endParaRPr lang="en-RU" sz="1400" dirty="0"/>
+          </a:p>
+        </p:txBody>
+      </p:sp>
+      <p:pic>
+        <p:nvPicPr>
+          <p:cNvPr id="2" name="Picture 1">
+            <a:extLst>
+              <a:ext uri="{FF2B5EF4-FFF2-40B4-BE49-F238E27FC236}">
+                <a16:creationId xmlns:a16="http://schemas.microsoft.com/office/drawing/2014/main" id="{B9ECD97E-2AE2-81DC-EDAA-B3D93A342CA9}"/>
+              </a:ext>
+            </a:extLst>
+          </p:cNvPr>
+          <p:cNvPicPr>
+            <a:picLocks noChangeAspect="1"/>
+          </p:cNvPicPr>
+          <p:nvPr/>
+        </p:nvPicPr>
+        <p:blipFill>
+          <a:blip r:embed="rId3"/>
+          <a:stretch>
+            <a:fillRect/>
+          </a:stretch>
+        </p:blipFill>
+        <p:spPr>
+          <a:xfrm>
+            <a:off x="2823124" y="1260921"/>
+            <a:ext cx="3497752" cy="1782871"/>
+          </a:xfrm>
+          <a:prstGeom prst="rect">
+            <a:avLst/>
+          </a:prstGeom>
+        </p:spPr>
+      </p:pic>
+      <p:sp>
+        <p:nvSpPr>
+          <p:cNvPr id="10" name="TextBox 9">
+            <a:extLst>
+              <a:ext uri="{FF2B5EF4-FFF2-40B4-BE49-F238E27FC236}">
+                <a16:creationId xmlns:a16="http://schemas.microsoft.com/office/drawing/2014/main" id="{24B56975-9668-0625-59B5-7E8571D7A327}"/>
+              </a:ext>
+            </a:extLst>
+          </p:cNvPr>
+          <p:cNvSpPr txBox="1"/>
+          <p:nvPr/>
+        </p:nvSpPr>
+        <p:spPr>
+          <a:xfrm>
+            <a:off x="3590830" y="5435064"/>
+            <a:ext cx="1985328" cy="307777"/>
+          </a:xfrm>
+          <a:prstGeom prst="rect">
+            <a:avLst/>
+          </a:prstGeom>
+          <a:noFill/>
+        </p:spPr>
+        <p:txBody>
+          <a:bodyPr wrap="square" rtlCol="0">
+            <a:spAutoFit/>
+          </a:bodyPr>
+          <a:lstStyle/>
+          <a:p>
+            <a:r>
+              <a:rPr lang="ru-RU" sz="1400" dirty="0"/>
+              <a:t>Скользящее среднее</a:t>
+            </a:r>
+            <a:endParaRPr lang="en-RU" sz="1400" dirty="0"/>
+          </a:p>
+        </p:txBody>
+      </p:sp>
+      <p:pic>
+        <p:nvPicPr>
+          <p:cNvPr id="17" name="Picture 16">
+            <a:extLst>
+              <a:ext uri="{FF2B5EF4-FFF2-40B4-BE49-F238E27FC236}">
+                <a16:creationId xmlns:a16="http://schemas.microsoft.com/office/drawing/2014/main" id="{BDBB8322-A7DC-A75E-49EE-51179883DA68}"/>
+              </a:ext>
+            </a:extLst>
+          </p:cNvPr>
+          <p:cNvPicPr>
+            <a:picLocks noChangeAspect="1"/>
+          </p:cNvPicPr>
+          <p:nvPr/>
+        </p:nvPicPr>
+        <p:blipFill>
+          <a:blip r:embed="rId4"/>
+          <a:stretch>
+            <a:fillRect/>
+          </a:stretch>
+        </p:blipFill>
+        <p:spPr>
+          <a:xfrm>
+            <a:off x="2993861" y="3551985"/>
+            <a:ext cx="3156277" cy="1842320"/>
+          </a:xfrm>
+          <a:prstGeom prst="rect">
+            <a:avLst/>
+          </a:prstGeom>
+        </p:spPr>
+      </p:pic>
+    </p:spTree>
+    <p:extLst>
+      <p:ext uri="{BB962C8B-B14F-4D97-AF65-F5344CB8AC3E}">
+        <p14:creationId xmlns:p14="http://schemas.microsoft.com/office/powerpoint/2010/main" val="1962024747"/>
+      </p:ext>
+    </p:extLst>
+  </p:cSld>
+  <p:clrMapOvr>
+    <a:masterClrMapping/>
+  </p:clrMapOvr>
+</p:sld>
+</file>
+
+<file path=ppt/slides/slide12.xml><?xml version="1.0" encoding="utf-8"?>
 <p:sld xmlns:a="http://schemas.openxmlformats.org/drawingml/2006/main" xmlns:r="http://schemas.openxmlformats.org/officeDocument/2006/relationships" xmlns:p="http://schemas.openxmlformats.org/presentationml/2006/main">
   <p:cSld>
     <p:spTree>
@@ -5607,8 +6183,8 @@
         </p:nvSpPr>
         <p:spPr>
           <a:xfrm>
-            <a:off x="805490" y="1736845"/>
-            <a:ext cx="7533017" cy="4016484"/>
+            <a:off x="817213" y="1736845"/>
+            <a:ext cx="7533017" cy="4431983"/>
           </a:xfrm>
           <a:prstGeom prst="rect">
             <a:avLst/>
@@ -5653,6 +6229,50 @@
             </a:r>
           </a:p>
           <a:p>
+            <a:pPr marL="285750" indent="-285750">
+              <a:buFont typeface="Arial" panose="020B0604020202020204" pitchFamily="34" charset="0"/>
+              <a:buChar char="•"/>
+            </a:pPr>
+            <a:r>
+              <a:rPr lang="ru-RU" dirty="0"/>
+              <a:t>Исследовать предметную область, проанализировать существующие кроссплатформенные библиотеки для анализа финансовых данных.</a:t>
+            </a:r>
+            <a:endParaRPr lang="en-RU" dirty="0"/>
+          </a:p>
+          <a:p>
+            <a:pPr marL="285750" indent="-285750">
+              <a:buFont typeface="Arial" panose="020B0604020202020204" pitchFamily="34" charset="0"/>
+              <a:buChar char="•"/>
+            </a:pPr>
+            <a:r>
+              <a:rPr lang="ru-RU" dirty="0"/>
+              <a:t>Исследовать технологии для создания библиотеки и спроектировать ее архитектуру.</a:t>
+            </a:r>
+            <a:endParaRPr lang="en-RU" dirty="0"/>
+          </a:p>
+          <a:p>
+            <a:pPr marL="285750" indent="-285750">
+              <a:buFont typeface="Arial" panose="020B0604020202020204" pitchFamily="34" charset="0"/>
+              <a:buChar char="•"/>
+            </a:pPr>
+            <a:r>
+              <a:rPr lang="ru-RU" dirty="0"/>
+              <a:t>Разработать востребованные сообществом трейдеров инструменты рисования на графиках для анализа финансовых данных.</a:t>
+            </a:r>
+            <a:endParaRPr lang="en-RU" dirty="0"/>
+          </a:p>
+          <a:p>
+            <a:pPr marL="285750" indent="-285750">
+              <a:buFont typeface="Arial" panose="020B0604020202020204" pitchFamily="34" charset="0"/>
+              <a:buChar char="•"/>
+            </a:pPr>
+            <a:r>
+              <a:rPr lang="ru-RU" dirty="0"/>
+              <a:t>Создать приложение для демонстрации функционала библиотеки, а также опубликовать библиотеку в сети интернет.</a:t>
+            </a:r>
+            <a:endParaRPr lang="en-RU" dirty="0"/>
+          </a:p>
+          <a:p>
             <a:pPr>
               <a:spcBef>
                 <a:spcPts val="900"/>
@@ -5661,78 +6281,9 @@
                 <a:spcPts val="900"/>
               </a:spcAft>
             </a:pPr>
-            <a:r>
-              <a:rPr lang="ru-RU" dirty="0">
-                <a:ea typeface="Times New Roman" panose="02020603050405020304" pitchFamily="18" charset="0"/>
-              </a:rPr>
-              <a:t>1. Исследование предметной области анализа финансовых данных</a:t>
-            </a:r>
-          </a:p>
-          <a:p>
-            <a:pPr>
-              <a:spcBef>
-                <a:spcPts val="900"/>
-              </a:spcBef>
-              <a:spcAft>
-                <a:spcPts val="900"/>
-              </a:spcAft>
-            </a:pPr>
-            <a:r>
-              <a:rPr lang="en-US" dirty="0">
-                <a:ea typeface="Times New Roman" panose="02020603050405020304" pitchFamily="18" charset="0"/>
-              </a:rPr>
-              <a:t>2. </a:t>
-            </a:r>
-            <a:r>
-              <a:rPr lang="ru-RU" dirty="0">
-                <a:ea typeface="Times New Roman" panose="02020603050405020304" pitchFamily="18" charset="0"/>
-              </a:rPr>
-              <a:t>Исследование технологий для разработки библиотеки</a:t>
-            </a:r>
-          </a:p>
-          <a:p>
-            <a:pPr>
-              <a:spcBef>
-                <a:spcPts val="900"/>
-              </a:spcBef>
-              <a:spcAft>
-                <a:spcPts val="900"/>
-              </a:spcAft>
-            </a:pPr>
-            <a:r>
-              <a:rPr lang="en-US" dirty="0">
-                <a:ea typeface="Times New Roman" panose="02020603050405020304" pitchFamily="18" charset="0"/>
-              </a:rPr>
-              <a:t>3. </a:t>
-            </a:r>
-            <a:r>
-              <a:rPr lang="ru-RU" dirty="0">
-                <a:ea typeface="Times New Roman" panose="02020603050405020304" pitchFamily="18" charset="0"/>
-              </a:rPr>
-              <a:t>Разработка востребованных инструментов анализа</a:t>
-            </a:r>
-          </a:p>
-          <a:p>
-            <a:pPr>
-              <a:spcBef>
-                <a:spcPts val="900"/>
-              </a:spcBef>
-              <a:spcAft>
-                <a:spcPts val="900"/>
-              </a:spcAft>
-            </a:pPr>
-            <a:r>
-              <a:rPr lang="en-US" dirty="0">
-                <a:ea typeface="Times New Roman" panose="02020603050405020304" pitchFamily="18" charset="0"/>
-              </a:rPr>
-              <a:t>4. </a:t>
-            </a:r>
-            <a:r>
-              <a:rPr lang="ru-RU" dirty="0">
-                <a:ea typeface="Times New Roman" panose="02020603050405020304" pitchFamily="18" charset="0"/>
-              </a:rPr>
-              <a:t>Создание демонстрационного приложения и публикация библиотеки в сети интернет</a:t>
-            </a:r>
+            <a:endParaRPr lang="ru-RU" dirty="0">
+              <a:ea typeface="Times New Roman" panose="02020603050405020304" pitchFamily="18" charset="0"/>
+            </a:endParaRPr>
           </a:p>
         </p:txBody>
       </p:sp>
@@ -5786,6 +6337,200 @@
 </file>
 
 <file path=ppt/slides/slide3.xml><?xml version="1.0" encoding="utf-8"?>
+<p:sld xmlns:a="http://schemas.openxmlformats.org/drawingml/2006/main" xmlns:r="http://schemas.openxmlformats.org/officeDocument/2006/relationships" xmlns:p="http://schemas.openxmlformats.org/presentationml/2006/main">
+  <p:cSld>
+    <p:spTree>
+      <p:nvGrpSpPr>
+        <p:cNvPr id="1" name=""/>
+        <p:cNvGrpSpPr/>
+        <p:nvPr/>
+      </p:nvGrpSpPr>
+      <p:grpSpPr>
+        <a:xfrm>
+          <a:off x="0" y="0"/>
+          <a:ext cx="0" cy="0"/>
+          <a:chOff x="0" y="0"/>
+          <a:chExt cx="0" cy="0"/>
+        </a:xfrm>
+      </p:grpSpPr>
+      <p:sp>
+        <p:nvSpPr>
+          <p:cNvPr id="27" name="TextBox 26">
+            <a:extLst>
+              <a:ext uri="{FF2B5EF4-FFF2-40B4-BE49-F238E27FC236}">
+                <a16:creationId xmlns:a16="http://schemas.microsoft.com/office/drawing/2014/main" id="{82D7805E-50A7-033C-4239-EC55080F6C80}"/>
+              </a:ext>
+            </a:extLst>
+          </p:cNvPr>
+          <p:cNvSpPr txBox="1"/>
+          <p:nvPr/>
+        </p:nvSpPr>
+        <p:spPr>
+          <a:xfrm>
+            <a:off x="805490" y="2480150"/>
+            <a:ext cx="7533017" cy="1897699"/>
+          </a:xfrm>
+          <a:prstGeom prst="rect">
+            <a:avLst/>
+          </a:prstGeom>
+          <a:noFill/>
+        </p:spPr>
+        <p:txBody>
+          <a:bodyPr wrap="square">
+            <a:spAutoFit/>
+          </a:bodyPr>
+          <a:lstStyle/>
+          <a:p>
+            <a:pPr>
+              <a:lnSpc>
+                <a:spcPct val="150000"/>
+              </a:lnSpc>
+            </a:pPr>
+            <a:r>
+              <a:rPr lang="ru-RU" sz="2700" dirty="0"/>
+              <a:t>1. Определение паттернов технического анализа</a:t>
+            </a:r>
+            <a:endParaRPr lang="en-US" sz="2700" dirty="0"/>
+          </a:p>
+          <a:p>
+            <a:pPr>
+              <a:lnSpc>
+                <a:spcPct val="150000"/>
+              </a:lnSpc>
+            </a:pPr>
+            <a:r>
+              <a:rPr lang="en-US" sz="2700" dirty="0"/>
+              <a:t>2. </a:t>
+            </a:r>
+            <a:r>
+              <a:rPr lang="ru-RU" sz="2700" dirty="0"/>
+              <a:t>Построение технических индикаторов</a:t>
+            </a:r>
+            <a:endParaRPr lang="en-US" sz="2700" dirty="0"/>
+          </a:p>
+          <a:p>
+            <a:pPr>
+              <a:lnSpc>
+                <a:spcPct val="150000"/>
+              </a:lnSpc>
+            </a:pPr>
+            <a:r>
+              <a:rPr lang="en-US" sz="2700" dirty="0"/>
+              <a:t>3. </a:t>
+            </a:r>
+            <a:r>
+              <a:rPr lang="ru-RU" sz="2700" dirty="0"/>
+              <a:t>Использование торговых стратегий</a:t>
+            </a:r>
+            <a:endParaRPr lang="en-US" sz="1350" dirty="0"/>
+          </a:p>
+        </p:txBody>
+      </p:sp>
+      <p:sp>
+        <p:nvSpPr>
+          <p:cNvPr id="3" name="TextBox 2">
+            <a:extLst>
+              <a:ext uri="{FF2B5EF4-FFF2-40B4-BE49-F238E27FC236}">
+                <a16:creationId xmlns:a16="http://schemas.microsoft.com/office/drawing/2014/main" id="{77D5439A-D182-DEEE-B56C-C8A6C698E668}"/>
+              </a:ext>
+            </a:extLst>
+          </p:cNvPr>
+          <p:cNvSpPr txBox="1"/>
+          <p:nvPr/>
+        </p:nvSpPr>
+        <p:spPr>
+          <a:xfrm>
+            <a:off x="805491" y="669636"/>
+            <a:ext cx="7533017" cy="658297"/>
+          </a:xfrm>
+          <a:prstGeom prst="rect">
+            <a:avLst/>
+          </a:prstGeom>
+          <a:solidFill>
+            <a:schemeClr val="accent5"/>
+          </a:solidFill>
+          <a:ln>
+            <a:noFill/>
+          </a:ln>
+        </p:spPr>
+        <p:style>
+          <a:lnRef idx="0">
+            <a:scrgbClr r="0" g="0" b="0"/>
+          </a:lnRef>
+          <a:fillRef idx="0">
+            <a:scrgbClr r="0" g="0" b="0"/>
+          </a:fillRef>
+          <a:effectRef idx="0">
+            <a:scrgbClr r="0" g="0" b="0"/>
+          </a:effectRef>
+          <a:fontRef idx="minor">
+            <a:schemeClr val="lt1"/>
+          </a:fontRef>
+        </p:style>
+        <p:txBody>
+          <a:bodyPr vert="horz" lIns="68580" tIns="34290" rIns="68580" bIns="34290" rtlCol="0" anchor="ctr">
+            <a:normAutofit/>
+          </a:bodyPr>
+          <a:lstStyle/>
+          <a:p>
+            <a:pPr algn="ctr"/>
+            <a:r>
+              <a:rPr lang="ru-RU" sz="2400" dirty="0"/>
+              <a:t>Область анализа финансовых данных</a:t>
+            </a:r>
+          </a:p>
+        </p:txBody>
+      </p:sp>
+      <p:sp>
+        <p:nvSpPr>
+          <p:cNvPr id="9" name="Slide Number Placeholder 8">
+            <a:extLst>
+              <a:ext uri="{FF2B5EF4-FFF2-40B4-BE49-F238E27FC236}">
+                <a16:creationId xmlns:a16="http://schemas.microsoft.com/office/drawing/2014/main" id="{3DC18789-22EF-E98A-70A5-43762B23ED06}"/>
+              </a:ext>
+            </a:extLst>
+          </p:cNvPr>
+          <p:cNvSpPr>
+            <a:spLocks noGrp="1"/>
+          </p:cNvSpPr>
+          <p:nvPr>
+            <p:ph type="sldNum" sz="quarter" idx="12"/>
+          </p:nvPr>
+        </p:nvSpPr>
+        <p:spPr/>
+        <p:txBody>
+          <a:bodyPr/>
+          <a:lstStyle/>
+          <a:p>
+            <a:r>
+              <a:rPr lang="ru-RU" dirty="0"/>
+              <a:t>3</a:t>
+            </a:r>
+            <a:r>
+              <a:rPr lang="en-US" dirty="0"/>
+              <a:t> </a:t>
+            </a:r>
+            <a:r>
+              <a:rPr lang="ru-RU" dirty="0"/>
+              <a:t>из 11</a:t>
+            </a:r>
+          </a:p>
+        </p:txBody>
+      </p:sp>
+    </p:spTree>
+    <p:extLst>
+      <p:ext uri="{BB962C8B-B14F-4D97-AF65-F5344CB8AC3E}">
+        <p14:creationId xmlns:p14="http://schemas.microsoft.com/office/powerpoint/2010/main" val="1545489799"/>
+      </p:ext>
+    </p:extLst>
+  </p:cSld>
+  <p:clrMapOvr>
+    <a:masterClrMapping/>
+  </p:clrMapOvr>
+</p:sld>
+</file>
+
+<file path=ppt/slides/slide4.xml><?xml version="1.0" encoding="utf-8"?>
 <p:sld xmlns:a="http://schemas.openxmlformats.org/drawingml/2006/main" xmlns:r="http://schemas.openxmlformats.org/officeDocument/2006/relationships" xmlns:p="http://schemas.openxmlformats.org/presentationml/2006/main">
   <p:cSld>
     <p:spTree>
@@ -6062,8 +6807,12 @@
           <a:lstStyle/>
           <a:p>
             <a:r>
+              <a:rPr lang="ru-RU" dirty="0"/>
+              <a:t>4</a:t>
+            </a:r>
+            <a:r>
               <a:rPr lang="en-US" dirty="0"/>
-              <a:t>3 </a:t>
+              <a:t> </a:t>
             </a:r>
             <a:r>
               <a:rPr lang="ru-RU" dirty="0"/>
@@ -6076,200 +6825,6 @@
     <p:extLst>
       <p:ext uri="{BB962C8B-B14F-4D97-AF65-F5344CB8AC3E}">
         <p14:creationId xmlns:p14="http://schemas.microsoft.com/office/powerpoint/2010/main" val="2922075514"/>
-      </p:ext>
-    </p:extLst>
-  </p:cSld>
-  <p:clrMapOvr>
-    <a:masterClrMapping/>
-  </p:clrMapOvr>
-</p:sld>
-</file>
-
-<file path=ppt/slides/slide4.xml><?xml version="1.0" encoding="utf-8"?>
-<p:sld xmlns:a="http://schemas.openxmlformats.org/drawingml/2006/main" xmlns:r="http://schemas.openxmlformats.org/officeDocument/2006/relationships" xmlns:p="http://schemas.openxmlformats.org/presentationml/2006/main">
-  <p:cSld>
-    <p:spTree>
-      <p:nvGrpSpPr>
-        <p:cNvPr id="1" name=""/>
-        <p:cNvGrpSpPr/>
-        <p:nvPr/>
-      </p:nvGrpSpPr>
-      <p:grpSpPr>
-        <a:xfrm>
-          <a:off x="0" y="0"/>
-          <a:ext cx="0" cy="0"/>
-          <a:chOff x="0" y="0"/>
-          <a:chExt cx="0" cy="0"/>
-        </a:xfrm>
-      </p:grpSpPr>
-      <p:sp>
-        <p:nvSpPr>
-          <p:cNvPr id="27" name="TextBox 26">
-            <a:extLst>
-              <a:ext uri="{FF2B5EF4-FFF2-40B4-BE49-F238E27FC236}">
-                <a16:creationId xmlns:a16="http://schemas.microsoft.com/office/drawing/2014/main" id="{82D7805E-50A7-033C-4239-EC55080F6C80}"/>
-              </a:ext>
-            </a:extLst>
-          </p:cNvPr>
-          <p:cNvSpPr txBox="1"/>
-          <p:nvPr/>
-        </p:nvSpPr>
-        <p:spPr>
-          <a:xfrm>
-            <a:off x="805490" y="2480150"/>
-            <a:ext cx="7533017" cy="1897699"/>
-          </a:xfrm>
-          <a:prstGeom prst="rect">
-            <a:avLst/>
-          </a:prstGeom>
-          <a:noFill/>
-        </p:spPr>
-        <p:txBody>
-          <a:bodyPr wrap="square">
-            <a:spAutoFit/>
-          </a:bodyPr>
-          <a:lstStyle/>
-          <a:p>
-            <a:pPr>
-              <a:lnSpc>
-                <a:spcPct val="150000"/>
-              </a:lnSpc>
-            </a:pPr>
-            <a:r>
-              <a:rPr lang="ru-RU" sz="2700" dirty="0"/>
-              <a:t>1. Определение паттернов технического анализа</a:t>
-            </a:r>
-            <a:endParaRPr lang="en-US" sz="2700" dirty="0"/>
-          </a:p>
-          <a:p>
-            <a:pPr>
-              <a:lnSpc>
-                <a:spcPct val="150000"/>
-              </a:lnSpc>
-            </a:pPr>
-            <a:r>
-              <a:rPr lang="en-US" sz="2700" dirty="0"/>
-              <a:t>2. </a:t>
-            </a:r>
-            <a:r>
-              <a:rPr lang="ru-RU" sz="2700" dirty="0"/>
-              <a:t>Построение технических индикаторов</a:t>
-            </a:r>
-            <a:endParaRPr lang="en-US" sz="2700" dirty="0"/>
-          </a:p>
-          <a:p>
-            <a:pPr>
-              <a:lnSpc>
-                <a:spcPct val="150000"/>
-              </a:lnSpc>
-            </a:pPr>
-            <a:r>
-              <a:rPr lang="en-US" sz="2700" dirty="0"/>
-              <a:t>3. </a:t>
-            </a:r>
-            <a:r>
-              <a:rPr lang="ru-RU" sz="2700" dirty="0"/>
-              <a:t>Использование торговых стратегий</a:t>
-            </a:r>
-            <a:endParaRPr lang="en-US" sz="1350" dirty="0"/>
-          </a:p>
-        </p:txBody>
-      </p:sp>
-      <p:sp>
-        <p:nvSpPr>
-          <p:cNvPr id="3" name="TextBox 2">
-            <a:extLst>
-              <a:ext uri="{FF2B5EF4-FFF2-40B4-BE49-F238E27FC236}">
-                <a16:creationId xmlns:a16="http://schemas.microsoft.com/office/drawing/2014/main" id="{77D5439A-D182-DEEE-B56C-C8A6C698E668}"/>
-              </a:ext>
-            </a:extLst>
-          </p:cNvPr>
-          <p:cNvSpPr txBox="1"/>
-          <p:nvPr/>
-        </p:nvSpPr>
-        <p:spPr>
-          <a:xfrm>
-            <a:off x="805491" y="669636"/>
-            <a:ext cx="7533017" cy="658297"/>
-          </a:xfrm>
-          <a:prstGeom prst="rect">
-            <a:avLst/>
-          </a:prstGeom>
-          <a:solidFill>
-            <a:schemeClr val="accent5"/>
-          </a:solidFill>
-          <a:ln>
-            <a:noFill/>
-          </a:ln>
-        </p:spPr>
-        <p:style>
-          <a:lnRef idx="0">
-            <a:scrgbClr r="0" g="0" b="0"/>
-          </a:lnRef>
-          <a:fillRef idx="0">
-            <a:scrgbClr r="0" g="0" b="0"/>
-          </a:fillRef>
-          <a:effectRef idx="0">
-            <a:scrgbClr r="0" g="0" b="0"/>
-          </a:effectRef>
-          <a:fontRef idx="minor">
-            <a:schemeClr val="lt1"/>
-          </a:fontRef>
-        </p:style>
-        <p:txBody>
-          <a:bodyPr vert="horz" lIns="68580" tIns="34290" rIns="68580" bIns="34290" rtlCol="0" anchor="ctr">
-            <a:normAutofit/>
-          </a:bodyPr>
-          <a:lstStyle/>
-          <a:p>
-            <a:pPr algn="ctr"/>
-            <a:r>
-              <a:rPr lang="ru-RU" sz="2400" dirty="0"/>
-              <a:t>Область анализа финансовых данных</a:t>
-            </a:r>
-          </a:p>
-        </p:txBody>
-      </p:sp>
-      <p:sp>
-        <p:nvSpPr>
-          <p:cNvPr id="9" name="Slide Number Placeholder 8">
-            <a:extLst>
-              <a:ext uri="{FF2B5EF4-FFF2-40B4-BE49-F238E27FC236}">
-                <a16:creationId xmlns:a16="http://schemas.microsoft.com/office/drawing/2014/main" id="{3DC18789-22EF-E98A-70A5-43762B23ED06}"/>
-              </a:ext>
-            </a:extLst>
-          </p:cNvPr>
-          <p:cNvSpPr>
-            <a:spLocks noGrp="1"/>
-          </p:cNvSpPr>
-          <p:nvPr>
-            <p:ph type="sldNum" sz="quarter" idx="12"/>
-          </p:nvPr>
-        </p:nvSpPr>
-        <p:spPr/>
-        <p:txBody>
-          <a:bodyPr/>
-          <a:lstStyle/>
-          <a:p>
-            <a:r>
-              <a:rPr lang="ru-RU" dirty="0"/>
-              <a:t>4</a:t>
-            </a:r>
-            <a:r>
-              <a:rPr lang="en-US" dirty="0"/>
-              <a:t> </a:t>
-            </a:r>
-            <a:r>
-              <a:rPr lang="ru-RU" dirty="0"/>
-              <a:t>из 11</a:t>
-            </a:r>
-          </a:p>
-        </p:txBody>
-      </p:sp>
-    </p:spTree>
-    <p:extLst>
-      <p:ext uri="{BB962C8B-B14F-4D97-AF65-F5344CB8AC3E}">
-        <p14:creationId xmlns:p14="http://schemas.microsoft.com/office/powerpoint/2010/main" val="1545489799"/>
       </p:ext>
     </p:extLst>
   </p:cSld>
@@ -7616,70 +8171,6 @@
       </p:grpSpPr>
       <p:sp>
         <p:nvSpPr>
-          <p:cNvPr id="12" name="Content Placeholder 2">
-            <a:extLst>
-              <a:ext uri="{FF2B5EF4-FFF2-40B4-BE49-F238E27FC236}">
-                <a16:creationId xmlns:a16="http://schemas.microsoft.com/office/drawing/2014/main" id="{533D9E13-7E89-9C30-8EB7-59936FB920BA}"/>
-              </a:ext>
-            </a:extLst>
-          </p:cNvPr>
-          <p:cNvSpPr>
-            <a:spLocks noGrp="1"/>
-          </p:cNvSpPr>
-          <p:nvPr>
-            <p:ph idx="1"/>
-          </p:nvPr>
-        </p:nvSpPr>
-        <p:spPr>
-          <a:xfrm>
-            <a:off x="628649" y="2612117"/>
-            <a:ext cx="7886700" cy="1805676"/>
-          </a:xfrm>
-        </p:spPr>
-        <p:txBody>
-          <a:bodyPr>
-            <a:normAutofit/>
-          </a:bodyPr>
-          <a:lstStyle/>
-          <a:p>
-            <a:pPr algn="just"/>
-            <a:r>
-              <a:rPr lang="ru-RU" sz="2250" kern="0" dirty="0">
-                <a:ea typeface="Times New Roman" panose="02020603050405020304" pitchFamily="18" charset="0"/>
-              </a:rPr>
-              <a:t>Использовать 10+ инструментов рисования: «Линия Тренда», «Коррекция Фибоначчи», «Спираль Фибоначчи», «Кривая», «Ломаная» и многие другие</a:t>
-            </a:r>
-            <a:endParaRPr lang="en-US" sz="2250" kern="0" dirty="0">
-              <a:ea typeface="Times New Roman" panose="02020603050405020304" pitchFamily="18" charset="0"/>
-            </a:endParaRPr>
-          </a:p>
-          <a:p>
-            <a:pPr algn="just"/>
-            <a:r>
-              <a:rPr lang="ru-RU" sz="2250" dirty="0"/>
-              <a:t>Добавлять несколько технических индикаторов таких, как:</a:t>
-            </a:r>
-            <a:r>
-              <a:rPr lang="en-US" sz="2250" dirty="0"/>
-              <a:t> </a:t>
-            </a:r>
-            <a:r>
-              <a:rPr lang="ru-RU" sz="2250" dirty="0"/>
-              <a:t>«Линии </a:t>
-            </a:r>
-            <a:r>
-              <a:rPr lang="ru-RU" sz="2250" dirty="0" err="1"/>
-              <a:t>Боллинджера</a:t>
-            </a:r>
-            <a:r>
-              <a:rPr lang="ru-RU" sz="2250" dirty="0"/>
-              <a:t>», «Скользящее среднее»</a:t>
-            </a:r>
-          </a:p>
-        </p:txBody>
-      </p:sp>
-      <p:sp>
-        <p:nvSpPr>
           <p:cNvPr id="13" name="TextBox 12">
             <a:extLst>
               <a:ext uri="{FF2B5EF4-FFF2-40B4-BE49-F238E27FC236}">
@@ -7692,7 +8183,7 @@
         </p:nvSpPr>
         <p:spPr>
           <a:xfrm>
-            <a:off x="805490" y="654138"/>
+            <a:off x="805491" y="271665"/>
             <a:ext cx="7533017" cy="658297"/>
           </a:xfrm>
           <a:prstGeom prst="rect">
@@ -7728,7 +8219,7 @@
             <a:pPr algn="ctr"/>
             <a:r>
               <a:rPr lang="ru-RU" sz="2400" dirty="0"/>
-              <a:t>Библиотека предоставляет возможность</a:t>
+              <a:t>Инструменты рисования в библиотеке</a:t>
             </a:r>
           </a:p>
         </p:txBody>
@@ -7766,6 +8257,286 @@
               <a:rPr lang="ru-RU" dirty="0"/>
               <a:t>из 11</a:t>
             </a:r>
+          </a:p>
+        </p:txBody>
+      </p:sp>
+      <p:pic>
+        <p:nvPicPr>
+          <p:cNvPr id="2" name="Picture 1">
+            <a:extLst>
+              <a:ext uri="{FF2B5EF4-FFF2-40B4-BE49-F238E27FC236}">
+                <a16:creationId xmlns:a16="http://schemas.microsoft.com/office/drawing/2014/main" id="{1681D042-5550-C3BF-F734-4B9B8C7A6D9D}"/>
+              </a:ext>
+            </a:extLst>
+          </p:cNvPr>
+          <p:cNvPicPr>
+            <a:picLocks noChangeAspect="1"/>
+          </p:cNvPicPr>
+          <p:nvPr/>
+        </p:nvPicPr>
+        <p:blipFill>
+          <a:blip r:embed="rId3"/>
+          <a:stretch>
+            <a:fillRect/>
+          </a:stretch>
+        </p:blipFill>
+        <p:spPr>
+          <a:xfrm>
+            <a:off x="1229696" y="1465411"/>
+            <a:ext cx="2240568" cy="1305893"/>
+          </a:xfrm>
+          <a:prstGeom prst="rect">
+            <a:avLst/>
+          </a:prstGeom>
+        </p:spPr>
+      </p:pic>
+      <p:sp>
+        <p:nvSpPr>
+          <p:cNvPr id="3" name="TextBox 2">
+            <a:extLst>
+              <a:ext uri="{FF2B5EF4-FFF2-40B4-BE49-F238E27FC236}">
+                <a16:creationId xmlns:a16="http://schemas.microsoft.com/office/drawing/2014/main" id="{14E6BDC6-A71B-426C-3947-96DB93DD07BD}"/>
+              </a:ext>
+            </a:extLst>
+          </p:cNvPr>
+          <p:cNvSpPr txBox="1"/>
+          <p:nvPr/>
+        </p:nvSpPr>
+        <p:spPr>
+          <a:xfrm>
+            <a:off x="1077493" y="2886369"/>
+            <a:ext cx="2589534" cy="523220"/>
+          </a:xfrm>
+          <a:prstGeom prst="rect">
+            <a:avLst/>
+          </a:prstGeom>
+          <a:noFill/>
+        </p:spPr>
+        <p:txBody>
+          <a:bodyPr wrap="square" rtlCol="0">
+            <a:spAutoFit/>
+          </a:bodyPr>
+          <a:lstStyle/>
+          <a:p>
+            <a:r>
+              <a:rPr lang="ru-RU" sz="1400" dirty="0"/>
+              <a:t>Линия Тренда</a:t>
+            </a:r>
+            <a:r>
+              <a:rPr lang="en-US" sz="1400" dirty="0"/>
+              <a:t>, </a:t>
+            </a:r>
+            <a:r>
+              <a:rPr lang="ru-RU" sz="1400" dirty="0"/>
+              <a:t>Горизонтальная линия</a:t>
+            </a:r>
+            <a:r>
+              <a:rPr lang="en-US" sz="1400" dirty="0"/>
+              <a:t>, </a:t>
+            </a:r>
+            <a:r>
+              <a:rPr lang="ru-RU" sz="1400" dirty="0"/>
+              <a:t>Вертикальная линия</a:t>
+            </a:r>
+            <a:endParaRPr lang="en-RU" sz="1400" dirty="0"/>
+          </a:p>
+        </p:txBody>
+      </p:sp>
+      <p:pic>
+        <p:nvPicPr>
+          <p:cNvPr id="4" name="Picture 3">
+            <a:extLst>
+              <a:ext uri="{FF2B5EF4-FFF2-40B4-BE49-F238E27FC236}">
+                <a16:creationId xmlns:a16="http://schemas.microsoft.com/office/drawing/2014/main" id="{4D1ADDB0-7125-AC15-C9F8-90D0B4141396}"/>
+              </a:ext>
+            </a:extLst>
+          </p:cNvPr>
+          <p:cNvPicPr>
+            <a:picLocks noChangeAspect="1"/>
+          </p:cNvPicPr>
+          <p:nvPr/>
+        </p:nvPicPr>
+        <p:blipFill>
+          <a:blip r:embed="rId4"/>
+          <a:stretch>
+            <a:fillRect/>
+          </a:stretch>
+        </p:blipFill>
+        <p:spPr>
+          <a:xfrm>
+            <a:off x="4728327" y="1465411"/>
+            <a:ext cx="2466685" cy="1305892"/>
+          </a:xfrm>
+          <a:prstGeom prst="rect">
+            <a:avLst/>
+          </a:prstGeom>
+        </p:spPr>
+      </p:pic>
+      <p:sp>
+        <p:nvSpPr>
+          <p:cNvPr id="5" name="TextBox 4">
+            <a:extLst>
+              <a:ext uri="{FF2B5EF4-FFF2-40B4-BE49-F238E27FC236}">
+                <a16:creationId xmlns:a16="http://schemas.microsoft.com/office/drawing/2014/main" id="{7C53273D-4CCE-A770-360A-B2F2DA039115}"/>
+              </a:ext>
+            </a:extLst>
+          </p:cNvPr>
+          <p:cNvSpPr txBox="1"/>
+          <p:nvPr/>
+        </p:nvSpPr>
+        <p:spPr>
+          <a:xfrm>
+            <a:off x="4728327" y="2985915"/>
+            <a:ext cx="2654586" cy="307777"/>
+          </a:xfrm>
+          <a:prstGeom prst="rect">
+            <a:avLst/>
+          </a:prstGeom>
+          <a:noFill/>
+        </p:spPr>
+        <p:txBody>
+          <a:bodyPr wrap="square" rtlCol="0">
+            <a:spAutoFit/>
+          </a:bodyPr>
+          <a:lstStyle/>
+          <a:p>
+            <a:r>
+              <a:rPr lang="ru-RU" sz="1400" dirty="0"/>
+              <a:t>Коррекция Фибоначчи</a:t>
+            </a:r>
+            <a:endParaRPr lang="en-RU" sz="1400" dirty="0"/>
+          </a:p>
+        </p:txBody>
+      </p:sp>
+      <p:sp>
+        <p:nvSpPr>
+          <p:cNvPr id="8" name="TextBox 7">
+            <a:extLst>
+              <a:ext uri="{FF2B5EF4-FFF2-40B4-BE49-F238E27FC236}">
+                <a16:creationId xmlns:a16="http://schemas.microsoft.com/office/drawing/2014/main" id="{0A0D2390-4739-968A-4468-34EB22287A37}"/>
+              </a:ext>
+            </a:extLst>
+          </p:cNvPr>
+          <p:cNvSpPr txBox="1"/>
+          <p:nvPr/>
+        </p:nvSpPr>
+        <p:spPr>
+          <a:xfrm>
+            <a:off x="1077493" y="5081099"/>
+            <a:ext cx="2654586" cy="307777"/>
+          </a:xfrm>
+          <a:prstGeom prst="rect">
+            <a:avLst/>
+          </a:prstGeom>
+          <a:noFill/>
+        </p:spPr>
+        <p:txBody>
+          <a:bodyPr wrap="square" rtlCol="0">
+            <a:spAutoFit/>
+          </a:bodyPr>
+          <a:lstStyle/>
+          <a:p>
+            <a:r>
+              <a:rPr lang="ru-RU" sz="1400" dirty="0"/>
+              <a:t>Спираль Фибоначчи</a:t>
+            </a:r>
+            <a:endParaRPr lang="en-RU" sz="1400" dirty="0"/>
+          </a:p>
+        </p:txBody>
+      </p:sp>
+      <p:pic>
+        <p:nvPicPr>
+          <p:cNvPr id="10" name="Picture 9">
+            <a:extLst>
+              <a:ext uri="{FF2B5EF4-FFF2-40B4-BE49-F238E27FC236}">
+                <a16:creationId xmlns:a16="http://schemas.microsoft.com/office/drawing/2014/main" id="{9662C8E1-2B3E-B9EB-32F3-1B60AF55705A}"/>
+              </a:ext>
+            </a:extLst>
+          </p:cNvPr>
+          <p:cNvPicPr>
+            <a:picLocks noChangeAspect="1"/>
+          </p:cNvPicPr>
+          <p:nvPr/>
+        </p:nvPicPr>
+        <p:blipFill>
+          <a:blip r:embed="rId5"/>
+          <a:stretch>
+            <a:fillRect/>
+          </a:stretch>
+        </p:blipFill>
+        <p:spPr>
+          <a:xfrm>
+            <a:off x="1229696" y="3429000"/>
+            <a:ext cx="2189451" cy="1610012"/>
+          </a:xfrm>
+          <a:prstGeom prst="rect">
+            <a:avLst/>
+          </a:prstGeom>
+        </p:spPr>
+      </p:pic>
+      <p:pic>
+        <p:nvPicPr>
+          <p:cNvPr id="14" name="Picture 13">
+            <a:extLst>
+              <a:ext uri="{FF2B5EF4-FFF2-40B4-BE49-F238E27FC236}">
+                <a16:creationId xmlns:a16="http://schemas.microsoft.com/office/drawing/2014/main" id="{E7F4565C-6BE6-9040-EA47-F556CF1C032B}"/>
+              </a:ext>
+            </a:extLst>
+          </p:cNvPr>
+          <p:cNvPicPr>
+            <a:picLocks noChangeAspect="1"/>
+          </p:cNvPicPr>
+          <p:nvPr/>
+        </p:nvPicPr>
+        <p:blipFill>
+          <a:blip r:embed="rId6"/>
+          <a:stretch>
+            <a:fillRect/>
+          </a:stretch>
+        </p:blipFill>
+        <p:spPr>
+          <a:xfrm>
+            <a:off x="4817182" y="3351904"/>
+            <a:ext cx="2589535" cy="1766196"/>
+          </a:xfrm>
+          <a:prstGeom prst="rect">
+            <a:avLst/>
+          </a:prstGeom>
+        </p:spPr>
+      </p:pic>
+      <p:sp>
+        <p:nvSpPr>
+          <p:cNvPr id="15" name="TextBox 14">
+            <a:extLst>
+              <a:ext uri="{FF2B5EF4-FFF2-40B4-BE49-F238E27FC236}">
+                <a16:creationId xmlns:a16="http://schemas.microsoft.com/office/drawing/2014/main" id="{F1E89B17-F342-00AF-852C-2A1D34F0CD1D}"/>
+              </a:ext>
+            </a:extLst>
+          </p:cNvPr>
+          <p:cNvSpPr txBox="1"/>
+          <p:nvPr/>
+        </p:nvSpPr>
+        <p:spPr>
+          <a:xfrm>
+            <a:off x="4728327" y="5081099"/>
+            <a:ext cx="2654586" cy="307777"/>
+          </a:xfrm>
+          <a:prstGeom prst="rect">
+            <a:avLst/>
+          </a:prstGeom>
+          <a:noFill/>
+        </p:spPr>
+        <p:txBody>
+          <a:bodyPr wrap="square" rtlCol="0">
+            <a:spAutoFit/>
+          </a:bodyPr>
+          <a:lstStyle/>
+          <a:p>
+            <a:r>
+              <a:rPr lang="ru-RU" sz="1400" dirty="0"/>
+              <a:t>Клин Фибоначчи</a:t>
+            </a:r>
+            <a:endParaRPr lang="en-RU" sz="1400" dirty="0"/>
           </a:p>
         </p:txBody>
       </p:sp>

--- a/Презентация диплома.pptx
+++ b/Презентация диплома.pptx
@@ -5,10 +5,10 @@
     <p:sldMasterId id="2147483770" r:id="rId1"/>
   </p:sldMasterIdLst>
   <p:notesMasterIdLst>
-    <p:notesMasterId r:id="rId14"/>
+    <p:notesMasterId r:id="rId15"/>
   </p:notesMasterIdLst>
   <p:handoutMasterIdLst>
-    <p:handoutMasterId r:id="rId15"/>
+    <p:handoutMasterId r:id="rId16"/>
   </p:handoutMasterIdLst>
   <p:sldIdLst>
     <p:sldId id="256" r:id="rId2"/>
@@ -22,7 +22,8 @@
     <p:sldId id="278" r:id="rId10"/>
     <p:sldId id="286" r:id="rId11"/>
     <p:sldId id="287" r:id="rId12"/>
-    <p:sldId id="279" r:id="rId13"/>
+    <p:sldId id="288" r:id="rId13"/>
+    <p:sldId id="279" r:id="rId14"/>
   </p:sldIdLst>
   <p:sldSz cx="9144000" cy="6858000" type="screen4x3"/>
   <p:notesSz cx="6858000" cy="9144000"/>
@@ -908,6 +909,90 @@
 </file>
 
 <file path=ppt/notesSlides/notesSlide12.xml><?xml version="1.0" encoding="utf-8"?>
+<p:notes xmlns:a="http://schemas.openxmlformats.org/drawingml/2006/main" xmlns:r="http://schemas.openxmlformats.org/officeDocument/2006/relationships" xmlns:p="http://schemas.openxmlformats.org/presentationml/2006/main">
+  <p:cSld>
+    <p:spTree>
+      <p:nvGrpSpPr>
+        <p:cNvPr id="1" name="">
+          <a:extLst>
+            <a:ext uri="{FF2B5EF4-FFF2-40B4-BE49-F238E27FC236}">
+              <a16:creationId xmlns:a16="http://schemas.microsoft.com/office/drawing/2014/main" id="{4D3F6E39-17E7-3E56-E212-B9204CAD21F8}"/>
+            </a:ext>
+          </a:extLst>
+        </p:cNvPr>
+        <p:cNvGrpSpPr/>
+        <p:nvPr/>
+      </p:nvGrpSpPr>
+      <p:grpSpPr>
+        <a:xfrm>
+          <a:off x="0" y="0"/>
+          <a:ext cx="0" cy="0"/>
+          <a:chOff x="0" y="0"/>
+          <a:chExt cx="0" cy="0"/>
+        </a:xfrm>
+      </p:grpSpPr>
+      <p:sp>
+        <p:nvSpPr>
+          <p:cNvPr id="2" name="Slide Image Placeholder 1">
+            <a:extLst>
+              <a:ext uri="{FF2B5EF4-FFF2-40B4-BE49-F238E27FC236}">
+                <a16:creationId xmlns:a16="http://schemas.microsoft.com/office/drawing/2014/main" id="{FD1BB369-C39C-F792-3111-5DB25307451E}"/>
+              </a:ext>
+            </a:extLst>
+          </p:cNvPr>
+          <p:cNvSpPr>
+            <a:spLocks noGrp="1" noRot="1" noChangeAspect="1"/>
+          </p:cNvSpPr>
+          <p:nvPr>
+            <p:ph type="sldImg"/>
+          </p:nvPr>
+        </p:nvSpPr>
+        <p:spPr>
+          <a:xfrm>
+            <a:off x="1371600" y="1143000"/>
+            <a:ext cx="4114800" cy="3086100"/>
+          </a:xfrm>
+        </p:spPr>
+      </p:sp>
+      <p:sp>
+        <p:nvSpPr>
+          <p:cNvPr id="3" name="Notes Placeholder 2">
+            <a:extLst>
+              <a:ext uri="{FF2B5EF4-FFF2-40B4-BE49-F238E27FC236}">
+                <a16:creationId xmlns:a16="http://schemas.microsoft.com/office/drawing/2014/main" id="{BB4C7CBF-332A-E4B2-556C-DF0ED39BC19C}"/>
+              </a:ext>
+            </a:extLst>
+          </p:cNvPr>
+          <p:cNvSpPr>
+            <a:spLocks noGrp="1"/>
+          </p:cNvSpPr>
+          <p:nvPr>
+            <p:ph type="body" idx="1"/>
+          </p:nvPr>
+        </p:nvSpPr>
+        <p:spPr/>
+        <p:txBody>
+          <a:bodyPr/>
+          <a:lstStyle/>
+          <a:p>
+            <a:endParaRPr lang="en-RU"/>
+          </a:p>
+        </p:txBody>
+      </p:sp>
+    </p:spTree>
+    <p:extLst>
+      <p:ext uri="{BB962C8B-B14F-4D97-AF65-F5344CB8AC3E}">
+        <p14:creationId xmlns:p14="http://schemas.microsoft.com/office/powerpoint/2010/main" val="3162313357"/>
+      </p:ext>
+    </p:extLst>
+  </p:cSld>
+  <p:clrMapOvr>
+    <a:masterClrMapping/>
+  </p:clrMapOvr>
+</p:notes>
+</file>
+
+<file path=ppt/notesSlides/notesSlide13.xml><?xml version="1.0" encoding="utf-8"?>
 <p:notes xmlns:a="http://schemas.openxmlformats.org/drawingml/2006/main" xmlns:r="http://schemas.openxmlformats.org/officeDocument/2006/relationships" xmlns:p="http://schemas.openxmlformats.org/presentationml/2006/main">
   <p:cSld>
     <p:spTree>
@@ -5388,7 +5473,7 @@
             </a:r>
             <a:r>
               <a:rPr lang="ru-RU" dirty="0"/>
-              <a:t>из 11</a:t>
+              <a:t>из 13</a:t>
             </a:r>
           </a:p>
         </p:txBody>
@@ -5779,7 +5864,7 @@
             </a:r>
             <a:r>
               <a:rPr lang="ru-RU" dirty="0"/>
-              <a:t>из 11</a:t>
+              <a:t>из 13</a:t>
             </a:r>
           </a:p>
         </p:txBody>
@@ -5934,6 +6019,218 @@
 </file>
 
 <file path=ppt/slides/slide12.xml><?xml version="1.0" encoding="utf-8"?>
+<p:sld xmlns:a="http://schemas.openxmlformats.org/drawingml/2006/main" xmlns:r="http://schemas.openxmlformats.org/officeDocument/2006/relationships" xmlns:p="http://schemas.openxmlformats.org/presentationml/2006/main">
+  <p:cSld>
+    <p:spTree>
+      <p:nvGrpSpPr>
+        <p:cNvPr id="1" name="">
+          <a:extLst>
+            <a:ext uri="{FF2B5EF4-FFF2-40B4-BE49-F238E27FC236}">
+              <a16:creationId xmlns:a16="http://schemas.microsoft.com/office/drawing/2014/main" id="{FF56C87A-3BC6-D5E8-94C5-887C2EC54673}"/>
+            </a:ext>
+          </a:extLst>
+        </p:cNvPr>
+        <p:cNvGrpSpPr/>
+        <p:nvPr/>
+      </p:nvGrpSpPr>
+      <p:grpSpPr>
+        <a:xfrm>
+          <a:off x="0" y="0"/>
+          <a:ext cx="0" cy="0"/>
+          <a:chOff x="0" y="0"/>
+          <a:chExt cx="0" cy="0"/>
+        </a:xfrm>
+      </p:grpSpPr>
+      <p:sp>
+        <p:nvSpPr>
+          <p:cNvPr id="9" name="TextBox 8">
+            <a:extLst>
+              <a:ext uri="{FF2B5EF4-FFF2-40B4-BE49-F238E27FC236}">
+                <a16:creationId xmlns:a16="http://schemas.microsoft.com/office/drawing/2014/main" id="{27D5BC96-B4CB-5104-BB9C-9B1C989D5F58}"/>
+              </a:ext>
+            </a:extLst>
+          </p:cNvPr>
+          <p:cNvSpPr txBox="1"/>
+          <p:nvPr/>
+        </p:nvSpPr>
+        <p:spPr>
+          <a:xfrm>
+            <a:off x="805491" y="607643"/>
+            <a:ext cx="7533017" cy="658297"/>
+          </a:xfrm>
+          <a:prstGeom prst="rect">
+            <a:avLst/>
+          </a:prstGeom>
+          <a:solidFill>
+            <a:schemeClr val="accent5"/>
+          </a:solidFill>
+          <a:ln>
+            <a:noFill/>
+          </a:ln>
+        </p:spPr>
+        <p:style>
+          <a:lnRef idx="0">
+            <a:scrgbClr r="0" g="0" b="0"/>
+          </a:lnRef>
+          <a:fillRef idx="0">
+            <a:scrgbClr r="0" g="0" b="0"/>
+          </a:fillRef>
+          <a:effectRef idx="0">
+            <a:scrgbClr r="0" g="0" b="0"/>
+          </a:effectRef>
+          <a:fontRef idx="minor">
+            <a:schemeClr val="lt1"/>
+          </a:fontRef>
+        </p:style>
+        <p:txBody>
+          <a:bodyPr vert="horz" lIns="68580" tIns="34290" rIns="68580" bIns="34290" rtlCol="0" anchor="ctr">
+            <a:normAutofit/>
+          </a:bodyPr>
+          <a:lstStyle/>
+          <a:p>
+            <a:pPr algn="ctr"/>
+            <a:r>
+              <a:rPr lang="ru-RU" sz="2400" dirty="0"/>
+              <a:t>Полученные результаты</a:t>
+            </a:r>
+          </a:p>
+        </p:txBody>
+      </p:sp>
+      <p:sp>
+        <p:nvSpPr>
+          <p:cNvPr id="3" name="TextBox 2">
+            <a:extLst>
+              <a:ext uri="{FF2B5EF4-FFF2-40B4-BE49-F238E27FC236}">
+                <a16:creationId xmlns:a16="http://schemas.microsoft.com/office/drawing/2014/main" id="{F92D72E5-0629-1EB5-C205-0CDF5385B405}"/>
+              </a:ext>
+            </a:extLst>
+          </p:cNvPr>
+          <p:cNvSpPr txBox="1"/>
+          <p:nvPr/>
+        </p:nvSpPr>
+        <p:spPr>
+          <a:xfrm>
+            <a:off x="805490" y="1537446"/>
+            <a:ext cx="7533017" cy="4547399"/>
+          </a:xfrm>
+          <a:prstGeom prst="rect">
+            <a:avLst/>
+          </a:prstGeom>
+          <a:noFill/>
+        </p:spPr>
+        <p:txBody>
+          <a:bodyPr wrap="square">
+            <a:spAutoFit/>
+          </a:bodyPr>
+          <a:lstStyle/>
+          <a:p>
+            <a:pPr>
+              <a:spcBef>
+                <a:spcPts val="900"/>
+              </a:spcBef>
+              <a:spcAft>
+                <a:spcPts val="900"/>
+              </a:spcAft>
+            </a:pPr>
+            <a:endParaRPr lang="ru-RU" dirty="0">
+              <a:ea typeface="Times New Roman" panose="02020603050405020304" pitchFamily="18" charset="0"/>
+            </a:endParaRPr>
+          </a:p>
+          <a:p>
+            <a:pPr marL="285750" indent="-285750">
+              <a:buFont typeface="Arial" panose="020B0604020202020204" pitchFamily="34" charset="0"/>
+              <a:buChar char="•"/>
+            </a:pPr>
+            <a:r>
+              <a:rPr lang="ru-RU" sz="2400" dirty="0"/>
+              <a:t>Проведено исследование предметной области и анализ существующих кроссплатформенных библиотек для финансового анализа</a:t>
+            </a:r>
+          </a:p>
+          <a:p>
+            <a:pPr marL="285750" indent="-285750">
+              <a:buFont typeface="Arial" panose="020B0604020202020204" pitchFamily="34" charset="0"/>
+              <a:buChar char="•"/>
+            </a:pPr>
+            <a:r>
+              <a:rPr lang="ru-RU" sz="2400" dirty="0"/>
+              <a:t>Изучены современные технологии для создания кросс-платформенной библиотеки и реализована архитектура библиотеки</a:t>
+            </a:r>
+          </a:p>
+          <a:p>
+            <a:pPr marL="285750" indent="-285750">
+              <a:buFont typeface="Arial" panose="020B0604020202020204" pitchFamily="34" charset="0"/>
+              <a:buChar char="•"/>
+            </a:pPr>
+            <a:r>
+              <a:rPr lang="ru-RU" sz="2400" dirty="0"/>
+              <a:t>Разработаны графические инструменты, востребованные трейдерским сообществом</a:t>
+            </a:r>
+          </a:p>
+          <a:p>
+            <a:pPr marL="285750" indent="-285750">
+              <a:buFont typeface="Arial" panose="020B0604020202020204" pitchFamily="34" charset="0"/>
+              <a:buChar char="•"/>
+            </a:pPr>
+            <a:r>
+              <a:rPr lang="ru-RU" sz="2400" dirty="0"/>
+              <a:t>Создано демонстрационное приложение и осуществлена публикация библиотеки в открытом доступе</a:t>
+            </a:r>
+            <a:endParaRPr lang="ru-RU" sz="2400" dirty="0">
+              <a:ea typeface="Times New Roman" panose="02020603050405020304" pitchFamily="18" charset="0"/>
+            </a:endParaRPr>
+          </a:p>
+        </p:txBody>
+      </p:sp>
+      <p:sp>
+        <p:nvSpPr>
+          <p:cNvPr id="15" name="Slide Number Placeholder 14">
+            <a:extLst>
+              <a:ext uri="{FF2B5EF4-FFF2-40B4-BE49-F238E27FC236}">
+                <a16:creationId xmlns:a16="http://schemas.microsoft.com/office/drawing/2014/main" id="{A4FFEEED-9916-4131-39B3-3223417991AE}"/>
+              </a:ext>
+            </a:extLst>
+          </p:cNvPr>
+          <p:cNvSpPr>
+            <a:spLocks noGrp="1"/>
+          </p:cNvSpPr>
+          <p:nvPr>
+            <p:ph type="sldNum" sz="quarter" idx="12"/>
+          </p:nvPr>
+        </p:nvSpPr>
+        <p:spPr/>
+        <p:txBody>
+          <a:bodyPr/>
+          <a:lstStyle/>
+          <a:p>
+            <a:r>
+              <a:rPr lang="ru-RU" dirty="0"/>
+              <a:t>12</a:t>
+            </a:r>
+            <a:r>
+              <a:rPr lang="en-US" dirty="0"/>
+              <a:t> </a:t>
+            </a:r>
+            <a:r>
+              <a:rPr lang="ru-RU" dirty="0"/>
+              <a:t>из 13</a:t>
+            </a:r>
+          </a:p>
+        </p:txBody>
+      </p:sp>
+    </p:spTree>
+    <p:extLst>
+      <p:ext uri="{BB962C8B-B14F-4D97-AF65-F5344CB8AC3E}">
+        <p14:creationId xmlns:p14="http://schemas.microsoft.com/office/powerpoint/2010/main" val="3059469814"/>
+      </p:ext>
+    </p:extLst>
+  </p:cSld>
+  <p:clrMapOvr>
+    <a:masterClrMapping/>
+  </p:clrMapOvr>
+</p:sld>
+</file>
+
+<file path=ppt/slides/slide13.xml><?xml version="1.0" encoding="utf-8"?>
 <p:sld xmlns:a="http://schemas.openxmlformats.org/drawingml/2006/main" xmlns:r="http://schemas.openxmlformats.org/officeDocument/2006/relationships" xmlns:p="http://schemas.openxmlformats.org/presentationml/2006/main">
   <p:cSld>
     <p:spTree>
@@ -6071,7 +6368,7 @@
           <a:p>
             <a:r>
               <a:rPr lang="ru-RU" dirty="0"/>
-              <a:t>11</a:t>
+              <a:t>13</a:t>
             </a:r>
             <a:r>
               <a:rPr lang="en-US" dirty="0"/>
@@ -6079,7 +6376,7 @@
             </a:r>
             <a:r>
               <a:rPr lang="ru-RU" dirty="0"/>
-              <a:t>из 11</a:t>
+              <a:t>из 13</a:t>
             </a:r>
           </a:p>
         </p:txBody>
@@ -6318,7 +6615,7 @@
             </a:r>
             <a:r>
               <a:rPr lang="ru-RU" dirty="0"/>
-              <a:t>из 11</a:t>
+              <a:t>из 13</a:t>
             </a:r>
           </a:p>
         </p:txBody>
@@ -6512,7 +6809,7 @@
             </a:r>
             <a:r>
               <a:rPr lang="ru-RU" dirty="0"/>
-              <a:t>из 11</a:t>
+              <a:t>из 13</a:t>
             </a:r>
           </a:p>
         </p:txBody>
@@ -6816,7 +7113,7 @@
             </a:r>
             <a:r>
               <a:rPr lang="ru-RU" dirty="0"/>
-              <a:t>из 11</a:t>
+              <a:t>из 13</a:t>
             </a:r>
           </a:p>
         </p:txBody>
@@ -6981,7 +7278,7 @@
             </a:r>
             <a:r>
               <a:rPr lang="ru-RU" dirty="0"/>
-              <a:t>из 11</a:t>
+              <a:t>из 13</a:t>
             </a:r>
           </a:p>
         </p:txBody>
@@ -7393,7 +7690,7 @@
             </a:r>
             <a:r>
               <a:rPr lang="ru-RU" dirty="0"/>
-              <a:t>из 11</a:t>
+              <a:t>из 13</a:t>
             </a:r>
           </a:p>
         </p:txBody>
@@ -7773,7 +8070,7 @@
           <a:p>
             <a:r>
               <a:rPr lang="ru-RU" dirty="0"/>
-              <a:t>7 из 11</a:t>
+              <a:t>7 из 13</a:t>
             </a:r>
           </a:p>
         </p:txBody>
@@ -8134,7 +8431,7 @@
             </a:r>
             <a:r>
               <a:rPr lang="ru-RU" dirty="0"/>
-              <a:t>из 11</a:t>
+              <a:t>из 13</a:t>
             </a:r>
           </a:p>
         </p:txBody>
@@ -8255,7 +8552,7 @@
             </a:r>
             <a:r>
               <a:rPr lang="ru-RU" dirty="0"/>
-              <a:t>из 11</a:t>
+              <a:t>из 13</a:t>
             </a:r>
           </a:p>
         </p:txBody>

--- a/Презентация диплома.pptx
+++ b/Презентация диплома.pptx
@@ -6153,7 +6153,7 @@
             </a:pPr>
             <a:r>
               <a:rPr lang="ru-RU" sz="2400" dirty="0"/>
-              <a:t>Изучены современные технологии для создания кросс-платформенной библиотеки и реализована архитектура библиотеки</a:t>
+              <a:t>Исследованы современные технологии для создания кросс-платформенной библиотеки и реализована архитектура библиотеки</a:t>
             </a:r>
           </a:p>
           <a:p>

--- a/Презентация диплома.pptx
+++ b/Презентация диплома.pptx
@@ -6664,8 +6664,8 @@
         </p:nvSpPr>
         <p:spPr>
           <a:xfrm>
-            <a:off x="805490" y="2480150"/>
-            <a:ext cx="7533017" cy="1897699"/>
+            <a:off x="805490" y="1531301"/>
+            <a:ext cx="7533017" cy="1563313"/>
           </a:xfrm>
           <a:prstGeom prst="rect">
             <a:avLst/>
@@ -6684,10 +6684,10 @@
               </a:lnSpc>
             </a:pPr>
             <a:r>
-              <a:rPr lang="ru-RU" sz="2700" dirty="0"/>
+              <a:rPr lang="ru-RU" sz="2200" dirty="0"/>
               <a:t>1. Определение паттернов технического анализа</a:t>
             </a:r>
-            <a:endParaRPr lang="en-US" sz="2700" dirty="0"/>
+            <a:endParaRPr lang="en-US" sz="2200" dirty="0"/>
           </a:p>
           <a:p>
             <a:pPr>
@@ -6696,14 +6696,14 @@
               </a:lnSpc>
             </a:pPr>
             <a:r>
-              <a:rPr lang="en-US" sz="2700" dirty="0"/>
+              <a:rPr lang="en-US" sz="2200" dirty="0"/>
               <a:t>2. </a:t>
             </a:r>
             <a:r>
-              <a:rPr lang="ru-RU" sz="2700" dirty="0"/>
+              <a:rPr lang="ru-RU" sz="2200" dirty="0"/>
               <a:t>Построение технических индикаторов</a:t>
             </a:r>
-            <a:endParaRPr lang="en-US" sz="2700" dirty="0"/>
+            <a:endParaRPr lang="en-US" sz="2200" dirty="0"/>
           </a:p>
           <a:p>
             <a:pPr>
@@ -6712,14 +6712,14 @@
               </a:lnSpc>
             </a:pPr>
             <a:r>
-              <a:rPr lang="en-US" sz="2700" dirty="0"/>
+              <a:rPr lang="en-US" sz="2200" dirty="0"/>
               <a:t>3. </a:t>
             </a:r>
             <a:r>
-              <a:rPr lang="ru-RU" sz="2700" dirty="0"/>
+              <a:rPr lang="ru-RU" sz="2200" dirty="0"/>
               <a:t>Использование торговых стратегий</a:t>
             </a:r>
-            <a:endParaRPr lang="en-US" sz="1350" dirty="0"/>
+            <a:endParaRPr lang="en-US" sz="2200" dirty="0"/>
           </a:p>
         </p:txBody>
       </p:sp>
@@ -6810,6 +6810,81 @@
             <a:r>
               <a:rPr lang="ru-RU" dirty="0"/>
               <a:t>из 13</a:t>
+            </a:r>
+          </a:p>
+        </p:txBody>
+      </p:sp>
+      <p:pic>
+        <p:nvPicPr>
+          <p:cNvPr id="2" name="Picture 1">
+            <a:extLst>
+              <a:ext uri="{FF2B5EF4-FFF2-40B4-BE49-F238E27FC236}">
+                <a16:creationId xmlns:a16="http://schemas.microsoft.com/office/drawing/2014/main" id="{D84A7DE0-C80B-4DE9-275B-5ACB807BD11A}"/>
+              </a:ext>
+            </a:extLst>
+          </p:cNvPr>
+          <p:cNvPicPr>
+            <a:picLocks noChangeAspect="1"/>
+          </p:cNvPicPr>
+          <p:nvPr/>
+        </p:nvPicPr>
+        <p:blipFill>
+          <a:blip r:embed="rId3" cstate="print">
+            <a:extLst>
+              <a:ext uri="{28A0092B-C50C-407E-A947-70E740481C1C}">
+                <a14:useLocalDpi xmlns:a14="http://schemas.microsoft.com/office/drawing/2010/main" val="0"/>
+              </a:ext>
+            </a:extLst>
+          </a:blip>
+          <a:stretch>
+            <a:fillRect/>
+          </a:stretch>
+        </p:blipFill>
+        <p:spPr>
+          <a:xfrm>
+            <a:off x="2962019" y="3297982"/>
+            <a:ext cx="3219961" cy="2400612"/>
+          </a:xfrm>
+          <a:prstGeom prst="rect">
+            <a:avLst/>
+          </a:prstGeom>
+        </p:spPr>
+      </p:pic>
+      <p:sp>
+        <p:nvSpPr>
+          <p:cNvPr id="4" name="TextBox 3">
+            <a:extLst>
+              <a:ext uri="{FF2B5EF4-FFF2-40B4-BE49-F238E27FC236}">
+                <a16:creationId xmlns:a16="http://schemas.microsoft.com/office/drawing/2014/main" id="{4A620466-D655-8CE7-603B-8BF920BBC633}"/>
+              </a:ext>
+            </a:extLst>
+          </p:cNvPr>
+          <p:cNvSpPr txBox="1"/>
+          <p:nvPr/>
+        </p:nvSpPr>
+        <p:spPr>
+          <a:xfrm>
+            <a:off x="3343522" y="5819032"/>
+            <a:ext cx="2456955" cy="369332"/>
+          </a:xfrm>
+          <a:prstGeom prst="rect">
+            <a:avLst/>
+          </a:prstGeom>
+          <a:noFill/>
+        </p:spPr>
+        <p:txBody>
+          <a:bodyPr wrap="none" rtlCol="0">
+            <a:spAutoFit/>
+          </a:bodyPr>
+          <a:lstStyle/>
+          <a:p>
+            <a:r>
+              <a:rPr lang="ru-RU" dirty="0"/>
+              <a:t>Паттерн «Бычий флаг»</a:t>
+            </a:r>
+            <a:r>
+              <a:rPr lang="en-RU" dirty="0"/>
+              <a:t> </a:t>
             </a:r>
           </a:p>
         </p:txBody>

--- a/Презентация диплома.pptx
+++ b/Презентация диплома.pptx
@@ -22,8 +22,8 @@
     <p:sldId id="278" r:id="rId10"/>
     <p:sldId id="286" r:id="rId11"/>
     <p:sldId id="287" r:id="rId12"/>
-    <p:sldId id="288" r:id="rId13"/>
-    <p:sldId id="279" r:id="rId14"/>
+    <p:sldId id="279" r:id="rId13"/>
+    <p:sldId id="288" r:id="rId14"/>
   </p:sldIdLst>
   <p:sldSz cx="9144000" cy="6858000" type="screen4x3"/>
   <p:notesSz cx="6858000" cy="9144000"/>
@@ -227,7 +227,7 @@
           <a:p>
             <a:fld id="{F7732DAD-22E1-40A6-951B-2F654080880B}" type="datetimeFigureOut">
               <a:rPr lang="ru-RU" smtClean="0"/>
-              <a:t>18.05.2025</a:t>
+              <a:t>24.05.2025</a:t>
             </a:fld>
             <a:endParaRPr lang="ru-RU"/>
           </a:p>
@@ -405,7 +405,7 @@
           <a:p>
             <a:fld id="{9B62E7DF-B96E-43FC-A212-C04A366A9C15}" type="datetimeFigureOut">
               <a:rPr lang="ru-RU" smtClean="0"/>
-              <a:t>18.05.2025</a:t>
+              <a:t>24.05.2025</a:t>
             </a:fld>
             <a:endParaRPr lang="ru-RU"/>
           </a:p>
@@ -913,6 +913,72 @@
   <p:cSld>
     <p:spTree>
       <p:nvGrpSpPr>
+        <p:cNvPr id="1" name=""/>
+        <p:cNvGrpSpPr/>
+        <p:nvPr/>
+      </p:nvGrpSpPr>
+      <p:grpSpPr>
+        <a:xfrm>
+          <a:off x="0" y="0"/>
+          <a:ext cx="0" cy="0"/>
+          <a:chOff x="0" y="0"/>
+          <a:chExt cx="0" cy="0"/>
+        </a:xfrm>
+      </p:grpSpPr>
+      <p:sp>
+        <p:nvSpPr>
+          <p:cNvPr id="2" name="Slide Image Placeholder 1"/>
+          <p:cNvSpPr>
+            <a:spLocks noGrp="1" noRot="1" noChangeAspect="1"/>
+          </p:cNvSpPr>
+          <p:nvPr>
+            <p:ph type="sldImg"/>
+          </p:nvPr>
+        </p:nvSpPr>
+        <p:spPr>
+          <a:xfrm>
+            <a:off x="1371600" y="1143000"/>
+            <a:ext cx="4114800" cy="3086100"/>
+          </a:xfrm>
+        </p:spPr>
+      </p:sp>
+      <p:sp>
+        <p:nvSpPr>
+          <p:cNvPr id="3" name="Notes Placeholder 2"/>
+          <p:cNvSpPr>
+            <a:spLocks noGrp="1"/>
+          </p:cNvSpPr>
+          <p:nvPr>
+            <p:ph type="body" idx="1"/>
+          </p:nvPr>
+        </p:nvSpPr>
+        <p:spPr/>
+        <p:txBody>
+          <a:bodyPr/>
+          <a:lstStyle/>
+          <a:p>
+            <a:endParaRPr lang="en-RU"/>
+          </a:p>
+        </p:txBody>
+      </p:sp>
+    </p:spTree>
+    <p:extLst>
+      <p:ext uri="{BB962C8B-B14F-4D97-AF65-F5344CB8AC3E}">
+        <p14:creationId xmlns:p14="http://schemas.microsoft.com/office/powerpoint/2010/main" val="3362250525"/>
+      </p:ext>
+    </p:extLst>
+  </p:cSld>
+  <p:clrMapOvr>
+    <a:masterClrMapping/>
+  </p:clrMapOvr>
+</p:notes>
+</file>
+
+<file path=ppt/notesSlides/notesSlide13.xml><?xml version="1.0" encoding="utf-8"?>
+<p:notes xmlns:a="http://schemas.openxmlformats.org/drawingml/2006/main" xmlns:r="http://schemas.openxmlformats.org/officeDocument/2006/relationships" xmlns:p="http://schemas.openxmlformats.org/presentationml/2006/main">
+  <p:cSld>
+    <p:spTree>
+      <p:nvGrpSpPr>
         <p:cNvPr id="1" name="">
           <a:extLst>
             <a:ext uri="{FF2B5EF4-FFF2-40B4-BE49-F238E27FC236}">
@@ -983,72 +1049,6 @@
     <p:extLst>
       <p:ext uri="{BB962C8B-B14F-4D97-AF65-F5344CB8AC3E}">
         <p14:creationId xmlns:p14="http://schemas.microsoft.com/office/powerpoint/2010/main" val="3162313357"/>
-      </p:ext>
-    </p:extLst>
-  </p:cSld>
-  <p:clrMapOvr>
-    <a:masterClrMapping/>
-  </p:clrMapOvr>
-</p:notes>
-</file>
-
-<file path=ppt/notesSlides/notesSlide13.xml><?xml version="1.0" encoding="utf-8"?>
-<p:notes xmlns:a="http://schemas.openxmlformats.org/drawingml/2006/main" xmlns:r="http://schemas.openxmlformats.org/officeDocument/2006/relationships" xmlns:p="http://schemas.openxmlformats.org/presentationml/2006/main">
-  <p:cSld>
-    <p:spTree>
-      <p:nvGrpSpPr>
-        <p:cNvPr id="1" name=""/>
-        <p:cNvGrpSpPr/>
-        <p:nvPr/>
-      </p:nvGrpSpPr>
-      <p:grpSpPr>
-        <a:xfrm>
-          <a:off x="0" y="0"/>
-          <a:ext cx="0" cy="0"/>
-          <a:chOff x="0" y="0"/>
-          <a:chExt cx="0" cy="0"/>
-        </a:xfrm>
-      </p:grpSpPr>
-      <p:sp>
-        <p:nvSpPr>
-          <p:cNvPr id="2" name="Slide Image Placeholder 1"/>
-          <p:cNvSpPr>
-            <a:spLocks noGrp="1" noRot="1" noChangeAspect="1"/>
-          </p:cNvSpPr>
-          <p:nvPr>
-            <p:ph type="sldImg"/>
-          </p:nvPr>
-        </p:nvSpPr>
-        <p:spPr>
-          <a:xfrm>
-            <a:off x="1371600" y="1143000"/>
-            <a:ext cx="4114800" cy="3086100"/>
-          </a:xfrm>
-        </p:spPr>
-      </p:sp>
-      <p:sp>
-        <p:nvSpPr>
-          <p:cNvPr id="3" name="Notes Placeholder 2"/>
-          <p:cNvSpPr>
-            <a:spLocks noGrp="1"/>
-          </p:cNvSpPr>
-          <p:nvPr>
-            <p:ph type="body" idx="1"/>
-          </p:nvPr>
-        </p:nvSpPr>
-        <p:spPr/>
-        <p:txBody>
-          <a:bodyPr/>
-          <a:lstStyle/>
-          <a:p>
-            <a:endParaRPr lang="en-RU"/>
-          </a:p>
-        </p:txBody>
-      </p:sp>
-    </p:spTree>
-    <p:extLst>
-      <p:ext uri="{BB962C8B-B14F-4D97-AF65-F5344CB8AC3E}">
-        <p14:creationId xmlns:p14="http://schemas.microsoft.com/office/powerpoint/2010/main" val="3362250525"/>
       </p:ext>
     </p:extLst>
   </p:cSld>
@@ -4778,7 +4778,7 @@
           <a:p>
             <a:fld id="{33883747-69F0-854C-B157-B8BEB941B560}" type="datetimeFigureOut">
               <a:rPr lang="en-RU" smtClean="0"/>
-              <a:t>18.05.2025</a:t>
+              <a:t>24.05.2025</a:t>
             </a:fld>
             <a:endParaRPr lang="en-RU"/>
           </a:p>
@@ -6026,218 +6026,6 @@
         <p:cNvPr id="1" name="">
           <a:extLst>
             <a:ext uri="{FF2B5EF4-FFF2-40B4-BE49-F238E27FC236}">
-              <a16:creationId xmlns:a16="http://schemas.microsoft.com/office/drawing/2014/main" id="{FF56C87A-3BC6-D5E8-94C5-887C2EC54673}"/>
-            </a:ext>
-          </a:extLst>
-        </p:cNvPr>
-        <p:cNvGrpSpPr/>
-        <p:nvPr/>
-      </p:nvGrpSpPr>
-      <p:grpSpPr>
-        <a:xfrm>
-          <a:off x="0" y="0"/>
-          <a:ext cx="0" cy="0"/>
-          <a:chOff x="0" y="0"/>
-          <a:chExt cx="0" cy="0"/>
-        </a:xfrm>
-      </p:grpSpPr>
-      <p:sp>
-        <p:nvSpPr>
-          <p:cNvPr id="9" name="TextBox 8">
-            <a:extLst>
-              <a:ext uri="{FF2B5EF4-FFF2-40B4-BE49-F238E27FC236}">
-                <a16:creationId xmlns:a16="http://schemas.microsoft.com/office/drawing/2014/main" id="{27D5BC96-B4CB-5104-BB9C-9B1C989D5F58}"/>
-              </a:ext>
-            </a:extLst>
-          </p:cNvPr>
-          <p:cNvSpPr txBox="1"/>
-          <p:nvPr/>
-        </p:nvSpPr>
-        <p:spPr>
-          <a:xfrm>
-            <a:off x="805491" y="607643"/>
-            <a:ext cx="7533017" cy="658297"/>
-          </a:xfrm>
-          <a:prstGeom prst="rect">
-            <a:avLst/>
-          </a:prstGeom>
-          <a:solidFill>
-            <a:schemeClr val="accent5"/>
-          </a:solidFill>
-          <a:ln>
-            <a:noFill/>
-          </a:ln>
-        </p:spPr>
-        <p:style>
-          <a:lnRef idx="0">
-            <a:scrgbClr r="0" g="0" b="0"/>
-          </a:lnRef>
-          <a:fillRef idx="0">
-            <a:scrgbClr r="0" g="0" b="0"/>
-          </a:fillRef>
-          <a:effectRef idx="0">
-            <a:scrgbClr r="0" g="0" b="0"/>
-          </a:effectRef>
-          <a:fontRef idx="minor">
-            <a:schemeClr val="lt1"/>
-          </a:fontRef>
-        </p:style>
-        <p:txBody>
-          <a:bodyPr vert="horz" lIns="68580" tIns="34290" rIns="68580" bIns="34290" rtlCol="0" anchor="ctr">
-            <a:normAutofit/>
-          </a:bodyPr>
-          <a:lstStyle/>
-          <a:p>
-            <a:pPr algn="ctr"/>
-            <a:r>
-              <a:rPr lang="ru-RU" sz="2400" dirty="0"/>
-              <a:t>Полученные результаты</a:t>
-            </a:r>
-          </a:p>
-        </p:txBody>
-      </p:sp>
-      <p:sp>
-        <p:nvSpPr>
-          <p:cNvPr id="3" name="TextBox 2">
-            <a:extLst>
-              <a:ext uri="{FF2B5EF4-FFF2-40B4-BE49-F238E27FC236}">
-                <a16:creationId xmlns:a16="http://schemas.microsoft.com/office/drawing/2014/main" id="{F92D72E5-0629-1EB5-C205-0CDF5385B405}"/>
-              </a:ext>
-            </a:extLst>
-          </p:cNvPr>
-          <p:cNvSpPr txBox="1"/>
-          <p:nvPr/>
-        </p:nvSpPr>
-        <p:spPr>
-          <a:xfrm>
-            <a:off x="805490" y="1537446"/>
-            <a:ext cx="7533017" cy="4547399"/>
-          </a:xfrm>
-          <a:prstGeom prst="rect">
-            <a:avLst/>
-          </a:prstGeom>
-          <a:noFill/>
-        </p:spPr>
-        <p:txBody>
-          <a:bodyPr wrap="square">
-            <a:spAutoFit/>
-          </a:bodyPr>
-          <a:lstStyle/>
-          <a:p>
-            <a:pPr>
-              <a:spcBef>
-                <a:spcPts val="900"/>
-              </a:spcBef>
-              <a:spcAft>
-                <a:spcPts val="900"/>
-              </a:spcAft>
-            </a:pPr>
-            <a:endParaRPr lang="ru-RU" dirty="0">
-              <a:ea typeface="Times New Roman" panose="02020603050405020304" pitchFamily="18" charset="0"/>
-            </a:endParaRPr>
-          </a:p>
-          <a:p>
-            <a:pPr marL="285750" indent="-285750">
-              <a:buFont typeface="Arial" panose="020B0604020202020204" pitchFamily="34" charset="0"/>
-              <a:buChar char="•"/>
-            </a:pPr>
-            <a:r>
-              <a:rPr lang="ru-RU" sz="2400" dirty="0"/>
-              <a:t>Проведено исследование предметной области и анализ существующих кроссплатформенных библиотек для финансового анализа</a:t>
-            </a:r>
-          </a:p>
-          <a:p>
-            <a:pPr marL="285750" indent="-285750">
-              <a:buFont typeface="Arial" panose="020B0604020202020204" pitchFamily="34" charset="0"/>
-              <a:buChar char="•"/>
-            </a:pPr>
-            <a:r>
-              <a:rPr lang="ru-RU" sz="2400" dirty="0"/>
-              <a:t>Исследованы современные технологии для создания кросс-платформенной библиотеки и реализована архитектура библиотеки</a:t>
-            </a:r>
-          </a:p>
-          <a:p>
-            <a:pPr marL="285750" indent="-285750">
-              <a:buFont typeface="Arial" panose="020B0604020202020204" pitchFamily="34" charset="0"/>
-              <a:buChar char="•"/>
-            </a:pPr>
-            <a:r>
-              <a:rPr lang="ru-RU" sz="2400" dirty="0"/>
-              <a:t>Разработаны графические инструменты, востребованные трейдерским сообществом</a:t>
-            </a:r>
-          </a:p>
-          <a:p>
-            <a:pPr marL="285750" indent="-285750">
-              <a:buFont typeface="Arial" panose="020B0604020202020204" pitchFamily="34" charset="0"/>
-              <a:buChar char="•"/>
-            </a:pPr>
-            <a:r>
-              <a:rPr lang="ru-RU" sz="2400" dirty="0"/>
-              <a:t>Создано демонстрационное приложение и осуществлена публикация библиотеки в открытом доступе</a:t>
-            </a:r>
-            <a:endParaRPr lang="ru-RU" sz="2400" dirty="0">
-              <a:ea typeface="Times New Roman" panose="02020603050405020304" pitchFamily="18" charset="0"/>
-            </a:endParaRPr>
-          </a:p>
-        </p:txBody>
-      </p:sp>
-      <p:sp>
-        <p:nvSpPr>
-          <p:cNvPr id="15" name="Slide Number Placeholder 14">
-            <a:extLst>
-              <a:ext uri="{FF2B5EF4-FFF2-40B4-BE49-F238E27FC236}">
-                <a16:creationId xmlns:a16="http://schemas.microsoft.com/office/drawing/2014/main" id="{A4FFEEED-9916-4131-39B3-3223417991AE}"/>
-              </a:ext>
-            </a:extLst>
-          </p:cNvPr>
-          <p:cNvSpPr>
-            <a:spLocks noGrp="1"/>
-          </p:cNvSpPr>
-          <p:nvPr>
-            <p:ph type="sldNum" sz="quarter" idx="12"/>
-          </p:nvPr>
-        </p:nvSpPr>
-        <p:spPr/>
-        <p:txBody>
-          <a:bodyPr/>
-          <a:lstStyle/>
-          <a:p>
-            <a:r>
-              <a:rPr lang="ru-RU" dirty="0"/>
-              <a:t>12</a:t>
-            </a:r>
-            <a:r>
-              <a:rPr lang="en-US" dirty="0"/>
-              <a:t> </a:t>
-            </a:r>
-            <a:r>
-              <a:rPr lang="ru-RU" dirty="0"/>
-              <a:t>из 13</a:t>
-            </a:r>
-          </a:p>
-        </p:txBody>
-      </p:sp>
-    </p:spTree>
-    <p:extLst>
-      <p:ext uri="{BB962C8B-B14F-4D97-AF65-F5344CB8AC3E}">
-        <p14:creationId xmlns:p14="http://schemas.microsoft.com/office/powerpoint/2010/main" val="3059469814"/>
-      </p:ext>
-    </p:extLst>
-  </p:cSld>
-  <p:clrMapOvr>
-    <a:masterClrMapping/>
-  </p:clrMapOvr>
-</p:sld>
-</file>
-
-<file path=ppt/slides/slide13.xml><?xml version="1.0" encoding="utf-8"?>
-<p:sld xmlns:a="http://schemas.openxmlformats.org/drawingml/2006/main" xmlns:r="http://schemas.openxmlformats.org/officeDocument/2006/relationships" xmlns:p="http://schemas.openxmlformats.org/presentationml/2006/main">
-  <p:cSld>
-    <p:spTree>
-      <p:nvGrpSpPr>
-        <p:cNvPr id="1" name="">
-          <a:extLst>
-            <a:ext uri="{FF2B5EF4-FFF2-40B4-BE49-F238E27FC236}">
               <a16:creationId xmlns:a16="http://schemas.microsoft.com/office/drawing/2014/main" id="{BCDD95AE-E62F-A61B-CE31-7E1DB199AE84}"/>
             </a:ext>
           </a:extLst>
@@ -6368,11 +6156,11 @@
           <a:p>
             <a:r>
               <a:rPr lang="ru-RU" dirty="0"/>
-              <a:t>13</a:t>
+              <a:t>1</a:t>
             </a:r>
             <a:r>
               <a:rPr lang="en-US" dirty="0"/>
-              <a:t> </a:t>
+              <a:t>2 </a:t>
             </a:r>
             <a:r>
               <a:rPr lang="ru-RU" dirty="0"/>
@@ -6385,6 +6173,218 @@
     <p:extLst>
       <p:ext uri="{BB962C8B-B14F-4D97-AF65-F5344CB8AC3E}">
         <p14:creationId xmlns:p14="http://schemas.microsoft.com/office/powerpoint/2010/main" val="368553912"/>
+      </p:ext>
+    </p:extLst>
+  </p:cSld>
+  <p:clrMapOvr>
+    <a:masterClrMapping/>
+  </p:clrMapOvr>
+</p:sld>
+</file>
+
+<file path=ppt/slides/slide13.xml><?xml version="1.0" encoding="utf-8"?>
+<p:sld xmlns:a="http://schemas.openxmlformats.org/drawingml/2006/main" xmlns:r="http://schemas.openxmlformats.org/officeDocument/2006/relationships" xmlns:p="http://schemas.openxmlformats.org/presentationml/2006/main">
+  <p:cSld>
+    <p:spTree>
+      <p:nvGrpSpPr>
+        <p:cNvPr id="1" name="">
+          <a:extLst>
+            <a:ext uri="{FF2B5EF4-FFF2-40B4-BE49-F238E27FC236}">
+              <a16:creationId xmlns:a16="http://schemas.microsoft.com/office/drawing/2014/main" id="{FF56C87A-3BC6-D5E8-94C5-887C2EC54673}"/>
+            </a:ext>
+          </a:extLst>
+        </p:cNvPr>
+        <p:cNvGrpSpPr/>
+        <p:nvPr/>
+      </p:nvGrpSpPr>
+      <p:grpSpPr>
+        <a:xfrm>
+          <a:off x="0" y="0"/>
+          <a:ext cx="0" cy="0"/>
+          <a:chOff x="0" y="0"/>
+          <a:chExt cx="0" cy="0"/>
+        </a:xfrm>
+      </p:grpSpPr>
+      <p:sp>
+        <p:nvSpPr>
+          <p:cNvPr id="9" name="TextBox 8">
+            <a:extLst>
+              <a:ext uri="{FF2B5EF4-FFF2-40B4-BE49-F238E27FC236}">
+                <a16:creationId xmlns:a16="http://schemas.microsoft.com/office/drawing/2014/main" id="{27D5BC96-B4CB-5104-BB9C-9B1C989D5F58}"/>
+              </a:ext>
+            </a:extLst>
+          </p:cNvPr>
+          <p:cNvSpPr txBox="1"/>
+          <p:nvPr/>
+        </p:nvSpPr>
+        <p:spPr>
+          <a:xfrm>
+            <a:off x="805491" y="607643"/>
+            <a:ext cx="7533017" cy="658297"/>
+          </a:xfrm>
+          <a:prstGeom prst="rect">
+            <a:avLst/>
+          </a:prstGeom>
+          <a:solidFill>
+            <a:schemeClr val="accent5"/>
+          </a:solidFill>
+          <a:ln>
+            <a:noFill/>
+          </a:ln>
+        </p:spPr>
+        <p:style>
+          <a:lnRef idx="0">
+            <a:scrgbClr r="0" g="0" b="0"/>
+          </a:lnRef>
+          <a:fillRef idx="0">
+            <a:scrgbClr r="0" g="0" b="0"/>
+          </a:fillRef>
+          <a:effectRef idx="0">
+            <a:scrgbClr r="0" g="0" b="0"/>
+          </a:effectRef>
+          <a:fontRef idx="minor">
+            <a:schemeClr val="lt1"/>
+          </a:fontRef>
+        </p:style>
+        <p:txBody>
+          <a:bodyPr vert="horz" lIns="68580" tIns="34290" rIns="68580" bIns="34290" rtlCol="0" anchor="ctr">
+            <a:normAutofit/>
+          </a:bodyPr>
+          <a:lstStyle/>
+          <a:p>
+            <a:pPr algn="ctr"/>
+            <a:r>
+              <a:rPr lang="ru-RU" sz="2400" dirty="0"/>
+              <a:t>Полученные результаты</a:t>
+            </a:r>
+          </a:p>
+        </p:txBody>
+      </p:sp>
+      <p:sp>
+        <p:nvSpPr>
+          <p:cNvPr id="3" name="TextBox 2">
+            <a:extLst>
+              <a:ext uri="{FF2B5EF4-FFF2-40B4-BE49-F238E27FC236}">
+                <a16:creationId xmlns:a16="http://schemas.microsoft.com/office/drawing/2014/main" id="{F92D72E5-0629-1EB5-C205-0CDF5385B405}"/>
+              </a:ext>
+            </a:extLst>
+          </p:cNvPr>
+          <p:cNvSpPr txBox="1"/>
+          <p:nvPr/>
+        </p:nvSpPr>
+        <p:spPr>
+          <a:xfrm>
+            <a:off x="805490" y="1537446"/>
+            <a:ext cx="7533017" cy="4547399"/>
+          </a:xfrm>
+          <a:prstGeom prst="rect">
+            <a:avLst/>
+          </a:prstGeom>
+          <a:noFill/>
+        </p:spPr>
+        <p:txBody>
+          <a:bodyPr wrap="square">
+            <a:spAutoFit/>
+          </a:bodyPr>
+          <a:lstStyle/>
+          <a:p>
+            <a:pPr>
+              <a:spcBef>
+                <a:spcPts val="900"/>
+              </a:spcBef>
+              <a:spcAft>
+                <a:spcPts val="900"/>
+              </a:spcAft>
+            </a:pPr>
+            <a:endParaRPr lang="ru-RU" dirty="0">
+              <a:ea typeface="Times New Roman" panose="02020603050405020304" pitchFamily="18" charset="0"/>
+            </a:endParaRPr>
+          </a:p>
+          <a:p>
+            <a:pPr marL="285750" indent="-285750">
+              <a:buFont typeface="Arial" panose="020B0604020202020204" pitchFamily="34" charset="0"/>
+              <a:buChar char="•"/>
+            </a:pPr>
+            <a:r>
+              <a:rPr lang="ru-RU" sz="2400" dirty="0"/>
+              <a:t>Проведено исследование предметной области и анализ существующих кроссплатформенных библиотек для финансового анализа</a:t>
+            </a:r>
+          </a:p>
+          <a:p>
+            <a:pPr marL="285750" indent="-285750">
+              <a:buFont typeface="Arial" panose="020B0604020202020204" pitchFamily="34" charset="0"/>
+              <a:buChar char="•"/>
+            </a:pPr>
+            <a:r>
+              <a:rPr lang="ru-RU" sz="2400" dirty="0"/>
+              <a:t>Исследованы современные технологии для создания кросс-платформенной библиотеки и реализована архитектура библиотеки</a:t>
+            </a:r>
+          </a:p>
+          <a:p>
+            <a:pPr marL="285750" indent="-285750">
+              <a:buFont typeface="Arial" panose="020B0604020202020204" pitchFamily="34" charset="0"/>
+              <a:buChar char="•"/>
+            </a:pPr>
+            <a:r>
+              <a:rPr lang="ru-RU" sz="2400" dirty="0"/>
+              <a:t>Разработаны графические инструменты, востребованные трейдерским сообществом</a:t>
+            </a:r>
+          </a:p>
+          <a:p>
+            <a:pPr marL="285750" indent="-285750">
+              <a:buFont typeface="Arial" panose="020B0604020202020204" pitchFamily="34" charset="0"/>
+              <a:buChar char="•"/>
+            </a:pPr>
+            <a:r>
+              <a:rPr lang="ru-RU" sz="2400" dirty="0"/>
+              <a:t>Создано демонстрационное приложение и осуществлена публикация библиотеки в открытом доступе</a:t>
+            </a:r>
+            <a:endParaRPr lang="ru-RU" sz="2400" dirty="0">
+              <a:ea typeface="Times New Roman" panose="02020603050405020304" pitchFamily="18" charset="0"/>
+            </a:endParaRPr>
+          </a:p>
+        </p:txBody>
+      </p:sp>
+      <p:sp>
+        <p:nvSpPr>
+          <p:cNvPr id="15" name="Slide Number Placeholder 14">
+            <a:extLst>
+              <a:ext uri="{FF2B5EF4-FFF2-40B4-BE49-F238E27FC236}">
+                <a16:creationId xmlns:a16="http://schemas.microsoft.com/office/drawing/2014/main" id="{A4FFEEED-9916-4131-39B3-3223417991AE}"/>
+              </a:ext>
+            </a:extLst>
+          </p:cNvPr>
+          <p:cNvSpPr>
+            <a:spLocks noGrp="1"/>
+          </p:cNvSpPr>
+          <p:nvPr>
+            <p:ph type="sldNum" sz="quarter" idx="12"/>
+          </p:nvPr>
+        </p:nvSpPr>
+        <p:spPr/>
+        <p:txBody>
+          <a:bodyPr/>
+          <a:lstStyle/>
+          <a:p>
+            <a:r>
+              <a:rPr lang="ru-RU" dirty="0"/>
+              <a:t>1</a:t>
+            </a:r>
+            <a:r>
+              <a:rPr lang="en-US"/>
+              <a:t>3 </a:t>
+            </a:r>
+            <a:r>
+              <a:rPr lang="ru-RU" dirty="0"/>
+              <a:t>из 13</a:t>
+            </a:r>
+          </a:p>
+        </p:txBody>
+      </p:sp>
+    </p:spTree>
+    <p:extLst>
+      <p:ext uri="{BB962C8B-B14F-4D97-AF65-F5344CB8AC3E}">
+        <p14:creationId xmlns:p14="http://schemas.microsoft.com/office/powerpoint/2010/main" val="3059469814"/>
       </p:ext>
     </p:extLst>
   </p:cSld>
